--- a/單單敬拜.pptx
+++ b/單單敬拜.pptx
@@ -8,10 +8,9 @@
     <p:sldId id="256" r:id="rId2"/>
     <p:sldId id="257" r:id="rId3"/>
     <p:sldId id="258" r:id="rId4"/>
-    <p:sldId id="259" r:id="rId5"/>
-    <p:sldId id="260" r:id="rId6"/>
-    <p:sldId id="261" r:id="rId7"/>
-    <p:sldId id="262" r:id="rId8"/>
+    <p:sldId id="260" r:id="rId5"/>
+    <p:sldId id="261" r:id="rId6"/>
+    <p:sldId id="262" r:id="rId7"/>
   </p:sldIdLst>
   <p:sldSz cx="9144000" cy="6858000" type="screen4x3"/>
   <p:notesSz cx="6858000" cy="9144000"/>
@@ -295,7 +294,7 @@
             <a:fld id="{4772B292-83C2-4519-9E69-18A9E0B9BA4A}" type="datetimeFigureOut">
               <a:rPr lang="zh-TW" altLang="en-US" smtClean="0"/>
               <a:pPr/>
-              <a:t>2017/10/7</a:t>
+              <a:t>2019/8/13</a:t>
             </a:fld>
             <a:endParaRPr lang="zh-TW" altLang="en-US"/>
           </a:p>
@@ -462,7 +461,7 @@
             <a:fld id="{4772B292-83C2-4519-9E69-18A9E0B9BA4A}" type="datetimeFigureOut">
               <a:rPr lang="zh-TW" altLang="en-US" smtClean="0"/>
               <a:pPr/>
-              <a:t>2017/10/7</a:t>
+              <a:t>2019/8/13</a:t>
             </a:fld>
             <a:endParaRPr lang="zh-TW" altLang="en-US"/>
           </a:p>
@@ -639,7 +638,7 @@
             <a:fld id="{4772B292-83C2-4519-9E69-18A9E0B9BA4A}" type="datetimeFigureOut">
               <a:rPr lang="zh-TW" altLang="en-US" smtClean="0"/>
               <a:pPr/>
-              <a:t>2017/10/7</a:t>
+              <a:t>2019/8/13</a:t>
             </a:fld>
             <a:endParaRPr lang="zh-TW" altLang="en-US"/>
           </a:p>
@@ -806,7 +805,7 @@
             <a:fld id="{4772B292-83C2-4519-9E69-18A9E0B9BA4A}" type="datetimeFigureOut">
               <a:rPr lang="zh-TW" altLang="en-US" smtClean="0"/>
               <a:pPr/>
-              <a:t>2017/10/7</a:t>
+              <a:t>2019/8/13</a:t>
             </a:fld>
             <a:endParaRPr lang="zh-TW" altLang="en-US"/>
           </a:p>
@@ -1049,7 +1048,7 @@
             <a:fld id="{4772B292-83C2-4519-9E69-18A9E0B9BA4A}" type="datetimeFigureOut">
               <a:rPr lang="zh-TW" altLang="en-US" smtClean="0"/>
               <a:pPr/>
-              <a:t>2017/10/7</a:t>
+              <a:t>2019/8/13</a:t>
             </a:fld>
             <a:endParaRPr lang="zh-TW" altLang="en-US"/>
           </a:p>
@@ -1334,7 +1333,7 @@
             <a:fld id="{4772B292-83C2-4519-9E69-18A9E0B9BA4A}" type="datetimeFigureOut">
               <a:rPr lang="zh-TW" altLang="en-US" smtClean="0"/>
               <a:pPr/>
-              <a:t>2017/10/7</a:t>
+              <a:t>2019/8/13</a:t>
             </a:fld>
             <a:endParaRPr lang="zh-TW" altLang="en-US"/>
           </a:p>
@@ -1753,7 +1752,7 @@
             <a:fld id="{4772B292-83C2-4519-9E69-18A9E0B9BA4A}" type="datetimeFigureOut">
               <a:rPr lang="zh-TW" altLang="en-US" smtClean="0"/>
               <a:pPr/>
-              <a:t>2017/10/7</a:t>
+              <a:t>2019/8/13</a:t>
             </a:fld>
             <a:endParaRPr lang="zh-TW" altLang="en-US"/>
           </a:p>
@@ -1868,7 +1867,7 @@
             <a:fld id="{4772B292-83C2-4519-9E69-18A9E0B9BA4A}" type="datetimeFigureOut">
               <a:rPr lang="zh-TW" altLang="en-US" smtClean="0"/>
               <a:pPr/>
-              <a:t>2017/10/7</a:t>
+              <a:t>2019/8/13</a:t>
             </a:fld>
             <a:endParaRPr lang="zh-TW" altLang="en-US"/>
           </a:p>
@@ -1960,7 +1959,7 @@
             <a:fld id="{4772B292-83C2-4519-9E69-18A9E0B9BA4A}" type="datetimeFigureOut">
               <a:rPr lang="zh-TW" altLang="en-US" smtClean="0"/>
               <a:pPr/>
-              <a:t>2017/10/7</a:t>
+              <a:t>2019/8/13</a:t>
             </a:fld>
             <a:endParaRPr lang="zh-TW" altLang="en-US"/>
           </a:p>
@@ -2234,7 +2233,7 @@
             <a:fld id="{4772B292-83C2-4519-9E69-18A9E0B9BA4A}" type="datetimeFigureOut">
               <a:rPr lang="zh-TW" altLang="en-US" smtClean="0"/>
               <a:pPr/>
-              <a:t>2017/10/7</a:t>
+              <a:t>2019/8/13</a:t>
             </a:fld>
             <a:endParaRPr lang="zh-TW" altLang="en-US"/>
           </a:p>
@@ -2488,7 +2487,7 @@
             <a:fld id="{4772B292-83C2-4519-9E69-18A9E0B9BA4A}" type="datetimeFigureOut">
               <a:rPr lang="zh-TW" altLang="en-US" smtClean="0"/>
               <a:pPr/>
-              <a:t>2017/10/7</a:t>
+              <a:t>2019/8/13</a:t>
             </a:fld>
             <a:endParaRPr lang="zh-TW" altLang="en-US"/>
           </a:p>
@@ -2703,7 +2702,7 @@
             <a:fld id="{4772B292-83C2-4519-9E69-18A9E0B9BA4A}" type="datetimeFigureOut">
               <a:rPr lang="zh-TW" altLang="en-US" smtClean="0"/>
               <a:pPr/>
-              <a:t>2017/10/7</a:t>
+              <a:t>2019/8/13</a:t>
             </a:fld>
             <a:endParaRPr lang="zh-TW" altLang="en-US"/>
           </a:p>
@@ -3984,7 +3983,7 @@
                 <a:latin typeface="微軟正黑體" pitchFamily="34" charset="-120"/>
                 <a:ea typeface="微軟正黑體" pitchFamily="34" charset="-120"/>
               </a:rPr>
-              <a:t>我敬拜你我的主</a:t>
+              <a:t>我渴慕你用全心全意全人</a:t>
             </a:r>
             <a:endParaRPr lang="en-US" altLang="zh-TW" sz="5400" b="1" dirty="0" smtClean="0">
               <a:solidFill>
@@ -4006,7 +4005,73 @@
                 <a:latin typeface="微軟正黑體" pitchFamily="34" charset="-120"/>
                 <a:ea typeface="微軟正黑體" pitchFamily="34" charset="-120"/>
               </a:rPr>
-              <a:t>哦耶穌我敬拜你</a:t>
+              <a:t>我渴慕你超越所有的一切</a:t>
+            </a:r>
+            <a:endParaRPr lang="en-US" altLang="zh-TW" sz="5400" b="1" dirty="0" smtClean="0">
+              <a:solidFill>
+                <a:srgbClr val="000066"/>
+              </a:solidFill>
+              <a:latin typeface="微軟正黑體" pitchFamily="34" charset="-120"/>
+              <a:ea typeface="微軟正黑體" pitchFamily="34" charset="-120"/>
+            </a:endParaRPr>
+          </a:p>
+          <a:p>
+            <a:pPr algn="ctr">
+              <a:buNone/>
+            </a:pPr>
+            <a:r>
+              <a:rPr lang="zh-TW" altLang="en-US" sz="5400" b="1" dirty="0" smtClean="0">
+                <a:solidFill>
+                  <a:srgbClr val="000066"/>
+                </a:solidFill>
+                <a:latin typeface="微軟正黑體" pitchFamily="34" charset="-120"/>
+                <a:ea typeface="微軟正黑體" pitchFamily="34" charset="-120"/>
+              </a:rPr>
+              <a:t>我渴慕你因你是我的唯一</a:t>
+            </a:r>
+            <a:endParaRPr lang="en-US" altLang="zh-TW" sz="5400" b="1" dirty="0" smtClean="0">
+              <a:solidFill>
+                <a:srgbClr val="000066"/>
+              </a:solidFill>
+              <a:latin typeface="微軟正黑體" pitchFamily="34" charset="-120"/>
+              <a:ea typeface="微軟正黑體" pitchFamily="34" charset="-120"/>
+            </a:endParaRPr>
+          </a:p>
+          <a:p>
+            <a:pPr algn="ctr">
+              <a:buNone/>
+            </a:pPr>
+            <a:r>
+              <a:rPr lang="zh-TW" altLang="en-US" sz="5400" b="1" dirty="0" smtClean="0">
+                <a:solidFill>
+                  <a:srgbClr val="000066"/>
+                </a:solidFill>
+                <a:latin typeface="微軟正黑體" pitchFamily="34" charset="-120"/>
+                <a:ea typeface="微軟正黑體" pitchFamily="34" charset="-120"/>
+              </a:rPr>
+              <a:t>用全心全意獻上我所有</a:t>
+            </a:r>
+            <a:endParaRPr lang="en-US" altLang="zh-TW" sz="5400" b="1" dirty="0" smtClean="0">
+              <a:solidFill>
+                <a:srgbClr val="000066"/>
+              </a:solidFill>
+              <a:latin typeface="微軟正黑體" pitchFamily="34" charset="-120"/>
+              <a:ea typeface="微軟正黑體" pitchFamily="34" charset="-120"/>
+            </a:endParaRPr>
+          </a:p>
+          <a:p>
+            <a:pPr algn="ctr">
+              <a:buNone/>
+            </a:pPr>
+            <a:r>
+              <a:rPr lang="zh-TW" altLang="en-US" sz="5400" b="1" dirty="0" smtClean="0">
+                <a:solidFill>
+                  <a:srgbClr val="000066"/>
+                </a:solidFill>
+                <a:latin typeface="微軟正黑體" pitchFamily="34" charset="-120"/>
+                <a:ea typeface="微軟正黑體" pitchFamily="34" charset="-120"/>
+              </a:rPr>
+              <a:t>單單就是來 愛你</a:t>
             </a:r>
             <a:endParaRPr lang="zh-TW" altLang="en-US" sz="5400" b="1" dirty="0">
               <a:solidFill>
@@ -4123,7 +4188,7 @@
                 <a:latin typeface="微軟正黑體" pitchFamily="34" charset="-120"/>
                 <a:ea typeface="微軟正黑體" pitchFamily="34" charset="-120"/>
               </a:rPr>
-              <a:t>我渴慕你用全心全意全人</a:t>
+              <a:t>哈利路亞  哈利哈利路亞</a:t>
             </a:r>
             <a:endParaRPr lang="en-US" altLang="zh-TW" sz="5400" b="1" dirty="0" smtClean="0">
               <a:solidFill>
@@ -4145,7 +4210,7 @@
                 <a:latin typeface="微軟正黑體" pitchFamily="34" charset="-120"/>
                 <a:ea typeface="微軟正黑體" pitchFamily="34" charset="-120"/>
               </a:rPr>
-              <a:t>我渴慕你超越所有的一切</a:t>
+              <a:t>哈利路亞  哈利哈利路亞</a:t>
             </a:r>
             <a:endParaRPr lang="en-US" altLang="zh-TW" sz="5400" b="1" dirty="0" smtClean="0">
               <a:solidFill>
@@ -4167,7 +4232,7 @@
                 <a:latin typeface="微軟正黑體" pitchFamily="34" charset="-120"/>
                 <a:ea typeface="微軟正黑體" pitchFamily="34" charset="-120"/>
               </a:rPr>
-              <a:t>我渴慕你因你是我的唯一</a:t>
+              <a:t>哈利路亞  哈利哈利路亞</a:t>
             </a:r>
             <a:endParaRPr lang="en-US" altLang="zh-TW" sz="5400" b="1" dirty="0" smtClean="0">
               <a:solidFill>
@@ -4189,7 +4254,7 @@
                 <a:latin typeface="微軟正黑體" pitchFamily="34" charset="-120"/>
                 <a:ea typeface="微軟正黑體" pitchFamily="34" charset="-120"/>
               </a:rPr>
-              <a:t>用全心全意獻上我所有</a:t>
+              <a:t>用全心全意  獻上我所有</a:t>
             </a:r>
             <a:endParaRPr lang="en-US" altLang="zh-TW" sz="5400" b="1" dirty="0" smtClean="0">
               <a:solidFill>
@@ -4232,211 +4297,6 @@
 </file>
 
 <file path=ppt/slides/slide6.xml><?xml version="1.0" encoding="utf-8"?>
-<p:sld xmlns:a="http://schemas.openxmlformats.org/drawingml/2006/main" xmlns:r="http://schemas.openxmlformats.org/officeDocument/2006/relationships" xmlns:p="http://schemas.openxmlformats.org/presentationml/2006/main">
-  <p:cSld>
-    <p:spTree>
-      <p:nvGrpSpPr>
-        <p:cNvPr id="1" name=""/>
-        <p:cNvGrpSpPr/>
-        <p:nvPr/>
-      </p:nvGrpSpPr>
-      <p:grpSpPr>
-        <a:xfrm>
-          <a:off x="0" y="0"/>
-          <a:ext cx="0" cy="0"/>
-          <a:chOff x="0" y="0"/>
-          <a:chExt cx="0" cy="0"/>
-        </a:xfrm>
-      </p:grpSpPr>
-      <p:sp>
-        <p:nvSpPr>
-          <p:cNvPr id="4" name="標題 3"/>
-          <p:cNvSpPr>
-            <a:spLocks noGrp="1"/>
-          </p:cNvSpPr>
-          <p:nvPr>
-            <p:ph type="title"/>
-          </p:nvPr>
-        </p:nvSpPr>
-        <p:spPr/>
-        <p:txBody>
-          <a:bodyPr>
-            <a:normAutofit/>
-          </a:bodyPr>
-          <a:lstStyle/>
-          <a:p>
-            <a:r>
-              <a:rPr lang="zh-TW" altLang="en-US" b="1" dirty="0">
-                <a:solidFill>
-                  <a:srgbClr val="000066"/>
-                </a:solidFill>
-                <a:latin typeface="微軟正黑體" pitchFamily="34" charset="-120"/>
-                <a:ea typeface="微軟正黑體" pitchFamily="34" charset="-120"/>
-              </a:rPr>
-              <a:t>單單敬</a:t>
-            </a:r>
-            <a:r>
-              <a:rPr lang="zh-TW" altLang="en-US" b="1" dirty="0" smtClean="0">
-                <a:solidFill>
-                  <a:srgbClr val="000066"/>
-                </a:solidFill>
-                <a:latin typeface="微軟正黑體" pitchFamily="34" charset="-120"/>
-                <a:ea typeface="微軟正黑體" pitchFamily="34" charset="-120"/>
-              </a:rPr>
-              <a:t>拜</a:t>
-            </a:r>
-            <a:endParaRPr lang="zh-TW" altLang="en-US" b="1" dirty="0">
-              <a:solidFill>
-                <a:srgbClr val="000066"/>
-              </a:solidFill>
-              <a:latin typeface="微軟正黑體" pitchFamily="34" charset="-120"/>
-              <a:ea typeface="微軟正黑體" pitchFamily="34" charset="-120"/>
-            </a:endParaRPr>
-          </a:p>
-        </p:txBody>
-      </p:sp>
-      <p:sp>
-        <p:nvSpPr>
-          <p:cNvPr id="5" name="內容版面配置區 4"/>
-          <p:cNvSpPr>
-            <a:spLocks noGrp="1"/>
-          </p:cNvSpPr>
-          <p:nvPr>
-            <p:ph idx="1"/>
-          </p:nvPr>
-        </p:nvSpPr>
-        <p:spPr>
-          <a:xfrm>
-            <a:off x="0" y="1600200"/>
-            <a:ext cx="9144000" cy="5257800"/>
-          </a:xfrm>
-        </p:spPr>
-        <p:txBody>
-          <a:bodyPr>
-            <a:normAutofit/>
-          </a:bodyPr>
-          <a:lstStyle/>
-          <a:p>
-            <a:pPr algn="ctr">
-              <a:buNone/>
-            </a:pPr>
-            <a:r>
-              <a:rPr lang="zh-TW" altLang="en-US" sz="5400" b="1" dirty="0" smtClean="0">
-                <a:solidFill>
-                  <a:srgbClr val="000066"/>
-                </a:solidFill>
-                <a:latin typeface="微軟正黑體" pitchFamily="34" charset="-120"/>
-                <a:ea typeface="微軟正黑體" pitchFamily="34" charset="-120"/>
-              </a:rPr>
-              <a:t>哈利路亞  哈利哈利路亞</a:t>
-            </a:r>
-            <a:endParaRPr lang="en-US" altLang="zh-TW" sz="5400" b="1" dirty="0" smtClean="0">
-              <a:solidFill>
-                <a:srgbClr val="000066"/>
-              </a:solidFill>
-              <a:latin typeface="微軟正黑體" pitchFamily="34" charset="-120"/>
-              <a:ea typeface="微軟正黑體" pitchFamily="34" charset="-120"/>
-            </a:endParaRPr>
-          </a:p>
-          <a:p>
-            <a:pPr algn="ctr">
-              <a:buNone/>
-            </a:pPr>
-            <a:r>
-              <a:rPr lang="zh-TW" altLang="en-US" sz="5400" b="1" dirty="0" smtClean="0">
-                <a:solidFill>
-                  <a:srgbClr val="000066"/>
-                </a:solidFill>
-                <a:latin typeface="微軟正黑體" pitchFamily="34" charset="-120"/>
-                <a:ea typeface="微軟正黑體" pitchFamily="34" charset="-120"/>
-              </a:rPr>
-              <a:t>哈利路亞  哈利哈利路亞</a:t>
-            </a:r>
-            <a:endParaRPr lang="en-US" altLang="zh-TW" sz="5400" b="1" dirty="0" smtClean="0">
-              <a:solidFill>
-                <a:srgbClr val="000066"/>
-              </a:solidFill>
-              <a:latin typeface="微軟正黑體" pitchFamily="34" charset="-120"/>
-              <a:ea typeface="微軟正黑體" pitchFamily="34" charset="-120"/>
-            </a:endParaRPr>
-          </a:p>
-          <a:p>
-            <a:pPr algn="ctr">
-              <a:buNone/>
-            </a:pPr>
-            <a:r>
-              <a:rPr lang="zh-TW" altLang="en-US" sz="5400" b="1" dirty="0" smtClean="0">
-                <a:solidFill>
-                  <a:srgbClr val="000066"/>
-                </a:solidFill>
-                <a:latin typeface="微軟正黑體" pitchFamily="34" charset="-120"/>
-                <a:ea typeface="微軟正黑體" pitchFamily="34" charset="-120"/>
-              </a:rPr>
-              <a:t>哈利路亞  哈利哈利路亞</a:t>
-            </a:r>
-            <a:endParaRPr lang="en-US" altLang="zh-TW" sz="5400" b="1" dirty="0" smtClean="0">
-              <a:solidFill>
-                <a:srgbClr val="000066"/>
-              </a:solidFill>
-              <a:latin typeface="微軟正黑體" pitchFamily="34" charset="-120"/>
-              <a:ea typeface="微軟正黑體" pitchFamily="34" charset="-120"/>
-            </a:endParaRPr>
-          </a:p>
-          <a:p>
-            <a:pPr algn="ctr">
-              <a:buNone/>
-            </a:pPr>
-            <a:r>
-              <a:rPr lang="zh-TW" altLang="en-US" sz="5400" b="1" dirty="0" smtClean="0">
-                <a:solidFill>
-                  <a:srgbClr val="000066"/>
-                </a:solidFill>
-                <a:latin typeface="微軟正黑體" pitchFamily="34" charset="-120"/>
-                <a:ea typeface="微軟正黑體" pitchFamily="34" charset="-120"/>
-              </a:rPr>
-              <a:t>用全心全意  獻上我所有</a:t>
-            </a:r>
-            <a:endParaRPr lang="en-US" altLang="zh-TW" sz="5400" b="1" dirty="0" smtClean="0">
-              <a:solidFill>
-                <a:srgbClr val="000066"/>
-              </a:solidFill>
-              <a:latin typeface="微軟正黑體" pitchFamily="34" charset="-120"/>
-              <a:ea typeface="微軟正黑體" pitchFamily="34" charset="-120"/>
-            </a:endParaRPr>
-          </a:p>
-          <a:p>
-            <a:pPr algn="ctr">
-              <a:buNone/>
-            </a:pPr>
-            <a:r>
-              <a:rPr lang="zh-TW" altLang="en-US" sz="5400" b="1" dirty="0" smtClean="0">
-                <a:solidFill>
-                  <a:srgbClr val="000066"/>
-                </a:solidFill>
-                <a:latin typeface="微軟正黑體" pitchFamily="34" charset="-120"/>
-                <a:ea typeface="微軟正黑體" pitchFamily="34" charset="-120"/>
-              </a:rPr>
-              <a:t>單單就是來 愛你</a:t>
-            </a:r>
-            <a:endParaRPr lang="zh-TW" altLang="en-US" sz="5400" b="1" dirty="0">
-              <a:solidFill>
-                <a:srgbClr val="000066"/>
-              </a:solidFill>
-              <a:latin typeface="微軟正黑體" pitchFamily="34" charset="-120"/>
-              <a:ea typeface="微軟正黑體" pitchFamily="34" charset="-120"/>
-            </a:endParaRPr>
-          </a:p>
-        </p:txBody>
-      </p:sp>
-    </p:spTree>
-  </p:cSld>
-  <p:clrMapOvr>
-    <a:masterClrMapping/>
-  </p:clrMapOvr>
-</p:sld>
-</file>
-
-<file path=ppt/slides/slide7.xml><?xml version="1.0" encoding="utf-8"?>
 <p:sld xmlns:a="http://schemas.openxmlformats.org/drawingml/2006/main" xmlns:r="http://schemas.openxmlformats.org/officeDocument/2006/relationships" xmlns:p="http://schemas.openxmlformats.org/presentationml/2006/main">
   <p:cSld>
     <p:spTree>

--- a/單單敬拜.pptx
+++ b/單單敬拜.pptx
@@ -2,17 +2,16 @@
 <file path=ppt/presentation.xml><?xml version="1.0" encoding="utf-8"?>
 <p:presentation xmlns:a="http://schemas.openxmlformats.org/drawingml/2006/main" xmlns:r="http://schemas.openxmlformats.org/officeDocument/2006/relationships" xmlns:p="http://schemas.openxmlformats.org/presentationml/2006/main" saveSubsetFonts="1">
   <p:sldMasterIdLst>
-    <p:sldMasterId id="2147483672" r:id="rId1"/>
+    <p:sldMasterId id="2147483684" r:id="rId1"/>
   </p:sldMasterIdLst>
   <p:sldIdLst>
     <p:sldId id="256" r:id="rId2"/>
-    <p:sldId id="257" r:id="rId3"/>
-    <p:sldId id="258" r:id="rId4"/>
-    <p:sldId id="260" r:id="rId5"/>
-    <p:sldId id="261" r:id="rId6"/>
-    <p:sldId id="262" r:id="rId7"/>
+    <p:sldId id="258" r:id="rId3"/>
+    <p:sldId id="260" r:id="rId4"/>
+    <p:sldId id="261" r:id="rId5"/>
+    <p:sldId id="262" r:id="rId6"/>
   </p:sldIdLst>
-  <p:sldSz cx="9144000" cy="6858000" type="screen4x3"/>
+  <p:sldSz cx="12192000" cy="6858000"/>
   <p:notesSz cx="6858000" cy="9144000"/>
   <p:defaultTextStyle>
     <a:defPPr>
@@ -109,6 +108,22 @@
       </a:defRPr>
     </a:lvl9pPr>
   </p:defaultTextStyle>
+  <p:extLst>
+    <p:ext uri="{EFAFB233-063F-42B5-8137-9DF3F51BA10A}">
+      <p15:sldGuideLst xmlns:p15="http://schemas.microsoft.com/office/powerpoint/2012/main">
+        <p15:guide id="1" orient="horz" pos="2160" userDrawn="1">
+          <p15:clr>
+            <a:srgbClr val="A4A3A4"/>
+          </p15:clr>
+        </p15:guide>
+        <p15:guide id="2" pos="3840" userDrawn="1">
+          <p15:clr>
+            <a:srgbClr val="A4A3A4"/>
+          </p15:clr>
+        </p15:guide>
+      </p15:sldGuideLst>
+    </p:ext>
+  </p:extLst>
 </p:presentation>
 </file>
 
@@ -141,8 +156,8 @@
         </p:nvSpPr>
         <p:spPr>
           <a:xfrm>
-            <a:off x="685800" y="2130425"/>
-            <a:ext cx="7772400" cy="1470025"/>
+            <a:off x="914400" y="2130428"/>
+            <a:ext cx="10363200" cy="1470025"/>
           </a:xfrm>
         </p:spPr>
         <p:txBody>
@@ -150,8 +165,8 @@
           <a:lstStyle/>
           <a:p>
             <a:r>
-              <a:rPr lang="zh-TW" altLang="en-US" smtClean="0"/>
-              <a:t>按一下以編輯母片標題樣式</a:t>
+              <a:rPr lang="en-US" altLang="zh-TW" smtClean="0"/>
+              <a:t>Click to edit Master title style</a:t>
             </a:r>
             <a:endParaRPr lang="zh-TW" altLang="en-US"/>
           </a:p>
@@ -169,8 +184,8 @@
         </p:nvSpPr>
         <p:spPr>
           <a:xfrm>
-            <a:off x="1371600" y="3886200"/>
-            <a:ext cx="6400800" cy="1752600"/>
+            <a:off x="1828800" y="3886200"/>
+            <a:ext cx="8534400" cy="1752600"/>
           </a:xfrm>
         </p:spPr>
         <p:txBody>
@@ -186,7 +201,7 @@
                 </a:solidFill>
               </a:defRPr>
             </a:lvl1pPr>
-            <a:lvl2pPr marL="457200" indent="0" algn="ctr">
+            <a:lvl2pPr marL="457189" indent="0" algn="ctr">
               <a:buNone/>
               <a:defRPr>
                 <a:solidFill>
@@ -196,7 +211,7 @@
                 </a:solidFill>
               </a:defRPr>
             </a:lvl2pPr>
-            <a:lvl3pPr marL="914400" indent="0" algn="ctr">
+            <a:lvl3pPr marL="914378" indent="0" algn="ctr">
               <a:buNone/>
               <a:defRPr>
                 <a:solidFill>
@@ -206,7 +221,7 @@
                 </a:solidFill>
               </a:defRPr>
             </a:lvl3pPr>
-            <a:lvl4pPr marL="1371600" indent="0" algn="ctr">
+            <a:lvl4pPr marL="1371566" indent="0" algn="ctr">
               <a:buNone/>
               <a:defRPr>
                 <a:solidFill>
@@ -216,7 +231,7 @@
                 </a:solidFill>
               </a:defRPr>
             </a:lvl4pPr>
-            <a:lvl5pPr marL="1828800" indent="0" algn="ctr">
+            <a:lvl5pPr marL="1828754" indent="0" algn="ctr">
               <a:buNone/>
               <a:defRPr>
                 <a:solidFill>
@@ -226,7 +241,7 @@
                 </a:solidFill>
               </a:defRPr>
             </a:lvl5pPr>
-            <a:lvl6pPr marL="2286000" indent="0" algn="ctr">
+            <a:lvl6pPr marL="2285943" indent="0" algn="ctr">
               <a:buNone/>
               <a:defRPr>
                 <a:solidFill>
@@ -236,7 +251,7 @@
                 </a:solidFill>
               </a:defRPr>
             </a:lvl6pPr>
-            <a:lvl7pPr marL="2743200" indent="0" algn="ctr">
+            <a:lvl7pPr marL="2743132" indent="0" algn="ctr">
               <a:buNone/>
               <a:defRPr>
                 <a:solidFill>
@@ -246,7 +261,7 @@
                 </a:solidFill>
               </a:defRPr>
             </a:lvl7pPr>
-            <a:lvl8pPr marL="3200400" indent="0" algn="ctr">
+            <a:lvl8pPr marL="3200320" indent="0" algn="ctr">
               <a:buNone/>
               <a:defRPr>
                 <a:solidFill>
@@ -256,7 +271,7 @@
                 </a:solidFill>
               </a:defRPr>
             </a:lvl8pPr>
-            <a:lvl9pPr marL="3657600" indent="0" algn="ctr">
+            <a:lvl9pPr marL="3657509" indent="0" algn="ctr">
               <a:buNone/>
               <a:defRPr>
                 <a:solidFill>
@@ -269,8 +284,8 @@
           </a:lstStyle>
           <a:p>
             <a:r>
-              <a:rPr lang="zh-TW" altLang="en-US" smtClean="0"/>
-              <a:t>按一下以編輯母片副標題樣式</a:t>
+              <a:rPr lang="en-US" altLang="zh-TW" smtClean="0"/>
+              <a:t>Click to edit Master subtitle style</a:t>
             </a:r>
             <a:endParaRPr lang="zh-TW" altLang="en-US"/>
           </a:p>
@@ -294,7 +309,7 @@
             <a:fld id="{4772B292-83C2-4519-9E69-18A9E0B9BA4A}" type="datetimeFigureOut">
               <a:rPr lang="zh-TW" altLang="en-US" smtClean="0"/>
               <a:pPr/>
-              <a:t>2019/8/13</a:t>
+              <a:t>2020/10/9</a:t>
             </a:fld>
             <a:endParaRPr lang="zh-TW" altLang="en-US"/>
           </a:p>
@@ -344,6 +359,11 @@
         </p:txBody>
       </p:sp>
     </p:spTree>
+    <p:extLst>
+      <p:ext uri="{BB962C8B-B14F-4D97-AF65-F5344CB8AC3E}">
+        <p14:creationId xmlns:p14="http://schemas.microsoft.com/office/powerpoint/2010/main" val="447605226"/>
+      </p:ext>
+    </p:extLst>
   </p:cSld>
   <p:clrMapOvr>
     <a:masterClrMapping/>
@@ -384,8 +404,8 @@
           <a:lstStyle/>
           <a:p>
             <a:r>
-              <a:rPr lang="zh-TW" altLang="en-US" smtClean="0"/>
-              <a:t>按一下以編輯母片標題樣式</a:t>
+              <a:rPr lang="en-US" altLang="zh-TW" smtClean="0"/>
+              <a:t>Click to edit Master title style</a:t>
             </a:r>
             <a:endParaRPr lang="zh-TW" altLang="en-US"/>
           </a:p>
@@ -408,36 +428,36 @@
           <a:p>
             <a:pPr lvl="0"/>
             <a:r>
-              <a:rPr lang="zh-TW" altLang="en-US" smtClean="0"/>
-              <a:t>按一下以編輯母片文字樣式</a:t>
+              <a:rPr lang="en-US" altLang="zh-TW" smtClean="0"/>
+              <a:t>Edit Master text styles</a:t>
             </a:r>
           </a:p>
           <a:p>
             <a:pPr lvl="1"/>
             <a:r>
-              <a:rPr lang="zh-TW" altLang="en-US" smtClean="0"/>
-              <a:t>第二層</a:t>
+              <a:rPr lang="en-US" altLang="zh-TW" smtClean="0"/>
+              <a:t>Second level</a:t>
             </a:r>
           </a:p>
           <a:p>
             <a:pPr lvl="2"/>
             <a:r>
-              <a:rPr lang="zh-TW" altLang="en-US" smtClean="0"/>
-              <a:t>第三層</a:t>
+              <a:rPr lang="en-US" altLang="zh-TW" smtClean="0"/>
+              <a:t>Third level</a:t>
             </a:r>
           </a:p>
           <a:p>
             <a:pPr lvl="3"/>
             <a:r>
-              <a:rPr lang="zh-TW" altLang="en-US" smtClean="0"/>
-              <a:t>第四層</a:t>
+              <a:rPr lang="en-US" altLang="zh-TW" smtClean="0"/>
+              <a:t>Fourth level</a:t>
             </a:r>
           </a:p>
           <a:p>
             <a:pPr lvl="4"/>
             <a:r>
-              <a:rPr lang="zh-TW" altLang="en-US" smtClean="0"/>
-              <a:t>第五層</a:t>
+              <a:rPr lang="en-US" altLang="zh-TW" smtClean="0"/>
+              <a:t>Fifth level</a:t>
             </a:r>
             <a:endParaRPr lang="zh-TW" altLang="en-US"/>
           </a:p>
@@ -461,7 +481,7 @@
             <a:fld id="{4772B292-83C2-4519-9E69-18A9E0B9BA4A}" type="datetimeFigureOut">
               <a:rPr lang="zh-TW" altLang="en-US" smtClean="0"/>
               <a:pPr/>
-              <a:t>2019/8/13</a:t>
+              <a:t>2020/10/9</a:t>
             </a:fld>
             <a:endParaRPr lang="zh-TW" altLang="en-US"/>
           </a:p>
@@ -511,6 +531,11 @@
         </p:txBody>
       </p:sp>
     </p:spTree>
+    <p:extLst>
+      <p:ext uri="{BB962C8B-B14F-4D97-AF65-F5344CB8AC3E}">
+        <p14:creationId xmlns:p14="http://schemas.microsoft.com/office/powerpoint/2010/main" val="1733327848"/>
+      </p:ext>
+    </p:extLst>
   </p:cSld>
   <p:clrMapOvr>
     <a:masterClrMapping/>
@@ -547,8 +572,8 @@
         </p:nvSpPr>
         <p:spPr>
           <a:xfrm>
-            <a:off x="6629400" y="274638"/>
-            <a:ext cx="2057400" cy="5851525"/>
+            <a:off x="8839200" y="274641"/>
+            <a:ext cx="2743200" cy="5851525"/>
           </a:xfrm>
         </p:spPr>
         <p:txBody>
@@ -556,8 +581,8 @@
           <a:lstStyle/>
           <a:p>
             <a:r>
-              <a:rPr lang="zh-TW" altLang="en-US" smtClean="0"/>
-              <a:t>按一下以編輯母片標題樣式</a:t>
+              <a:rPr lang="en-US" altLang="zh-TW" smtClean="0"/>
+              <a:t>Click to edit Master title style</a:t>
             </a:r>
             <a:endParaRPr lang="zh-TW" altLang="en-US"/>
           </a:p>
@@ -575,8 +600,8 @@
         </p:nvSpPr>
         <p:spPr>
           <a:xfrm>
-            <a:off x="457200" y="274638"/>
-            <a:ext cx="6019800" cy="5851525"/>
+            <a:off x="609600" y="274641"/>
+            <a:ext cx="8026400" cy="5851525"/>
           </a:xfrm>
         </p:spPr>
         <p:txBody>
@@ -585,36 +610,36 @@
           <a:p>
             <a:pPr lvl="0"/>
             <a:r>
-              <a:rPr lang="zh-TW" altLang="en-US" smtClean="0"/>
-              <a:t>按一下以編輯母片文字樣式</a:t>
+              <a:rPr lang="en-US" altLang="zh-TW" smtClean="0"/>
+              <a:t>Edit Master text styles</a:t>
             </a:r>
           </a:p>
           <a:p>
             <a:pPr lvl="1"/>
             <a:r>
-              <a:rPr lang="zh-TW" altLang="en-US" smtClean="0"/>
-              <a:t>第二層</a:t>
+              <a:rPr lang="en-US" altLang="zh-TW" smtClean="0"/>
+              <a:t>Second level</a:t>
             </a:r>
           </a:p>
           <a:p>
             <a:pPr lvl="2"/>
             <a:r>
-              <a:rPr lang="zh-TW" altLang="en-US" smtClean="0"/>
-              <a:t>第三層</a:t>
+              <a:rPr lang="en-US" altLang="zh-TW" smtClean="0"/>
+              <a:t>Third level</a:t>
             </a:r>
           </a:p>
           <a:p>
             <a:pPr lvl="3"/>
             <a:r>
-              <a:rPr lang="zh-TW" altLang="en-US" smtClean="0"/>
-              <a:t>第四層</a:t>
+              <a:rPr lang="en-US" altLang="zh-TW" smtClean="0"/>
+              <a:t>Fourth level</a:t>
             </a:r>
           </a:p>
           <a:p>
             <a:pPr lvl="4"/>
             <a:r>
-              <a:rPr lang="zh-TW" altLang="en-US" smtClean="0"/>
-              <a:t>第五層</a:t>
+              <a:rPr lang="en-US" altLang="zh-TW" smtClean="0"/>
+              <a:t>Fifth level</a:t>
             </a:r>
             <a:endParaRPr lang="zh-TW" altLang="en-US"/>
           </a:p>
@@ -638,7 +663,7 @@
             <a:fld id="{4772B292-83C2-4519-9E69-18A9E0B9BA4A}" type="datetimeFigureOut">
               <a:rPr lang="zh-TW" altLang="en-US" smtClean="0"/>
               <a:pPr/>
-              <a:t>2019/8/13</a:t>
+              <a:t>2020/10/9</a:t>
             </a:fld>
             <a:endParaRPr lang="zh-TW" altLang="en-US"/>
           </a:p>
@@ -688,6 +713,11 @@
         </p:txBody>
       </p:sp>
     </p:spTree>
+    <p:extLst>
+      <p:ext uri="{BB962C8B-B14F-4D97-AF65-F5344CB8AC3E}">
+        <p14:creationId xmlns:p14="http://schemas.microsoft.com/office/powerpoint/2010/main" val="1765808975"/>
+      </p:ext>
+    </p:extLst>
   </p:cSld>
   <p:clrMapOvr>
     <a:masterClrMapping/>
@@ -728,8 +758,8 @@
           <a:lstStyle/>
           <a:p>
             <a:r>
-              <a:rPr lang="zh-TW" altLang="en-US" smtClean="0"/>
-              <a:t>按一下以編輯母片標題樣式</a:t>
+              <a:rPr lang="en-US" altLang="zh-TW" smtClean="0"/>
+              <a:t>Click to edit Master title style</a:t>
             </a:r>
             <a:endParaRPr lang="zh-TW" altLang="en-US"/>
           </a:p>
@@ -752,36 +782,36 @@
           <a:p>
             <a:pPr lvl="0"/>
             <a:r>
-              <a:rPr lang="zh-TW" altLang="en-US" smtClean="0"/>
-              <a:t>按一下以編輯母片文字樣式</a:t>
+              <a:rPr lang="en-US" altLang="zh-TW" smtClean="0"/>
+              <a:t>Edit Master text styles</a:t>
             </a:r>
           </a:p>
           <a:p>
             <a:pPr lvl="1"/>
             <a:r>
-              <a:rPr lang="zh-TW" altLang="en-US" smtClean="0"/>
-              <a:t>第二層</a:t>
+              <a:rPr lang="en-US" altLang="zh-TW" smtClean="0"/>
+              <a:t>Second level</a:t>
             </a:r>
           </a:p>
           <a:p>
             <a:pPr lvl="2"/>
             <a:r>
-              <a:rPr lang="zh-TW" altLang="en-US" smtClean="0"/>
-              <a:t>第三層</a:t>
+              <a:rPr lang="en-US" altLang="zh-TW" smtClean="0"/>
+              <a:t>Third level</a:t>
             </a:r>
           </a:p>
           <a:p>
             <a:pPr lvl="3"/>
             <a:r>
-              <a:rPr lang="zh-TW" altLang="en-US" smtClean="0"/>
-              <a:t>第四層</a:t>
+              <a:rPr lang="en-US" altLang="zh-TW" smtClean="0"/>
+              <a:t>Fourth level</a:t>
             </a:r>
           </a:p>
           <a:p>
             <a:pPr lvl="4"/>
             <a:r>
-              <a:rPr lang="zh-TW" altLang="en-US" smtClean="0"/>
-              <a:t>第五層</a:t>
+              <a:rPr lang="en-US" altLang="zh-TW" smtClean="0"/>
+              <a:t>Fifth level</a:t>
             </a:r>
             <a:endParaRPr lang="zh-TW" altLang="en-US"/>
           </a:p>
@@ -805,7 +835,7 @@
             <a:fld id="{4772B292-83C2-4519-9E69-18A9E0B9BA4A}" type="datetimeFigureOut">
               <a:rPr lang="zh-TW" altLang="en-US" smtClean="0"/>
               <a:pPr/>
-              <a:t>2019/8/13</a:t>
+              <a:t>2020/10/9</a:t>
             </a:fld>
             <a:endParaRPr lang="zh-TW" altLang="en-US"/>
           </a:p>
@@ -855,6 +885,11 @@
         </p:txBody>
       </p:sp>
     </p:spTree>
+    <p:extLst>
+      <p:ext uri="{BB962C8B-B14F-4D97-AF65-F5344CB8AC3E}">
+        <p14:creationId xmlns:p14="http://schemas.microsoft.com/office/powerpoint/2010/main" val="3835060465"/>
+      </p:ext>
+    </p:extLst>
   </p:cSld>
   <p:clrMapOvr>
     <a:masterClrMapping/>
@@ -891,8 +926,8 @@
         </p:nvSpPr>
         <p:spPr>
           <a:xfrm>
-            <a:off x="722313" y="4406900"/>
-            <a:ext cx="7772400" cy="1362075"/>
+            <a:off x="963084" y="4406903"/>
+            <a:ext cx="10363200" cy="1362075"/>
           </a:xfrm>
         </p:spPr>
         <p:txBody>
@@ -904,8 +939,8 @@
           </a:lstStyle>
           <a:p>
             <a:r>
-              <a:rPr lang="zh-TW" altLang="en-US" smtClean="0"/>
-              <a:t>按一下以編輯母片標題樣式</a:t>
+              <a:rPr lang="en-US" altLang="zh-TW" smtClean="0"/>
+              <a:t>Click to edit Master title style</a:t>
             </a:r>
             <a:endParaRPr lang="zh-TW" altLang="en-US"/>
           </a:p>
@@ -923,8 +958,8 @@
         </p:nvSpPr>
         <p:spPr>
           <a:xfrm>
-            <a:off x="722313" y="2906713"/>
-            <a:ext cx="7772400" cy="1500187"/>
+            <a:off x="963084" y="2906713"/>
+            <a:ext cx="10363200" cy="1500187"/>
           </a:xfrm>
         </p:spPr>
         <p:txBody>
@@ -940,7 +975,7 @@
                 </a:solidFill>
               </a:defRPr>
             </a:lvl1pPr>
-            <a:lvl2pPr marL="457200" indent="0">
+            <a:lvl2pPr marL="457189" indent="0">
               <a:buNone/>
               <a:defRPr sz="1800">
                 <a:solidFill>
@@ -950,7 +985,7 @@
                 </a:solidFill>
               </a:defRPr>
             </a:lvl2pPr>
-            <a:lvl3pPr marL="914400" indent="0">
+            <a:lvl3pPr marL="914378" indent="0">
               <a:buNone/>
               <a:defRPr sz="1600">
                 <a:solidFill>
@@ -960,7 +995,7 @@
                 </a:solidFill>
               </a:defRPr>
             </a:lvl3pPr>
-            <a:lvl4pPr marL="1371600" indent="0">
+            <a:lvl4pPr marL="1371566" indent="0">
               <a:buNone/>
               <a:defRPr sz="1400">
                 <a:solidFill>
@@ -970,7 +1005,7 @@
                 </a:solidFill>
               </a:defRPr>
             </a:lvl4pPr>
-            <a:lvl5pPr marL="1828800" indent="0">
+            <a:lvl5pPr marL="1828754" indent="0">
               <a:buNone/>
               <a:defRPr sz="1400">
                 <a:solidFill>
@@ -980,7 +1015,7 @@
                 </a:solidFill>
               </a:defRPr>
             </a:lvl5pPr>
-            <a:lvl6pPr marL="2286000" indent="0">
+            <a:lvl6pPr marL="2285943" indent="0">
               <a:buNone/>
               <a:defRPr sz="1400">
                 <a:solidFill>
@@ -990,7 +1025,7 @@
                 </a:solidFill>
               </a:defRPr>
             </a:lvl6pPr>
-            <a:lvl7pPr marL="2743200" indent="0">
+            <a:lvl7pPr marL="2743132" indent="0">
               <a:buNone/>
               <a:defRPr sz="1400">
                 <a:solidFill>
@@ -1000,7 +1035,7 @@
                 </a:solidFill>
               </a:defRPr>
             </a:lvl7pPr>
-            <a:lvl8pPr marL="3200400" indent="0">
+            <a:lvl8pPr marL="3200320" indent="0">
               <a:buNone/>
               <a:defRPr sz="1400">
                 <a:solidFill>
@@ -1010,7 +1045,7 @@
                 </a:solidFill>
               </a:defRPr>
             </a:lvl8pPr>
-            <a:lvl9pPr marL="3657600" indent="0">
+            <a:lvl9pPr marL="3657509" indent="0">
               <a:buNone/>
               <a:defRPr sz="1400">
                 <a:solidFill>
@@ -1024,8 +1059,8 @@
           <a:p>
             <a:pPr lvl="0"/>
             <a:r>
-              <a:rPr lang="zh-TW" altLang="en-US" smtClean="0"/>
-              <a:t>按一下以編輯母片文字樣式</a:t>
+              <a:rPr lang="en-US" altLang="zh-TW" smtClean="0"/>
+              <a:t>Edit Master text styles</a:t>
             </a:r>
           </a:p>
         </p:txBody>
@@ -1048,7 +1083,7 @@
             <a:fld id="{4772B292-83C2-4519-9E69-18A9E0B9BA4A}" type="datetimeFigureOut">
               <a:rPr lang="zh-TW" altLang="en-US" smtClean="0"/>
               <a:pPr/>
-              <a:t>2019/8/13</a:t>
+              <a:t>2020/10/9</a:t>
             </a:fld>
             <a:endParaRPr lang="zh-TW" altLang="en-US"/>
           </a:p>
@@ -1098,6 +1133,11 @@
         </p:txBody>
       </p:sp>
     </p:spTree>
+    <p:extLst>
+      <p:ext uri="{BB962C8B-B14F-4D97-AF65-F5344CB8AC3E}">
+        <p14:creationId xmlns:p14="http://schemas.microsoft.com/office/powerpoint/2010/main" val="898445886"/>
+      </p:ext>
+    </p:extLst>
   </p:cSld>
   <p:clrMapOvr>
     <a:masterClrMapping/>
@@ -1138,8 +1178,8 @@
           <a:lstStyle/>
           <a:p>
             <a:r>
-              <a:rPr lang="zh-TW" altLang="en-US" smtClean="0"/>
-              <a:t>按一下以編輯母片標題樣式</a:t>
+              <a:rPr lang="en-US" altLang="zh-TW" smtClean="0"/>
+              <a:t>Click to edit Master title style</a:t>
             </a:r>
             <a:endParaRPr lang="zh-TW" altLang="en-US"/>
           </a:p>
@@ -1157,8 +1197,8 @@
         </p:nvSpPr>
         <p:spPr>
           <a:xfrm>
-            <a:off x="457200" y="1600200"/>
-            <a:ext cx="4038600" cy="4525963"/>
+            <a:off x="609600" y="1600203"/>
+            <a:ext cx="5384800" cy="4525963"/>
           </a:xfrm>
         </p:spPr>
         <p:txBody>
@@ -1195,36 +1235,36 @@
           <a:p>
             <a:pPr lvl="0"/>
             <a:r>
-              <a:rPr lang="zh-TW" altLang="en-US" smtClean="0"/>
-              <a:t>按一下以編輯母片文字樣式</a:t>
+              <a:rPr lang="en-US" altLang="zh-TW" smtClean="0"/>
+              <a:t>Edit Master text styles</a:t>
             </a:r>
           </a:p>
           <a:p>
             <a:pPr lvl="1"/>
             <a:r>
-              <a:rPr lang="zh-TW" altLang="en-US" smtClean="0"/>
-              <a:t>第二層</a:t>
+              <a:rPr lang="en-US" altLang="zh-TW" smtClean="0"/>
+              <a:t>Second level</a:t>
             </a:r>
           </a:p>
           <a:p>
             <a:pPr lvl="2"/>
             <a:r>
-              <a:rPr lang="zh-TW" altLang="en-US" smtClean="0"/>
-              <a:t>第三層</a:t>
+              <a:rPr lang="en-US" altLang="zh-TW" smtClean="0"/>
+              <a:t>Third level</a:t>
             </a:r>
           </a:p>
           <a:p>
             <a:pPr lvl="3"/>
             <a:r>
-              <a:rPr lang="zh-TW" altLang="en-US" smtClean="0"/>
-              <a:t>第四層</a:t>
+              <a:rPr lang="en-US" altLang="zh-TW" smtClean="0"/>
+              <a:t>Fourth level</a:t>
             </a:r>
           </a:p>
           <a:p>
             <a:pPr lvl="4"/>
             <a:r>
-              <a:rPr lang="zh-TW" altLang="en-US" smtClean="0"/>
-              <a:t>第五層</a:t>
+              <a:rPr lang="en-US" altLang="zh-TW" smtClean="0"/>
+              <a:t>Fifth level</a:t>
             </a:r>
             <a:endParaRPr lang="zh-TW" altLang="en-US"/>
           </a:p>
@@ -1242,8 +1282,8 @@
         </p:nvSpPr>
         <p:spPr>
           <a:xfrm>
-            <a:off x="4648200" y="1600200"/>
-            <a:ext cx="4038600" cy="4525963"/>
+            <a:off x="6197600" y="1600203"/>
+            <a:ext cx="5384800" cy="4525963"/>
           </a:xfrm>
         </p:spPr>
         <p:txBody>
@@ -1280,36 +1320,36 @@
           <a:p>
             <a:pPr lvl="0"/>
             <a:r>
-              <a:rPr lang="zh-TW" altLang="en-US" smtClean="0"/>
-              <a:t>按一下以編輯母片文字樣式</a:t>
+              <a:rPr lang="en-US" altLang="zh-TW" smtClean="0"/>
+              <a:t>Edit Master text styles</a:t>
             </a:r>
           </a:p>
           <a:p>
             <a:pPr lvl="1"/>
             <a:r>
-              <a:rPr lang="zh-TW" altLang="en-US" smtClean="0"/>
-              <a:t>第二層</a:t>
+              <a:rPr lang="en-US" altLang="zh-TW" smtClean="0"/>
+              <a:t>Second level</a:t>
             </a:r>
           </a:p>
           <a:p>
             <a:pPr lvl="2"/>
             <a:r>
-              <a:rPr lang="zh-TW" altLang="en-US" smtClean="0"/>
-              <a:t>第三層</a:t>
+              <a:rPr lang="en-US" altLang="zh-TW" smtClean="0"/>
+              <a:t>Third level</a:t>
             </a:r>
           </a:p>
           <a:p>
             <a:pPr lvl="3"/>
             <a:r>
-              <a:rPr lang="zh-TW" altLang="en-US" smtClean="0"/>
-              <a:t>第四層</a:t>
+              <a:rPr lang="en-US" altLang="zh-TW" smtClean="0"/>
+              <a:t>Fourth level</a:t>
             </a:r>
           </a:p>
           <a:p>
             <a:pPr lvl="4"/>
             <a:r>
-              <a:rPr lang="zh-TW" altLang="en-US" smtClean="0"/>
-              <a:t>第五層</a:t>
+              <a:rPr lang="en-US" altLang="zh-TW" smtClean="0"/>
+              <a:t>Fifth level</a:t>
             </a:r>
             <a:endParaRPr lang="zh-TW" altLang="en-US"/>
           </a:p>
@@ -1333,7 +1373,7 @@
             <a:fld id="{4772B292-83C2-4519-9E69-18A9E0B9BA4A}" type="datetimeFigureOut">
               <a:rPr lang="zh-TW" altLang="en-US" smtClean="0"/>
               <a:pPr/>
-              <a:t>2019/8/13</a:t>
+              <a:t>2020/10/9</a:t>
             </a:fld>
             <a:endParaRPr lang="zh-TW" altLang="en-US"/>
           </a:p>
@@ -1383,6 +1423,11 @@
         </p:txBody>
       </p:sp>
     </p:spTree>
+    <p:extLst>
+      <p:ext uri="{BB962C8B-B14F-4D97-AF65-F5344CB8AC3E}">
+        <p14:creationId xmlns:p14="http://schemas.microsoft.com/office/powerpoint/2010/main" val="99899085"/>
+      </p:ext>
+    </p:extLst>
   </p:cSld>
   <p:clrMapOvr>
     <a:masterClrMapping/>
@@ -1427,8 +1472,8 @@
           </a:lstStyle>
           <a:p>
             <a:r>
-              <a:rPr lang="zh-TW" altLang="en-US" smtClean="0"/>
-              <a:t>按一下以編輯母片標題樣式</a:t>
+              <a:rPr lang="en-US" altLang="zh-TW" smtClean="0"/>
+              <a:t>Click to edit Master title style</a:t>
             </a:r>
             <a:endParaRPr lang="zh-TW" altLang="en-US"/>
           </a:p>
@@ -1446,8 +1491,8 @@
         </p:nvSpPr>
         <p:spPr>
           <a:xfrm>
-            <a:off x="457200" y="1535113"/>
-            <a:ext cx="4040188" cy="639762"/>
+            <a:off x="609600" y="1535115"/>
+            <a:ext cx="5386917" cy="639763"/>
           </a:xfrm>
         </p:spPr>
         <p:txBody>
@@ -1457,35 +1502,35 @@
               <a:buNone/>
               <a:defRPr sz="2400" b="1"/>
             </a:lvl1pPr>
-            <a:lvl2pPr marL="457200" indent="0">
+            <a:lvl2pPr marL="457189" indent="0">
               <a:buNone/>
               <a:defRPr sz="2000" b="1"/>
             </a:lvl2pPr>
-            <a:lvl3pPr marL="914400" indent="0">
+            <a:lvl3pPr marL="914378" indent="0">
               <a:buNone/>
               <a:defRPr sz="1800" b="1"/>
             </a:lvl3pPr>
-            <a:lvl4pPr marL="1371600" indent="0">
+            <a:lvl4pPr marL="1371566" indent="0">
               <a:buNone/>
               <a:defRPr sz="1600" b="1"/>
             </a:lvl4pPr>
-            <a:lvl5pPr marL="1828800" indent="0">
+            <a:lvl5pPr marL="1828754" indent="0">
               <a:buNone/>
               <a:defRPr sz="1600" b="1"/>
             </a:lvl5pPr>
-            <a:lvl6pPr marL="2286000" indent="0">
+            <a:lvl6pPr marL="2285943" indent="0">
               <a:buNone/>
               <a:defRPr sz="1600" b="1"/>
             </a:lvl6pPr>
-            <a:lvl7pPr marL="2743200" indent="0">
+            <a:lvl7pPr marL="2743132" indent="0">
               <a:buNone/>
               <a:defRPr sz="1600" b="1"/>
             </a:lvl7pPr>
-            <a:lvl8pPr marL="3200400" indent="0">
+            <a:lvl8pPr marL="3200320" indent="0">
               <a:buNone/>
               <a:defRPr sz="1600" b="1"/>
             </a:lvl8pPr>
-            <a:lvl9pPr marL="3657600" indent="0">
+            <a:lvl9pPr marL="3657509" indent="0">
               <a:buNone/>
               <a:defRPr sz="1600" b="1"/>
             </a:lvl9pPr>
@@ -1493,8 +1538,8 @@
           <a:p>
             <a:pPr lvl="0"/>
             <a:r>
-              <a:rPr lang="zh-TW" altLang="en-US" smtClean="0"/>
-              <a:t>按一下以編輯母片文字樣式</a:t>
+              <a:rPr lang="en-US" altLang="zh-TW" smtClean="0"/>
+              <a:t>Edit Master text styles</a:t>
             </a:r>
           </a:p>
         </p:txBody>
@@ -1511,8 +1556,8 @@
         </p:nvSpPr>
         <p:spPr>
           <a:xfrm>
-            <a:off x="457200" y="2174875"/>
-            <a:ext cx="4040188" cy="3951288"/>
+            <a:off x="609600" y="2174875"/>
+            <a:ext cx="5386917" cy="3951288"/>
           </a:xfrm>
         </p:spPr>
         <p:txBody>
@@ -1549,36 +1594,36 @@
           <a:p>
             <a:pPr lvl="0"/>
             <a:r>
-              <a:rPr lang="zh-TW" altLang="en-US" smtClean="0"/>
-              <a:t>按一下以編輯母片文字樣式</a:t>
+              <a:rPr lang="en-US" altLang="zh-TW" smtClean="0"/>
+              <a:t>Edit Master text styles</a:t>
             </a:r>
           </a:p>
           <a:p>
             <a:pPr lvl="1"/>
             <a:r>
-              <a:rPr lang="zh-TW" altLang="en-US" smtClean="0"/>
-              <a:t>第二層</a:t>
+              <a:rPr lang="en-US" altLang="zh-TW" smtClean="0"/>
+              <a:t>Second level</a:t>
             </a:r>
           </a:p>
           <a:p>
             <a:pPr lvl="2"/>
             <a:r>
-              <a:rPr lang="zh-TW" altLang="en-US" smtClean="0"/>
-              <a:t>第三層</a:t>
+              <a:rPr lang="en-US" altLang="zh-TW" smtClean="0"/>
+              <a:t>Third level</a:t>
             </a:r>
           </a:p>
           <a:p>
             <a:pPr lvl="3"/>
             <a:r>
-              <a:rPr lang="zh-TW" altLang="en-US" smtClean="0"/>
-              <a:t>第四層</a:t>
+              <a:rPr lang="en-US" altLang="zh-TW" smtClean="0"/>
+              <a:t>Fourth level</a:t>
             </a:r>
           </a:p>
           <a:p>
             <a:pPr lvl="4"/>
             <a:r>
-              <a:rPr lang="zh-TW" altLang="en-US" smtClean="0"/>
-              <a:t>第五層</a:t>
+              <a:rPr lang="en-US" altLang="zh-TW" smtClean="0"/>
+              <a:t>Fifth level</a:t>
             </a:r>
             <a:endParaRPr lang="zh-TW" altLang="en-US"/>
           </a:p>
@@ -1596,8 +1641,8 @@
         </p:nvSpPr>
         <p:spPr>
           <a:xfrm>
-            <a:off x="4645025" y="1535113"/>
-            <a:ext cx="4041775" cy="639762"/>
+            <a:off x="6193370" y="1535115"/>
+            <a:ext cx="5389033" cy="639763"/>
           </a:xfrm>
         </p:spPr>
         <p:txBody>
@@ -1607,35 +1652,35 @@
               <a:buNone/>
               <a:defRPr sz="2400" b="1"/>
             </a:lvl1pPr>
-            <a:lvl2pPr marL="457200" indent="0">
+            <a:lvl2pPr marL="457189" indent="0">
               <a:buNone/>
               <a:defRPr sz="2000" b="1"/>
             </a:lvl2pPr>
-            <a:lvl3pPr marL="914400" indent="0">
+            <a:lvl3pPr marL="914378" indent="0">
               <a:buNone/>
               <a:defRPr sz="1800" b="1"/>
             </a:lvl3pPr>
-            <a:lvl4pPr marL="1371600" indent="0">
+            <a:lvl4pPr marL="1371566" indent="0">
               <a:buNone/>
               <a:defRPr sz="1600" b="1"/>
             </a:lvl4pPr>
-            <a:lvl5pPr marL="1828800" indent="0">
+            <a:lvl5pPr marL="1828754" indent="0">
               <a:buNone/>
               <a:defRPr sz="1600" b="1"/>
             </a:lvl5pPr>
-            <a:lvl6pPr marL="2286000" indent="0">
+            <a:lvl6pPr marL="2285943" indent="0">
               <a:buNone/>
               <a:defRPr sz="1600" b="1"/>
             </a:lvl6pPr>
-            <a:lvl7pPr marL="2743200" indent="0">
+            <a:lvl7pPr marL="2743132" indent="0">
               <a:buNone/>
               <a:defRPr sz="1600" b="1"/>
             </a:lvl7pPr>
-            <a:lvl8pPr marL="3200400" indent="0">
+            <a:lvl8pPr marL="3200320" indent="0">
               <a:buNone/>
               <a:defRPr sz="1600" b="1"/>
             </a:lvl8pPr>
-            <a:lvl9pPr marL="3657600" indent="0">
+            <a:lvl9pPr marL="3657509" indent="0">
               <a:buNone/>
               <a:defRPr sz="1600" b="1"/>
             </a:lvl9pPr>
@@ -1643,8 +1688,8 @@
           <a:p>
             <a:pPr lvl="0"/>
             <a:r>
-              <a:rPr lang="zh-TW" altLang="en-US" smtClean="0"/>
-              <a:t>按一下以編輯母片文字樣式</a:t>
+              <a:rPr lang="en-US" altLang="zh-TW" smtClean="0"/>
+              <a:t>Edit Master text styles</a:t>
             </a:r>
           </a:p>
         </p:txBody>
@@ -1661,8 +1706,8 @@
         </p:nvSpPr>
         <p:spPr>
           <a:xfrm>
-            <a:off x="4645025" y="2174875"/>
-            <a:ext cx="4041775" cy="3951288"/>
+            <a:off x="6193370" y="2174875"/>
+            <a:ext cx="5389033" cy="3951288"/>
           </a:xfrm>
         </p:spPr>
         <p:txBody>
@@ -1699,36 +1744,36 @@
           <a:p>
             <a:pPr lvl="0"/>
             <a:r>
-              <a:rPr lang="zh-TW" altLang="en-US" smtClean="0"/>
-              <a:t>按一下以編輯母片文字樣式</a:t>
+              <a:rPr lang="en-US" altLang="zh-TW" smtClean="0"/>
+              <a:t>Edit Master text styles</a:t>
             </a:r>
           </a:p>
           <a:p>
             <a:pPr lvl="1"/>
             <a:r>
-              <a:rPr lang="zh-TW" altLang="en-US" smtClean="0"/>
-              <a:t>第二層</a:t>
+              <a:rPr lang="en-US" altLang="zh-TW" smtClean="0"/>
+              <a:t>Second level</a:t>
             </a:r>
           </a:p>
           <a:p>
             <a:pPr lvl="2"/>
             <a:r>
-              <a:rPr lang="zh-TW" altLang="en-US" smtClean="0"/>
-              <a:t>第三層</a:t>
+              <a:rPr lang="en-US" altLang="zh-TW" smtClean="0"/>
+              <a:t>Third level</a:t>
             </a:r>
           </a:p>
           <a:p>
             <a:pPr lvl="3"/>
             <a:r>
-              <a:rPr lang="zh-TW" altLang="en-US" smtClean="0"/>
-              <a:t>第四層</a:t>
+              <a:rPr lang="en-US" altLang="zh-TW" smtClean="0"/>
+              <a:t>Fourth level</a:t>
             </a:r>
           </a:p>
           <a:p>
             <a:pPr lvl="4"/>
             <a:r>
-              <a:rPr lang="zh-TW" altLang="en-US" smtClean="0"/>
-              <a:t>第五層</a:t>
+              <a:rPr lang="en-US" altLang="zh-TW" smtClean="0"/>
+              <a:t>Fifth level</a:t>
             </a:r>
             <a:endParaRPr lang="zh-TW" altLang="en-US"/>
           </a:p>
@@ -1752,7 +1797,7 @@
             <a:fld id="{4772B292-83C2-4519-9E69-18A9E0B9BA4A}" type="datetimeFigureOut">
               <a:rPr lang="zh-TW" altLang="en-US" smtClean="0"/>
               <a:pPr/>
-              <a:t>2019/8/13</a:t>
+              <a:t>2020/10/9</a:t>
             </a:fld>
             <a:endParaRPr lang="zh-TW" altLang="en-US"/>
           </a:p>
@@ -1802,6 +1847,11 @@
         </p:txBody>
       </p:sp>
     </p:spTree>
+    <p:extLst>
+      <p:ext uri="{BB962C8B-B14F-4D97-AF65-F5344CB8AC3E}">
+        <p14:creationId xmlns:p14="http://schemas.microsoft.com/office/powerpoint/2010/main" val="4055766487"/>
+      </p:ext>
+    </p:extLst>
   </p:cSld>
   <p:clrMapOvr>
     <a:masterClrMapping/>
@@ -1842,8 +1892,8 @@
           <a:lstStyle/>
           <a:p>
             <a:r>
-              <a:rPr lang="zh-TW" altLang="en-US" smtClean="0"/>
-              <a:t>按一下以編輯母片標題樣式</a:t>
+              <a:rPr lang="en-US" altLang="zh-TW" smtClean="0"/>
+              <a:t>Click to edit Master title style</a:t>
             </a:r>
             <a:endParaRPr lang="zh-TW" altLang="en-US"/>
           </a:p>
@@ -1867,7 +1917,7 @@
             <a:fld id="{4772B292-83C2-4519-9E69-18A9E0B9BA4A}" type="datetimeFigureOut">
               <a:rPr lang="zh-TW" altLang="en-US" smtClean="0"/>
               <a:pPr/>
-              <a:t>2019/8/13</a:t>
+              <a:t>2020/10/9</a:t>
             </a:fld>
             <a:endParaRPr lang="zh-TW" altLang="en-US"/>
           </a:p>
@@ -1917,6 +1967,11 @@
         </p:txBody>
       </p:sp>
     </p:spTree>
+    <p:extLst>
+      <p:ext uri="{BB962C8B-B14F-4D97-AF65-F5344CB8AC3E}">
+        <p14:creationId xmlns:p14="http://schemas.microsoft.com/office/powerpoint/2010/main" val="244532350"/>
+      </p:ext>
+    </p:extLst>
   </p:cSld>
   <p:clrMapOvr>
     <a:masterClrMapping/>
@@ -1959,7 +2014,7 @@
             <a:fld id="{4772B292-83C2-4519-9E69-18A9E0B9BA4A}" type="datetimeFigureOut">
               <a:rPr lang="zh-TW" altLang="en-US" smtClean="0"/>
               <a:pPr/>
-              <a:t>2019/8/13</a:t>
+              <a:t>2020/10/9</a:t>
             </a:fld>
             <a:endParaRPr lang="zh-TW" altLang="en-US"/>
           </a:p>
@@ -2009,6 +2064,11 @@
         </p:txBody>
       </p:sp>
     </p:spTree>
+    <p:extLst>
+      <p:ext uri="{BB962C8B-B14F-4D97-AF65-F5344CB8AC3E}">
+        <p14:creationId xmlns:p14="http://schemas.microsoft.com/office/powerpoint/2010/main" val="1387360243"/>
+      </p:ext>
+    </p:extLst>
   </p:cSld>
   <p:clrMapOvr>
     <a:masterClrMapping/>
@@ -2045,8 +2105,8 @@
         </p:nvSpPr>
         <p:spPr>
           <a:xfrm>
-            <a:off x="457200" y="273050"/>
-            <a:ext cx="3008313" cy="1162050"/>
+            <a:off x="609603" y="273051"/>
+            <a:ext cx="4011084" cy="1162051"/>
           </a:xfrm>
         </p:spPr>
         <p:txBody>
@@ -2058,8 +2118,8 @@
           </a:lstStyle>
           <a:p>
             <a:r>
-              <a:rPr lang="zh-TW" altLang="en-US" smtClean="0"/>
-              <a:t>按一下以編輯母片標題樣式</a:t>
+              <a:rPr lang="en-US" altLang="zh-TW" smtClean="0"/>
+              <a:t>Click to edit Master title style</a:t>
             </a:r>
             <a:endParaRPr lang="zh-TW" altLang="en-US"/>
           </a:p>
@@ -2077,8 +2137,8 @@
         </p:nvSpPr>
         <p:spPr>
           <a:xfrm>
-            <a:off x="3575050" y="273050"/>
-            <a:ext cx="5111750" cy="5853113"/>
+            <a:off x="4766733" y="273054"/>
+            <a:ext cx="6815667" cy="5853113"/>
           </a:xfrm>
         </p:spPr>
         <p:txBody>
@@ -2115,36 +2175,36 @@
           <a:p>
             <a:pPr lvl="0"/>
             <a:r>
-              <a:rPr lang="zh-TW" altLang="en-US" smtClean="0"/>
-              <a:t>按一下以編輯母片文字樣式</a:t>
+              <a:rPr lang="en-US" altLang="zh-TW" smtClean="0"/>
+              <a:t>Edit Master text styles</a:t>
             </a:r>
           </a:p>
           <a:p>
             <a:pPr lvl="1"/>
             <a:r>
-              <a:rPr lang="zh-TW" altLang="en-US" smtClean="0"/>
-              <a:t>第二層</a:t>
+              <a:rPr lang="en-US" altLang="zh-TW" smtClean="0"/>
+              <a:t>Second level</a:t>
             </a:r>
           </a:p>
           <a:p>
             <a:pPr lvl="2"/>
             <a:r>
-              <a:rPr lang="zh-TW" altLang="en-US" smtClean="0"/>
-              <a:t>第三層</a:t>
+              <a:rPr lang="en-US" altLang="zh-TW" smtClean="0"/>
+              <a:t>Third level</a:t>
             </a:r>
           </a:p>
           <a:p>
             <a:pPr lvl="3"/>
             <a:r>
-              <a:rPr lang="zh-TW" altLang="en-US" smtClean="0"/>
-              <a:t>第四層</a:t>
+              <a:rPr lang="en-US" altLang="zh-TW" smtClean="0"/>
+              <a:t>Fourth level</a:t>
             </a:r>
           </a:p>
           <a:p>
             <a:pPr lvl="4"/>
             <a:r>
-              <a:rPr lang="zh-TW" altLang="en-US" smtClean="0"/>
-              <a:t>第五層</a:t>
+              <a:rPr lang="en-US" altLang="zh-TW" smtClean="0"/>
+              <a:t>Fifth level</a:t>
             </a:r>
             <a:endParaRPr lang="zh-TW" altLang="en-US"/>
           </a:p>
@@ -2162,8 +2222,8 @@
         </p:nvSpPr>
         <p:spPr>
           <a:xfrm>
-            <a:off x="457200" y="1435100"/>
-            <a:ext cx="3008313" cy="4691063"/>
+            <a:off x="609603" y="1435103"/>
+            <a:ext cx="4011084" cy="4691063"/>
           </a:xfrm>
         </p:spPr>
         <p:txBody>
@@ -2173,35 +2233,35 @@
               <a:buNone/>
               <a:defRPr sz="1400"/>
             </a:lvl1pPr>
-            <a:lvl2pPr marL="457200" indent="0">
+            <a:lvl2pPr marL="457189" indent="0">
               <a:buNone/>
               <a:defRPr sz="1200"/>
             </a:lvl2pPr>
-            <a:lvl3pPr marL="914400" indent="0">
+            <a:lvl3pPr marL="914378" indent="0">
               <a:buNone/>
               <a:defRPr sz="1000"/>
             </a:lvl3pPr>
-            <a:lvl4pPr marL="1371600" indent="0">
+            <a:lvl4pPr marL="1371566" indent="0">
               <a:buNone/>
               <a:defRPr sz="900"/>
             </a:lvl4pPr>
-            <a:lvl5pPr marL="1828800" indent="0">
+            <a:lvl5pPr marL="1828754" indent="0">
               <a:buNone/>
               <a:defRPr sz="900"/>
             </a:lvl5pPr>
-            <a:lvl6pPr marL="2286000" indent="0">
+            <a:lvl6pPr marL="2285943" indent="0">
               <a:buNone/>
               <a:defRPr sz="900"/>
             </a:lvl6pPr>
-            <a:lvl7pPr marL="2743200" indent="0">
+            <a:lvl7pPr marL="2743132" indent="0">
               <a:buNone/>
               <a:defRPr sz="900"/>
             </a:lvl7pPr>
-            <a:lvl8pPr marL="3200400" indent="0">
+            <a:lvl8pPr marL="3200320" indent="0">
               <a:buNone/>
               <a:defRPr sz="900"/>
             </a:lvl8pPr>
-            <a:lvl9pPr marL="3657600" indent="0">
+            <a:lvl9pPr marL="3657509" indent="0">
               <a:buNone/>
               <a:defRPr sz="900"/>
             </a:lvl9pPr>
@@ -2209,8 +2269,8 @@
           <a:p>
             <a:pPr lvl="0"/>
             <a:r>
-              <a:rPr lang="zh-TW" altLang="en-US" smtClean="0"/>
-              <a:t>按一下以編輯母片文字樣式</a:t>
+              <a:rPr lang="en-US" altLang="zh-TW" smtClean="0"/>
+              <a:t>Edit Master text styles</a:t>
             </a:r>
           </a:p>
         </p:txBody>
@@ -2233,7 +2293,7 @@
             <a:fld id="{4772B292-83C2-4519-9E69-18A9E0B9BA4A}" type="datetimeFigureOut">
               <a:rPr lang="zh-TW" altLang="en-US" smtClean="0"/>
               <a:pPr/>
-              <a:t>2019/8/13</a:t>
+              <a:t>2020/10/9</a:t>
             </a:fld>
             <a:endParaRPr lang="zh-TW" altLang="en-US"/>
           </a:p>
@@ -2283,6 +2343,11 @@
         </p:txBody>
       </p:sp>
     </p:spTree>
+    <p:extLst>
+      <p:ext uri="{BB962C8B-B14F-4D97-AF65-F5344CB8AC3E}">
+        <p14:creationId xmlns:p14="http://schemas.microsoft.com/office/powerpoint/2010/main" val="2090277620"/>
+      </p:ext>
+    </p:extLst>
   </p:cSld>
   <p:clrMapOvr>
     <a:masterClrMapping/>
@@ -2319,8 +2384,8 @@
         </p:nvSpPr>
         <p:spPr>
           <a:xfrm>
-            <a:off x="1792288" y="4800600"/>
-            <a:ext cx="5486400" cy="566738"/>
+            <a:off x="2389717" y="4800602"/>
+            <a:ext cx="7315200" cy="566739"/>
           </a:xfrm>
         </p:spPr>
         <p:txBody>
@@ -2332,8 +2397,8 @@
           </a:lstStyle>
           <a:p>
             <a:r>
-              <a:rPr lang="zh-TW" altLang="en-US" smtClean="0"/>
-              <a:t>按一下以編輯母片標題樣式</a:t>
+              <a:rPr lang="en-US" altLang="zh-TW" smtClean="0"/>
+              <a:t>Click to edit Master title style</a:t>
             </a:r>
             <a:endParaRPr lang="zh-TW" altLang="en-US"/>
           </a:p>
@@ -2351,8 +2416,8 @@
         </p:nvSpPr>
         <p:spPr>
           <a:xfrm>
-            <a:off x="1792288" y="612775"/>
-            <a:ext cx="5486400" cy="4114800"/>
+            <a:off x="2389717" y="612775"/>
+            <a:ext cx="7315200" cy="4114800"/>
           </a:xfrm>
         </p:spPr>
         <p:txBody>
@@ -2362,43 +2427,43 @@
               <a:buNone/>
               <a:defRPr sz="3200"/>
             </a:lvl1pPr>
-            <a:lvl2pPr marL="457200" indent="0">
+            <a:lvl2pPr marL="457189" indent="0">
               <a:buNone/>
               <a:defRPr sz="2800"/>
             </a:lvl2pPr>
-            <a:lvl3pPr marL="914400" indent="0">
+            <a:lvl3pPr marL="914378" indent="0">
               <a:buNone/>
               <a:defRPr sz="2400"/>
             </a:lvl3pPr>
-            <a:lvl4pPr marL="1371600" indent="0">
+            <a:lvl4pPr marL="1371566" indent="0">
               <a:buNone/>
               <a:defRPr sz="2000"/>
             </a:lvl4pPr>
-            <a:lvl5pPr marL="1828800" indent="0">
+            <a:lvl5pPr marL="1828754" indent="0">
               <a:buNone/>
               <a:defRPr sz="2000"/>
             </a:lvl5pPr>
-            <a:lvl6pPr marL="2286000" indent="0">
+            <a:lvl6pPr marL="2285943" indent="0">
               <a:buNone/>
               <a:defRPr sz="2000"/>
             </a:lvl6pPr>
-            <a:lvl7pPr marL="2743200" indent="0">
+            <a:lvl7pPr marL="2743132" indent="0">
               <a:buNone/>
               <a:defRPr sz="2000"/>
             </a:lvl7pPr>
-            <a:lvl8pPr marL="3200400" indent="0">
+            <a:lvl8pPr marL="3200320" indent="0">
               <a:buNone/>
               <a:defRPr sz="2000"/>
             </a:lvl8pPr>
-            <a:lvl9pPr marL="3657600" indent="0">
+            <a:lvl9pPr marL="3657509" indent="0">
               <a:buNone/>
               <a:defRPr sz="2000"/>
             </a:lvl9pPr>
           </a:lstStyle>
           <a:p>
             <a:r>
-              <a:rPr lang="zh-TW" altLang="en-US" smtClean="0"/>
-              <a:t>按一下圖示以新增圖片</a:t>
+              <a:rPr lang="en-US" altLang="zh-TW" smtClean="0"/>
+              <a:t>Click icon to add picture</a:t>
             </a:r>
             <a:endParaRPr lang="zh-TW" altLang="en-US"/>
           </a:p>
@@ -2416,8 +2481,8 @@
         </p:nvSpPr>
         <p:spPr>
           <a:xfrm>
-            <a:off x="1792288" y="5367338"/>
-            <a:ext cx="5486400" cy="804862"/>
+            <a:off x="2389717" y="5367340"/>
+            <a:ext cx="7315200" cy="804863"/>
           </a:xfrm>
         </p:spPr>
         <p:txBody>
@@ -2427,35 +2492,35 @@
               <a:buNone/>
               <a:defRPr sz="1400"/>
             </a:lvl1pPr>
-            <a:lvl2pPr marL="457200" indent="0">
+            <a:lvl2pPr marL="457189" indent="0">
               <a:buNone/>
               <a:defRPr sz="1200"/>
             </a:lvl2pPr>
-            <a:lvl3pPr marL="914400" indent="0">
+            <a:lvl3pPr marL="914378" indent="0">
               <a:buNone/>
               <a:defRPr sz="1000"/>
             </a:lvl3pPr>
-            <a:lvl4pPr marL="1371600" indent="0">
+            <a:lvl4pPr marL="1371566" indent="0">
               <a:buNone/>
               <a:defRPr sz="900"/>
             </a:lvl4pPr>
-            <a:lvl5pPr marL="1828800" indent="0">
+            <a:lvl5pPr marL="1828754" indent="0">
               <a:buNone/>
               <a:defRPr sz="900"/>
             </a:lvl5pPr>
-            <a:lvl6pPr marL="2286000" indent="0">
+            <a:lvl6pPr marL="2285943" indent="0">
               <a:buNone/>
               <a:defRPr sz="900"/>
             </a:lvl6pPr>
-            <a:lvl7pPr marL="2743200" indent="0">
+            <a:lvl7pPr marL="2743132" indent="0">
               <a:buNone/>
               <a:defRPr sz="900"/>
             </a:lvl7pPr>
-            <a:lvl8pPr marL="3200400" indent="0">
+            <a:lvl8pPr marL="3200320" indent="0">
               <a:buNone/>
               <a:defRPr sz="900"/>
             </a:lvl8pPr>
-            <a:lvl9pPr marL="3657600" indent="0">
+            <a:lvl9pPr marL="3657509" indent="0">
               <a:buNone/>
               <a:defRPr sz="900"/>
             </a:lvl9pPr>
@@ -2463,8 +2528,8 @@
           <a:p>
             <a:pPr lvl="0"/>
             <a:r>
-              <a:rPr lang="zh-TW" altLang="en-US" smtClean="0"/>
-              <a:t>按一下以編輯母片文字樣式</a:t>
+              <a:rPr lang="en-US" altLang="zh-TW" smtClean="0"/>
+              <a:t>Edit Master text styles</a:t>
             </a:r>
           </a:p>
         </p:txBody>
@@ -2487,7 +2552,7 @@
             <a:fld id="{4772B292-83C2-4519-9E69-18A9E0B9BA4A}" type="datetimeFigureOut">
               <a:rPr lang="zh-TW" altLang="en-US" smtClean="0"/>
               <a:pPr/>
-              <a:t>2019/8/13</a:t>
+              <a:t>2020/10/9</a:t>
             </a:fld>
             <a:endParaRPr lang="zh-TW" altLang="en-US"/>
           </a:p>
@@ -2537,6 +2602,11 @@
         </p:txBody>
       </p:sp>
     </p:spTree>
+    <p:extLst>
+      <p:ext uri="{BB962C8B-B14F-4D97-AF65-F5344CB8AC3E}">
+        <p14:creationId xmlns:p14="http://schemas.microsoft.com/office/powerpoint/2010/main" val="236171086"/>
+      </p:ext>
+    </p:extLst>
   </p:cSld>
   <p:clrMapOvr>
     <a:masterClrMapping/>
@@ -2583,8 +2653,8 @@
         </p:nvSpPr>
         <p:spPr>
           <a:xfrm>
-            <a:off x="457200" y="274638"/>
-            <a:ext cx="8229600" cy="1143000"/>
+            <a:off x="609600" y="274639"/>
+            <a:ext cx="10972800" cy="1143000"/>
           </a:xfrm>
           <a:prstGeom prst="rect">
             <a:avLst/>
@@ -2616,8 +2686,8 @@
         </p:nvSpPr>
         <p:spPr>
           <a:xfrm>
-            <a:off x="457200" y="1600200"/>
-            <a:ext cx="8229600" cy="4525963"/>
+            <a:off x="609600" y="1600203"/>
+            <a:ext cx="10972800" cy="4525963"/>
           </a:xfrm>
           <a:prstGeom prst="rect">
             <a:avLst/>
@@ -2678,8 +2748,8 @@
         </p:nvSpPr>
         <p:spPr>
           <a:xfrm>
-            <a:off x="457200" y="6356350"/>
-            <a:ext cx="2133600" cy="365125"/>
+            <a:off x="609600" y="6356353"/>
+            <a:ext cx="2844800" cy="365125"/>
           </a:xfrm>
           <a:prstGeom prst="rect">
             <a:avLst/>
@@ -2702,7 +2772,7 @@
             <a:fld id="{4772B292-83C2-4519-9E69-18A9E0B9BA4A}" type="datetimeFigureOut">
               <a:rPr lang="zh-TW" altLang="en-US" smtClean="0"/>
               <a:pPr/>
-              <a:t>2019/8/13</a:t>
+              <a:t>2020/10/9</a:t>
             </a:fld>
             <a:endParaRPr lang="zh-TW" altLang="en-US"/>
           </a:p>
@@ -2720,8 +2790,8 @@
         </p:nvSpPr>
         <p:spPr>
           <a:xfrm>
-            <a:off x="3124200" y="6356350"/>
-            <a:ext cx="2895600" cy="365125"/>
+            <a:off x="4165600" y="6356353"/>
+            <a:ext cx="3860800" cy="365125"/>
           </a:xfrm>
           <a:prstGeom prst="rect">
             <a:avLst/>
@@ -2757,8 +2827,8 @@
         </p:nvSpPr>
         <p:spPr>
           <a:xfrm>
-            <a:off x="6553200" y="6356350"/>
-            <a:ext cx="2133600" cy="365125"/>
+            <a:off x="8737600" y="6356353"/>
+            <a:ext cx="2844800" cy="365125"/>
           </a:xfrm>
           <a:prstGeom prst="rect">
             <a:avLst/>
@@ -2788,24 +2858,29 @@
         </p:txBody>
       </p:sp>
     </p:spTree>
+    <p:extLst>
+      <p:ext uri="{BB962C8B-B14F-4D97-AF65-F5344CB8AC3E}">
+        <p14:creationId xmlns:p14="http://schemas.microsoft.com/office/powerpoint/2010/main" val="3789102884"/>
+      </p:ext>
+    </p:extLst>
   </p:cSld>
   <p:clrMap bg1="lt1" tx1="dk1" bg2="lt2" tx2="dk2" accent1="accent1" accent2="accent2" accent3="accent3" accent4="accent4" accent5="accent5" accent6="accent6" hlink="hlink" folHlink="folHlink"/>
   <p:sldLayoutIdLst>
-    <p:sldLayoutId id="2147483673" r:id="rId1"/>
-    <p:sldLayoutId id="2147483674" r:id="rId2"/>
-    <p:sldLayoutId id="2147483675" r:id="rId3"/>
-    <p:sldLayoutId id="2147483676" r:id="rId4"/>
-    <p:sldLayoutId id="2147483677" r:id="rId5"/>
-    <p:sldLayoutId id="2147483678" r:id="rId6"/>
-    <p:sldLayoutId id="2147483679" r:id="rId7"/>
-    <p:sldLayoutId id="2147483680" r:id="rId8"/>
-    <p:sldLayoutId id="2147483681" r:id="rId9"/>
-    <p:sldLayoutId id="2147483682" r:id="rId10"/>
-    <p:sldLayoutId id="2147483683" r:id="rId11"/>
+    <p:sldLayoutId id="2147483685" r:id="rId1"/>
+    <p:sldLayoutId id="2147483686" r:id="rId2"/>
+    <p:sldLayoutId id="2147483687" r:id="rId3"/>
+    <p:sldLayoutId id="2147483688" r:id="rId4"/>
+    <p:sldLayoutId id="2147483689" r:id="rId5"/>
+    <p:sldLayoutId id="2147483690" r:id="rId6"/>
+    <p:sldLayoutId id="2147483691" r:id="rId7"/>
+    <p:sldLayoutId id="2147483692" r:id="rId8"/>
+    <p:sldLayoutId id="2147483693" r:id="rId9"/>
+    <p:sldLayoutId id="2147483694" r:id="rId10"/>
+    <p:sldLayoutId id="2147483695" r:id="rId11"/>
   </p:sldLayoutIdLst>
   <p:txStyles>
     <p:titleStyle>
-      <a:lvl1pPr algn="ctr" defTabSz="914400" rtl="0" eaLnBrk="1" latinLnBrk="0" hangingPunct="1">
+      <a:lvl1pPr algn="ctr" defTabSz="914378" rtl="0" eaLnBrk="1" latinLnBrk="0" hangingPunct="1">
         <a:spcBef>
           <a:spcPct val="0"/>
         </a:spcBef>
@@ -2821,7 +2896,7 @@
       </a:lvl1pPr>
     </p:titleStyle>
     <p:bodyStyle>
-      <a:lvl1pPr marL="342900" indent="-342900" algn="l" defTabSz="914400" rtl="0" eaLnBrk="1" latinLnBrk="0" hangingPunct="1">
+      <a:lvl1pPr marL="342892" indent="-342892" algn="l" defTabSz="914378" rtl="0" eaLnBrk="1" latinLnBrk="0" hangingPunct="1">
         <a:spcBef>
           <a:spcPct val="20000"/>
         </a:spcBef>
@@ -2836,7 +2911,7 @@
           <a:cs typeface="+mn-cs"/>
         </a:defRPr>
       </a:lvl1pPr>
-      <a:lvl2pPr marL="742950" indent="-285750" algn="l" defTabSz="914400" rtl="0" eaLnBrk="1" latinLnBrk="0" hangingPunct="1">
+      <a:lvl2pPr marL="742931" indent="-285743" algn="l" defTabSz="914378" rtl="0" eaLnBrk="1" latinLnBrk="0" hangingPunct="1">
         <a:spcBef>
           <a:spcPct val="20000"/>
         </a:spcBef>
@@ -2851,7 +2926,7 @@
           <a:cs typeface="+mn-cs"/>
         </a:defRPr>
       </a:lvl2pPr>
-      <a:lvl3pPr marL="1143000" indent="-228600" algn="l" defTabSz="914400" rtl="0" eaLnBrk="1" latinLnBrk="0" hangingPunct="1">
+      <a:lvl3pPr marL="1142972" indent="-228594" algn="l" defTabSz="914378" rtl="0" eaLnBrk="1" latinLnBrk="0" hangingPunct="1">
         <a:spcBef>
           <a:spcPct val="20000"/>
         </a:spcBef>
@@ -2866,7 +2941,7 @@
           <a:cs typeface="+mn-cs"/>
         </a:defRPr>
       </a:lvl3pPr>
-      <a:lvl4pPr marL="1600200" indent="-228600" algn="l" defTabSz="914400" rtl="0" eaLnBrk="1" latinLnBrk="0" hangingPunct="1">
+      <a:lvl4pPr marL="1600160" indent="-228594" algn="l" defTabSz="914378" rtl="0" eaLnBrk="1" latinLnBrk="0" hangingPunct="1">
         <a:spcBef>
           <a:spcPct val="20000"/>
         </a:spcBef>
@@ -2881,7 +2956,7 @@
           <a:cs typeface="+mn-cs"/>
         </a:defRPr>
       </a:lvl4pPr>
-      <a:lvl5pPr marL="2057400" indent="-228600" algn="l" defTabSz="914400" rtl="0" eaLnBrk="1" latinLnBrk="0" hangingPunct="1">
+      <a:lvl5pPr marL="2057348" indent="-228594" algn="l" defTabSz="914378" rtl="0" eaLnBrk="1" latinLnBrk="0" hangingPunct="1">
         <a:spcBef>
           <a:spcPct val="20000"/>
         </a:spcBef>
@@ -2896,7 +2971,7 @@
           <a:cs typeface="+mn-cs"/>
         </a:defRPr>
       </a:lvl5pPr>
-      <a:lvl6pPr marL="2514600" indent="-228600" algn="l" defTabSz="914400" rtl="0" eaLnBrk="1" latinLnBrk="0" hangingPunct="1">
+      <a:lvl6pPr marL="2514537" indent="-228594" algn="l" defTabSz="914378" rtl="0" eaLnBrk="1" latinLnBrk="0" hangingPunct="1">
         <a:spcBef>
           <a:spcPct val="20000"/>
         </a:spcBef>
@@ -2911,7 +2986,7 @@
           <a:cs typeface="+mn-cs"/>
         </a:defRPr>
       </a:lvl6pPr>
-      <a:lvl7pPr marL="2971800" indent="-228600" algn="l" defTabSz="914400" rtl="0" eaLnBrk="1" latinLnBrk="0" hangingPunct="1">
+      <a:lvl7pPr marL="2971726" indent="-228594" algn="l" defTabSz="914378" rtl="0" eaLnBrk="1" latinLnBrk="0" hangingPunct="1">
         <a:spcBef>
           <a:spcPct val="20000"/>
         </a:spcBef>
@@ -2926,7 +3001,7 @@
           <a:cs typeface="+mn-cs"/>
         </a:defRPr>
       </a:lvl7pPr>
-      <a:lvl8pPr marL="3429000" indent="-228600" algn="l" defTabSz="914400" rtl="0" eaLnBrk="1" latinLnBrk="0" hangingPunct="1">
+      <a:lvl8pPr marL="3428915" indent="-228594" algn="l" defTabSz="914378" rtl="0" eaLnBrk="1" latinLnBrk="0" hangingPunct="1">
         <a:spcBef>
           <a:spcPct val="20000"/>
         </a:spcBef>
@@ -2941,7 +3016,7 @@
           <a:cs typeface="+mn-cs"/>
         </a:defRPr>
       </a:lvl8pPr>
-      <a:lvl9pPr marL="3886200" indent="-228600" algn="l" defTabSz="914400" rtl="0" eaLnBrk="1" latinLnBrk="0" hangingPunct="1">
+      <a:lvl9pPr marL="3886103" indent="-228594" algn="l" defTabSz="914378" rtl="0" eaLnBrk="1" latinLnBrk="0" hangingPunct="1">
         <a:spcBef>
           <a:spcPct val="20000"/>
         </a:spcBef>
@@ -2961,7 +3036,7 @@
       <a:defPPr>
         <a:defRPr lang="zh-TW"/>
       </a:defPPr>
-      <a:lvl1pPr marL="0" algn="l" defTabSz="914400" rtl="0" eaLnBrk="1" latinLnBrk="0" hangingPunct="1">
+      <a:lvl1pPr marL="0" algn="l" defTabSz="914378" rtl="0" eaLnBrk="1" latinLnBrk="0" hangingPunct="1">
         <a:defRPr sz="1800" kern="1200">
           <a:solidFill>
             <a:schemeClr val="tx1"/>
@@ -2971,7 +3046,7 @@
           <a:cs typeface="+mn-cs"/>
         </a:defRPr>
       </a:lvl1pPr>
-      <a:lvl2pPr marL="457200" algn="l" defTabSz="914400" rtl="0" eaLnBrk="1" latinLnBrk="0" hangingPunct="1">
+      <a:lvl2pPr marL="457189" algn="l" defTabSz="914378" rtl="0" eaLnBrk="1" latinLnBrk="0" hangingPunct="1">
         <a:defRPr sz="1800" kern="1200">
           <a:solidFill>
             <a:schemeClr val="tx1"/>
@@ -2981,7 +3056,7 @@
           <a:cs typeface="+mn-cs"/>
         </a:defRPr>
       </a:lvl2pPr>
-      <a:lvl3pPr marL="914400" algn="l" defTabSz="914400" rtl="0" eaLnBrk="1" latinLnBrk="0" hangingPunct="1">
+      <a:lvl3pPr marL="914378" algn="l" defTabSz="914378" rtl="0" eaLnBrk="1" latinLnBrk="0" hangingPunct="1">
         <a:defRPr sz="1800" kern="1200">
           <a:solidFill>
             <a:schemeClr val="tx1"/>
@@ -2991,7 +3066,7 @@
           <a:cs typeface="+mn-cs"/>
         </a:defRPr>
       </a:lvl3pPr>
-      <a:lvl4pPr marL="1371600" algn="l" defTabSz="914400" rtl="0" eaLnBrk="1" latinLnBrk="0" hangingPunct="1">
+      <a:lvl4pPr marL="1371566" algn="l" defTabSz="914378" rtl="0" eaLnBrk="1" latinLnBrk="0" hangingPunct="1">
         <a:defRPr sz="1800" kern="1200">
           <a:solidFill>
             <a:schemeClr val="tx1"/>
@@ -3001,7 +3076,7 @@
           <a:cs typeface="+mn-cs"/>
         </a:defRPr>
       </a:lvl4pPr>
-      <a:lvl5pPr marL="1828800" algn="l" defTabSz="914400" rtl="0" eaLnBrk="1" latinLnBrk="0" hangingPunct="1">
+      <a:lvl5pPr marL="1828754" algn="l" defTabSz="914378" rtl="0" eaLnBrk="1" latinLnBrk="0" hangingPunct="1">
         <a:defRPr sz="1800" kern="1200">
           <a:solidFill>
             <a:schemeClr val="tx1"/>
@@ -3011,7 +3086,7 @@
           <a:cs typeface="+mn-cs"/>
         </a:defRPr>
       </a:lvl5pPr>
-      <a:lvl6pPr marL="2286000" algn="l" defTabSz="914400" rtl="0" eaLnBrk="1" latinLnBrk="0" hangingPunct="1">
+      <a:lvl6pPr marL="2285943" algn="l" defTabSz="914378" rtl="0" eaLnBrk="1" latinLnBrk="0" hangingPunct="1">
         <a:defRPr sz="1800" kern="1200">
           <a:solidFill>
             <a:schemeClr val="tx1"/>
@@ -3021,7 +3096,7 @@
           <a:cs typeface="+mn-cs"/>
         </a:defRPr>
       </a:lvl6pPr>
-      <a:lvl7pPr marL="2743200" algn="l" defTabSz="914400" rtl="0" eaLnBrk="1" latinLnBrk="0" hangingPunct="1">
+      <a:lvl7pPr marL="2743132" algn="l" defTabSz="914378" rtl="0" eaLnBrk="1" latinLnBrk="0" hangingPunct="1">
         <a:defRPr sz="1800" kern="1200">
           <a:solidFill>
             <a:schemeClr val="tx1"/>
@@ -3031,7 +3106,7 @@
           <a:cs typeface="+mn-cs"/>
         </a:defRPr>
       </a:lvl7pPr>
-      <a:lvl8pPr marL="3200400" algn="l" defTabSz="914400" rtl="0" eaLnBrk="1" latinLnBrk="0" hangingPunct="1">
+      <a:lvl8pPr marL="3200320" algn="l" defTabSz="914378" rtl="0" eaLnBrk="1" latinLnBrk="0" hangingPunct="1">
         <a:defRPr sz="1800" kern="1200">
           <a:solidFill>
             <a:schemeClr val="tx1"/>
@@ -3041,7 +3116,7 @@
           <a:cs typeface="+mn-cs"/>
         </a:defRPr>
       </a:lvl8pPr>
-      <a:lvl9pPr marL="3657600" algn="l" defTabSz="914400" rtl="0" eaLnBrk="1" latinLnBrk="0" hangingPunct="1">
+      <a:lvl9pPr marL="3657509" algn="l" defTabSz="914378" rtl="0" eaLnBrk="1" latinLnBrk="0" hangingPunct="1">
         <a:defRPr sz="1800" kern="1200">
           <a:solidFill>
             <a:schemeClr val="tx1"/>
@@ -3091,7 +3166,7 @@
           <a:lstStyle/>
           <a:p>
             <a:r>
-              <a:rPr lang="zh-TW" altLang="en-US" b="1" dirty="0">
+              <a:rPr lang="zh-TW" altLang="en-US" sz="4800" b="1" dirty="0">
                 <a:solidFill>
                   <a:srgbClr val="000066"/>
                 </a:solidFill>
@@ -3101,7 +3176,7 @@
               <a:t>單單敬</a:t>
             </a:r>
             <a:r>
-              <a:rPr lang="zh-TW" altLang="en-US" b="1" dirty="0" smtClean="0">
+              <a:rPr lang="zh-TW" altLang="en-US" sz="4800" b="1" dirty="0" smtClean="0">
                 <a:solidFill>
                   <a:srgbClr val="000066"/>
                 </a:solidFill>
@@ -3110,7 +3185,7 @@
               </a:rPr>
               <a:t>拜</a:t>
             </a:r>
-            <a:endParaRPr lang="zh-TW" altLang="en-US" b="1" dirty="0">
+            <a:endParaRPr lang="zh-TW" altLang="en-US" sz="4800" b="1" dirty="0">
               <a:solidFill>
                 <a:srgbClr val="000066"/>
               </a:solidFill>
@@ -3148,7 +3223,7 @@
                 <a:latin typeface="微軟正黑體" pitchFamily="34" charset="-120"/>
                 <a:ea typeface="微軟正黑體" pitchFamily="34" charset="-120"/>
               </a:rPr>
-              <a:t>獻上我的心給</a:t>
+              <a:t>獻上我的心</a:t>
             </a:r>
             <a:r>
               <a:rPr lang="zh-TW" altLang="en-US" sz="5400" b="1" dirty="0" smtClean="0">
@@ -3158,7 +3233,199 @@
                 <a:latin typeface="微軟正黑體" pitchFamily="34" charset="-120"/>
                 <a:ea typeface="微軟正黑體" pitchFamily="34" charset="-120"/>
               </a:rPr>
-              <a:t>你</a:t>
+              <a:t>給</a:t>
+            </a:r>
+            <a:r>
+              <a:rPr lang="zh-CN" altLang="en-US" sz="5400" b="1" dirty="0">
+                <a:solidFill>
+                  <a:srgbClr val="000066"/>
+                </a:solidFill>
+                <a:latin typeface="微軟正黑體" pitchFamily="34" charset="-120"/>
+                <a:ea typeface="微軟正黑體" pitchFamily="34" charset="-120"/>
+              </a:rPr>
+              <a:t>袮</a:t>
+            </a:r>
+            <a:r>
+              <a:rPr lang="en-US" altLang="zh-TW" sz="5400" b="1" dirty="0" smtClean="0">
+                <a:solidFill>
+                  <a:srgbClr val="000066"/>
+                </a:solidFill>
+                <a:latin typeface="微軟正黑體" pitchFamily="34" charset="-120"/>
+                <a:ea typeface="微軟正黑體" pitchFamily="34" charset="-120"/>
+              </a:rPr>
+              <a:t>  </a:t>
+            </a:r>
+            <a:r>
+              <a:rPr lang="zh-TW" altLang="en-US" sz="5400" b="1" dirty="0" smtClean="0">
+                <a:solidFill>
+                  <a:srgbClr val="000066"/>
+                </a:solidFill>
+                <a:latin typeface="微軟正黑體" pitchFamily="34" charset="-120"/>
+                <a:ea typeface="微軟正黑體" pitchFamily="34" charset="-120"/>
+              </a:rPr>
+              <a:t>獻</a:t>
+            </a:r>
+            <a:r>
+              <a:rPr lang="zh-TW" altLang="en-US" sz="5400" b="1" dirty="0">
+                <a:solidFill>
+                  <a:srgbClr val="000066"/>
+                </a:solidFill>
+                <a:latin typeface="微軟正黑體" pitchFamily="34" charset="-120"/>
+                <a:ea typeface="微軟正黑體" pitchFamily="34" charset="-120"/>
+              </a:rPr>
+              <a:t>上我所有</a:t>
+            </a:r>
+            <a:r>
+              <a:rPr lang="zh-TW" altLang="en-US" sz="5400" b="1" dirty="0" smtClean="0">
+                <a:solidFill>
+                  <a:srgbClr val="000066"/>
+                </a:solidFill>
+                <a:latin typeface="微軟正黑體" pitchFamily="34" charset="-120"/>
+                <a:ea typeface="微軟正黑體" pitchFamily="34" charset="-120"/>
+              </a:rPr>
+              <a:t>為</a:t>
+            </a:r>
+            <a:r>
+              <a:rPr lang="zh-CN" altLang="en-US" sz="5400" b="1" dirty="0">
+                <a:solidFill>
+                  <a:srgbClr val="000066"/>
+                </a:solidFill>
+                <a:latin typeface="微軟正黑體" pitchFamily="34" charset="-120"/>
+                <a:ea typeface="微軟正黑體" pitchFamily="34" charset="-120"/>
+              </a:rPr>
+              <a:t>袮</a:t>
+            </a:r>
+            <a:endParaRPr lang="en-US" altLang="zh-TW" sz="5400" b="1" dirty="0">
+              <a:solidFill>
+                <a:srgbClr val="000066"/>
+              </a:solidFill>
+              <a:latin typeface="微軟正黑體" pitchFamily="34" charset="-120"/>
+              <a:ea typeface="微軟正黑體" pitchFamily="34" charset="-120"/>
+            </a:endParaRPr>
+          </a:p>
+          <a:p>
+            <a:pPr algn="ctr">
+              <a:buNone/>
+            </a:pPr>
+            <a:r>
+              <a:rPr lang="zh-TW" altLang="en-US" sz="5400" b="1" dirty="0">
+                <a:solidFill>
+                  <a:srgbClr val="000066"/>
+                </a:solidFill>
+                <a:latin typeface="微軟正黑體" pitchFamily="34" charset="-120"/>
+                <a:ea typeface="微軟正黑體" pitchFamily="34" charset="-120"/>
+              </a:rPr>
+              <a:t>只</a:t>
+            </a:r>
+            <a:r>
+              <a:rPr lang="zh-TW" altLang="en-US" sz="5400" b="1" dirty="0">
+                <a:solidFill>
+                  <a:srgbClr val="000066"/>
+                </a:solidFill>
+                <a:latin typeface="微軟正黑體" pitchFamily="34" charset="-120"/>
+                <a:ea typeface="微軟正黑體" pitchFamily="34" charset="-120"/>
+              </a:rPr>
+              <a:t>願</a:t>
+            </a:r>
+            <a:r>
+              <a:rPr lang="zh-TW" altLang="en-US" sz="5400" b="1" dirty="0" smtClean="0">
+                <a:solidFill>
+                  <a:srgbClr val="000066"/>
+                </a:solidFill>
+                <a:latin typeface="微軟正黑體" pitchFamily="34" charset="-120"/>
+                <a:ea typeface="微軟正黑體" pitchFamily="34" charset="-120"/>
+              </a:rPr>
+              <a:t>討</a:t>
+            </a:r>
+            <a:r>
+              <a:rPr lang="zh-CN" altLang="en-US" sz="5400" b="1" dirty="0">
+                <a:solidFill>
+                  <a:srgbClr val="000066"/>
+                </a:solidFill>
+                <a:latin typeface="微軟正黑體" pitchFamily="34" charset="-120"/>
+                <a:ea typeface="微軟正黑體" pitchFamily="34" charset="-120"/>
+              </a:rPr>
+              <a:t>袮</a:t>
+            </a:r>
+            <a:r>
+              <a:rPr lang="zh-TW" altLang="en-US" sz="5400" b="1" dirty="0" smtClean="0">
+                <a:solidFill>
+                  <a:srgbClr val="000066"/>
+                </a:solidFill>
+                <a:latin typeface="微軟正黑體" pitchFamily="34" charset="-120"/>
+                <a:ea typeface="微軟正黑體" pitchFamily="34" charset="-120"/>
+              </a:rPr>
+              <a:t>喜悅</a:t>
+            </a:r>
+            <a:r>
+              <a:rPr lang="en-US" altLang="zh-TW" sz="5400" b="1" dirty="0">
+                <a:solidFill>
+                  <a:srgbClr val="000066"/>
+                </a:solidFill>
+                <a:latin typeface="微軟正黑體" pitchFamily="34" charset="-120"/>
+                <a:ea typeface="微軟正黑體" pitchFamily="34" charset="-120"/>
+              </a:rPr>
+              <a:t> </a:t>
+            </a:r>
+            <a:r>
+              <a:rPr lang="en-US" altLang="zh-TW" sz="5400" b="1" dirty="0" smtClean="0">
+                <a:solidFill>
+                  <a:srgbClr val="000066"/>
+                </a:solidFill>
+                <a:latin typeface="微軟正黑體" pitchFamily="34" charset="-120"/>
+                <a:ea typeface="微軟正黑體" pitchFamily="34" charset="-120"/>
+              </a:rPr>
+              <a:t> </a:t>
+            </a:r>
+            <a:r>
+              <a:rPr lang="zh-TW" altLang="en-US" sz="5400" b="1" dirty="0" smtClean="0">
+                <a:solidFill>
+                  <a:srgbClr val="000066"/>
+                </a:solidFill>
+                <a:latin typeface="微軟正黑體" pitchFamily="34" charset="-120"/>
+                <a:ea typeface="微軟正黑體" pitchFamily="34" charset="-120"/>
+              </a:rPr>
+              <a:t>明白</a:t>
+            </a:r>
+            <a:r>
+              <a:rPr lang="zh-CN" altLang="en-US" sz="5400" b="1" dirty="0">
+                <a:solidFill>
+                  <a:srgbClr val="000066"/>
+                </a:solidFill>
+                <a:latin typeface="微軟正黑體" pitchFamily="34" charset="-120"/>
+                <a:ea typeface="微軟正黑體" pitchFamily="34" charset="-120"/>
+              </a:rPr>
+              <a:t>袮</a:t>
+            </a:r>
+            <a:r>
+              <a:rPr lang="zh-TW" altLang="en-US" sz="5400" b="1" dirty="0" smtClean="0">
+                <a:solidFill>
+                  <a:srgbClr val="000066"/>
+                </a:solidFill>
+                <a:latin typeface="微軟正黑體" pitchFamily="34" charset="-120"/>
+                <a:ea typeface="微軟正黑體" pitchFamily="34" charset="-120"/>
+              </a:rPr>
+              <a:t>旨</a:t>
+            </a:r>
+            <a:r>
+              <a:rPr lang="zh-TW" altLang="en-US" sz="5400" b="1" dirty="0">
+                <a:solidFill>
+                  <a:srgbClr val="000066"/>
+                </a:solidFill>
+                <a:latin typeface="微軟正黑體" pitchFamily="34" charset="-120"/>
+                <a:ea typeface="微軟正黑體" pitchFamily="34" charset="-120"/>
+              </a:rPr>
+              <a:t>意 </a:t>
+            </a:r>
+            <a:r>
+              <a:rPr lang="zh-TW" altLang="en-US" sz="5400" b="1" dirty="0" smtClean="0">
+                <a:solidFill>
+                  <a:srgbClr val="000066"/>
+                </a:solidFill>
+                <a:latin typeface="微軟正黑體" pitchFamily="34" charset="-120"/>
+                <a:ea typeface="微軟正黑體" pitchFamily="34" charset="-120"/>
+              </a:rPr>
+              <a:t> 哦主</a:t>
             </a:r>
             <a:endParaRPr lang="en-US" altLang="zh-TW" sz="5400" b="1" dirty="0" smtClean="0">
               <a:solidFill>
@@ -3173,6 +3440,16 @@
               <a:buNone/>
             </a:pPr>
             <a:r>
+              <a:rPr lang="zh-TW" altLang="en-US" sz="5400" b="1" dirty="0">
+                <a:solidFill>
+                  <a:srgbClr val="000066"/>
+                </a:solidFill>
+                <a:latin typeface="微軟正黑體" pitchFamily="34" charset="-120"/>
+                <a:ea typeface="微軟正黑體" pitchFamily="34" charset="-120"/>
+              </a:rPr>
+              <a:t>獻上我的心</a:t>
+            </a:r>
+            <a:r>
               <a:rPr lang="zh-TW" altLang="en-US" sz="5400" b="1" dirty="0" smtClean="0">
                 <a:solidFill>
                   <a:srgbClr val="000066"/>
@@ -3180,6 +3457,26 @@
                 <a:latin typeface="微軟正黑體" pitchFamily="34" charset="-120"/>
                 <a:ea typeface="微軟正黑體" pitchFamily="34" charset="-120"/>
               </a:rPr>
+              <a:t>給</a:t>
+            </a:r>
+            <a:r>
+              <a:rPr lang="zh-CN" altLang="en-US" sz="5400" b="1" dirty="0" smtClean="0">
+                <a:solidFill>
+                  <a:srgbClr val="000066"/>
+                </a:solidFill>
+                <a:latin typeface="微軟正黑體" pitchFamily="34" charset="-120"/>
+                <a:ea typeface="微軟正黑體" pitchFamily="34" charset="-120"/>
+              </a:rPr>
+              <a:t>袮  </a:t>
+            </a:r>
+            <a:r>
+              <a:rPr lang="zh-TW" altLang="en-US" sz="5400" b="1" dirty="0" smtClean="0">
+                <a:solidFill>
+                  <a:srgbClr val="000066"/>
+                </a:solidFill>
+                <a:latin typeface="微軟正黑體" pitchFamily="34" charset="-120"/>
+                <a:ea typeface="微軟正黑體" pitchFamily="34" charset="-120"/>
+              </a:rPr>
               <a:t>獻</a:t>
             </a:r>
             <a:r>
@@ -3190,7 +3487,7 @@
                 <a:latin typeface="微軟正黑體" pitchFamily="34" charset="-120"/>
                 <a:ea typeface="微軟正黑體" pitchFamily="34" charset="-120"/>
               </a:rPr>
-              <a:t>上我所有為</a:t>
+              <a:t>上我所有</a:t>
             </a:r>
             <a:r>
               <a:rPr lang="zh-TW" altLang="en-US" sz="5400" b="1" dirty="0" smtClean="0">
@@ -3200,7 +3497,17 @@
                 <a:latin typeface="微軟正黑體" pitchFamily="34" charset="-120"/>
                 <a:ea typeface="微軟正黑體" pitchFamily="34" charset="-120"/>
               </a:rPr>
-              <a:t>你</a:t>
+              <a:t>為</a:t>
+            </a:r>
+            <a:r>
+              <a:rPr lang="zh-CN" altLang="en-US" sz="5400" b="1" dirty="0">
+                <a:solidFill>
+                  <a:srgbClr val="000066"/>
+                </a:solidFill>
+                <a:latin typeface="微軟正黑體" pitchFamily="34" charset="-120"/>
+                <a:ea typeface="微軟正黑體" pitchFamily="34" charset="-120"/>
+              </a:rPr>
+              <a:t>袮</a:t>
             </a:r>
             <a:endParaRPr lang="en-US" altLang="zh-TW" sz="5400" b="1" dirty="0">
               <a:solidFill>
@@ -3215,6 +3522,16 @@
               <a:buNone/>
             </a:pPr>
             <a:r>
+              <a:rPr lang="zh-TW" altLang="en-US" sz="5400" b="1" dirty="0">
+                <a:solidFill>
+                  <a:srgbClr val="000066"/>
+                </a:solidFill>
+                <a:latin typeface="微軟正黑體" pitchFamily="34" charset="-120"/>
+                <a:ea typeface="微軟正黑體" pitchFamily="34" charset="-120"/>
+              </a:rPr>
+              <a:t>只願</a:t>
+            </a:r>
+            <a:r>
               <a:rPr lang="zh-TW" altLang="en-US" sz="5400" b="1" dirty="0" smtClean="0">
                 <a:solidFill>
                   <a:srgbClr val="000066"/>
@@ -3222,7 +3539,67 @@
                 <a:latin typeface="微軟正黑體" pitchFamily="34" charset="-120"/>
                 <a:ea typeface="微軟正黑體" pitchFamily="34" charset="-120"/>
               </a:rPr>
-              <a:t>只</a:t>
+              <a:t>討</a:t>
+            </a:r>
+            <a:r>
+              <a:rPr lang="zh-CN" altLang="en-US" sz="5400" b="1" dirty="0">
+                <a:solidFill>
+                  <a:srgbClr val="000066"/>
+                </a:solidFill>
+                <a:latin typeface="微軟正黑體" pitchFamily="34" charset="-120"/>
+                <a:ea typeface="微軟正黑體" pitchFamily="34" charset="-120"/>
+              </a:rPr>
+              <a:t>袮</a:t>
+            </a:r>
+            <a:r>
+              <a:rPr lang="zh-TW" altLang="en-US" sz="5400" b="1" dirty="0" smtClean="0">
+                <a:solidFill>
+                  <a:srgbClr val="000066"/>
+                </a:solidFill>
+                <a:latin typeface="微軟正黑體" pitchFamily="34" charset="-120"/>
+                <a:ea typeface="微軟正黑體" pitchFamily="34" charset="-120"/>
+              </a:rPr>
+              <a:t>喜悅</a:t>
+            </a:r>
+            <a:r>
+              <a:rPr lang="en-US" altLang="zh-TW" sz="5400" b="1" dirty="0" smtClean="0">
+                <a:solidFill>
+                  <a:srgbClr val="000066"/>
+                </a:solidFill>
+                <a:latin typeface="微軟正黑體" pitchFamily="34" charset="-120"/>
+                <a:ea typeface="微軟正黑體" pitchFamily="34" charset="-120"/>
+              </a:rPr>
+              <a:t>  </a:t>
+            </a:r>
+            <a:r>
+              <a:rPr lang="zh-TW" altLang="en-US" sz="5400" b="1" dirty="0" smtClean="0">
+                <a:solidFill>
+                  <a:srgbClr val="000066"/>
+                </a:solidFill>
+                <a:latin typeface="微軟正黑體" pitchFamily="34" charset="-120"/>
+                <a:ea typeface="微軟正黑體" pitchFamily="34" charset="-120"/>
+              </a:rPr>
+              <a:t>明白</a:t>
+            </a:r>
+            <a:r>
+              <a:rPr lang="zh-CN" altLang="en-US" sz="5400" b="1" dirty="0">
+                <a:solidFill>
+                  <a:srgbClr val="000066"/>
+                </a:solidFill>
+                <a:latin typeface="微軟正黑體" pitchFamily="34" charset="-120"/>
+                <a:ea typeface="微軟正黑體" pitchFamily="34" charset="-120"/>
+              </a:rPr>
+              <a:t>袮</a:t>
+            </a:r>
+            <a:r>
+              <a:rPr lang="zh-TW" altLang="en-US" sz="5400" b="1" dirty="0" smtClean="0">
+                <a:solidFill>
+                  <a:srgbClr val="000066"/>
+                </a:solidFill>
+                <a:latin typeface="微軟正黑體" pitchFamily="34" charset="-120"/>
+                <a:ea typeface="微軟正黑體" pitchFamily="34" charset="-120"/>
+              </a:rPr>
+              <a:t>旨</a:t>
             </a:r>
             <a:r>
               <a:rPr lang="zh-TW" altLang="en-US" sz="5400" b="1" dirty="0">
@@ -3232,50 +3609,20 @@
                 <a:latin typeface="微軟正黑體" pitchFamily="34" charset="-120"/>
                 <a:ea typeface="微軟正黑體" pitchFamily="34" charset="-120"/>
               </a:rPr>
-              <a:t>願討你</a:t>
-            </a:r>
-            <a:r>
-              <a:rPr lang="zh-TW" altLang="en-US" sz="5400" b="1" dirty="0" smtClean="0">
-                <a:solidFill>
-                  <a:srgbClr val="000066"/>
-                </a:solidFill>
-                <a:latin typeface="微軟正黑體" pitchFamily="34" charset="-120"/>
-                <a:ea typeface="微軟正黑體" pitchFamily="34" charset="-120"/>
-              </a:rPr>
-              <a:t>喜悅</a:t>
-            </a:r>
-            <a:endParaRPr lang="en-US" altLang="zh-TW" sz="5400" b="1" dirty="0">
+              <a:t>意</a:t>
+            </a:r>
+          </a:p>
+          <a:p>
+            <a:pPr algn="ctr">
+              <a:buNone/>
+            </a:pPr>
+            <a:endParaRPr lang="zh-TW" altLang="en-US" sz="5400" b="1" dirty="0">
               <a:solidFill>
                 <a:srgbClr val="000066"/>
               </a:solidFill>
               <a:latin typeface="微軟正黑體" pitchFamily="34" charset="-120"/>
               <a:ea typeface="微軟正黑體" pitchFamily="34" charset="-120"/>
             </a:endParaRPr>
-          </a:p>
-          <a:p>
-            <a:pPr algn="ctr">
-              <a:buNone/>
-            </a:pPr>
-            <a:r>
-              <a:rPr lang="zh-TW" altLang="en-US" sz="5400" b="1" dirty="0" smtClean="0">
-                <a:solidFill>
-                  <a:srgbClr val="000066"/>
-                </a:solidFill>
-                <a:latin typeface="微軟正黑體" pitchFamily="34" charset="-120"/>
-                <a:ea typeface="微軟正黑體" pitchFamily="34" charset="-120"/>
-              </a:rPr>
-              <a:t>明白</a:t>
-            </a:r>
-            <a:r>
-              <a:rPr lang="zh-TW" altLang="en-US" sz="5400" b="1" dirty="0">
-                <a:solidFill>
-                  <a:srgbClr val="000066"/>
-                </a:solidFill>
-                <a:latin typeface="微軟正黑體" pitchFamily="34" charset="-120"/>
-                <a:ea typeface="微軟正黑體" pitchFamily="34" charset="-120"/>
-              </a:rPr>
-              <a:t>你旨意 哦主</a:t>
-            </a:r>
           </a:p>
         </p:txBody>
       </p:sp>
@@ -3322,7 +3669,7 @@
           <a:lstStyle/>
           <a:p>
             <a:r>
-              <a:rPr lang="zh-TW" altLang="en-US" b="1" dirty="0">
+              <a:rPr lang="zh-TW" altLang="en-US" sz="4800" b="1" dirty="0">
                 <a:solidFill>
                   <a:srgbClr val="000066"/>
                 </a:solidFill>
@@ -3332,7 +3679,7 @@
               <a:t>單單敬</a:t>
             </a:r>
             <a:r>
-              <a:rPr lang="zh-TW" altLang="en-US" b="1" dirty="0" smtClean="0">
+              <a:rPr lang="zh-TW" altLang="en-US" sz="4800" b="1" dirty="0" smtClean="0">
                 <a:solidFill>
                   <a:srgbClr val="000066"/>
                 </a:solidFill>
@@ -3341,7 +3688,7 @@
               </a:rPr>
               <a:t>拜</a:t>
             </a:r>
-            <a:endParaRPr lang="zh-TW" altLang="en-US" b="1" dirty="0">
+            <a:endParaRPr lang="zh-TW" altLang="en-US" sz="4800" b="1" dirty="0">
               <a:solidFill>
                 <a:srgbClr val="000066"/>
               </a:solidFill>
@@ -3361,7 +3708,12 @@
             <p:ph idx="1"/>
           </p:nvPr>
         </p:nvSpPr>
-        <p:spPr/>
+        <p:spPr>
+          <a:xfrm>
+            <a:off x="1524000" y="1600200"/>
+            <a:ext cx="9144000" cy="5257800"/>
+          </a:xfrm>
+        </p:spPr>
         <p:txBody>
           <a:bodyPr>
             <a:normAutofit/>
@@ -3379,7 +3731,7 @@
                 <a:latin typeface="微軟正黑體" pitchFamily="34" charset="-120"/>
                 <a:ea typeface="微軟正黑體" pitchFamily="34" charset="-120"/>
               </a:rPr>
-              <a:t>獻上我的心給</a:t>
+              <a:t>我敬</a:t>
             </a:r>
             <a:r>
               <a:rPr lang="zh-TW" altLang="en-US" sz="5400" b="1" dirty="0" smtClean="0">
@@ -3389,7 +3741,47 @@
                 <a:latin typeface="微軟正黑體" pitchFamily="34" charset="-120"/>
                 <a:ea typeface="微軟正黑體" pitchFamily="34" charset="-120"/>
               </a:rPr>
-              <a:t>你</a:t>
+              <a:t>拜</a:t>
+            </a:r>
+            <a:r>
+              <a:rPr lang="zh-CN" altLang="en-US" sz="5400" b="1" dirty="0" smtClean="0">
+                <a:solidFill>
+                  <a:srgbClr val="000066"/>
+                </a:solidFill>
+                <a:latin typeface="微軟正黑體" pitchFamily="34" charset="-120"/>
+                <a:ea typeface="微軟正黑體" pitchFamily="34" charset="-120"/>
+              </a:rPr>
+              <a:t>袮  </a:t>
+            </a:r>
+            <a:r>
+              <a:rPr lang="zh-TW" altLang="en-US" sz="5400" b="1" dirty="0" smtClean="0">
+                <a:solidFill>
+                  <a:srgbClr val="000066"/>
+                </a:solidFill>
+                <a:latin typeface="微軟正黑體" pitchFamily="34" charset="-120"/>
+                <a:ea typeface="微軟正黑體" pitchFamily="34" charset="-120"/>
+              </a:rPr>
+              <a:t>用</a:t>
+            </a:r>
+            <a:r>
+              <a:rPr lang="zh-TW" altLang="en-US" sz="5400" b="1" dirty="0">
+                <a:solidFill>
+                  <a:srgbClr val="000066"/>
+                </a:solidFill>
+                <a:latin typeface="微軟正黑體" pitchFamily="34" charset="-120"/>
+                <a:ea typeface="微軟正黑體" pitchFamily="34" charset="-120"/>
+              </a:rPr>
+              <a:t>全心全意</a:t>
+            </a:r>
+            <a:r>
+              <a:rPr lang="zh-TW" altLang="en-US" sz="5400" b="1" dirty="0">
+                <a:solidFill>
+                  <a:srgbClr val="000066"/>
+                </a:solidFill>
+                <a:latin typeface="微軟正黑體" pitchFamily="34" charset="-120"/>
+                <a:ea typeface="微軟正黑體" pitchFamily="34" charset="-120"/>
+              </a:rPr>
+              <a:t>全人</a:t>
             </a:r>
             <a:endParaRPr lang="en-US" altLang="zh-TW" sz="5400" b="1" dirty="0">
               <a:solidFill>
@@ -3404,6 +3796,26 @@
               <a:buNone/>
             </a:pPr>
             <a:r>
+              <a:rPr lang="zh-TW" altLang="en-US" sz="5400" b="1" dirty="0">
+                <a:solidFill>
+                  <a:srgbClr val="000066"/>
+                </a:solidFill>
+                <a:latin typeface="微軟正黑體" pitchFamily="34" charset="-120"/>
+                <a:ea typeface="微軟正黑體" pitchFamily="34" charset="-120"/>
+              </a:rPr>
+              <a:t>我</a:t>
+            </a:r>
+            <a:r>
+              <a:rPr lang="zh-TW" altLang="en-US" sz="5400" b="1" dirty="0">
+                <a:solidFill>
+                  <a:srgbClr val="000066"/>
+                </a:solidFill>
+                <a:latin typeface="微軟正黑體" pitchFamily="34" charset="-120"/>
+                <a:ea typeface="微軟正黑體" pitchFamily="34" charset="-120"/>
+              </a:rPr>
+              <a:t>敬</a:t>
+            </a:r>
+            <a:r>
               <a:rPr lang="zh-TW" altLang="en-US" sz="5400" b="1" dirty="0" smtClean="0">
                 <a:solidFill>
                   <a:srgbClr val="000066"/>
@@ -3411,7 +3823,27 @@
                 <a:latin typeface="微軟正黑體" pitchFamily="34" charset="-120"/>
                 <a:ea typeface="微軟正黑體" pitchFamily="34" charset="-120"/>
               </a:rPr>
-              <a:t>獻</a:t>
+              <a:t>拜</a:t>
+            </a:r>
+            <a:r>
+              <a:rPr lang="zh-CN" altLang="en-US" sz="5400" b="1" dirty="0" smtClean="0">
+                <a:solidFill>
+                  <a:srgbClr val="000066"/>
+                </a:solidFill>
+                <a:latin typeface="微軟正黑體" pitchFamily="34" charset="-120"/>
+                <a:ea typeface="微軟正黑體" pitchFamily="34" charset="-120"/>
+              </a:rPr>
+              <a:t>袮  </a:t>
+            </a:r>
+            <a:r>
+              <a:rPr lang="zh-TW" altLang="en-US" sz="5400" b="1" dirty="0" smtClean="0">
+                <a:solidFill>
+                  <a:srgbClr val="000066"/>
+                </a:solidFill>
+                <a:latin typeface="微軟正黑體" pitchFamily="34" charset="-120"/>
+                <a:ea typeface="微軟正黑體" pitchFamily="34" charset="-120"/>
+              </a:rPr>
+              <a:t>超</a:t>
             </a:r>
             <a:r>
               <a:rPr lang="zh-TW" altLang="en-US" sz="5400" b="1" dirty="0">
@@ -3421,17 +3853,27 @@
                 <a:latin typeface="微軟正黑體" pitchFamily="34" charset="-120"/>
                 <a:ea typeface="微軟正黑體" pitchFamily="34" charset="-120"/>
               </a:rPr>
-              <a:t>上我所有為</a:t>
-            </a:r>
-            <a:r>
-              <a:rPr lang="zh-TW" altLang="en-US" sz="5400" b="1" dirty="0" smtClean="0">
-                <a:solidFill>
-                  <a:srgbClr val="000066"/>
-                </a:solidFill>
-                <a:latin typeface="微軟正黑體" pitchFamily="34" charset="-120"/>
-                <a:ea typeface="微軟正黑體" pitchFamily="34" charset="-120"/>
-              </a:rPr>
-              <a:t>你</a:t>
+              <a:t>越</a:t>
+            </a:r>
+            <a:r>
+              <a:rPr lang="zh-TW" altLang="en-US" sz="5400" b="1" dirty="0">
+                <a:solidFill>
+                  <a:srgbClr val="000066"/>
+                </a:solidFill>
+                <a:latin typeface="微軟正黑體" pitchFamily="34" charset="-120"/>
+                <a:ea typeface="微軟正黑體" pitchFamily="34" charset="-120"/>
+              </a:rPr>
+              <a:t>所有的</a:t>
+            </a:r>
+            <a:r>
+              <a:rPr lang="zh-TW" altLang="en-US" sz="5400" b="1" dirty="0">
+                <a:solidFill>
+                  <a:srgbClr val="000066"/>
+                </a:solidFill>
+                <a:latin typeface="微軟正黑體" pitchFamily="34" charset="-120"/>
+                <a:ea typeface="微軟正黑體" pitchFamily="34" charset="-120"/>
+              </a:rPr>
+              <a:t>一切</a:t>
             </a:r>
             <a:endParaRPr lang="en-US" altLang="zh-TW" sz="5400" b="1" dirty="0">
               <a:solidFill>
@@ -3446,6 +3888,26 @@
               <a:buNone/>
             </a:pPr>
             <a:r>
+              <a:rPr lang="zh-TW" altLang="en-US" sz="5400" b="1" dirty="0">
+                <a:solidFill>
+                  <a:srgbClr val="000066"/>
+                </a:solidFill>
+                <a:latin typeface="微軟正黑體" pitchFamily="34" charset="-120"/>
+                <a:ea typeface="微軟正黑體" pitchFamily="34" charset="-120"/>
+              </a:rPr>
+              <a:t>我</a:t>
+            </a:r>
+            <a:r>
+              <a:rPr lang="zh-TW" altLang="en-US" sz="5400" b="1" dirty="0">
+                <a:solidFill>
+                  <a:srgbClr val="000066"/>
+                </a:solidFill>
+                <a:latin typeface="微軟正黑體" pitchFamily="34" charset="-120"/>
+                <a:ea typeface="微軟正黑體" pitchFamily="34" charset="-120"/>
+              </a:rPr>
+              <a:t>敬</a:t>
+            </a:r>
+            <a:r>
               <a:rPr lang="zh-TW" altLang="en-US" sz="5400" b="1" dirty="0" smtClean="0">
                 <a:solidFill>
                   <a:srgbClr val="000066"/>
@@ -3453,7 +3915,47 @@
                 <a:latin typeface="微軟正黑體" pitchFamily="34" charset="-120"/>
                 <a:ea typeface="微軟正黑體" pitchFamily="34" charset="-120"/>
               </a:rPr>
-              <a:t>只</a:t>
+              <a:t>拜</a:t>
+            </a:r>
+            <a:r>
+              <a:rPr lang="zh-CN" altLang="en-US" sz="5400" b="1" dirty="0" smtClean="0">
+                <a:solidFill>
+                  <a:srgbClr val="000066"/>
+                </a:solidFill>
+                <a:latin typeface="微軟正黑體" pitchFamily="34" charset="-120"/>
+                <a:ea typeface="微軟正黑體" pitchFamily="34" charset="-120"/>
+              </a:rPr>
+              <a:t>袮  </a:t>
+            </a:r>
+            <a:r>
+              <a:rPr lang="zh-TW" altLang="en-US" sz="5400" b="1" dirty="0" smtClean="0">
+                <a:solidFill>
+                  <a:srgbClr val="000066"/>
+                </a:solidFill>
+                <a:latin typeface="微軟正黑體" pitchFamily="34" charset="-120"/>
+                <a:ea typeface="微軟正黑體" pitchFamily="34" charset="-120"/>
+              </a:rPr>
+              <a:t>因</a:t>
+            </a:r>
+            <a:r>
+              <a:rPr lang="zh-CN" altLang="en-US" sz="5400" b="1" dirty="0">
+                <a:solidFill>
+                  <a:srgbClr val="000066"/>
+                </a:solidFill>
+                <a:latin typeface="微軟正黑體" pitchFamily="34" charset="-120"/>
+                <a:ea typeface="微軟正黑體" pitchFamily="34" charset="-120"/>
+              </a:rPr>
+              <a:t>袮</a:t>
+            </a:r>
+            <a:r>
+              <a:rPr lang="zh-TW" altLang="en-US" sz="5400" b="1" dirty="0" smtClean="0">
+                <a:solidFill>
+                  <a:srgbClr val="000066"/>
+                </a:solidFill>
+                <a:latin typeface="微軟正黑體" pitchFamily="34" charset="-120"/>
+                <a:ea typeface="微軟正黑體" pitchFamily="34" charset="-120"/>
+              </a:rPr>
+              <a:t>是</a:t>
             </a:r>
             <a:r>
               <a:rPr lang="zh-TW" altLang="en-US" sz="5400" b="1" dirty="0">
@@ -3463,17 +3965,17 @@
                 <a:latin typeface="微軟正黑體" pitchFamily="34" charset="-120"/>
                 <a:ea typeface="微軟正黑體" pitchFamily="34" charset="-120"/>
               </a:rPr>
-              <a:t>願討你</a:t>
-            </a:r>
-            <a:r>
-              <a:rPr lang="zh-TW" altLang="en-US" sz="5400" b="1" dirty="0" smtClean="0">
-                <a:solidFill>
-                  <a:srgbClr val="000066"/>
-                </a:solidFill>
-                <a:latin typeface="微軟正黑體" pitchFamily="34" charset="-120"/>
-                <a:ea typeface="微軟正黑體" pitchFamily="34" charset="-120"/>
-              </a:rPr>
-              <a:t>喜悅</a:t>
+              <a:t>我的</a:t>
+            </a:r>
+            <a:r>
+              <a:rPr lang="zh-TW" altLang="en-US" sz="5400" b="1" dirty="0">
+                <a:solidFill>
+                  <a:srgbClr val="000066"/>
+                </a:solidFill>
+                <a:latin typeface="微軟正黑體" pitchFamily="34" charset="-120"/>
+                <a:ea typeface="微軟正黑體" pitchFamily="34" charset="-120"/>
+              </a:rPr>
+              <a:t>唯一</a:t>
             </a:r>
             <a:endParaRPr lang="en-US" altLang="zh-TW" sz="5400" b="1" dirty="0">
               <a:solidFill>
@@ -3488,6 +3990,38 @@
               <a:buNone/>
             </a:pPr>
             <a:r>
+              <a:rPr lang="zh-TW" altLang="en-US" sz="5400" b="1" dirty="0">
+                <a:solidFill>
+                  <a:srgbClr val="000066"/>
+                </a:solidFill>
+                <a:latin typeface="微軟正黑體" pitchFamily="34" charset="-120"/>
+                <a:ea typeface="微軟正黑體" pitchFamily="34" charset="-120"/>
+              </a:rPr>
+              <a:t>用全心全意  獻上我所有</a:t>
+            </a:r>
+            <a:endParaRPr lang="en-US" altLang="zh-TW" sz="5400" b="1" dirty="0">
+              <a:solidFill>
+                <a:srgbClr val="000066"/>
+              </a:solidFill>
+              <a:latin typeface="微軟正黑體" pitchFamily="34" charset="-120"/>
+              <a:ea typeface="微軟正黑體" pitchFamily="34" charset="-120"/>
+            </a:endParaRPr>
+          </a:p>
+          <a:p>
+            <a:pPr algn="ctr">
+              <a:buNone/>
+            </a:pPr>
+            <a:r>
+              <a:rPr lang="zh-TW" altLang="en-US" sz="5400" b="1" dirty="0">
+                <a:solidFill>
+                  <a:srgbClr val="000066"/>
+                </a:solidFill>
+                <a:latin typeface="微軟正黑體" pitchFamily="34" charset="-120"/>
+                <a:ea typeface="微軟正黑體" pitchFamily="34" charset="-120"/>
+              </a:rPr>
+              <a:t>單單就是來 </a:t>
+            </a:r>
+            <a:r>
               <a:rPr lang="zh-TW" altLang="en-US" sz="5400" b="1" dirty="0" smtClean="0">
                 <a:solidFill>
                   <a:srgbClr val="000066"/>
@@ -3495,18 +4029,25 @@
                 <a:latin typeface="微軟正黑體" pitchFamily="34" charset="-120"/>
                 <a:ea typeface="微軟正黑體" pitchFamily="34" charset="-120"/>
               </a:rPr>
-              <a:t>明白</a:t>
-            </a:r>
-            <a:r>
-              <a:rPr lang="zh-TW" altLang="en-US" sz="5400" b="1" dirty="0">
-                <a:solidFill>
-                  <a:srgbClr val="000066"/>
-                </a:solidFill>
-                <a:latin typeface="微軟正黑體" pitchFamily="34" charset="-120"/>
-                <a:ea typeface="微軟正黑體" pitchFamily="34" charset="-120"/>
-              </a:rPr>
-              <a:t>你旨意</a:t>
-            </a:r>
+              <a:t> 愛</a:t>
+            </a:r>
+            <a:r>
+              <a:rPr lang="zh-CN" altLang="en-US" sz="5400" b="1" dirty="0">
+                <a:solidFill>
+                  <a:srgbClr val="000066"/>
+                </a:solidFill>
+                <a:latin typeface="微軟正黑體" pitchFamily="34" charset="-120"/>
+                <a:ea typeface="微軟正黑體" pitchFamily="34" charset="-120"/>
+              </a:rPr>
+              <a:t>袮</a:t>
+            </a:r>
+            <a:endParaRPr lang="zh-TW" altLang="en-US" sz="5400" b="1" dirty="0">
+              <a:solidFill>
+                <a:srgbClr val="000066"/>
+              </a:solidFill>
+              <a:latin typeface="微軟正黑體" pitchFamily="34" charset="-120"/>
+              <a:ea typeface="微軟正黑體" pitchFamily="34" charset="-120"/>
+            </a:endParaRPr>
           </a:p>
         </p:txBody>
       </p:sp>
@@ -3553,7 +4094,7 @@
           <a:lstStyle/>
           <a:p>
             <a:r>
-              <a:rPr lang="zh-TW" altLang="en-US" b="1" dirty="0">
+              <a:rPr lang="zh-TW" altLang="en-US" sz="4800" b="1" dirty="0">
                 <a:solidFill>
                   <a:srgbClr val="000066"/>
                 </a:solidFill>
@@ -3563,7 +4104,7 @@
               <a:t>單單敬</a:t>
             </a:r>
             <a:r>
-              <a:rPr lang="zh-TW" altLang="en-US" b="1" dirty="0" smtClean="0">
+              <a:rPr lang="zh-TW" altLang="en-US" sz="4800" b="1" dirty="0" smtClean="0">
                 <a:solidFill>
                   <a:srgbClr val="000066"/>
                 </a:solidFill>
@@ -3572,7 +4113,7 @@
               </a:rPr>
               <a:t>拜</a:t>
             </a:r>
-            <a:endParaRPr lang="zh-TW" altLang="en-US" b="1" dirty="0">
+            <a:endParaRPr lang="zh-TW" altLang="en-US" sz="4800" b="1" dirty="0">
               <a:solidFill>
                 <a:srgbClr val="000066"/>
               </a:solidFill>
@@ -3594,7 +4135,7 @@
         </p:nvSpPr>
         <p:spPr>
           <a:xfrm>
-            <a:off x="0" y="1600200"/>
+            <a:off x="1524000" y="1600200"/>
             <a:ext cx="9144000" cy="5257800"/>
           </a:xfrm>
         </p:spPr>
@@ -3615,7 +4156,7 @@
                 <a:latin typeface="微軟正黑體" pitchFamily="34" charset="-120"/>
                 <a:ea typeface="微軟正黑體" pitchFamily="34" charset="-120"/>
               </a:rPr>
-              <a:t>我敬拜</a:t>
+              <a:t>我渴</a:t>
             </a:r>
             <a:r>
               <a:rPr lang="zh-TW" altLang="en-US" sz="5400" b="1" dirty="0" smtClean="0">
@@ -3625,7 +4166,27 @@
                 <a:latin typeface="微軟正黑體" pitchFamily="34" charset="-120"/>
                 <a:ea typeface="微軟正黑體" pitchFamily="34" charset="-120"/>
               </a:rPr>
-              <a:t>你</a:t>
+              <a:t>慕</a:t>
+            </a:r>
+            <a:r>
+              <a:rPr lang="zh-CN" altLang="en-US" sz="5400" b="1" dirty="0" smtClean="0">
+                <a:solidFill>
+                  <a:srgbClr val="000066"/>
+                </a:solidFill>
+                <a:latin typeface="微軟正黑體" pitchFamily="34" charset="-120"/>
+                <a:ea typeface="微軟正黑體" pitchFamily="34" charset="-120"/>
+              </a:rPr>
+              <a:t>袮  </a:t>
+            </a:r>
+            <a:r>
+              <a:rPr lang="zh-TW" altLang="en-US" sz="5400" b="1" dirty="0" smtClean="0">
+                <a:solidFill>
+                  <a:srgbClr val="000066"/>
+                </a:solidFill>
+                <a:latin typeface="微軟正黑體" pitchFamily="34" charset="-120"/>
+                <a:ea typeface="微軟正黑體" pitchFamily="34" charset="-120"/>
+              </a:rPr>
+              <a:t>用</a:t>
             </a:r>
             <a:r>
               <a:rPr lang="zh-TW" altLang="en-US" sz="5400" b="1" dirty="0">
@@ -3635,39 +4196,9 @@
                 <a:latin typeface="微軟正黑體" pitchFamily="34" charset="-120"/>
                 <a:ea typeface="微軟正黑體" pitchFamily="34" charset="-120"/>
               </a:rPr>
-              <a:t> </a:t>
-            </a:r>
-            <a:r>
-              <a:rPr lang="zh-TW" altLang="en-US" sz="5400" b="1" dirty="0" smtClean="0">
-                <a:solidFill>
-                  <a:srgbClr val="000066"/>
-                </a:solidFill>
-                <a:latin typeface="微軟正黑體" pitchFamily="34" charset="-120"/>
-                <a:ea typeface="微軟正黑體" pitchFamily="34" charset="-120"/>
-              </a:rPr>
-              <a:t> 用</a:t>
-            </a:r>
-            <a:r>
-              <a:rPr lang="zh-TW" altLang="en-US" sz="5400" b="1" dirty="0">
-                <a:solidFill>
-                  <a:srgbClr val="000066"/>
-                </a:solidFill>
-                <a:latin typeface="微軟正黑體" pitchFamily="34" charset="-120"/>
-                <a:ea typeface="微軟正黑體" pitchFamily="34" charset="-120"/>
-              </a:rPr>
-              <a:t>全心全意</a:t>
-            </a:r>
-            <a:r>
-              <a:rPr lang="zh-TW" altLang="en-US" sz="5400" b="1" dirty="0" smtClean="0">
-                <a:solidFill>
-                  <a:srgbClr val="000066"/>
-                </a:solidFill>
-                <a:latin typeface="微軟正黑體" pitchFamily="34" charset="-120"/>
-                <a:ea typeface="微軟正黑體" pitchFamily="34" charset="-120"/>
-              </a:rPr>
-              <a:t>全人</a:t>
-            </a:r>
-            <a:endParaRPr lang="en-US" altLang="zh-TW" sz="5400" b="1" dirty="0" smtClean="0">
+              <a:t>全心全意全人</a:t>
+            </a:r>
+            <a:endParaRPr lang="en-US" altLang="zh-TW" sz="5400" b="1" dirty="0">
               <a:solidFill>
                 <a:srgbClr val="000066"/>
               </a:solidFill>
@@ -3680,6 +4211,16 @@
               <a:buNone/>
             </a:pPr>
             <a:r>
+              <a:rPr lang="zh-TW" altLang="en-US" sz="5400" b="1" dirty="0">
+                <a:solidFill>
+                  <a:srgbClr val="000066"/>
+                </a:solidFill>
+                <a:latin typeface="微軟正黑體" pitchFamily="34" charset="-120"/>
+                <a:ea typeface="微軟正黑體" pitchFamily="34" charset="-120"/>
+              </a:rPr>
+              <a:t>我渴</a:t>
+            </a:r>
+            <a:r>
               <a:rPr lang="zh-TW" altLang="en-US" sz="5400" b="1" dirty="0" smtClean="0">
                 <a:solidFill>
                   <a:srgbClr val="000066"/>
@@ -3687,7 +4228,27 @@
                 <a:latin typeface="微軟正黑體" pitchFamily="34" charset="-120"/>
                 <a:ea typeface="微軟正黑體" pitchFamily="34" charset="-120"/>
               </a:rPr>
-              <a:t>我</a:t>
+              <a:t>慕</a:t>
+            </a:r>
+            <a:r>
+              <a:rPr lang="zh-CN" altLang="en-US" sz="5400" b="1" dirty="0" smtClean="0">
+                <a:solidFill>
+                  <a:srgbClr val="000066"/>
+                </a:solidFill>
+                <a:latin typeface="微軟正黑體" pitchFamily="34" charset="-120"/>
+                <a:ea typeface="微軟正黑體" pitchFamily="34" charset="-120"/>
+              </a:rPr>
+              <a:t>袮  </a:t>
+            </a:r>
+            <a:r>
+              <a:rPr lang="zh-TW" altLang="en-US" sz="5400" b="1" dirty="0" smtClean="0">
+                <a:solidFill>
+                  <a:srgbClr val="000066"/>
+                </a:solidFill>
+                <a:latin typeface="微軟正黑體" pitchFamily="34" charset="-120"/>
+                <a:ea typeface="微軟正黑體" pitchFamily="34" charset="-120"/>
+              </a:rPr>
+              <a:t>超越</a:t>
             </a:r>
             <a:r>
               <a:rPr lang="zh-TW" altLang="en-US" sz="5400" b="1" dirty="0">
@@ -3697,59 +4258,9 @@
                 <a:latin typeface="微軟正黑體" pitchFamily="34" charset="-120"/>
                 <a:ea typeface="微軟正黑體" pitchFamily="34" charset="-120"/>
               </a:rPr>
-              <a:t>敬拜</a:t>
-            </a:r>
-            <a:r>
-              <a:rPr lang="zh-TW" altLang="en-US" sz="5400" b="1" dirty="0" smtClean="0">
-                <a:solidFill>
-                  <a:srgbClr val="000066"/>
-                </a:solidFill>
-                <a:latin typeface="微軟正黑體" pitchFamily="34" charset="-120"/>
-                <a:ea typeface="微軟正黑體" pitchFamily="34" charset="-120"/>
-              </a:rPr>
-              <a:t>你</a:t>
-            </a:r>
-            <a:r>
-              <a:rPr lang="zh-TW" altLang="en-US" sz="5400" b="1" dirty="0">
-                <a:solidFill>
-                  <a:srgbClr val="000066"/>
-                </a:solidFill>
-                <a:latin typeface="微軟正黑體" pitchFamily="34" charset="-120"/>
-                <a:ea typeface="微軟正黑體" pitchFamily="34" charset="-120"/>
-              </a:rPr>
-              <a:t> </a:t>
-            </a:r>
-            <a:r>
-              <a:rPr lang="zh-TW" altLang="en-US" sz="5400" b="1" dirty="0" smtClean="0">
-                <a:solidFill>
-                  <a:srgbClr val="000066"/>
-                </a:solidFill>
-                <a:latin typeface="微軟正黑體" pitchFamily="34" charset="-120"/>
-                <a:ea typeface="微軟正黑體" pitchFamily="34" charset="-120"/>
-              </a:rPr>
-              <a:t> 超越</a:t>
-            </a:r>
-            <a:r>
-              <a:rPr lang="zh-TW" altLang="en-US" sz="5400" b="1" dirty="0">
-                <a:solidFill>
-                  <a:srgbClr val="000066"/>
-                </a:solidFill>
-                <a:latin typeface="微軟正黑體" pitchFamily="34" charset="-120"/>
-                <a:ea typeface="微軟正黑體" pitchFamily="34" charset="-120"/>
-              </a:rPr>
-              <a:t>所有的</a:t>
-            </a:r>
-            <a:r>
-              <a:rPr lang="zh-TW" altLang="en-US" sz="5400" b="1" dirty="0" smtClean="0">
-                <a:solidFill>
-                  <a:srgbClr val="000066"/>
-                </a:solidFill>
-                <a:latin typeface="微軟正黑體" pitchFamily="34" charset="-120"/>
-                <a:ea typeface="微軟正黑體" pitchFamily="34" charset="-120"/>
-              </a:rPr>
-              <a:t>一切</a:t>
-            </a:r>
-            <a:endParaRPr lang="en-US" altLang="zh-TW" sz="5400" b="1" dirty="0" smtClean="0">
+              <a:t>所有的一切</a:t>
+            </a:r>
+            <a:endParaRPr lang="en-US" altLang="zh-TW" sz="5400" b="1" dirty="0">
               <a:solidFill>
                 <a:srgbClr val="000066"/>
               </a:solidFill>
@@ -3762,6 +4273,16 @@
               <a:buNone/>
             </a:pPr>
             <a:r>
+              <a:rPr lang="zh-TW" altLang="en-US" sz="5400" b="1" dirty="0">
+                <a:solidFill>
+                  <a:srgbClr val="000066"/>
+                </a:solidFill>
+                <a:latin typeface="微軟正黑體" pitchFamily="34" charset="-120"/>
+                <a:ea typeface="微軟正黑體" pitchFamily="34" charset="-120"/>
+              </a:rPr>
+              <a:t>我渴</a:t>
+            </a:r>
+            <a:r>
               <a:rPr lang="zh-TW" altLang="en-US" sz="5400" b="1" dirty="0" smtClean="0">
                 <a:solidFill>
                   <a:srgbClr val="000066"/>
@@ -3769,7 +4290,47 @@
                 <a:latin typeface="微軟正黑體" pitchFamily="34" charset="-120"/>
                 <a:ea typeface="微軟正黑體" pitchFamily="34" charset="-120"/>
               </a:rPr>
-              <a:t>我</a:t>
+              <a:t>慕</a:t>
+            </a:r>
+            <a:r>
+              <a:rPr lang="zh-CN" altLang="en-US" sz="5400" b="1" dirty="0" smtClean="0">
+                <a:solidFill>
+                  <a:srgbClr val="000066"/>
+                </a:solidFill>
+                <a:latin typeface="微軟正黑體" pitchFamily="34" charset="-120"/>
+                <a:ea typeface="微軟正黑體" pitchFamily="34" charset="-120"/>
+              </a:rPr>
+              <a:t>袮  </a:t>
+            </a:r>
+            <a:r>
+              <a:rPr lang="zh-TW" altLang="en-US" sz="5400" b="1" dirty="0" smtClean="0">
+                <a:solidFill>
+                  <a:srgbClr val="000066"/>
+                </a:solidFill>
+                <a:latin typeface="微軟正黑體" pitchFamily="34" charset="-120"/>
+                <a:ea typeface="微軟正黑體" pitchFamily="34" charset="-120"/>
+              </a:rPr>
+              <a:t>因</a:t>
+            </a:r>
+            <a:r>
+              <a:rPr lang="zh-CN" altLang="en-US" sz="5400" b="1" dirty="0">
+                <a:solidFill>
+                  <a:srgbClr val="000066"/>
+                </a:solidFill>
+                <a:latin typeface="微軟正黑體" pitchFamily="34" charset="-120"/>
+                <a:ea typeface="微軟正黑體" pitchFamily="34" charset="-120"/>
+              </a:rPr>
+              <a:t>袮</a:t>
+            </a:r>
+            <a:r>
+              <a:rPr lang="zh-TW" altLang="en-US" sz="5400" b="1" dirty="0" smtClean="0">
+                <a:solidFill>
+                  <a:srgbClr val="000066"/>
+                </a:solidFill>
+                <a:latin typeface="微軟正黑體" pitchFamily="34" charset="-120"/>
+                <a:ea typeface="微軟正黑體" pitchFamily="34" charset="-120"/>
+              </a:rPr>
+              <a:t>是</a:t>
             </a:r>
             <a:r>
               <a:rPr lang="zh-TW" altLang="en-US" sz="5400" b="1" dirty="0">
@@ -3779,59 +4340,9 @@
                 <a:latin typeface="微軟正黑體" pitchFamily="34" charset="-120"/>
                 <a:ea typeface="微軟正黑體" pitchFamily="34" charset="-120"/>
               </a:rPr>
-              <a:t>敬拜</a:t>
-            </a:r>
-            <a:r>
-              <a:rPr lang="zh-TW" altLang="en-US" sz="5400" b="1" dirty="0" smtClean="0">
-                <a:solidFill>
-                  <a:srgbClr val="000066"/>
-                </a:solidFill>
-                <a:latin typeface="微軟正黑體" pitchFamily="34" charset="-120"/>
-                <a:ea typeface="微軟正黑體" pitchFamily="34" charset="-120"/>
-              </a:rPr>
-              <a:t>你</a:t>
-            </a:r>
-            <a:r>
-              <a:rPr lang="zh-TW" altLang="en-US" sz="5400" b="1" dirty="0">
-                <a:solidFill>
-                  <a:srgbClr val="000066"/>
-                </a:solidFill>
-                <a:latin typeface="微軟正黑體" pitchFamily="34" charset="-120"/>
-                <a:ea typeface="微軟正黑體" pitchFamily="34" charset="-120"/>
-              </a:rPr>
-              <a:t> </a:t>
-            </a:r>
-            <a:r>
-              <a:rPr lang="zh-TW" altLang="en-US" sz="5400" b="1" dirty="0" smtClean="0">
-                <a:solidFill>
-                  <a:srgbClr val="000066"/>
-                </a:solidFill>
-                <a:latin typeface="微軟正黑體" pitchFamily="34" charset="-120"/>
-                <a:ea typeface="微軟正黑體" pitchFamily="34" charset="-120"/>
-              </a:rPr>
-              <a:t> 因</a:t>
-            </a:r>
-            <a:r>
-              <a:rPr lang="zh-TW" altLang="en-US" sz="5400" b="1" dirty="0">
-                <a:solidFill>
-                  <a:srgbClr val="000066"/>
-                </a:solidFill>
-                <a:latin typeface="微軟正黑體" pitchFamily="34" charset="-120"/>
-                <a:ea typeface="微軟正黑體" pitchFamily="34" charset="-120"/>
-              </a:rPr>
-              <a:t>你是我的</a:t>
-            </a:r>
-            <a:r>
-              <a:rPr lang="zh-TW" altLang="en-US" sz="5400" b="1" dirty="0" smtClean="0">
-                <a:solidFill>
-                  <a:srgbClr val="000066"/>
-                </a:solidFill>
-                <a:latin typeface="微軟正黑體" pitchFamily="34" charset="-120"/>
-                <a:ea typeface="微軟正黑體" pitchFamily="34" charset="-120"/>
-              </a:rPr>
-              <a:t>唯一</a:t>
-            </a:r>
-            <a:endParaRPr lang="en-US" altLang="zh-TW" sz="5400" b="1" dirty="0" smtClean="0">
+              <a:t>我的唯一</a:t>
+            </a:r>
+            <a:endParaRPr lang="en-US" altLang="zh-TW" sz="5400" b="1" dirty="0">
               <a:solidFill>
                 <a:srgbClr val="000066"/>
               </a:solidFill>
@@ -3844,16 +4355,16 @@
               <a:buNone/>
             </a:pPr>
             <a:r>
-              <a:rPr lang="zh-TW" altLang="en-US" sz="5400" b="1" dirty="0" smtClean="0">
-                <a:solidFill>
-                  <a:srgbClr val="000066"/>
-                </a:solidFill>
-                <a:latin typeface="微軟正黑體" pitchFamily="34" charset="-120"/>
-                <a:ea typeface="微軟正黑體" pitchFamily="34" charset="-120"/>
-              </a:rPr>
-              <a:t>用全心全意  獻上我所有</a:t>
-            </a:r>
-            <a:endParaRPr lang="en-US" altLang="zh-TW" sz="5400" b="1" dirty="0" smtClean="0">
+              <a:rPr lang="zh-TW" altLang="en-US" sz="5400" b="1" dirty="0">
+                <a:solidFill>
+                  <a:srgbClr val="000066"/>
+                </a:solidFill>
+                <a:latin typeface="微軟正黑體" pitchFamily="34" charset="-120"/>
+                <a:ea typeface="微軟正黑體" pitchFamily="34" charset="-120"/>
+              </a:rPr>
+              <a:t>用全心全意獻上我所有</a:t>
+            </a:r>
+            <a:endParaRPr lang="en-US" altLang="zh-TW" sz="5400" b="1" dirty="0">
               <a:solidFill>
                 <a:srgbClr val="000066"/>
               </a:solidFill>
@@ -3866,6 +4377,16 @@
               <a:buNone/>
             </a:pPr>
             <a:r>
+              <a:rPr lang="zh-TW" altLang="en-US" sz="5400" b="1" dirty="0">
+                <a:solidFill>
+                  <a:srgbClr val="000066"/>
+                </a:solidFill>
+                <a:latin typeface="微軟正黑體" pitchFamily="34" charset="-120"/>
+                <a:ea typeface="微軟正黑體" pitchFamily="34" charset="-120"/>
+              </a:rPr>
+              <a:t>單單就是來 </a:t>
+            </a:r>
+            <a:r>
               <a:rPr lang="zh-TW" altLang="en-US" sz="5400" b="1" dirty="0" smtClean="0">
                 <a:solidFill>
                   <a:srgbClr val="000066"/>
@@ -3873,8 +4394,25 @@
                 <a:latin typeface="微軟正黑體" pitchFamily="34" charset="-120"/>
                 <a:ea typeface="微軟正黑體" pitchFamily="34" charset="-120"/>
               </a:rPr>
-              <a:t>單單就是來 愛你</a:t>
-            </a:r>
+              <a:t> 愛</a:t>
+            </a:r>
+            <a:r>
+              <a:rPr lang="zh-CN" altLang="en-US" sz="5400" b="1" dirty="0">
+                <a:solidFill>
+                  <a:srgbClr val="000066"/>
+                </a:solidFill>
+                <a:latin typeface="微軟正黑體" pitchFamily="34" charset="-120"/>
+                <a:ea typeface="微軟正黑體" pitchFamily="34" charset="-120"/>
+              </a:rPr>
+              <a:t>袮</a:t>
+            </a:r>
+            <a:endParaRPr lang="zh-TW" altLang="en-US" sz="5400" b="1" dirty="0">
+              <a:solidFill>
+                <a:srgbClr val="000066"/>
+              </a:solidFill>
+              <a:latin typeface="微軟正黑體" pitchFamily="34" charset="-120"/>
+              <a:ea typeface="微軟正黑體" pitchFamily="34" charset="-120"/>
+            </a:endParaRPr>
           </a:p>
         </p:txBody>
       </p:sp>
@@ -3921,7 +4459,7 @@
           <a:lstStyle/>
           <a:p>
             <a:r>
-              <a:rPr lang="zh-TW" altLang="en-US" b="1" dirty="0">
+              <a:rPr lang="zh-TW" altLang="en-US" sz="4800" b="1" dirty="0">
                 <a:solidFill>
                   <a:srgbClr val="000066"/>
                 </a:solidFill>
@@ -3931,7 +4469,7 @@
               <a:t>單單敬</a:t>
             </a:r>
             <a:r>
-              <a:rPr lang="zh-TW" altLang="en-US" b="1" dirty="0" smtClean="0">
+              <a:rPr lang="zh-TW" altLang="en-US" sz="4800" b="1" dirty="0" smtClean="0">
                 <a:solidFill>
                   <a:srgbClr val="000066"/>
                 </a:solidFill>
@@ -3940,7 +4478,7 @@
               </a:rPr>
               <a:t>拜</a:t>
             </a:r>
-            <a:endParaRPr lang="zh-TW" altLang="en-US" b="1" dirty="0">
+            <a:endParaRPr lang="zh-TW" altLang="en-US" sz="4800" b="1" dirty="0">
               <a:solidFill>
                 <a:srgbClr val="000066"/>
               </a:solidFill>
@@ -3962,7 +4500,7 @@
         </p:nvSpPr>
         <p:spPr>
           <a:xfrm>
-            <a:off x="0" y="1600200"/>
+            <a:off x="1524000" y="1600200"/>
             <a:ext cx="9144000" cy="5257800"/>
           </a:xfrm>
         </p:spPr>
@@ -3976,6 +4514,16 @@
               <a:buNone/>
             </a:pPr>
             <a:r>
+              <a:rPr lang="zh-TW" altLang="en-US" sz="5400" b="1" dirty="0">
+                <a:solidFill>
+                  <a:srgbClr val="000066"/>
+                </a:solidFill>
+                <a:latin typeface="微軟正黑體" pitchFamily="34" charset="-120"/>
+                <a:ea typeface="微軟正黑體" pitchFamily="34" charset="-120"/>
+              </a:rPr>
+              <a:t>哈利路亞  哈</a:t>
+            </a:r>
+            <a:r>
               <a:rPr lang="zh-TW" altLang="en-US" sz="5400" b="1" dirty="0" smtClean="0">
                 <a:solidFill>
                   <a:srgbClr val="000066"/>
@@ -3983,9 +4531,19 @@
                 <a:latin typeface="微軟正黑體" pitchFamily="34" charset="-120"/>
                 <a:ea typeface="微軟正黑體" pitchFamily="34" charset="-120"/>
               </a:rPr>
-              <a:t>我渴慕你用全心全意全人</a:t>
-            </a:r>
-            <a:endParaRPr lang="en-US" altLang="zh-TW" sz="5400" b="1" dirty="0" smtClean="0">
+              <a:t>利  哈</a:t>
+            </a:r>
+            <a:r>
+              <a:rPr lang="zh-TW" altLang="en-US" sz="5400" b="1" dirty="0">
+                <a:solidFill>
+                  <a:srgbClr val="000066"/>
+                </a:solidFill>
+                <a:latin typeface="微軟正黑體" pitchFamily="34" charset="-120"/>
+                <a:ea typeface="微軟正黑體" pitchFamily="34" charset="-120"/>
+              </a:rPr>
+              <a:t>利路亞</a:t>
+            </a:r>
+            <a:endParaRPr lang="en-US" altLang="zh-TW" sz="5400" b="1" dirty="0">
               <a:solidFill>
                 <a:srgbClr val="000066"/>
               </a:solidFill>
@@ -3998,6 +4556,16 @@
               <a:buNone/>
             </a:pPr>
             <a:r>
+              <a:rPr lang="zh-TW" altLang="en-US" sz="5400" b="1" dirty="0">
+                <a:solidFill>
+                  <a:srgbClr val="000066"/>
+                </a:solidFill>
+                <a:latin typeface="微軟正黑體" pitchFamily="34" charset="-120"/>
+                <a:ea typeface="微軟正黑體" pitchFamily="34" charset="-120"/>
+              </a:rPr>
+              <a:t>哈利路亞  哈</a:t>
+            </a:r>
+            <a:r>
               <a:rPr lang="zh-TW" altLang="en-US" sz="5400" b="1" dirty="0" smtClean="0">
                 <a:solidFill>
                   <a:srgbClr val="000066"/>
@@ -4005,9 +4573,19 @@
                 <a:latin typeface="微軟正黑體" pitchFamily="34" charset="-120"/>
                 <a:ea typeface="微軟正黑體" pitchFamily="34" charset="-120"/>
               </a:rPr>
-              <a:t>我渴慕你超越所有的一切</a:t>
-            </a:r>
-            <a:endParaRPr lang="en-US" altLang="zh-TW" sz="5400" b="1" dirty="0" smtClean="0">
+              <a:t>利  哈</a:t>
+            </a:r>
+            <a:r>
+              <a:rPr lang="zh-TW" altLang="en-US" sz="5400" b="1" dirty="0">
+                <a:solidFill>
+                  <a:srgbClr val="000066"/>
+                </a:solidFill>
+                <a:latin typeface="微軟正黑體" pitchFamily="34" charset="-120"/>
+                <a:ea typeface="微軟正黑體" pitchFamily="34" charset="-120"/>
+              </a:rPr>
+              <a:t>利路亞</a:t>
+            </a:r>
+            <a:endParaRPr lang="en-US" altLang="zh-TW" sz="5400" b="1" dirty="0">
               <a:solidFill>
                 <a:srgbClr val="000066"/>
               </a:solidFill>
@@ -4020,6 +4598,16 @@
               <a:buNone/>
             </a:pPr>
             <a:r>
+              <a:rPr lang="zh-TW" altLang="en-US" sz="5400" b="1" dirty="0">
+                <a:solidFill>
+                  <a:srgbClr val="000066"/>
+                </a:solidFill>
+                <a:latin typeface="微軟正黑體" pitchFamily="34" charset="-120"/>
+                <a:ea typeface="微軟正黑體" pitchFamily="34" charset="-120"/>
+              </a:rPr>
+              <a:t>哈利路亞  哈</a:t>
+            </a:r>
+            <a:r>
               <a:rPr lang="zh-TW" altLang="en-US" sz="5400" b="1" dirty="0" smtClean="0">
                 <a:solidFill>
                   <a:srgbClr val="000066"/>
@@ -4027,9 +4615,19 @@
                 <a:latin typeface="微軟正黑體" pitchFamily="34" charset="-120"/>
                 <a:ea typeface="微軟正黑體" pitchFamily="34" charset="-120"/>
               </a:rPr>
-              <a:t>我渴慕你因你是我的唯一</a:t>
-            </a:r>
-            <a:endParaRPr lang="en-US" altLang="zh-TW" sz="5400" b="1" dirty="0" smtClean="0">
+              <a:t>利  哈</a:t>
+            </a:r>
+            <a:r>
+              <a:rPr lang="zh-TW" altLang="en-US" sz="5400" b="1" dirty="0">
+                <a:solidFill>
+                  <a:srgbClr val="000066"/>
+                </a:solidFill>
+                <a:latin typeface="微軟正黑體" pitchFamily="34" charset="-120"/>
+                <a:ea typeface="微軟正黑體" pitchFamily="34" charset="-120"/>
+              </a:rPr>
+              <a:t>利路亞</a:t>
+            </a:r>
+            <a:endParaRPr lang="en-US" altLang="zh-TW" sz="5400" b="1" dirty="0">
               <a:solidFill>
                 <a:srgbClr val="000066"/>
               </a:solidFill>
@@ -4042,16 +4640,16 @@
               <a:buNone/>
             </a:pPr>
             <a:r>
-              <a:rPr lang="zh-TW" altLang="en-US" sz="5400" b="1" dirty="0" smtClean="0">
-                <a:solidFill>
-                  <a:srgbClr val="000066"/>
-                </a:solidFill>
-                <a:latin typeface="微軟正黑體" pitchFamily="34" charset="-120"/>
-                <a:ea typeface="微軟正黑體" pitchFamily="34" charset="-120"/>
-              </a:rPr>
-              <a:t>用全心全意獻上我所有</a:t>
-            </a:r>
-            <a:endParaRPr lang="en-US" altLang="zh-TW" sz="5400" b="1" dirty="0" smtClean="0">
+              <a:rPr lang="zh-TW" altLang="en-US" sz="5400" b="1" dirty="0">
+                <a:solidFill>
+                  <a:srgbClr val="000066"/>
+                </a:solidFill>
+                <a:latin typeface="微軟正黑體" pitchFamily="34" charset="-120"/>
+                <a:ea typeface="微軟正黑體" pitchFamily="34" charset="-120"/>
+              </a:rPr>
+              <a:t>用全心全意  獻上我所有</a:t>
+            </a:r>
+            <a:endParaRPr lang="en-US" altLang="zh-TW" sz="5400" b="1" dirty="0">
               <a:solidFill>
                 <a:srgbClr val="000066"/>
               </a:solidFill>
@@ -4064,6 +4662,16 @@
               <a:buNone/>
             </a:pPr>
             <a:r>
+              <a:rPr lang="zh-TW" altLang="en-US" sz="5400" b="1" dirty="0">
+                <a:solidFill>
+                  <a:srgbClr val="000066"/>
+                </a:solidFill>
+                <a:latin typeface="微軟正黑體" pitchFamily="34" charset="-120"/>
+                <a:ea typeface="微軟正黑體" pitchFamily="34" charset="-120"/>
+              </a:rPr>
+              <a:t>單單就是</a:t>
+            </a:r>
+            <a:r>
               <a:rPr lang="zh-TW" altLang="en-US" sz="5400" b="1" dirty="0" smtClean="0">
                 <a:solidFill>
                   <a:srgbClr val="000066"/>
@@ -4071,7 +4679,17 @@
                 <a:latin typeface="微軟正黑體" pitchFamily="34" charset="-120"/>
                 <a:ea typeface="微軟正黑體" pitchFamily="34" charset="-120"/>
               </a:rPr>
-              <a:t>單單就是來 愛你</a:t>
+              <a:t>來  愛</a:t>
+            </a:r>
+            <a:r>
+              <a:rPr lang="zh-CN" altLang="en-US" sz="5400" b="1" dirty="0">
+                <a:solidFill>
+                  <a:srgbClr val="000066"/>
+                </a:solidFill>
+                <a:latin typeface="微軟正黑體" pitchFamily="34" charset="-120"/>
+                <a:ea typeface="微軟正黑體" pitchFamily="34" charset="-120"/>
+              </a:rPr>
+              <a:t>袮</a:t>
             </a:r>
             <a:endParaRPr lang="zh-TW" altLang="en-US" sz="5400" b="1" dirty="0">
               <a:solidFill>
@@ -4126,7 +4744,7 @@
           <a:lstStyle/>
           <a:p>
             <a:r>
-              <a:rPr lang="zh-TW" altLang="en-US" b="1" dirty="0">
+              <a:rPr lang="zh-TW" altLang="en-US" sz="4800" b="1" dirty="0">
                 <a:solidFill>
                   <a:srgbClr val="000066"/>
                 </a:solidFill>
@@ -4136,7 +4754,7 @@
               <a:t>單單敬</a:t>
             </a:r>
             <a:r>
-              <a:rPr lang="zh-TW" altLang="en-US" b="1" dirty="0" smtClean="0">
+              <a:rPr lang="zh-TW" altLang="en-US" sz="4800" b="1" dirty="0" smtClean="0">
                 <a:solidFill>
                   <a:srgbClr val="000066"/>
                 </a:solidFill>
@@ -4145,7 +4763,7 @@
               </a:rPr>
               <a:t>拜</a:t>
             </a:r>
-            <a:endParaRPr lang="zh-TW" altLang="en-US" b="1" dirty="0">
+            <a:endParaRPr lang="zh-TW" altLang="en-US" sz="4800" b="1" dirty="0">
               <a:solidFill>
                 <a:srgbClr val="000066"/>
               </a:solidFill>
@@ -4167,7 +4785,7 @@
         </p:nvSpPr>
         <p:spPr>
           <a:xfrm>
-            <a:off x="0" y="1600200"/>
+            <a:off x="1524000" y="1600200"/>
             <a:ext cx="9144000" cy="5257800"/>
           </a:xfrm>
         </p:spPr>
@@ -4181,6 +4799,16 @@
               <a:buNone/>
             </a:pPr>
             <a:r>
+              <a:rPr lang="zh-TW" altLang="en-US" sz="5400" b="1" dirty="0">
+                <a:solidFill>
+                  <a:srgbClr val="000066"/>
+                </a:solidFill>
+                <a:latin typeface="微軟正黑體" pitchFamily="34" charset="-120"/>
+                <a:ea typeface="微軟正黑體" pitchFamily="34" charset="-120"/>
+              </a:rPr>
+              <a:t>主我</a:t>
+            </a:r>
+            <a:r>
               <a:rPr lang="zh-TW" altLang="en-US" sz="5400" b="1" dirty="0" smtClean="0">
                 <a:solidFill>
                   <a:srgbClr val="000066"/>
@@ -4188,9 +4816,39 @@
                 <a:latin typeface="微軟正黑體" pitchFamily="34" charset="-120"/>
                 <a:ea typeface="微軟正黑體" pitchFamily="34" charset="-120"/>
               </a:rPr>
-              <a:t>哈利路亞  哈利哈利路亞</a:t>
-            </a:r>
-            <a:endParaRPr lang="en-US" altLang="zh-TW" sz="5400" b="1" dirty="0" smtClean="0">
+              <a:t>愛</a:t>
+            </a:r>
+            <a:r>
+              <a:rPr lang="zh-CN" altLang="en-US" sz="5400" b="1" dirty="0" smtClean="0">
+                <a:solidFill>
+                  <a:srgbClr val="000066"/>
+                </a:solidFill>
+                <a:latin typeface="微軟正黑體" pitchFamily="34" charset="-120"/>
+                <a:ea typeface="微軟正黑體" pitchFamily="34" charset="-120"/>
+              </a:rPr>
+              <a:t>袮  </a:t>
+            </a:r>
+            <a:r>
+              <a:rPr lang="zh-TW" altLang="en-US" sz="5400" b="1" dirty="0" smtClean="0">
+                <a:solidFill>
+                  <a:srgbClr val="000066"/>
+                </a:solidFill>
+                <a:latin typeface="微軟正黑體" pitchFamily="34" charset="-120"/>
+                <a:ea typeface="微軟正黑體" pitchFamily="34" charset="-120"/>
+              </a:rPr>
+              <a:t>用</a:t>
+            </a:r>
+            <a:r>
+              <a:rPr lang="zh-TW" altLang="en-US" sz="5400" b="1" dirty="0">
+                <a:solidFill>
+                  <a:srgbClr val="000066"/>
+                </a:solidFill>
+                <a:latin typeface="微軟正黑體" pitchFamily="34" charset="-120"/>
+                <a:ea typeface="微軟正黑體" pitchFamily="34" charset="-120"/>
+              </a:rPr>
+              <a:t>全心全意全人</a:t>
+            </a:r>
+            <a:endParaRPr lang="en-US" altLang="zh-TW" sz="5400" b="1" dirty="0">
               <a:solidFill>
                 <a:srgbClr val="000066"/>
               </a:solidFill>
@@ -4203,6 +4861,16 @@
               <a:buNone/>
             </a:pPr>
             <a:r>
+              <a:rPr lang="zh-TW" altLang="en-US" sz="5400" b="1" dirty="0">
+                <a:solidFill>
+                  <a:srgbClr val="000066"/>
+                </a:solidFill>
+                <a:latin typeface="微軟正黑體" pitchFamily="34" charset="-120"/>
+                <a:ea typeface="微軟正黑體" pitchFamily="34" charset="-120"/>
+              </a:rPr>
+              <a:t>主我</a:t>
+            </a:r>
+            <a:r>
               <a:rPr lang="zh-TW" altLang="en-US" sz="5400" b="1" dirty="0" smtClean="0">
                 <a:solidFill>
                   <a:srgbClr val="000066"/>
@@ -4210,9 +4878,39 @@
                 <a:latin typeface="微軟正黑體" pitchFamily="34" charset="-120"/>
                 <a:ea typeface="微軟正黑體" pitchFamily="34" charset="-120"/>
               </a:rPr>
-              <a:t>哈利路亞  哈利哈利路亞</a:t>
-            </a:r>
-            <a:endParaRPr lang="en-US" altLang="zh-TW" sz="5400" b="1" dirty="0" smtClean="0">
+              <a:t>愛</a:t>
+            </a:r>
+            <a:r>
+              <a:rPr lang="zh-CN" altLang="en-US" sz="5400" b="1" dirty="0" smtClean="0">
+                <a:solidFill>
+                  <a:srgbClr val="000066"/>
+                </a:solidFill>
+                <a:latin typeface="微軟正黑體" pitchFamily="34" charset="-120"/>
+                <a:ea typeface="微軟正黑體" pitchFamily="34" charset="-120"/>
+              </a:rPr>
+              <a:t>袮  </a:t>
+            </a:r>
+            <a:r>
+              <a:rPr lang="zh-TW" altLang="en-US" sz="5400" b="1" dirty="0" smtClean="0">
+                <a:solidFill>
+                  <a:srgbClr val="000066"/>
+                </a:solidFill>
+                <a:latin typeface="微軟正黑體" pitchFamily="34" charset="-120"/>
+                <a:ea typeface="微軟正黑體" pitchFamily="34" charset="-120"/>
+              </a:rPr>
+              <a:t>超</a:t>
+            </a:r>
+            <a:r>
+              <a:rPr lang="zh-TW" altLang="en-US" sz="5400" b="1" dirty="0">
+                <a:solidFill>
+                  <a:srgbClr val="000066"/>
+                </a:solidFill>
+                <a:latin typeface="微軟正黑體" pitchFamily="34" charset="-120"/>
+                <a:ea typeface="微軟正黑體" pitchFamily="34" charset="-120"/>
+              </a:rPr>
+              <a:t>越所有的一切</a:t>
+            </a:r>
+            <a:endParaRPr lang="en-US" altLang="zh-TW" sz="5400" b="1" dirty="0">
               <a:solidFill>
                 <a:srgbClr val="000066"/>
               </a:solidFill>
@@ -4225,6 +4923,16 @@
               <a:buNone/>
             </a:pPr>
             <a:r>
+              <a:rPr lang="zh-TW" altLang="en-US" sz="5400" b="1" dirty="0">
+                <a:solidFill>
+                  <a:srgbClr val="000066"/>
+                </a:solidFill>
+                <a:latin typeface="微軟正黑體" pitchFamily="34" charset="-120"/>
+                <a:ea typeface="微軟正黑體" pitchFamily="34" charset="-120"/>
+              </a:rPr>
+              <a:t>主我</a:t>
+            </a:r>
+            <a:r>
               <a:rPr lang="zh-TW" altLang="en-US" sz="5400" b="1" dirty="0" smtClean="0">
                 <a:solidFill>
                   <a:srgbClr val="000066"/>
@@ -4232,9 +4940,59 @@
                 <a:latin typeface="微軟正黑體" pitchFamily="34" charset="-120"/>
                 <a:ea typeface="微軟正黑體" pitchFamily="34" charset="-120"/>
               </a:rPr>
-              <a:t>哈利路亞  哈利哈利路亞</a:t>
-            </a:r>
-            <a:endParaRPr lang="en-US" altLang="zh-TW" sz="5400" b="1" dirty="0" smtClean="0">
+              <a:t>愛</a:t>
+            </a:r>
+            <a:r>
+              <a:rPr lang="zh-CN" altLang="en-US" sz="5400" b="1" dirty="0" smtClean="0">
+                <a:solidFill>
+                  <a:srgbClr val="000066"/>
+                </a:solidFill>
+                <a:latin typeface="微軟正黑體" pitchFamily="34" charset="-120"/>
+                <a:ea typeface="微軟正黑體" pitchFamily="34" charset="-120"/>
+              </a:rPr>
+              <a:t>袮  </a:t>
+            </a:r>
+            <a:r>
+              <a:rPr lang="zh-TW" altLang="en-US" sz="5400" b="1" dirty="0" smtClean="0">
+                <a:solidFill>
+                  <a:srgbClr val="000066"/>
+                </a:solidFill>
+                <a:latin typeface="微軟正黑體" pitchFamily="34" charset="-120"/>
+                <a:ea typeface="微軟正黑體" pitchFamily="34" charset="-120"/>
+              </a:rPr>
+              <a:t>因</a:t>
+            </a:r>
+            <a:r>
+              <a:rPr lang="zh-CN" altLang="en-US" sz="5400" b="1" dirty="0">
+                <a:solidFill>
+                  <a:srgbClr val="000066"/>
+                </a:solidFill>
+                <a:latin typeface="微軟正黑體" pitchFamily="34" charset="-120"/>
+                <a:ea typeface="微軟正黑體" pitchFamily="34" charset="-120"/>
+              </a:rPr>
+              <a:t>袮</a:t>
+            </a:r>
+            <a:r>
+              <a:rPr lang="zh-TW" altLang="en-US" sz="5400" b="1" dirty="0" smtClean="0">
+                <a:solidFill>
+                  <a:srgbClr val="000066"/>
+                </a:solidFill>
+                <a:latin typeface="微軟正黑體" pitchFamily="34" charset="-120"/>
+                <a:ea typeface="微軟正黑體" pitchFamily="34" charset="-120"/>
+              </a:rPr>
+              <a:t>是</a:t>
+            </a:r>
+            <a:r>
+              <a:rPr lang="zh-TW" altLang="en-US" sz="5400" b="1" dirty="0">
+                <a:solidFill>
+                  <a:srgbClr val="000066"/>
+                </a:solidFill>
+                <a:latin typeface="微軟正黑體" pitchFamily="34" charset="-120"/>
+                <a:ea typeface="微軟正黑體" pitchFamily="34" charset="-120"/>
+              </a:rPr>
+              <a:t>我的唯一</a:t>
+            </a:r>
+            <a:endParaRPr lang="en-US" altLang="zh-TW" sz="5400" b="1" dirty="0">
               <a:solidFill>
                 <a:srgbClr val="000066"/>
               </a:solidFill>
@@ -4247,7 +5005,7 @@
               <a:buNone/>
             </a:pPr>
             <a:r>
-              <a:rPr lang="zh-TW" altLang="en-US" sz="5400" b="1" dirty="0" smtClean="0">
+              <a:rPr lang="zh-TW" altLang="en-US" sz="5400" b="1" dirty="0">
                 <a:solidFill>
                   <a:srgbClr val="000066"/>
                 </a:solidFill>
@@ -4256,7 +5014,7 @@
               </a:rPr>
               <a:t>用全心全意  獻上我所有</a:t>
             </a:r>
-            <a:endParaRPr lang="en-US" altLang="zh-TW" sz="5400" b="1" dirty="0" smtClean="0">
+            <a:endParaRPr lang="en-US" altLang="zh-TW" sz="5400" b="1" dirty="0">
               <a:solidFill>
                 <a:srgbClr val="000066"/>
               </a:solidFill>
@@ -4269,6 +5027,16 @@
               <a:buNone/>
             </a:pPr>
             <a:r>
+              <a:rPr lang="zh-TW" altLang="en-US" sz="5400" b="1" dirty="0">
+                <a:solidFill>
+                  <a:srgbClr val="000066"/>
+                </a:solidFill>
+                <a:latin typeface="微軟正黑體" pitchFamily="34" charset="-120"/>
+                <a:ea typeface="微軟正黑體" pitchFamily="34" charset="-120"/>
+              </a:rPr>
+              <a:t>單單就是來 </a:t>
+            </a:r>
+            <a:r>
               <a:rPr lang="zh-TW" altLang="en-US" sz="5400" b="1" dirty="0" smtClean="0">
                 <a:solidFill>
                   <a:srgbClr val="000066"/>
@@ -4276,212 +5044,17 @@
                 <a:latin typeface="微軟正黑體" pitchFamily="34" charset="-120"/>
                 <a:ea typeface="微軟正黑體" pitchFamily="34" charset="-120"/>
               </a:rPr>
-              <a:t>單單就是來 愛你</a:t>
-            </a:r>
-            <a:endParaRPr lang="zh-TW" altLang="en-US" sz="5400" b="1" dirty="0">
-              <a:solidFill>
-                <a:srgbClr val="000066"/>
-              </a:solidFill>
-              <a:latin typeface="微軟正黑體" pitchFamily="34" charset="-120"/>
-              <a:ea typeface="微軟正黑體" pitchFamily="34" charset="-120"/>
-            </a:endParaRPr>
-          </a:p>
-        </p:txBody>
-      </p:sp>
-    </p:spTree>
-  </p:cSld>
-  <p:clrMapOvr>
-    <a:masterClrMapping/>
-  </p:clrMapOvr>
-</p:sld>
-</file>
-
-<file path=ppt/slides/slide6.xml><?xml version="1.0" encoding="utf-8"?>
-<p:sld xmlns:a="http://schemas.openxmlformats.org/drawingml/2006/main" xmlns:r="http://schemas.openxmlformats.org/officeDocument/2006/relationships" xmlns:p="http://schemas.openxmlformats.org/presentationml/2006/main">
-  <p:cSld>
-    <p:spTree>
-      <p:nvGrpSpPr>
-        <p:cNvPr id="1" name=""/>
-        <p:cNvGrpSpPr/>
-        <p:nvPr/>
-      </p:nvGrpSpPr>
-      <p:grpSpPr>
-        <a:xfrm>
-          <a:off x="0" y="0"/>
-          <a:ext cx="0" cy="0"/>
-          <a:chOff x="0" y="0"/>
-          <a:chExt cx="0" cy="0"/>
-        </a:xfrm>
-      </p:grpSpPr>
-      <p:sp>
-        <p:nvSpPr>
-          <p:cNvPr id="4" name="標題 3"/>
-          <p:cNvSpPr>
-            <a:spLocks noGrp="1"/>
-          </p:cNvSpPr>
-          <p:nvPr>
-            <p:ph type="title"/>
-          </p:nvPr>
-        </p:nvSpPr>
-        <p:spPr/>
-        <p:txBody>
-          <a:bodyPr>
-            <a:normAutofit/>
-          </a:bodyPr>
-          <a:lstStyle/>
-          <a:p>
-            <a:r>
-              <a:rPr lang="zh-TW" altLang="en-US" b="1" dirty="0">
-                <a:solidFill>
-                  <a:srgbClr val="000066"/>
-                </a:solidFill>
-                <a:latin typeface="微軟正黑體" pitchFamily="34" charset="-120"/>
-                <a:ea typeface="微軟正黑體" pitchFamily="34" charset="-120"/>
-              </a:rPr>
-              <a:t>單單敬</a:t>
-            </a:r>
-            <a:r>
-              <a:rPr lang="zh-TW" altLang="en-US" b="1" dirty="0" smtClean="0">
-                <a:solidFill>
-                  <a:srgbClr val="000066"/>
-                </a:solidFill>
-                <a:latin typeface="微軟正黑體" pitchFamily="34" charset="-120"/>
-                <a:ea typeface="微軟正黑體" pitchFamily="34" charset="-120"/>
-              </a:rPr>
-              <a:t>拜</a:t>
-            </a:r>
-            <a:endParaRPr lang="zh-TW" altLang="en-US" b="1" dirty="0">
-              <a:solidFill>
-                <a:srgbClr val="000066"/>
-              </a:solidFill>
-              <a:latin typeface="微軟正黑體" pitchFamily="34" charset="-120"/>
-              <a:ea typeface="微軟正黑體" pitchFamily="34" charset="-120"/>
-            </a:endParaRPr>
-          </a:p>
-        </p:txBody>
-      </p:sp>
-      <p:sp>
-        <p:nvSpPr>
-          <p:cNvPr id="5" name="內容版面配置區 4"/>
-          <p:cNvSpPr>
-            <a:spLocks noGrp="1"/>
-          </p:cNvSpPr>
-          <p:nvPr>
-            <p:ph idx="1"/>
-          </p:nvPr>
-        </p:nvSpPr>
-        <p:spPr>
-          <a:xfrm>
-            <a:off x="0" y="1600200"/>
-            <a:ext cx="9144000" cy="5257800"/>
-          </a:xfrm>
-        </p:spPr>
-        <p:txBody>
-          <a:bodyPr>
-            <a:normAutofit/>
-          </a:bodyPr>
-          <a:lstStyle/>
-          <a:p>
-            <a:pPr algn="ctr">
-              <a:buNone/>
-            </a:pPr>
-            <a:r>
-              <a:rPr lang="zh-TW" altLang="en-US" sz="5400" b="1" dirty="0" smtClean="0">
-                <a:solidFill>
-                  <a:srgbClr val="000066"/>
-                </a:solidFill>
-                <a:latin typeface="微軟正黑體" pitchFamily="34" charset="-120"/>
-                <a:ea typeface="微軟正黑體" pitchFamily="34" charset="-120"/>
-              </a:rPr>
-              <a:t>主我愛你  用全心全意全人</a:t>
-            </a:r>
-            <a:endParaRPr lang="en-US" altLang="zh-TW" sz="5400" b="1" dirty="0" smtClean="0">
-              <a:solidFill>
-                <a:srgbClr val="000066"/>
-              </a:solidFill>
-              <a:latin typeface="微軟正黑體" pitchFamily="34" charset="-120"/>
-              <a:ea typeface="微軟正黑體" pitchFamily="34" charset="-120"/>
-            </a:endParaRPr>
-          </a:p>
-          <a:p>
-            <a:pPr algn="ctr">
-              <a:buNone/>
-            </a:pPr>
-            <a:r>
-              <a:rPr lang="zh-TW" altLang="en-US" sz="5400" b="1" dirty="0" smtClean="0">
-                <a:solidFill>
-                  <a:srgbClr val="000066"/>
-                </a:solidFill>
-                <a:latin typeface="微軟正黑體" pitchFamily="34" charset="-120"/>
-                <a:ea typeface="微軟正黑體" pitchFamily="34" charset="-120"/>
-              </a:rPr>
-              <a:t>主我愛你  超越所有的一切</a:t>
-            </a:r>
-            <a:endParaRPr lang="en-US" altLang="zh-TW" sz="5400" b="1" dirty="0" smtClean="0">
-              <a:solidFill>
-                <a:srgbClr val="000066"/>
-              </a:solidFill>
-              <a:latin typeface="微軟正黑體" pitchFamily="34" charset="-120"/>
-              <a:ea typeface="微軟正黑體" pitchFamily="34" charset="-120"/>
-            </a:endParaRPr>
-          </a:p>
-          <a:p>
-            <a:pPr algn="ctr">
-              <a:buNone/>
-            </a:pPr>
-            <a:r>
-              <a:rPr lang="zh-TW" altLang="en-US" sz="5400" b="1" dirty="0" smtClean="0">
-                <a:solidFill>
-                  <a:srgbClr val="000066"/>
-                </a:solidFill>
-                <a:latin typeface="微軟正黑體" pitchFamily="34" charset="-120"/>
-                <a:ea typeface="微軟正黑體" pitchFamily="34" charset="-120"/>
-              </a:rPr>
-              <a:t>主我愛你  因你是我的唯一</a:t>
-            </a:r>
-            <a:endParaRPr lang="en-US" altLang="zh-TW" sz="5400" b="1" dirty="0" smtClean="0">
-              <a:solidFill>
-                <a:srgbClr val="000066"/>
-              </a:solidFill>
-              <a:latin typeface="微軟正黑體" pitchFamily="34" charset="-120"/>
-              <a:ea typeface="微軟正黑體" pitchFamily="34" charset="-120"/>
-            </a:endParaRPr>
-          </a:p>
-          <a:p>
-            <a:pPr algn="ctr">
-              <a:buNone/>
-            </a:pPr>
-            <a:r>
-              <a:rPr lang="zh-TW" altLang="en-US" sz="5400" b="1" dirty="0" smtClean="0">
-                <a:solidFill>
-                  <a:srgbClr val="000066"/>
-                </a:solidFill>
-                <a:latin typeface="微軟正黑體" pitchFamily="34" charset="-120"/>
-                <a:ea typeface="微軟正黑體" pitchFamily="34" charset="-120"/>
-              </a:rPr>
-              <a:t>用全心全意  獻上我所有</a:t>
-            </a:r>
-            <a:endParaRPr lang="en-US" altLang="zh-TW" sz="5400" b="1" dirty="0" smtClean="0">
-              <a:solidFill>
-                <a:srgbClr val="000066"/>
-              </a:solidFill>
-              <a:latin typeface="微軟正黑體" pitchFamily="34" charset="-120"/>
-              <a:ea typeface="微軟正黑體" pitchFamily="34" charset="-120"/>
-            </a:endParaRPr>
-          </a:p>
-          <a:p>
-            <a:pPr algn="ctr">
-              <a:buNone/>
-            </a:pPr>
-            <a:r>
-              <a:rPr lang="zh-TW" altLang="en-US" sz="5400" b="1" dirty="0" smtClean="0">
-                <a:solidFill>
-                  <a:srgbClr val="000066"/>
-                </a:solidFill>
-                <a:latin typeface="微軟正黑體" pitchFamily="34" charset="-120"/>
-                <a:ea typeface="微軟正黑體" pitchFamily="34" charset="-120"/>
-              </a:rPr>
-              <a:t>單單就是來 愛你</a:t>
+              <a:t> 愛</a:t>
+            </a:r>
+            <a:r>
+              <a:rPr lang="zh-CN" altLang="en-US" sz="5400" b="1" dirty="0">
+                <a:solidFill>
+                  <a:srgbClr val="000066"/>
+                </a:solidFill>
+                <a:latin typeface="微軟正黑體" pitchFamily="34" charset="-120"/>
+                <a:ea typeface="微軟正黑體" pitchFamily="34" charset="-120"/>
+              </a:rPr>
+              <a:t>袮</a:t>
             </a:r>
             <a:endParaRPr lang="zh-TW" altLang="en-US" sz="5400" b="1" dirty="0">
               <a:solidFill>
@@ -4502,7 +5075,7 @@
 </file>
 
 <file path=ppt/theme/theme1.xml><?xml version="1.0" encoding="utf-8"?>
-<a:theme xmlns:a="http://schemas.openxmlformats.org/drawingml/2006/main" name="佈景主題1">
+<a:theme xmlns:a="http://schemas.openxmlformats.org/drawingml/2006/main" name="Theme1">
   <a:themeElements>
     <a:clrScheme name="Office">
       <a:dk1>
@@ -4781,5 +5354,10 @@
   </a:themeElements>
   <a:objectDefaults/>
   <a:extraClrSchemeLst/>
+  <a:extLst>
+    <a:ext uri="{05A4C25C-085E-4340-85A3-A5531E510DB2}">
+      <thm15:themeFamily xmlns:thm15="http://schemas.microsoft.com/office/thememl/2012/main" name="Theme1" id="{1A8DE197-990E-4893-BF04-3823FBB50F9A}" vid="{430B7048-5A04-4BDB-939A-C7E865DB887B}"/>
+    </a:ext>
+  </a:extLst>
 </a:theme>
 </file>
--- a/單單敬拜.pptx
+++ b/單單敬拜.pptx
@@ -5,11 +5,23 @@
     <p:sldMasterId id="2147483684" r:id="rId1"/>
   </p:sldMasterIdLst>
   <p:sldIdLst>
-    <p:sldId id="256" r:id="rId2"/>
-    <p:sldId id="258" r:id="rId3"/>
-    <p:sldId id="260" r:id="rId4"/>
-    <p:sldId id="261" r:id="rId5"/>
-    <p:sldId id="262" r:id="rId6"/>
+    <p:sldId id="263" r:id="rId2"/>
+    <p:sldId id="264" r:id="rId3"/>
+    <p:sldId id="265" r:id="rId4"/>
+    <p:sldId id="266" r:id="rId5"/>
+    <p:sldId id="267" r:id="rId6"/>
+    <p:sldId id="268" r:id="rId7"/>
+    <p:sldId id="269" r:id="rId8"/>
+    <p:sldId id="270" r:id="rId9"/>
+    <p:sldId id="271" r:id="rId10"/>
+    <p:sldId id="272" r:id="rId11"/>
+    <p:sldId id="273" r:id="rId12"/>
+    <p:sldId id="274" r:id="rId13"/>
+    <p:sldId id="275" r:id="rId14"/>
+    <p:sldId id="276" r:id="rId15"/>
+    <p:sldId id="277" r:id="rId16"/>
+    <p:sldId id="278" r:id="rId17"/>
+    <p:sldId id="279" r:id="rId18"/>
   </p:sldIdLst>
   <p:sldSz cx="12192000" cy="6858000"/>
   <p:notesSz cx="6858000" cy="9144000"/>
@@ -309,7 +321,7 @@
             <a:fld id="{4772B292-83C2-4519-9E69-18A9E0B9BA4A}" type="datetimeFigureOut">
               <a:rPr lang="zh-TW" altLang="en-US" smtClean="0"/>
               <a:pPr/>
-              <a:t>2020/10/9</a:t>
+              <a:t>2022/5/21</a:t>
             </a:fld>
             <a:endParaRPr lang="zh-TW" altLang="en-US"/>
           </a:p>
@@ -481,7 +493,7 @@
             <a:fld id="{4772B292-83C2-4519-9E69-18A9E0B9BA4A}" type="datetimeFigureOut">
               <a:rPr lang="zh-TW" altLang="en-US" smtClean="0"/>
               <a:pPr/>
-              <a:t>2020/10/9</a:t>
+              <a:t>2022/5/21</a:t>
             </a:fld>
             <a:endParaRPr lang="zh-TW" altLang="en-US"/>
           </a:p>
@@ -663,7 +675,7 @@
             <a:fld id="{4772B292-83C2-4519-9E69-18A9E0B9BA4A}" type="datetimeFigureOut">
               <a:rPr lang="zh-TW" altLang="en-US" smtClean="0"/>
               <a:pPr/>
-              <a:t>2020/10/9</a:t>
+              <a:t>2022/5/21</a:t>
             </a:fld>
             <a:endParaRPr lang="zh-TW" altLang="en-US"/>
           </a:p>
@@ -835,7 +847,7 @@
             <a:fld id="{4772B292-83C2-4519-9E69-18A9E0B9BA4A}" type="datetimeFigureOut">
               <a:rPr lang="zh-TW" altLang="en-US" smtClean="0"/>
               <a:pPr/>
-              <a:t>2020/10/9</a:t>
+              <a:t>2022/5/21</a:t>
             </a:fld>
             <a:endParaRPr lang="zh-TW" altLang="en-US"/>
           </a:p>
@@ -1083,7 +1095,7 @@
             <a:fld id="{4772B292-83C2-4519-9E69-18A9E0B9BA4A}" type="datetimeFigureOut">
               <a:rPr lang="zh-TW" altLang="en-US" smtClean="0"/>
               <a:pPr/>
-              <a:t>2020/10/9</a:t>
+              <a:t>2022/5/21</a:t>
             </a:fld>
             <a:endParaRPr lang="zh-TW" altLang="en-US"/>
           </a:p>
@@ -1373,7 +1385,7 @@
             <a:fld id="{4772B292-83C2-4519-9E69-18A9E0B9BA4A}" type="datetimeFigureOut">
               <a:rPr lang="zh-TW" altLang="en-US" smtClean="0"/>
               <a:pPr/>
-              <a:t>2020/10/9</a:t>
+              <a:t>2022/5/21</a:t>
             </a:fld>
             <a:endParaRPr lang="zh-TW" altLang="en-US"/>
           </a:p>
@@ -1797,7 +1809,7 @@
             <a:fld id="{4772B292-83C2-4519-9E69-18A9E0B9BA4A}" type="datetimeFigureOut">
               <a:rPr lang="zh-TW" altLang="en-US" smtClean="0"/>
               <a:pPr/>
-              <a:t>2020/10/9</a:t>
+              <a:t>2022/5/21</a:t>
             </a:fld>
             <a:endParaRPr lang="zh-TW" altLang="en-US"/>
           </a:p>
@@ -1917,7 +1929,7 @@
             <a:fld id="{4772B292-83C2-4519-9E69-18A9E0B9BA4A}" type="datetimeFigureOut">
               <a:rPr lang="zh-TW" altLang="en-US" smtClean="0"/>
               <a:pPr/>
-              <a:t>2020/10/9</a:t>
+              <a:t>2022/5/21</a:t>
             </a:fld>
             <a:endParaRPr lang="zh-TW" altLang="en-US"/>
           </a:p>
@@ -2014,7 +2026,7 @@
             <a:fld id="{4772B292-83C2-4519-9E69-18A9E0B9BA4A}" type="datetimeFigureOut">
               <a:rPr lang="zh-TW" altLang="en-US" smtClean="0"/>
               <a:pPr/>
-              <a:t>2020/10/9</a:t>
+              <a:t>2022/5/21</a:t>
             </a:fld>
             <a:endParaRPr lang="zh-TW" altLang="en-US"/>
           </a:p>
@@ -2293,7 +2305,7 @@
             <a:fld id="{4772B292-83C2-4519-9E69-18A9E0B9BA4A}" type="datetimeFigureOut">
               <a:rPr lang="zh-TW" altLang="en-US" smtClean="0"/>
               <a:pPr/>
-              <a:t>2020/10/9</a:t>
+              <a:t>2022/5/21</a:t>
             </a:fld>
             <a:endParaRPr lang="zh-TW" altLang="en-US"/>
           </a:p>
@@ -2552,7 +2564,7 @@
             <a:fld id="{4772B292-83C2-4519-9E69-18A9E0B9BA4A}" type="datetimeFigureOut">
               <a:rPr lang="zh-TW" altLang="en-US" smtClean="0"/>
               <a:pPr/>
-              <a:t>2020/10/9</a:t>
+              <a:t>2022/5/21</a:t>
             </a:fld>
             <a:endParaRPr lang="zh-TW" altLang="en-US"/>
           </a:p>
@@ -2772,7 +2784,7 @@
             <a:fld id="{4772B292-83C2-4519-9E69-18A9E0B9BA4A}" type="datetimeFigureOut">
               <a:rPr lang="zh-TW" altLang="en-US" smtClean="0"/>
               <a:pPr/>
-              <a:t>2020/10/9</a:t>
+              <a:t>2022/5/21</a:t>
             </a:fld>
             <a:endParaRPr lang="zh-TW" altLang="en-US"/>
           </a:p>
@@ -3158,34 +3170,161 @@
             <p:ph type="title"/>
           </p:nvPr>
         </p:nvSpPr>
-        <p:spPr/>
+        <p:spPr>
+          <a:xfrm>
+            <a:off x="0" y="2660915"/>
+            <a:ext cx="12192000" cy="1143000"/>
+          </a:xfrm>
+        </p:spPr>
         <p:txBody>
           <a:bodyPr>
+            <a:noAutofit/>
+          </a:bodyPr>
+          <a:lstStyle/>
+          <a:p>
+            <a:r>
+              <a:rPr lang="zh-TW" altLang="en-US" sz="7200" b="1" i="1" dirty="0">
+                <a:solidFill>
+                  <a:srgbClr val="000066"/>
+                </a:solidFill>
+                <a:effectLst>
+                  <a:outerShdw blurRad="38100" dist="38100" dir="2700000" algn="tl">
+                    <a:srgbClr val="000000">
+                      <a:alpha val="43137"/>
+                    </a:srgbClr>
+                  </a:outerShdw>
+                </a:effectLst>
+                <a:latin typeface="微軟正黑體" pitchFamily="34" charset="-120"/>
+                <a:ea typeface="微軟正黑體" pitchFamily="34" charset="-120"/>
+              </a:rPr>
+              <a:t>單</a:t>
+            </a:r>
+            <a:r>
+              <a:rPr lang="zh-TW" altLang="en-US" sz="7200" b="1" i="1" dirty="0">
+                <a:solidFill>
+                  <a:srgbClr val="000066"/>
+                </a:solidFill>
+                <a:effectLst>
+                  <a:outerShdw blurRad="38100" dist="38100" dir="2700000" algn="tl">
+                    <a:srgbClr val="000000">
+                      <a:alpha val="43137"/>
+                    </a:srgbClr>
+                  </a:outerShdw>
+                </a:effectLst>
+                <a:latin typeface="微軟正黑體" pitchFamily="34" charset="-120"/>
+                <a:ea typeface="微軟正黑體" pitchFamily="34" charset="-120"/>
+              </a:rPr>
+              <a:t>單敬拜</a:t>
+            </a:r>
+          </a:p>
+        </p:txBody>
+      </p:sp>
+    </p:spTree>
+    <p:extLst>
+      <p:ext uri="{BB962C8B-B14F-4D97-AF65-F5344CB8AC3E}">
+        <p14:creationId xmlns:p14="http://schemas.microsoft.com/office/powerpoint/2010/main" val="3149703911"/>
+      </p:ext>
+    </p:extLst>
+  </p:cSld>
+  <p:clrMapOvr>
+    <a:masterClrMapping/>
+  </p:clrMapOvr>
+</p:sld>
+</file>
+
+<file path=ppt/slides/slide10.xml><?xml version="1.0" encoding="utf-8"?>
+<p:sld xmlns:a="http://schemas.openxmlformats.org/drawingml/2006/main" xmlns:r="http://schemas.openxmlformats.org/officeDocument/2006/relationships" xmlns:p="http://schemas.openxmlformats.org/presentationml/2006/main">
+  <p:cSld>
+    <p:spTree>
+      <p:nvGrpSpPr>
+        <p:cNvPr id="1" name=""/>
+        <p:cNvGrpSpPr/>
+        <p:nvPr/>
+      </p:nvGrpSpPr>
+      <p:grpSpPr>
+        <a:xfrm>
+          <a:off x="0" y="0"/>
+          <a:ext cx="0" cy="0"/>
+          <a:chOff x="0" y="0"/>
+          <a:chExt cx="0" cy="0"/>
+        </a:xfrm>
+      </p:grpSpPr>
+      <p:sp>
+        <p:nvSpPr>
+          <p:cNvPr id="5" name="內容版面配置區 4"/>
+          <p:cNvSpPr>
+            <a:spLocks noGrp="1"/>
+          </p:cNvSpPr>
+          <p:nvPr>
+            <p:ph idx="1"/>
+          </p:nvPr>
+        </p:nvSpPr>
+        <p:spPr>
+          <a:xfrm>
+            <a:off x="0" y="2084851"/>
+            <a:ext cx="12192000" cy="2404863"/>
+          </a:xfrm>
+        </p:spPr>
+        <p:txBody>
+          <a:bodyPr anchor="ctr">
             <a:normAutofit/>
           </a:bodyPr>
           <a:lstStyle/>
           <a:p>
-            <a:r>
-              <a:rPr lang="zh-TW" altLang="en-US" sz="4800" b="1" dirty="0">
-                <a:solidFill>
-                  <a:srgbClr val="000066"/>
-                </a:solidFill>
-                <a:latin typeface="微軟正黑體" pitchFamily="34" charset="-120"/>
-                <a:ea typeface="微軟正黑體" pitchFamily="34" charset="-120"/>
-              </a:rPr>
-              <a:t>單單敬</a:t>
-            </a:r>
-            <a:r>
-              <a:rPr lang="zh-TW" altLang="en-US" sz="4800" b="1" dirty="0" smtClean="0">
-                <a:solidFill>
-                  <a:srgbClr val="000066"/>
-                </a:solidFill>
-                <a:latin typeface="微軟正黑體" pitchFamily="34" charset="-120"/>
-                <a:ea typeface="微軟正黑體" pitchFamily="34" charset="-120"/>
-              </a:rPr>
-              <a:t>拜</a:t>
-            </a:r>
-            <a:endParaRPr lang="zh-TW" altLang="en-US" sz="4800" b="1" dirty="0">
+            <a:pPr algn="ctr">
+              <a:buNone/>
+            </a:pPr>
+            <a:r>
+              <a:rPr lang="zh-TW" altLang="en-US" sz="6400" b="1" dirty="0">
+                <a:solidFill>
+                  <a:srgbClr val="000066"/>
+                </a:solidFill>
+                <a:latin typeface="微軟正黑體" pitchFamily="34" charset="-120"/>
+                <a:ea typeface="微軟正黑體" pitchFamily="34" charset="-120"/>
+              </a:rPr>
+              <a:t>我渴慕</a:t>
+            </a:r>
+            <a:r>
+              <a:rPr lang="zh-CN" altLang="en-US" sz="6400" b="1" dirty="0">
+                <a:solidFill>
+                  <a:srgbClr val="000066"/>
+                </a:solidFill>
+                <a:latin typeface="微軟正黑體" pitchFamily="34" charset="-120"/>
+                <a:ea typeface="微軟正黑體" pitchFamily="34" charset="-120"/>
+              </a:rPr>
+              <a:t>袮  </a:t>
+            </a:r>
+            <a:r>
+              <a:rPr lang="zh-TW" altLang="en-US" sz="6400" b="1" dirty="0">
+                <a:solidFill>
+                  <a:srgbClr val="000066"/>
+                </a:solidFill>
+                <a:latin typeface="微軟正黑體" pitchFamily="34" charset="-120"/>
+                <a:ea typeface="微軟正黑體" pitchFamily="34" charset="-120"/>
+              </a:rPr>
+              <a:t>因</a:t>
+            </a:r>
+            <a:r>
+              <a:rPr lang="zh-CN" altLang="en-US" sz="6400" b="1" dirty="0">
+                <a:solidFill>
+                  <a:srgbClr val="000066"/>
+                </a:solidFill>
+                <a:latin typeface="微軟正黑體" pitchFamily="34" charset="-120"/>
+                <a:ea typeface="微軟正黑體" pitchFamily="34" charset="-120"/>
+              </a:rPr>
+              <a:t>袮</a:t>
+            </a:r>
+            <a:r>
+              <a:rPr lang="zh-TW" altLang="en-US" sz="6400" b="1" dirty="0">
+                <a:solidFill>
+                  <a:srgbClr val="000066"/>
+                </a:solidFill>
+                <a:latin typeface="微軟正黑體" pitchFamily="34" charset="-120"/>
+                <a:ea typeface="微軟正黑體" pitchFamily="34" charset="-120"/>
+              </a:rPr>
+              <a:t>是我的唯一</a:t>
+            </a:r>
+            <a:endParaRPr lang="en-US" altLang="zh-TW" sz="6400" b="1" dirty="0">
               <a:solidFill>
                 <a:srgbClr val="000066"/>
               </a:solidFill>
@@ -3193,109 +3332,21 @@
               <a:ea typeface="微軟正黑體" pitchFamily="34" charset="-120"/>
             </a:endParaRPr>
           </a:p>
-        </p:txBody>
-      </p:sp>
-      <p:sp>
-        <p:nvSpPr>
-          <p:cNvPr id="5" name="內容版面配置區 4"/>
-          <p:cNvSpPr>
-            <a:spLocks noGrp="1"/>
-          </p:cNvSpPr>
-          <p:nvPr>
-            <p:ph idx="1"/>
-          </p:nvPr>
-        </p:nvSpPr>
-        <p:spPr/>
-        <p:txBody>
-          <a:bodyPr>
-            <a:normAutofit/>
-          </a:bodyPr>
-          <a:lstStyle/>
           <a:p>
             <a:pPr algn="ctr">
               <a:buNone/>
             </a:pPr>
             <a:r>
-              <a:rPr lang="zh-TW" altLang="en-US" sz="5400" b="1" dirty="0">
-                <a:solidFill>
-                  <a:srgbClr val="000066"/>
-                </a:solidFill>
-                <a:latin typeface="微軟正黑體" pitchFamily="34" charset="-120"/>
-                <a:ea typeface="微軟正黑體" pitchFamily="34" charset="-120"/>
-              </a:rPr>
-              <a:t>獻上我的心</a:t>
-            </a:r>
-            <a:r>
-              <a:rPr lang="zh-TW" altLang="en-US" sz="5400" b="1" dirty="0" smtClean="0">
-                <a:solidFill>
-                  <a:srgbClr val="000066"/>
-                </a:solidFill>
-                <a:latin typeface="微軟正黑體" pitchFamily="34" charset="-120"/>
-                <a:ea typeface="微軟正黑體" pitchFamily="34" charset="-120"/>
-              </a:rPr>
-              <a:t>給</a:t>
-            </a:r>
-            <a:r>
-              <a:rPr lang="zh-CN" altLang="en-US" sz="5400" b="1" dirty="0">
-                <a:solidFill>
-                  <a:srgbClr val="000066"/>
-                </a:solidFill>
-                <a:latin typeface="微軟正黑體" pitchFamily="34" charset="-120"/>
-                <a:ea typeface="微軟正黑體" pitchFamily="34" charset="-120"/>
-              </a:rPr>
-              <a:t>袮</a:t>
-            </a:r>
-            <a:r>
-              <a:rPr lang="en-US" altLang="zh-TW" sz="5400" b="1" dirty="0" smtClean="0">
-                <a:solidFill>
-                  <a:srgbClr val="000066"/>
-                </a:solidFill>
-                <a:latin typeface="微軟正黑體" pitchFamily="34" charset="-120"/>
-                <a:ea typeface="微軟正黑體" pitchFamily="34" charset="-120"/>
-              </a:rPr>
-              <a:t>  </a:t>
-            </a:r>
-            <a:r>
-              <a:rPr lang="zh-TW" altLang="en-US" sz="5400" b="1" dirty="0" smtClean="0">
-                <a:solidFill>
-                  <a:srgbClr val="000066"/>
-                </a:solidFill>
-                <a:latin typeface="微軟正黑體" pitchFamily="34" charset="-120"/>
-                <a:ea typeface="微軟正黑體" pitchFamily="34" charset="-120"/>
-              </a:rPr>
-              <a:t>獻</a:t>
-            </a:r>
-            <a:r>
-              <a:rPr lang="zh-TW" altLang="en-US" sz="5400" b="1" dirty="0">
-                <a:solidFill>
-                  <a:srgbClr val="000066"/>
-                </a:solidFill>
-                <a:latin typeface="微軟正黑體" pitchFamily="34" charset="-120"/>
-                <a:ea typeface="微軟正黑體" pitchFamily="34" charset="-120"/>
-              </a:rPr>
-              <a:t>上我所有</a:t>
-            </a:r>
-            <a:r>
-              <a:rPr lang="zh-TW" altLang="en-US" sz="5400" b="1" dirty="0" smtClean="0">
-                <a:solidFill>
-                  <a:srgbClr val="000066"/>
-                </a:solidFill>
-                <a:latin typeface="微軟正黑體" pitchFamily="34" charset="-120"/>
-                <a:ea typeface="微軟正黑體" pitchFamily="34" charset="-120"/>
-              </a:rPr>
-              <a:t>為</a:t>
-            </a:r>
-            <a:r>
-              <a:rPr lang="zh-CN" altLang="en-US" sz="5400" b="1" dirty="0">
-                <a:solidFill>
-                  <a:srgbClr val="000066"/>
-                </a:solidFill>
-                <a:latin typeface="微軟正黑體" pitchFamily="34" charset="-120"/>
-                <a:ea typeface="微軟正黑體" pitchFamily="34" charset="-120"/>
-              </a:rPr>
-              <a:t>袮</a:t>
-            </a:r>
-            <a:endParaRPr lang="en-US" altLang="zh-TW" sz="5400" b="1" dirty="0">
+              <a:rPr lang="zh-TW" altLang="en-US" sz="6400" b="1" dirty="0">
+                <a:solidFill>
+                  <a:srgbClr val="000066"/>
+                </a:solidFill>
+                <a:latin typeface="微軟正黑體" pitchFamily="34" charset="-120"/>
+                <a:ea typeface="微軟正黑體" pitchFamily="34" charset="-120"/>
+              </a:rPr>
+              <a:t>用全心全意獻上我所有</a:t>
+            </a:r>
+            <a:endParaRPr lang="en-US" altLang="zh-TW" sz="6400" b="1" dirty="0">
               <a:solidFill>
                 <a:srgbClr val="000066"/>
               </a:solidFill>
@@ -3303,42 +3354,147 @@
               <a:ea typeface="微軟正黑體" pitchFamily="34" charset="-120"/>
             </a:endParaRPr>
           </a:p>
+        </p:txBody>
+      </p:sp>
+      <p:sp>
+        <p:nvSpPr>
+          <p:cNvPr id="3" name="TextBox 2"/>
+          <p:cNvSpPr txBox="1"/>
+          <p:nvPr/>
+        </p:nvSpPr>
+        <p:spPr>
+          <a:xfrm>
+            <a:off x="0" y="5157192"/>
+            <a:ext cx="12192000" cy="748988"/>
+          </a:xfrm>
+          <a:prstGeom prst="rect">
+            <a:avLst/>
+          </a:prstGeom>
+          <a:noFill/>
+        </p:spPr>
+        <p:txBody>
+          <a:bodyPr wrap="square" rtlCol="0">
+            <a:spAutoFit/>
+          </a:bodyPr>
+          <a:lstStyle/>
+          <a:p>
+            <a:pPr algn="ctr"/>
+            <a:r>
+              <a:rPr lang="en-US" sz="4267" b="1" dirty="0">
+                <a:solidFill>
+                  <a:srgbClr val="000066"/>
+                </a:solidFill>
+                <a:latin typeface="Microsoft JhengHei" panose="020B0604030504040204" pitchFamily="34" charset="-120"/>
+                <a:ea typeface="Microsoft JhengHei" panose="020B0604030504040204" pitchFamily="34" charset="-120"/>
+              </a:rPr>
+              <a:t>( </a:t>
+            </a:r>
+            <a:r>
+              <a:rPr lang="zh-CN" altLang="en-US" sz="4267" b="1" dirty="0">
+                <a:solidFill>
+                  <a:srgbClr val="000066"/>
+                </a:solidFill>
+                <a:latin typeface="Microsoft JhengHei" panose="020B0604030504040204" pitchFamily="34" charset="-120"/>
+                <a:ea typeface="Microsoft JhengHei" panose="020B0604030504040204" pitchFamily="34" charset="-120"/>
+              </a:rPr>
+              <a:t>副</a:t>
+            </a:r>
+            <a:r>
+              <a:rPr lang="en-US" altLang="zh-CN" sz="4267" b="1" dirty="0">
+                <a:solidFill>
+                  <a:srgbClr val="000066"/>
+                </a:solidFill>
+                <a:latin typeface="Microsoft JhengHei" panose="020B0604030504040204" pitchFamily="34" charset="-120"/>
+                <a:ea typeface="Microsoft JhengHei" panose="020B0604030504040204" pitchFamily="34" charset="-120"/>
+              </a:rPr>
+              <a:t> 2</a:t>
+            </a:r>
+            <a:r>
+              <a:rPr lang="en-US" sz="4267" b="1" dirty="0">
+                <a:solidFill>
+                  <a:srgbClr val="000066"/>
+                </a:solidFill>
+                <a:latin typeface="Microsoft JhengHei" panose="020B0604030504040204" pitchFamily="34" charset="-120"/>
+                <a:ea typeface="Microsoft JhengHei" panose="020B0604030504040204" pitchFamily="34" charset="-120"/>
+              </a:rPr>
+              <a:t> )</a:t>
+            </a:r>
+            <a:endParaRPr lang="vi-VN" sz="4267" b="1" dirty="0">
+              <a:solidFill>
+                <a:srgbClr val="000066"/>
+              </a:solidFill>
+              <a:ea typeface="Microsoft JhengHei" panose="020B0604030504040204" pitchFamily="34" charset="-120"/>
+            </a:endParaRPr>
+          </a:p>
+        </p:txBody>
+      </p:sp>
+    </p:spTree>
+    <p:extLst>
+      <p:ext uri="{BB962C8B-B14F-4D97-AF65-F5344CB8AC3E}">
+        <p14:creationId xmlns:p14="http://schemas.microsoft.com/office/powerpoint/2010/main" val="135263727"/>
+      </p:ext>
+    </p:extLst>
+  </p:cSld>
+  <p:clrMapOvr>
+    <a:masterClrMapping/>
+  </p:clrMapOvr>
+</p:sld>
+</file>
+
+<file path=ppt/slides/slide11.xml><?xml version="1.0" encoding="utf-8"?>
+<p:sld xmlns:a="http://schemas.openxmlformats.org/drawingml/2006/main" xmlns:r="http://schemas.openxmlformats.org/officeDocument/2006/relationships" xmlns:p="http://schemas.openxmlformats.org/presentationml/2006/main">
+  <p:cSld>
+    <p:spTree>
+      <p:nvGrpSpPr>
+        <p:cNvPr id="1" name=""/>
+        <p:cNvGrpSpPr/>
+        <p:nvPr/>
+      </p:nvGrpSpPr>
+      <p:grpSpPr>
+        <a:xfrm>
+          <a:off x="0" y="0"/>
+          <a:ext cx="0" cy="0"/>
+          <a:chOff x="0" y="0"/>
+          <a:chExt cx="0" cy="0"/>
+        </a:xfrm>
+      </p:grpSpPr>
+      <p:sp>
+        <p:nvSpPr>
+          <p:cNvPr id="5" name="內容版面配置區 4"/>
+          <p:cNvSpPr>
+            <a:spLocks noGrp="1"/>
+          </p:cNvSpPr>
+          <p:nvPr>
+            <p:ph idx="1"/>
+          </p:nvPr>
+        </p:nvSpPr>
+        <p:spPr>
+          <a:xfrm>
+            <a:off x="0" y="2084851"/>
+            <a:ext cx="12192000" cy="2404863"/>
+          </a:xfrm>
+        </p:spPr>
+        <p:txBody>
+          <a:bodyPr anchor="ctr">
+            <a:normAutofit/>
+          </a:bodyPr>
+          <a:lstStyle/>
           <a:p>
             <a:pPr algn="ctr">
               <a:buNone/>
             </a:pPr>
             <a:r>
-              <a:rPr lang="zh-TW" altLang="en-US" sz="5400" b="1" dirty="0">
-                <a:solidFill>
-                  <a:srgbClr val="000066"/>
-                </a:solidFill>
-                <a:latin typeface="微軟正黑體" pitchFamily="34" charset="-120"/>
-                <a:ea typeface="微軟正黑體" pitchFamily="34" charset="-120"/>
-              </a:rPr>
-              <a:t>只</a:t>
-            </a:r>
-            <a:r>
-              <a:rPr lang="zh-TW" altLang="en-US" sz="5400" b="1" dirty="0">
-                <a:solidFill>
-                  <a:srgbClr val="000066"/>
-                </a:solidFill>
-                <a:latin typeface="微軟正黑體" pitchFamily="34" charset="-120"/>
-                <a:ea typeface="微軟正黑體" pitchFamily="34" charset="-120"/>
-              </a:rPr>
-              <a:t>願</a:t>
-            </a:r>
-            <a:r>
-              <a:rPr lang="zh-TW" altLang="en-US" sz="5400" b="1" dirty="0" smtClean="0">
-                <a:solidFill>
-                  <a:srgbClr val="000066"/>
-                </a:solidFill>
-                <a:latin typeface="微軟正黑體" pitchFamily="34" charset="-120"/>
-                <a:ea typeface="微軟正黑體" pitchFamily="34" charset="-120"/>
-              </a:rPr>
-              <a:t>討</a:t>
-            </a:r>
-            <a:r>
-              <a:rPr lang="zh-CN" altLang="en-US" sz="5400" b="1" dirty="0">
+              <a:rPr lang="zh-TW" altLang="en-US" sz="6400" b="1" dirty="0">
+                <a:solidFill>
+                  <a:srgbClr val="000066"/>
+                </a:solidFill>
+                <a:latin typeface="微軟正黑體" pitchFamily="34" charset="-120"/>
+                <a:ea typeface="微軟正黑體" pitchFamily="34" charset="-120"/>
+              </a:rPr>
+              <a:t>單單就是來  愛</a:t>
+            </a:r>
+            <a:r>
+              <a:rPr lang="zh-CN" altLang="en-US" sz="6400" b="1" dirty="0">
                 <a:solidFill>
                   <a:srgbClr val="000066"/>
                 </a:solidFill>
@@ -3347,87 +3503,7 @@
               </a:rPr>
               <a:t>袮</a:t>
             </a:r>
-            <a:r>
-              <a:rPr lang="zh-TW" altLang="en-US" sz="5400" b="1" dirty="0" smtClean="0">
-                <a:solidFill>
-                  <a:srgbClr val="000066"/>
-                </a:solidFill>
-                <a:latin typeface="微軟正黑體" pitchFamily="34" charset="-120"/>
-                <a:ea typeface="微軟正黑體" pitchFamily="34" charset="-120"/>
-              </a:rPr>
-              <a:t>喜悅</a:t>
-            </a:r>
-            <a:r>
-              <a:rPr lang="en-US" altLang="zh-TW" sz="5400" b="1" dirty="0">
-                <a:solidFill>
-                  <a:srgbClr val="000066"/>
-                </a:solidFill>
-                <a:latin typeface="微軟正黑體" pitchFamily="34" charset="-120"/>
-                <a:ea typeface="微軟正黑體" pitchFamily="34" charset="-120"/>
-              </a:rPr>
-              <a:t> </a:t>
-            </a:r>
-            <a:r>
-              <a:rPr lang="en-US" altLang="zh-TW" sz="5400" b="1" dirty="0" smtClean="0">
-                <a:solidFill>
-                  <a:srgbClr val="000066"/>
-                </a:solidFill>
-                <a:latin typeface="微軟正黑體" pitchFamily="34" charset="-120"/>
-                <a:ea typeface="微軟正黑體" pitchFamily="34" charset="-120"/>
-              </a:rPr>
-              <a:t> </a:t>
-            </a:r>
-            <a:r>
-              <a:rPr lang="zh-TW" altLang="en-US" sz="5400" b="1" dirty="0" smtClean="0">
-                <a:solidFill>
-                  <a:srgbClr val="000066"/>
-                </a:solidFill>
-                <a:latin typeface="微軟正黑體" pitchFamily="34" charset="-120"/>
-                <a:ea typeface="微軟正黑體" pitchFamily="34" charset="-120"/>
-              </a:rPr>
-              <a:t>明白</a:t>
-            </a:r>
-            <a:r>
-              <a:rPr lang="zh-CN" altLang="en-US" sz="5400" b="1" dirty="0">
-                <a:solidFill>
-                  <a:srgbClr val="000066"/>
-                </a:solidFill>
-                <a:latin typeface="微軟正黑體" pitchFamily="34" charset="-120"/>
-                <a:ea typeface="微軟正黑體" pitchFamily="34" charset="-120"/>
-              </a:rPr>
-              <a:t>袮</a:t>
-            </a:r>
-            <a:r>
-              <a:rPr lang="zh-TW" altLang="en-US" sz="5400" b="1" dirty="0" smtClean="0">
-                <a:solidFill>
-                  <a:srgbClr val="000066"/>
-                </a:solidFill>
-                <a:latin typeface="微軟正黑體" pitchFamily="34" charset="-120"/>
-                <a:ea typeface="微軟正黑體" pitchFamily="34" charset="-120"/>
-              </a:rPr>
-              <a:t>旨</a:t>
-            </a:r>
-            <a:r>
-              <a:rPr lang="zh-TW" altLang="en-US" sz="5400" b="1" dirty="0">
-                <a:solidFill>
-                  <a:srgbClr val="000066"/>
-                </a:solidFill>
-                <a:latin typeface="微軟正黑體" pitchFamily="34" charset="-120"/>
-                <a:ea typeface="微軟正黑體" pitchFamily="34" charset="-120"/>
-              </a:rPr>
-              <a:t>意 </a:t>
-            </a:r>
-            <a:r>
-              <a:rPr lang="zh-TW" altLang="en-US" sz="5400" b="1" dirty="0" smtClean="0">
-                <a:solidFill>
-                  <a:srgbClr val="000066"/>
-                </a:solidFill>
-                <a:latin typeface="微軟正黑體" pitchFamily="34" charset="-120"/>
-                <a:ea typeface="微軟正黑體" pitchFamily="34" charset="-120"/>
-              </a:rPr>
-              <a:t> 哦主</a:t>
-            </a:r>
-            <a:endParaRPr lang="en-US" altLang="zh-TW" sz="5400" b="1" dirty="0" smtClean="0">
+            <a:endParaRPr lang="zh-TW" altLang="en-US" sz="6400" b="1" dirty="0">
               <a:solidFill>
                 <a:srgbClr val="000066"/>
               </a:solidFill>
@@ -3435,81 +3511,146 @@
               <a:ea typeface="微軟正黑體" pitchFamily="34" charset="-120"/>
             </a:endParaRPr>
           </a:p>
+        </p:txBody>
+      </p:sp>
+      <p:sp>
+        <p:nvSpPr>
+          <p:cNvPr id="3" name="TextBox 2"/>
+          <p:cNvSpPr txBox="1"/>
+          <p:nvPr/>
+        </p:nvSpPr>
+        <p:spPr>
+          <a:xfrm>
+            <a:off x="0" y="5157192"/>
+            <a:ext cx="12192000" cy="748988"/>
+          </a:xfrm>
+          <a:prstGeom prst="rect">
+            <a:avLst/>
+          </a:prstGeom>
+          <a:noFill/>
+        </p:spPr>
+        <p:txBody>
+          <a:bodyPr wrap="square" rtlCol="0">
+            <a:spAutoFit/>
+          </a:bodyPr>
+          <a:lstStyle/>
+          <a:p>
+            <a:pPr algn="ctr"/>
+            <a:r>
+              <a:rPr lang="en-US" sz="4267" b="1" dirty="0">
+                <a:solidFill>
+                  <a:srgbClr val="000066"/>
+                </a:solidFill>
+                <a:latin typeface="Microsoft JhengHei" panose="020B0604030504040204" pitchFamily="34" charset="-120"/>
+                <a:ea typeface="Microsoft JhengHei" panose="020B0604030504040204" pitchFamily="34" charset="-120"/>
+              </a:rPr>
+              <a:t>( </a:t>
+            </a:r>
+            <a:r>
+              <a:rPr lang="zh-CN" altLang="en-US" sz="4267" b="1" dirty="0">
+                <a:solidFill>
+                  <a:srgbClr val="000066"/>
+                </a:solidFill>
+                <a:latin typeface="Microsoft JhengHei" panose="020B0604030504040204" pitchFamily="34" charset="-120"/>
+                <a:ea typeface="Microsoft JhengHei" panose="020B0604030504040204" pitchFamily="34" charset="-120"/>
+              </a:rPr>
+              <a:t>副</a:t>
+            </a:r>
+            <a:r>
+              <a:rPr lang="en-US" altLang="zh-CN" sz="4267" b="1" dirty="0">
+                <a:solidFill>
+                  <a:srgbClr val="000066"/>
+                </a:solidFill>
+                <a:latin typeface="Microsoft JhengHei" panose="020B0604030504040204" pitchFamily="34" charset="-120"/>
+                <a:ea typeface="Microsoft JhengHei" panose="020B0604030504040204" pitchFamily="34" charset="-120"/>
+              </a:rPr>
+              <a:t> 2</a:t>
+            </a:r>
+            <a:r>
+              <a:rPr lang="en-US" sz="4267" b="1" dirty="0">
+                <a:solidFill>
+                  <a:srgbClr val="000066"/>
+                </a:solidFill>
+                <a:latin typeface="Microsoft JhengHei" panose="020B0604030504040204" pitchFamily="34" charset="-120"/>
+                <a:ea typeface="Microsoft JhengHei" panose="020B0604030504040204" pitchFamily="34" charset="-120"/>
+              </a:rPr>
+              <a:t> )</a:t>
+            </a:r>
+            <a:endParaRPr lang="vi-VN" sz="4267" b="1" dirty="0">
+              <a:solidFill>
+                <a:srgbClr val="000066"/>
+              </a:solidFill>
+              <a:ea typeface="Microsoft JhengHei" panose="020B0604030504040204" pitchFamily="34" charset="-120"/>
+            </a:endParaRPr>
+          </a:p>
+        </p:txBody>
+      </p:sp>
+    </p:spTree>
+    <p:extLst>
+      <p:ext uri="{BB962C8B-B14F-4D97-AF65-F5344CB8AC3E}">
+        <p14:creationId xmlns:p14="http://schemas.microsoft.com/office/powerpoint/2010/main" val="1190952460"/>
+      </p:ext>
+    </p:extLst>
+  </p:cSld>
+  <p:clrMapOvr>
+    <a:masterClrMapping/>
+  </p:clrMapOvr>
+</p:sld>
+</file>
+
+<file path=ppt/slides/slide12.xml><?xml version="1.0" encoding="utf-8"?>
+<p:sld xmlns:a="http://schemas.openxmlformats.org/drawingml/2006/main" xmlns:r="http://schemas.openxmlformats.org/officeDocument/2006/relationships" xmlns:p="http://schemas.openxmlformats.org/presentationml/2006/main">
+  <p:cSld>
+    <p:spTree>
+      <p:nvGrpSpPr>
+        <p:cNvPr id="1" name=""/>
+        <p:cNvGrpSpPr/>
+        <p:nvPr/>
+      </p:nvGrpSpPr>
+      <p:grpSpPr>
+        <a:xfrm>
+          <a:off x="0" y="0"/>
+          <a:ext cx="0" cy="0"/>
+          <a:chOff x="0" y="0"/>
+          <a:chExt cx="0" cy="0"/>
+        </a:xfrm>
+      </p:grpSpPr>
+      <p:sp>
+        <p:nvSpPr>
+          <p:cNvPr id="5" name="內容版面配置區 4"/>
+          <p:cNvSpPr>
+            <a:spLocks noGrp="1"/>
+          </p:cNvSpPr>
+          <p:nvPr>
+            <p:ph idx="1"/>
+          </p:nvPr>
+        </p:nvSpPr>
+        <p:spPr>
+          <a:xfrm>
+            <a:off x="0" y="2084851"/>
+            <a:ext cx="12192000" cy="2404863"/>
+          </a:xfrm>
+        </p:spPr>
+        <p:txBody>
+          <a:bodyPr anchor="ctr">
+            <a:normAutofit/>
+          </a:bodyPr>
+          <a:lstStyle/>
           <a:p>
             <a:pPr algn="ctr">
               <a:buNone/>
             </a:pPr>
             <a:r>
-              <a:rPr lang="zh-TW" altLang="en-US" sz="5400" b="1" dirty="0">
-                <a:solidFill>
-                  <a:srgbClr val="000066"/>
-                </a:solidFill>
-                <a:latin typeface="微軟正黑體" pitchFamily="34" charset="-120"/>
-                <a:ea typeface="微軟正黑體" pitchFamily="34" charset="-120"/>
-              </a:rPr>
-              <a:t>獻上我的心</a:t>
-            </a:r>
-            <a:r>
-              <a:rPr lang="zh-TW" altLang="en-US" sz="5400" b="1" dirty="0" smtClean="0">
-                <a:solidFill>
-                  <a:srgbClr val="000066"/>
-                </a:solidFill>
-                <a:latin typeface="微軟正黑體" pitchFamily="34" charset="-120"/>
-                <a:ea typeface="微軟正黑體" pitchFamily="34" charset="-120"/>
-              </a:rPr>
-              <a:t>給</a:t>
-            </a:r>
-            <a:r>
-              <a:rPr lang="zh-CN" altLang="en-US" sz="5400" b="1" dirty="0" smtClean="0">
-                <a:solidFill>
-                  <a:srgbClr val="000066"/>
-                </a:solidFill>
-                <a:latin typeface="微軟正黑體" pitchFamily="34" charset="-120"/>
-                <a:ea typeface="微軟正黑體" pitchFamily="34" charset="-120"/>
-              </a:rPr>
-              <a:t>袮  </a:t>
-            </a:r>
-            <a:r>
-              <a:rPr lang="zh-TW" altLang="en-US" sz="5400" b="1" dirty="0" smtClean="0">
-                <a:solidFill>
-                  <a:srgbClr val="000066"/>
-                </a:solidFill>
-                <a:latin typeface="微軟正黑體" pitchFamily="34" charset="-120"/>
-                <a:ea typeface="微軟正黑體" pitchFamily="34" charset="-120"/>
-              </a:rPr>
-              <a:t>獻</a:t>
-            </a:r>
-            <a:r>
-              <a:rPr lang="zh-TW" altLang="en-US" sz="5400" b="1" dirty="0">
-                <a:solidFill>
-                  <a:srgbClr val="000066"/>
-                </a:solidFill>
-                <a:latin typeface="微軟正黑體" pitchFamily="34" charset="-120"/>
-                <a:ea typeface="微軟正黑體" pitchFamily="34" charset="-120"/>
-              </a:rPr>
-              <a:t>上我所有</a:t>
-            </a:r>
-            <a:r>
-              <a:rPr lang="zh-TW" altLang="en-US" sz="5400" b="1" dirty="0" smtClean="0">
-                <a:solidFill>
-                  <a:srgbClr val="000066"/>
-                </a:solidFill>
-                <a:latin typeface="微軟正黑體" pitchFamily="34" charset="-120"/>
-                <a:ea typeface="微軟正黑體" pitchFamily="34" charset="-120"/>
-              </a:rPr>
-              <a:t>為</a:t>
-            </a:r>
-            <a:r>
-              <a:rPr lang="zh-CN" altLang="en-US" sz="5400" b="1" dirty="0">
-                <a:solidFill>
-                  <a:srgbClr val="000066"/>
-                </a:solidFill>
-                <a:latin typeface="微軟正黑體" pitchFamily="34" charset="-120"/>
-                <a:ea typeface="微軟正黑體" pitchFamily="34" charset="-120"/>
-              </a:rPr>
-              <a:t>袮</a:t>
-            </a:r>
-            <a:endParaRPr lang="en-US" altLang="zh-TW" sz="5400" b="1" dirty="0">
+              <a:rPr lang="zh-TW" altLang="en-US" sz="6400" b="1" dirty="0">
+                <a:solidFill>
+                  <a:srgbClr val="000066"/>
+                </a:solidFill>
+                <a:latin typeface="微軟正黑體" pitchFamily="34" charset="-120"/>
+                <a:ea typeface="微軟正黑體" pitchFamily="34" charset="-120"/>
+              </a:rPr>
+              <a:t>哈利路亞  哈利  哈利路亞</a:t>
+            </a:r>
+            <a:endParaRPr lang="en-US" altLang="zh-TW" sz="6400" b="1" dirty="0">
               <a:solidFill>
                 <a:srgbClr val="000066"/>
               </a:solidFill>
@@ -3522,101 +3663,16 @@
               <a:buNone/>
             </a:pPr>
             <a:r>
-              <a:rPr lang="zh-TW" altLang="en-US" sz="5400" b="1" dirty="0">
-                <a:solidFill>
-                  <a:srgbClr val="000066"/>
-                </a:solidFill>
-                <a:latin typeface="微軟正黑體" pitchFamily="34" charset="-120"/>
-                <a:ea typeface="微軟正黑體" pitchFamily="34" charset="-120"/>
-              </a:rPr>
-              <a:t>只願</a:t>
-            </a:r>
-            <a:r>
-              <a:rPr lang="zh-TW" altLang="en-US" sz="5400" b="1" dirty="0" smtClean="0">
-                <a:solidFill>
-                  <a:srgbClr val="000066"/>
-                </a:solidFill>
-                <a:latin typeface="微軟正黑體" pitchFamily="34" charset="-120"/>
-                <a:ea typeface="微軟正黑體" pitchFamily="34" charset="-120"/>
-              </a:rPr>
-              <a:t>討</a:t>
-            </a:r>
-            <a:r>
-              <a:rPr lang="zh-CN" altLang="en-US" sz="5400" b="1" dirty="0">
-                <a:solidFill>
-                  <a:srgbClr val="000066"/>
-                </a:solidFill>
-                <a:latin typeface="微軟正黑體" pitchFamily="34" charset="-120"/>
-                <a:ea typeface="微軟正黑體" pitchFamily="34" charset="-120"/>
-              </a:rPr>
-              <a:t>袮</a:t>
-            </a:r>
-            <a:r>
-              <a:rPr lang="zh-TW" altLang="en-US" sz="5400" b="1" dirty="0" smtClean="0">
-                <a:solidFill>
-                  <a:srgbClr val="000066"/>
-                </a:solidFill>
-                <a:latin typeface="微軟正黑體" pitchFamily="34" charset="-120"/>
-                <a:ea typeface="微軟正黑體" pitchFamily="34" charset="-120"/>
-              </a:rPr>
-              <a:t>喜悅</a:t>
-            </a:r>
-            <a:r>
-              <a:rPr lang="en-US" altLang="zh-TW" sz="5400" b="1" dirty="0" smtClean="0">
-                <a:solidFill>
-                  <a:srgbClr val="000066"/>
-                </a:solidFill>
-                <a:latin typeface="微軟正黑體" pitchFamily="34" charset="-120"/>
-                <a:ea typeface="微軟正黑體" pitchFamily="34" charset="-120"/>
-              </a:rPr>
-              <a:t>  </a:t>
-            </a:r>
-            <a:r>
-              <a:rPr lang="zh-TW" altLang="en-US" sz="5400" b="1" dirty="0" smtClean="0">
-                <a:solidFill>
-                  <a:srgbClr val="000066"/>
-                </a:solidFill>
-                <a:latin typeface="微軟正黑體" pitchFamily="34" charset="-120"/>
-                <a:ea typeface="微軟正黑體" pitchFamily="34" charset="-120"/>
-              </a:rPr>
-              <a:t>明白</a:t>
-            </a:r>
-            <a:r>
-              <a:rPr lang="zh-CN" altLang="en-US" sz="5400" b="1" dirty="0">
-                <a:solidFill>
-                  <a:srgbClr val="000066"/>
-                </a:solidFill>
-                <a:latin typeface="微軟正黑體" pitchFamily="34" charset="-120"/>
-                <a:ea typeface="微軟正黑體" pitchFamily="34" charset="-120"/>
-              </a:rPr>
-              <a:t>袮</a:t>
-            </a:r>
-            <a:r>
-              <a:rPr lang="zh-TW" altLang="en-US" sz="5400" b="1" dirty="0" smtClean="0">
-                <a:solidFill>
-                  <a:srgbClr val="000066"/>
-                </a:solidFill>
-                <a:latin typeface="微軟正黑體" pitchFamily="34" charset="-120"/>
-                <a:ea typeface="微軟正黑體" pitchFamily="34" charset="-120"/>
-              </a:rPr>
-              <a:t>旨</a:t>
-            </a:r>
-            <a:r>
-              <a:rPr lang="zh-TW" altLang="en-US" sz="5400" b="1" dirty="0">
-                <a:solidFill>
-                  <a:srgbClr val="000066"/>
-                </a:solidFill>
-                <a:latin typeface="微軟正黑體" pitchFamily="34" charset="-120"/>
-                <a:ea typeface="微軟正黑體" pitchFamily="34" charset="-120"/>
-              </a:rPr>
-              <a:t>意</a:t>
-            </a:r>
-          </a:p>
-          <a:p>
-            <a:pPr algn="ctr">
-              <a:buNone/>
-            </a:pPr>
-            <a:endParaRPr lang="zh-TW" altLang="en-US" sz="5400" b="1" dirty="0">
+              <a:rPr lang="zh-TW" altLang="en-US" sz="6400" b="1" dirty="0">
+                <a:solidFill>
+                  <a:srgbClr val="000066"/>
+                </a:solidFill>
+                <a:latin typeface="微軟正黑體" pitchFamily="34" charset="-120"/>
+                <a:ea typeface="微軟正黑體" pitchFamily="34" charset="-120"/>
+              </a:rPr>
+              <a:t>哈利路亞  哈利  哈利路亞</a:t>
+            </a:r>
+            <a:endParaRPr lang="en-US" altLang="zh-TW" sz="6400" b="1" dirty="0">
               <a:solidFill>
                 <a:srgbClr val="000066"/>
               </a:solidFill>
@@ -3626,7 +3682,985 @@
           </a:p>
         </p:txBody>
       </p:sp>
+      <p:sp>
+        <p:nvSpPr>
+          <p:cNvPr id="3" name="TextBox 2"/>
+          <p:cNvSpPr txBox="1"/>
+          <p:nvPr/>
+        </p:nvSpPr>
+        <p:spPr>
+          <a:xfrm>
+            <a:off x="0" y="5157192"/>
+            <a:ext cx="12192000" cy="748988"/>
+          </a:xfrm>
+          <a:prstGeom prst="rect">
+            <a:avLst/>
+          </a:prstGeom>
+          <a:noFill/>
+        </p:spPr>
+        <p:txBody>
+          <a:bodyPr wrap="square" rtlCol="0">
+            <a:spAutoFit/>
+          </a:bodyPr>
+          <a:lstStyle/>
+          <a:p>
+            <a:pPr algn="ctr"/>
+            <a:r>
+              <a:rPr lang="en-US" sz="4267" b="1" dirty="0">
+                <a:solidFill>
+                  <a:srgbClr val="000066"/>
+                </a:solidFill>
+                <a:latin typeface="Microsoft JhengHei" panose="020B0604030504040204" pitchFamily="34" charset="-120"/>
+                <a:ea typeface="Microsoft JhengHei" panose="020B0604030504040204" pitchFamily="34" charset="-120"/>
+              </a:rPr>
+              <a:t>( </a:t>
+            </a:r>
+            <a:r>
+              <a:rPr lang="zh-CN" altLang="en-US" sz="4267" b="1" dirty="0">
+                <a:solidFill>
+                  <a:srgbClr val="000066"/>
+                </a:solidFill>
+                <a:latin typeface="Microsoft JhengHei" panose="020B0604030504040204" pitchFamily="34" charset="-120"/>
+                <a:ea typeface="Microsoft JhengHei" panose="020B0604030504040204" pitchFamily="34" charset="-120"/>
+              </a:rPr>
+              <a:t>副</a:t>
+            </a:r>
+            <a:r>
+              <a:rPr lang="en-US" altLang="zh-CN" sz="4267" b="1" dirty="0">
+                <a:solidFill>
+                  <a:srgbClr val="000066"/>
+                </a:solidFill>
+                <a:latin typeface="Microsoft JhengHei" panose="020B0604030504040204" pitchFamily="34" charset="-120"/>
+                <a:ea typeface="Microsoft JhengHei" panose="020B0604030504040204" pitchFamily="34" charset="-120"/>
+              </a:rPr>
+              <a:t> 3</a:t>
+            </a:r>
+            <a:r>
+              <a:rPr lang="en-US" sz="4267" b="1" dirty="0">
+                <a:solidFill>
+                  <a:srgbClr val="000066"/>
+                </a:solidFill>
+                <a:latin typeface="Microsoft JhengHei" panose="020B0604030504040204" pitchFamily="34" charset="-120"/>
+                <a:ea typeface="Microsoft JhengHei" panose="020B0604030504040204" pitchFamily="34" charset="-120"/>
+              </a:rPr>
+              <a:t> )</a:t>
+            </a:r>
+            <a:endParaRPr lang="vi-VN" sz="4267" b="1" dirty="0">
+              <a:solidFill>
+                <a:srgbClr val="000066"/>
+              </a:solidFill>
+              <a:ea typeface="Microsoft JhengHei" panose="020B0604030504040204" pitchFamily="34" charset="-120"/>
+            </a:endParaRPr>
+          </a:p>
+        </p:txBody>
+      </p:sp>
     </p:spTree>
+    <p:extLst>
+      <p:ext uri="{BB962C8B-B14F-4D97-AF65-F5344CB8AC3E}">
+        <p14:creationId xmlns:p14="http://schemas.microsoft.com/office/powerpoint/2010/main" val="908531479"/>
+      </p:ext>
+    </p:extLst>
+  </p:cSld>
+  <p:clrMapOvr>
+    <a:masterClrMapping/>
+  </p:clrMapOvr>
+</p:sld>
+</file>
+
+<file path=ppt/slides/slide13.xml><?xml version="1.0" encoding="utf-8"?>
+<p:sld xmlns:a="http://schemas.openxmlformats.org/drawingml/2006/main" xmlns:r="http://schemas.openxmlformats.org/officeDocument/2006/relationships" xmlns:p="http://schemas.openxmlformats.org/presentationml/2006/main">
+  <p:cSld>
+    <p:spTree>
+      <p:nvGrpSpPr>
+        <p:cNvPr id="1" name=""/>
+        <p:cNvGrpSpPr/>
+        <p:nvPr/>
+      </p:nvGrpSpPr>
+      <p:grpSpPr>
+        <a:xfrm>
+          <a:off x="0" y="0"/>
+          <a:ext cx="0" cy="0"/>
+          <a:chOff x="0" y="0"/>
+          <a:chExt cx="0" cy="0"/>
+        </a:xfrm>
+      </p:grpSpPr>
+      <p:sp>
+        <p:nvSpPr>
+          <p:cNvPr id="5" name="內容版面配置區 4"/>
+          <p:cNvSpPr>
+            <a:spLocks noGrp="1"/>
+          </p:cNvSpPr>
+          <p:nvPr>
+            <p:ph idx="1"/>
+          </p:nvPr>
+        </p:nvSpPr>
+        <p:spPr>
+          <a:xfrm>
+            <a:off x="0" y="2084851"/>
+            <a:ext cx="12192000" cy="2404863"/>
+          </a:xfrm>
+        </p:spPr>
+        <p:txBody>
+          <a:bodyPr anchor="ctr">
+            <a:normAutofit/>
+          </a:bodyPr>
+          <a:lstStyle/>
+          <a:p>
+            <a:pPr algn="ctr">
+              <a:buNone/>
+            </a:pPr>
+            <a:r>
+              <a:rPr lang="zh-TW" altLang="en-US" sz="6400" b="1" dirty="0">
+                <a:solidFill>
+                  <a:srgbClr val="000066"/>
+                </a:solidFill>
+                <a:latin typeface="微軟正黑體" pitchFamily="34" charset="-120"/>
+                <a:ea typeface="微軟正黑體" pitchFamily="34" charset="-120"/>
+              </a:rPr>
+              <a:t>哈利路亞  哈利  哈利路亞</a:t>
+            </a:r>
+            <a:endParaRPr lang="en-US" altLang="zh-TW" sz="6400" b="1" dirty="0">
+              <a:solidFill>
+                <a:srgbClr val="000066"/>
+              </a:solidFill>
+              <a:latin typeface="微軟正黑體" pitchFamily="34" charset="-120"/>
+              <a:ea typeface="微軟正黑體" pitchFamily="34" charset="-120"/>
+            </a:endParaRPr>
+          </a:p>
+          <a:p>
+            <a:pPr algn="ctr">
+              <a:buNone/>
+            </a:pPr>
+            <a:r>
+              <a:rPr lang="zh-TW" altLang="en-US" sz="6400" b="1" dirty="0">
+                <a:solidFill>
+                  <a:srgbClr val="000066"/>
+                </a:solidFill>
+                <a:latin typeface="微軟正黑體" pitchFamily="34" charset="-120"/>
+                <a:ea typeface="微軟正黑體" pitchFamily="34" charset="-120"/>
+              </a:rPr>
+              <a:t>用全心全意  獻上我所有</a:t>
+            </a:r>
+            <a:endParaRPr lang="en-US" altLang="zh-TW" sz="6400" b="1" dirty="0">
+              <a:solidFill>
+                <a:srgbClr val="000066"/>
+              </a:solidFill>
+              <a:latin typeface="微軟正黑體" pitchFamily="34" charset="-120"/>
+              <a:ea typeface="微軟正黑體" pitchFamily="34" charset="-120"/>
+            </a:endParaRPr>
+          </a:p>
+        </p:txBody>
+      </p:sp>
+      <p:sp>
+        <p:nvSpPr>
+          <p:cNvPr id="3" name="TextBox 2"/>
+          <p:cNvSpPr txBox="1"/>
+          <p:nvPr/>
+        </p:nvSpPr>
+        <p:spPr>
+          <a:xfrm>
+            <a:off x="0" y="5157192"/>
+            <a:ext cx="12192000" cy="748988"/>
+          </a:xfrm>
+          <a:prstGeom prst="rect">
+            <a:avLst/>
+          </a:prstGeom>
+          <a:noFill/>
+        </p:spPr>
+        <p:txBody>
+          <a:bodyPr wrap="square" rtlCol="0">
+            <a:spAutoFit/>
+          </a:bodyPr>
+          <a:lstStyle/>
+          <a:p>
+            <a:pPr algn="ctr"/>
+            <a:r>
+              <a:rPr lang="en-US" sz="4267" b="1" dirty="0">
+                <a:solidFill>
+                  <a:srgbClr val="000066"/>
+                </a:solidFill>
+                <a:latin typeface="Microsoft JhengHei" panose="020B0604030504040204" pitchFamily="34" charset="-120"/>
+                <a:ea typeface="Microsoft JhengHei" panose="020B0604030504040204" pitchFamily="34" charset="-120"/>
+              </a:rPr>
+              <a:t>( </a:t>
+            </a:r>
+            <a:r>
+              <a:rPr lang="zh-CN" altLang="en-US" sz="4267" b="1" dirty="0">
+                <a:solidFill>
+                  <a:srgbClr val="000066"/>
+                </a:solidFill>
+                <a:latin typeface="Microsoft JhengHei" panose="020B0604030504040204" pitchFamily="34" charset="-120"/>
+                <a:ea typeface="Microsoft JhengHei" panose="020B0604030504040204" pitchFamily="34" charset="-120"/>
+              </a:rPr>
+              <a:t>副</a:t>
+            </a:r>
+            <a:r>
+              <a:rPr lang="en-US" altLang="zh-CN" sz="4267" b="1" dirty="0">
+                <a:solidFill>
+                  <a:srgbClr val="000066"/>
+                </a:solidFill>
+                <a:latin typeface="Microsoft JhengHei" panose="020B0604030504040204" pitchFamily="34" charset="-120"/>
+                <a:ea typeface="Microsoft JhengHei" panose="020B0604030504040204" pitchFamily="34" charset="-120"/>
+              </a:rPr>
+              <a:t> 3</a:t>
+            </a:r>
+            <a:r>
+              <a:rPr lang="en-US" sz="4267" b="1" dirty="0">
+                <a:solidFill>
+                  <a:srgbClr val="000066"/>
+                </a:solidFill>
+                <a:latin typeface="Microsoft JhengHei" panose="020B0604030504040204" pitchFamily="34" charset="-120"/>
+                <a:ea typeface="Microsoft JhengHei" panose="020B0604030504040204" pitchFamily="34" charset="-120"/>
+              </a:rPr>
+              <a:t> )</a:t>
+            </a:r>
+            <a:endParaRPr lang="vi-VN" sz="4267" b="1" dirty="0">
+              <a:solidFill>
+                <a:srgbClr val="000066"/>
+              </a:solidFill>
+              <a:ea typeface="Microsoft JhengHei" panose="020B0604030504040204" pitchFamily="34" charset="-120"/>
+            </a:endParaRPr>
+          </a:p>
+        </p:txBody>
+      </p:sp>
+    </p:spTree>
+    <p:extLst>
+      <p:ext uri="{BB962C8B-B14F-4D97-AF65-F5344CB8AC3E}">
+        <p14:creationId xmlns:p14="http://schemas.microsoft.com/office/powerpoint/2010/main" val="233738902"/>
+      </p:ext>
+    </p:extLst>
+  </p:cSld>
+  <p:clrMapOvr>
+    <a:masterClrMapping/>
+  </p:clrMapOvr>
+</p:sld>
+</file>
+
+<file path=ppt/slides/slide14.xml><?xml version="1.0" encoding="utf-8"?>
+<p:sld xmlns:a="http://schemas.openxmlformats.org/drawingml/2006/main" xmlns:r="http://schemas.openxmlformats.org/officeDocument/2006/relationships" xmlns:p="http://schemas.openxmlformats.org/presentationml/2006/main">
+  <p:cSld>
+    <p:spTree>
+      <p:nvGrpSpPr>
+        <p:cNvPr id="1" name=""/>
+        <p:cNvGrpSpPr/>
+        <p:nvPr/>
+      </p:nvGrpSpPr>
+      <p:grpSpPr>
+        <a:xfrm>
+          <a:off x="0" y="0"/>
+          <a:ext cx="0" cy="0"/>
+          <a:chOff x="0" y="0"/>
+          <a:chExt cx="0" cy="0"/>
+        </a:xfrm>
+      </p:grpSpPr>
+      <p:sp>
+        <p:nvSpPr>
+          <p:cNvPr id="5" name="內容版面配置區 4"/>
+          <p:cNvSpPr>
+            <a:spLocks noGrp="1"/>
+          </p:cNvSpPr>
+          <p:nvPr>
+            <p:ph idx="1"/>
+          </p:nvPr>
+        </p:nvSpPr>
+        <p:spPr>
+          <a:xfrm>
+            <a:off x="0" y="2084851"/>
+            <a:ext cx="12192000" cy="2404863"/>
+          </a:xfrm>
+        </p:spPr>
+        <p:txBody>
+          <a:bodyPr anchor="ctr">
+            <a:normAutofit/>
+          </a:bodyPr>
+          <a:lstStyle/>
+          <a:p>
+            <a:pPr algn="ctr">
+              <a:buNone/>
+            </a:pPr>
+            <a:r>
+              <a:rPr lang="zh-TW" altLang="en-US" sz="6400" b="1" dirty="0">
+                <a:solidFill>
+                  <a:srgbClr val="000066"/>
+                </a:solidFill>
+                <a:latin typeface="微軟正黑體" pitchFamily="34" charset="-120"/>
+                <a:ea typeface="微軟正黑體" pitchFamily="34" charset="-120"/>
+              </a:rPr>
+              <a:t>單單就是來  愛</a:t>
+            </a:r>
+            <a:r>
+              <a:rPr lang="zh-CN" altLang="en-US" sz="6400" b="1" dirty="0">
+                <a:solidFill>
+                  <a:srgbClr val="000066"/>
+                </a:solidFill>
+                <a:latin typeface="微軟正黑體" pitchFamily="34" charset="-120"/>
+                <a:ea typeface="微軟正黑體" pitchFamily="34" charset="-120"/>
+              </a:rPr>
+              <a:t>袮</a:t>
+            </a:r>
+            <a:endParaRPr lang="zh-TW" altLang="en-US" sz="6400" b="1" dirty="0">
+              <a:solidFill>
+                <a:srgbClr val="000066"/>
+              </a:solidFill>
+              <a:latin typeface="微軟正黑體" pitchFamily="34" charset="-120"/>
+              <a:ea typeface="微軟正黑體" pitchFamily="34" charset="-120"/>
+            </a:endParaRPr>
+          </a:p>
+        </p:txBody>
+      </p:sp>
+      <p:sp>
+        <p:nvSpPr>
+          <p:cNvPr id="3" name="TextBox 2"/>
+          <p:cNvSpPr txBox="1"/>
+          <p:nvPr/>
+        </p:nvSpPr>
+        <p:spPr>
+          <a:xfrm>
+            <a:off x="0" y="5157192"/>
+            <a:ext cx="12192000" cy="748988"/>
+          </a:xfrm>
+          <a:prstGeom prst="rect">
+            <a:avLst/>
+          </a:prstGeom>
+          <a:noFill/>
+        </p:spPr>
+        <p:txBody>
+          <a:bodyPr wrap="square" rtlCol="0">
+            <a:spAutoFit/>
+          </a:bodyPr>
+          <a:lstStyle/>
+          <a:p>
+            <a:pPr algn="ctr"/>
+            <a:r>
+              <a:rPr lang="en-US" sz="4267" b="1" dirty="0">
+                <a:solidFill>
+                  <a:srgbClr val="000066"/>
+                </a:solidFill>
+                <a:latin typeface="Microsoft JhengHei" panose="020B0604030504040204" pitchFamily="34" charset="-120"/>
+                <a:ea typeface="Microsoft JhengHei" panose="020B0604030504040204" pitchFamily="34" charset="-120"/>
+              </a:rPr>
+              <a:t>( </a:t>
+            </a:r>
+            <a:r>
+              <a:rPr lang="zh-CN" altLang="en-US" sz="4267" b="1" dirty="0">
+                <a:solidFill>
+                  <a:srgbClr val="000066"/>
+                </a:solidFill>
+                <a:latin typeface="Microsoft JhengHei" panose="020B0604030504040204" pitchFamily="34" charset="-120"/>
+                <a:ea typeface="Microsoft JhengHei" panose="020B0604030504040204" pitchFamily="34" charset="-120"/>
+              </a:rPr>
+              <a:t>副</a:t>
+            </a:r>
+            <a:r>
+              <a:rPr lang="en-US" altLang="zh-CN" sz="4267" b="1" dirty="0">
+                <a:solidFill>
+                  <a:srgbClr val="000066"/>
+                </a:solidFill>
+                <a:latin typeface="Microsoft JhengHei" panose="020B0604030504040204" pitchFamily="34" charset="-120"/>
+                <a:ea typeface="Microsoft JhengHei" panose="020B0604030504040204" pitchFamily="34" charset="-120"/>
+              </a:rPr>
+              <a:t> 3</a:t>
+            </a:r>
+            <a:r>
+              <a:rPr lang="en-US" sz="4267" b="1" dirty="0">
+                <a:solidFill>
+                  <a:srgbClr val="000066"/>
+                </a:solidFill>
+                <a:latin typeface="Microsoft JhengHei" panose="020B0604030504040204" pitchFamily="34" charset="-120"/>
+                <a:ea typeface="Microsoft JhengHei" panose="020B0604030504040204" pitchFamily="34" charset="-120"/>
+              </a:rPr>
+              <a:t> )</a:t>
+            </a:r>
+            <a:endParaRPr lang="vi-VN" sz="4267" b="1" dirty="0">
+              <a:solidFill>
+                <a:srgbClr val="000066"/>
+              </a:solidFill>
+              <a:ea typeface="Microsoft JhengHei" panose="020B0604030504040204" pitchFamily="34" charset="-120"/>
+            </a:endParaRPr>
+          </a:p>
+        </p:txBody>
+      </p:sp>
+    </p:spTree>
+    <p:extLst>
+      <p:ext uri="{BB962C8B-B14F-4D97-AF65-F5344CB8AC3E}">
+        <p14:creationId xmlns:p14="http://schemas.microsoft.com/office/powerpoint/2010/main" val="947259066"/>
+      </p:ext>
+    </p:extLst>
+  </p:cSld>
+  <p:clrMapOvr>
+    <a:masterClrMapping/>
+  </p:clrMapOvr>
+</p:sld>
+</file>
+
+<file path=ppt/slides/slide15.xml><?xml version="1.0" encoding="utf-8"?>
+<p:sld xmlns:a="http://schemas.openxmlformats.org/drawingml/2006/main" xmlns:r="http://schemas.openxmlformats.org/officeDocument/2006/relationships" xmlns:p="http://schemas.openxmlformats.org/presentationml/2006/main">
+  <p:cSld>
+    <p:spTree>
+      <p:nvGrpSpPr>
+        <p:cNvPr id="1" name=""/>
+        <p:cNvGrpSpPr/>
+        <p:nvPr/>
+      </p:nvGrpSpPr>
+      <p:grpSpPr>
+        <a:xfrm>
+          <a:off x="0" y="0"/>
+          <a:ext cx="0" cy="0"/>
+          <a:chOff x="0" y="0"/>
+          <a:chExt cx="0" cy="0"/>
+        </a:xfrm>
+      </p:grpSpPr>
+      <p:sp>
+        <p:nvSpPr>
+          <p:cNvPr id="5" name="內容版面配置區 4"/>
+          <p:cNvSpPr>
+            <a:spLocks noGrp="1"/>
+          </p:cNvSpPr>
+          <p:nvPr>
+            <p:ph idx="1"/>
+          </p:nvPr>
+        </p:nvSpPr>
+        <p:spPr>
+          <a:xfrm>
+            <a:off x="0" y="2084851"/>
+            <a:ext cx="12192000" cy="2404863"/>
+          </a:xfrm>
+        </p:spPr>
+        <p:txBody>
+          <a:bodyPr anchor="ctr">
+            <a:normAutofit/>
+          </a:bodyPr>
+          <a:lstStyle/>
+          <a:p>
+            <a:pPr algn="ctr">
+              <a:buNone/>
+            </a:pPr>
+            <a:r>
+              <a:rPr lang="zh-TW" altLang="en-US" sz="6400" b="1" dirty="0">
+                <a:solidFill>
+                  <a:srgbClr val="000066"/>
+                </a:solidFill>
+                <a:latin typeface="微軟正黑體" pitchFamily="34" charset="-120"/>
+                <a:ea typeface="微軟正黑體" pitchFamily="34" charset="-120"/>
+              </a:rPr>
+              <a:t>主我愛</a:t>
+            </a:r>
+            <a:r>
+              <a:rPr lang="zh-CN" altLang="en-US" sz="6400" b="1" dirty="0">
+                <a:solidFill>
+                  <a:srgbClr val="000066"/>
+                </a:solidFill>
+                <a:latin typeface="微軟正黑體" pitchFamily="34" charset="-120"/>
+                <a:ea typeface="微軟正黑體" pitchFamily="34" charset="-120"/>
+              </a:rPr>
+              <a:t>袮  </a:t>
+            </a:r>
+            <a:r>
+              <a:rPr lang="zh-TW" altLang="en-US" sz="6400" b="1" dirty="0">
+                <a:solidFill>
+                  <a:srgbClr val="000066"/>
+                </a:solidFill>
+                <a:latin typeface="微軟正黑體" pitchFamily="34" charset="-120"/>
+                <a:ea typeface="微軟正黑體" pitchFamily="34" charset="-120"/>
+              </a:rPr>
+              <a:t>用全心全意全人</a:t>
+            </a:r>
+            <a:endParaRPr lang="en-US" altLang="zh-TW" sz="6400" b="1" dirty="0">
+              <a:solidFill>
+                <a:srgbClr val="000066"/>
+              </a:solidFill>
+              <a:latin typeface="微軟正黑體" pitchFamily="34" charset="-120"/>
+              <a:ea typeface="微軟正黑體" pitchFamily="34" charset="-120"/>
+            </a:endParaRPr>
+          </a:p>
+          <a:p>
+            <a:pPr algn="ctr">
+              <a:buNone/>
+            </a:pPr>
+            <a:r>
+              <a:rPr lang="zh-TW" altLang="en-US" sz="6400" b="1" dirty="0">
+                <a:solidFill>
+                  <a:srgbClr val="000066"/>
+                </a:solidFill>
+                <a:latin typeface="微軟正黑體" pitchFamily="34" charset="-120"/>
+                <a:ea typeface="微軟正黑體" pitchFamily="34" charset="-120"/>
+              </a:rPr>
+              <a:t>主我愛</a:t>
+            </a:r>
+            <a:r>
+              <a:rPr lang="zh-CN" altLang="en-US" sz="6400" b="1" dirty="0">
+                <a:solidFill>
+                  <a:srgbClr val="000066"/>
+                </a:solidFill>
+                <a:latin typeface="微軟正黑體" pitchFamily="34" charset="-120"/>
+                <a:ea typeface="微軟正黑體" pitchFamily="34" charset="-120"/>
+              </a:rPr>
+              <a:t>袮  </a:t>
+            </a:r>
+            <a:r>
+              <a:rPr lang="zh-TW" altLang="en-US" sz="6400" b="1" dirty="0">
+                <a:solidFill>
+                  <a:srgbClr val="000066"/>
+                </a:solidFill>
+                <a:latin typeface="微軟正黑體" pitchFamily="34" charset="-120"/>
+                <a:ea typeface="微軟正黑體" pitchFamily="34" charset="-120"/>
+              </a:rPr>
+              <a:t>超越所有的一切</a:t>
+            </a:r>
+            <a:endParaRPr lang="en-US" altLang="zh-TW" sz="6400" b="1" dirty="0">
+              <a:solidFill>
+                <a:srgbClr val="000066"/>
+              </a:solidFill>
+              <a:latin typeface="微軟正黑體" pitchFamily="34" charset="-120"/>
+              <a:ea typeface="微軟正黑體" pitchFamily="34" charset="-120"/>
+            </a:endParaRPr>
+          </a:p>
+        </p:txBody>
+      </p:sp>
+      <p:sp>
+        <p:nvSpPr>
+          <p:cNvPr id="3" name="TextBox 2"/>
+          <p:cNvSpPr txBox="1"/>
+          <p:nvPr/>
+        </p:nvSpPr>
+        <p:spPr>
+          <a:xfrm>
+            <a:off x="0" y="5157192"/>
+            <a:ext cx="12192000" cy="748988"/>
+          </a:xfrm>
+          <a:prstGeom prst="rect">
+            <a:avLst/>
+          </a:prstGeom>
+          <a:noFill/>
+        </p:spPr>
+        <p:txBody>
+          <a:bodyPr wrap="square" rtlCol="0">
+            <a:spAutoFit/>
+          </a:bodyPr>
+          <a:lstStyle/>
+          <a:p>
+            <a:pPr algn="ctr"/>
+            <a:r>
+              <a:rPr lang="en-US" sz="4267" b="1" dirty="0">
+                <a:solidFill>
+                  <a:srgbClr val="000066"/>
+                </a:solidFill>
+                <a:latin typeface="Microsoft JhengHei" panose="020B0604030504040204" pitchFamily="34" charset="-120"/>
+                <a:ea typeface="Microsoft JhengHei" panose="020B0604030504040204" pitchFamily="34" charset="-120"/>
+              </a:rPr>
+              <a:t>( </a:t>
+            </a:r>
+            <a:r>
+              <a:rPr lang="zh-CN" altLang="en-US" sz="4267" b="1" dirty="0">
+                <a:solidFill>
+                  <a:srgbClr val="000066"/>
+                </a:solidFill>
+                <a:latin typeface="Microsoft JhengHei" panose="020B0604030504040204" pitchFamily="34" charset="-120"/>
+                <a:ea typeface="Microsoft JhengHei" panose="020B0604030504040204" pitchFamily="34" charset="-120"/>
+              </a:rPr>
+              <a:t>副</a:t>
+            </a:r>
+            <a:r>
+              <a:rPr lang="en-US" altLang="zh-CN" sz="4267" b="1" dirty="0">
+                <a:solidFill>
+                  <a:srgbClr val="000066"/>
+                </a:solidFill>
+                <a:latin typeface="Microsoft JhengHei" panose="020B0604030504040204" pitchFamily="34" charset="-120"/>
+                <a:ea typeface="Microsoft JhengHei" panose="020B0604030504040204" pitchFamily="34" charset="-120"/>
+              </a:rPr>
+              <a:t> 4</a:t>
+            </a:r>
+            <a:r>
+              <a:rPr lang="en-US" sz="4267" b="1" dirty="0">
+                <a:solidFill>
+                  <a:srgbClr val="000066"/>
+                </a:solidFill>
+                <a:latin typeface="Microsoft JhengHei" panose="020B0604030504040204" pitchFamily="34" charset="-120"/>
+                <a:ea typeface="Microsoft JhengHei" panose="020B0604030504040204" pitchFamily="34" charset="-120"/>
+              </a:rPr>
+              <a:t> )</a:t>
+            </a:r>
+            <a:endParaRPr lang="vi-VN" sz="4267" b="1" dirty="0">
+              <a:solidFill>
+                <a:srgbClr val="000066"/>
+              </a:solidFill>
+              <a:ea typeface="Microsoft JhengHei" panose="020B0604030504040204" pitchFamily="34" charset="-120"/>
+            </a:endParaRPr>
+          </a:p>
+        </p:txBody>
+      </p:sp>
+    </p:spTree>
+    <p:extLst>
+      <p:ext uri="{BB962C8B-B14F-4D97-AF65-F5344CB8AC3E}">
+        <p14:creationId xmlns:p14="http://schemas.microsoft.com/office/powerpoint/2010/main" val="1105827034"/>
+      </p:ext>
+    </p:extLst>
+  </p:cSld>
+  <p:clrMapOvr>
+    <a:masterClrMapping/>
+  </p:clrMapOvr>
+</p:sld>
+</file>
+
+<file path=ppt/slides/slide16.xml><?xml version="1.0" encoding="utf-8"?>
+<p:sld xmlns:a="http://schemas.openxmlformats.org/drawingml/2006/main" xmlns:r="http://schemas.openxmlformats.org/officeDocument/2006/relationships" xmlns:p="http://schemas.openxmlformats.org/presentationml/2006/main">
+  <p:cSld>
+    <p:spTree>
+      <p:nvGrpSpPr>
+        <p:cNvPr id="1" name=""/>
+        <p:cNvGrpSpPr/>
+        <p:nvPr/>
+      </p:nvGrpSpPr>
+      <p:grpSpPr>
+        <a:xfrm>
+          <a:off x="0" y="0"/>
+          <a:ext cx="0" cy="0"/>
+          <a:chOff x="0" y="0"/>
+          <a:chExt cx="0" cy="0"/>
+        </a:xfrm>
+      </p:grpSpPr>
+      <p:sp>
+        <p:nvSpPr>
+          <p:cNvPr id="5" name="內容版面配置區 4"/>
+          <p:cNvSpPr>
+            <a:spLocks noGrp="1"/>
+          </p:cNvSpPr>
+          <p:nvPr>
+            <p:ph idx="1"/>
+          </p:nvPr>
+        </p:nvSpPr>
+        <p:spPr>
+          <a:xfrm>
+            <a:off x="0" y="2084851"/>
+            <a:ext cx="12192000" cy="2404863"/>
+          </a:xfrm>
+        </p:spPr>
+        <p:txBody>
+          <a:bodyPr anchor="ctr">
+            <a:normAutofit/>
+          </a:bodyPr>
+          <a:lstStyle/>
+          <a:p>
+            <a:pPr algn="ctr">
+              <a:buNone/>
+            </a:pPr>
+            <a:r>
+              <a:rPr lang="zh-TW" altLang="en-US" sz="6400" b="1" dirty="0">
+                <a:solidFill>
+                  <a:srgbClr val="000066"/>
+                </a:solidFill>
+                <a:latin typeface="微軟正黑體" pitchFamily="34" charset="-120"/>
+                <a:ea typeface="微軟正黑體" pitchFamily="34" charset="-120"/>
+              </a:rPr>
+              <a:t>主我愛</a:t>
+            </a:r>
+            <a:r>
+              <a:rPr lang="zh-CN" altLang="en-US" sz="6400" b="1" dirty="0">
+                <a:solidFill>
+                  <a:srgbClr val="000066"/>
+                </a:solidFill>
+                <a:latin typeface="微軟正黑體" pitchFamily="34" charset="-120"/>
+                <a:ea typeface="微軟正黑體" pitchFamily="34" charset="-120"/>
+              </a:rPr>
+              <a:t>袮  </a:t>
+            </a:r>
+            <a:r>
+              <a:rPr lang="zh-TW" altLang="en-US" sz="6400" b="1" dirty="0">
+                <a:solidFill>
+                  <a:srgbClr val="000066"/>
+                </a:solidFill>
+                <a:latin typeface="微軟正黑體" pitchFamily="34" charset="-120"/>
+                <a:ea typeface="微軟正黑體" pitchFamily="34" charset="-120"/>
+              </a:rPr>
+              <a:t>因</a:t>
+            </a:r>
+            <a:r>
+              <a:rPr lang="zh-CN" altLang="en-US" sz="6400" b="1" dirty="0">
+                <a:solidFill>
+                  <a:srgbClr val="000066"/>
+                </a:solidFill>
+                <a:latin typeface="微軟正黑體" pitchFamily="34" charset="-120"/>
+                <a:ea typeface="微軟正黑體" pitchFamily="34" charset="-120"/>
+              </a:rPr>
+              <a:t>袮</a:t>
+            </a:r>
+            <a:r>
+              <a:rPr lang="zh-TW" altLang="en-US" sz="6400" b="1" dirty="0">
+                <a:solidFill>
+                  <a:srgbClr val="000066"/>
+                </a:solidFill>
+                <a:latin typeface="微軟正黑體" pitchFamily="34" charset="-120"/>
+                <a:ea typeface="微軟正黑體" pitchFamily="34" charset="-120"/>
+              </a:rPr>
+              <a:t>是我的唯一</a:t>
+            </a:r>
+            <a:endParaRPr lang="en-US" altLang="zh-TW" sz="6400" b="1" dirty="0">
+              <a:solidFill>
+                <a:srgbClr val="000066"/>
+              </a:solidFill>
+              <a:latin typeface="微軟正黑體" pitchFamily="34" charset="-120"/>
+              <a:ea typeface="微軟正黑體" pitchFamily="34" charset="-120"/>
+            </a:endParaRPr>
+          </a:p>
+          <a:p>
+            <a:pPr algn="ctr">
+              <a:buNone/>
+            </a:pPr>
+            <a:r>
+              <a:rPr lang="zh-TW" altLang="en-US" sz="6400" b="1" dirty="0">
+                <a:solidFill>
+                  <a:srgbClr val="000066"/>
+                </a:solidFill>
+                <a:latin typeface="微軟正黑體" pitchFamily="34" charset="-120"/>
+                <a:ea typeface="微軟正黑體" pitchFamily="34" charset="-120"/>
+              </a:rPr>
+              <a:t>用全心全意  獻上我所有</a:t>
+            </a:r>
+            <a:endParaRPr lang="en-US" altLang="zh-TW" sz="6400" b="1" dirty="0">
+              <a:solidFill>
+                <a:srgbClr val="000066"/>
+              </a:solidFill>
+              <a:latin typeface="微軟正黑體" pitchFamily="34" charset="-120"/>
+              <a:ea typeface="微軟正黑體" pitchFamily="34" charset="-120"/>
+            </a:endParaRPr>
+          </a:p>
+        </p:txBody>
+      </p:sp>
+      <p:sp>
+        <p:nvSpPr>
+          <p:cNvPr id="3" name="TextBox 2"/>
+          <p:cNvSpPr txBox="1"/>
+          <p:nvPr/>
+        </p:nvSpPr>
+        <p:spPr>
+          <a:xfrm>
+            <a:off x="0" y="5157192"/>
+            <a:ext cx="12192000" cy="748988"/>
+          </a:xfrm>
+          <a:prstGeom prst="rect">
+            <a:avLst/>
+          </a:prstGeom>
+          <a:noFill/>
+        </p:spPr>
+        <p:txBody>
+          <a:bodyPr wrap="square" rtlCol="0">
+            <a:spAutoFit/>
+          </a:bodyPr>
+          <a:lstStyle/>
+          <a:p>
+            <a:pPr algn="ctr"/>
+            <a:r>
+              <a:rPr lang="en-US" sz="4267" b="1" dirty="0">
+                <a:solidFill>
+                  <a:srgbClr val="000066"/>
+                </a:solidFill>
+                <a:latin typeface="Microsoft JhengHei" panose="020B0604030504040204" pitchFamily="34" charset="-120"/>
+                <a:ea typeface="Microsoft JhengHei" panose="020B0604030504040204" pitchFamily="34" charset="-120"/>
+              </a:rPr>
+              <a:t>( </a:t>
+            </a:r>
+            <a:r>
+              <a:rPr lang="zh-CN" altLang="en-US" sz="4267" b="1" dirty="0">
+                <a:solidFill>
+                  <a:srgbClr val="000066"/>
+                </a:solidFill>
+                <a:latin typeface="Microsoft JhengHei" panose="020B0604030504040204" pitchFamily="34" charset="-120"/>
+                <a:ea typeface="Microsoft JhengHei" panose="020B0604030504040204" pitchFamily="34" charset="-120"/>
+              </a:rPr>
+              <a:t>副</a:t>
+            </a:r>
+            <a:r>
+              <a:rPr lang="en-US" altLang="zh-CN" sz="4267" b="1" dirty="0">
+                <a:solidFill>
+                  <a:srgbClr val="000066"/>
+                </a:solidFill>
+                <a:latin typeface="Microsoft JhengHei" panose="020B0604030504040204" pitchFamily="34" charset="-120"/>
+                <a:ea typeface="Microsoft JhengHei" panose="020B0604030504040204" pitchFamily="34" charset="-120"/>
+              </a:rPr>
+              <a:t> 4</a:t>
+            </a:r>
+            <a:r>
+              <a:rPr lang="en-US" sz="4267" b="1" dirty="0">
+                <a:solidFill>
+                  <a:srgbClr val="000066"/>
+                </a:solidFill>
+                <a:latin typeface="Microsoft JhengHei" panose="020B0604030504040204" pitchFamily="34" charset="-120"/>
+                <a:ea typeface="Microsoft JhengHei" panose="020B0604030504040204" pitchFamily="34" charset="-120"/>
+              </a:rPr>
+              <a:t> )</a:t>
+            </a:r>
+            <a:endParaRPr lang="vi-VN" sz="4267" b="1" dirty="0">
+              <a:solidFill>
+                <a:srgbClr val="000066"/>
+              </a:solidFill>
+              <a:ea typeface="Microsoft JhengHei" panose="020B0604030504040204" pitchFamily="34" charset="-120"/>
+            </a:endParaRPr>
+          </a:p>
+        </p:txBody>
+      </p:sp>
+    </p:spTree>
+    <p:extLst>
+      <p:ext uri="{BB962C8B-B14F-4D97-AF65-F5344CB8AC3E}">
+        <p14:creationId xmlns:p14="http://schemas.microsoft.com/office/powerpoint/2010/main" val="2924429487"/>
+      </p:ext>
+    </p:extLst>
+  </p:cSld>
+  <p:clrMapOvr>
+    <a:masterClrMapping/>
+  </p:clrMapOvr>
+</p:sld>
+</file>
+
+<file path=ppt/slides/slide17.xml><?xml version="1.0" encoding="utf-8"?>
+<p:sld xmlns:a="http://schemas.openxmlformats.org/drawingml/2006/main" xmlns:r="http://schemas.openxmlformats.org/officeDocument/2006/relationships" xmlns:p="http://schemas.openxmlformats.org/presentationml/2006/main">
+  <p:cSld>
+    <p:spTree>
+      <p:nvGrpSpPr>
+        <p:cNvPr id="1" name=""/>
+        <p:cNvGrpSpPr/>
+        <p:nvPr/>
+      </p:nvGrpSpPr>
+      <p:grpSpPr>
+        <a:xfrm>
+          <a:off x="0" y="0"/>
+          <a:ext cx="0" cy="0"/>
+          <a:chOff x="0" y="0"/>
+          <a:chExt cx="0" cy="0"/>
+        </a:xfrm>
+      </p:grpSpPr>
+      <p:sp>
+        <p:nvSpPr>
+          <p:cNvPr id="5" name="內容版面配置區 4"/>
+          <p:cNvSpPr>
+            <a:spLocks noGrp="1"/>
+          </p:cNvSpPr>
+          <p:nvPr>
+            <p:ph idx="1"/>
+          </p:nvPr>
+        </p:nvSpPr>
+        <p:spPr>
+          <a:xfrm>
+            <a:off x="0" y="2084851"/>
+            <a:ext cx="12192000" cy="2404863"/>
+          </a:xfrm>
+        </p:spPr>
+        <p:txBody>
+          <a:bodyPr anchor="ctr">
+            <a:normAutofit/>
+          </a:bodyPr>
+          <a:lstStyle/>
+          <a:p>
+            <a:pPr algn="ctr">
+              <a:buNone/>
+            </a:pPr>
+            <a:r>
+              <a:rPr lang="zh-TW" altLang="en-US" sz="6400" b="1" dirty="0">
+                <a:solidFill>
+                  <a:srgbClr val="000066"/>
+                </a:solidFill>
+                <a:latin typeface="微軟正黑體" pitchFamily="34" charset="-120"/>
+                <a:ea typeface="微軟正黑體" pitchFamily="34" charset="-120"/>
+              </a:rPr>
+              <a:t>單單就是來  愛</a:t>
+            </a:r>
+            <a:r>
+              <a:rPr lang="zh-CN" altLang="en-US" sz="6400" b="1" dirty="0">
+                <a:solidFill>
+                  <a:srgbClr val="000066"/>
+                </a:solidFill>
+                <a:latin typeface="微軟正黑體" pitchFamily="34" charset="-120"/>
+                <a:ea typeface="微軟正黑體" pitchFamily="34" charset="-120"/>
+              </a:rPr>
+              <a:t>袮</a:t>
+            </a:r>
+            <a:endParaRPr lang="zh-TW" altLang="en-US" sz="6400" b="1" dirty="0">
+              <a:solidFill>
+                <a:srgbClr val="000066"/>
+              </a:solidFill>
+              <a:latin typeface="微軟正黑體" pitchFamily="34" charset="-120"/>
+              <a:ea typeface="微軟正黑體" pitchFamily="34" charset="-120"/>
+            </a:endParaRPr>
+          </a:p>
+        </p:txBody>
+      </p:sp>
+      <p:sp>
+        <p:nvSpPr>
+          <p:cNvPr id="3" name="TextBox 2"/>
+          <p:cNvSpPr txBox="1"/>
+          <p:nvPr/>
+        </p:nvSpPr>
+        <p:spPr>
+          <a:xfrm>
+            <a:off x="0" y="5157192"/>
+            <a:ext cx="12192000" cy="748988"/>
+          </a:xfrm>
+          <a:prstGeom prst="rect">
+            <a:avLst/>
+          </a:prstGeom>
+          <a:noFill/>
+        </p:spPr>
+        <p:txBody>
+          <a:bodyPr wrap="square" rtlCol="0">
+            <a:spAutoFit/>
+          </a:bodyPr>
+          <a:lstStyle/>
+          <a:p>
+            <a:pPr algn="ctr"/>
+            <a:r>
+              <a:rPr lang="en-US" sz="4267" b="1" dirty="0">
+                <a:solidFill>
+                  <a:srgbClr val="000066"/>
+                </a:solidFill>
+                <a:latin typeface="Microsoft JhengHei" panose="020B0604030504040204" pitchFamily="34" charset="-120"/>
+                <a:ea typeface="Microsoft JhengHei" panose="020B0604030504040204" pitchFamily="34" charset="-120"/>
+              </a:rPr>
+              <a:t>( </a:t>
+            </a:r>
+            <a:r>
+              <a:rPr lang="zh-CN" altLang="en-US" sz="4267" b="1" dirty="0">
+                <a:solidFill>
+                  <a:srgbClr val="000066"/>
+                </a:solidFill>
+                <a:latin typeface="Microsoft JhengHei" panose="020B0604030504040204" pitchFamily="34" charset="-120"/>
+                <a:ea typeface="Microsoft JhengHei" panose="020B0604030504040204" pitchFamily="34" charset="-120"/>
+              </a:rPr>
+              <a:t>副</a:t>
+            </a:r>
+            <a:r>
+              <a:rPr lang="en-US" altLang="zh-CN" sz="4267" b="1" dirty="0">
+                <a:solidFill>
+                  <a:srgbClr val="000066"/>
+                </a:solidFill>
+                <a:latin typeface="Microsoft JhengHei" panose="020B0604030504040204" pitchFamily="34" charset="-120"/>
+                <a:ea typeface="Microsoft JhengHei" panose="020B0604030504040204" pitchFamily="34" charset="-120"/>
+              </a:rPr>
+              <a:t> 4</a:t>
+            </a:r>
+            <a:r>
+              <a:rPr lang="en-US" sz="4267" b="1" dirty="0">
+                <a:solidFill>
+                  <a:srgbClr val="000066"/>
+                </a:solidFill>
+                <a:latin typeface="Microsoft JhengHei" panose="020B0604030504040204" pitchFamily="34" charset="-120"/>
+                <a:ea typeface="Microsoft JhengHei" panose="020B0604030504040204" pitchFamily="34" charset="-120"/>
+              </a:rPr>
+              <a:t> )</a:t>
+            </a:r>
+            <a:endParaRPr lang="vi-VN" sz="4267" b="1" dirty="0">
+              <a:solidFill>
+                <a:srgbClr val="000066"/>
+              </a:solidFill>
+              <a:ea typeface="Microsoft JhengHei" panose="020B0604030504040204" pitchFamily="34" charset="-120"/>
+            </a:endParaRPr>
+          </a:p>
+        </p:txBody>
+      </p:sp>
+    </p:spTree>
+    <p:extLst>
+      <p:ext uri="{BB962C8B-B14F-4D97-AF65-F5344CB8AC3E}">
+        <p14:creationId xmlns:p14="http://schemas.microsoft.com/office/powerpoint/2010/main" val="1708182790"/>
+      </p:ext>
+    </p:extLst>
   </p:cSld>
   <p:clrMapOvr>
     <a:masterClrMapping/>
@@ -3653,42 +4687,50 @@
       </p:grpSpPr>
       <p:sp>
         <p:nvSpPr>
-          <p:cNvPr id="4" name="標題 3"/>
-          <p:cNvSpPr>
-            <a:spLocks noGrp="1"/>
-          </p:cNvSpPr>
-          <p:nvPr>
-            <p:ph type="title"/>
-          </p:nvPr>
-        </p:nvSpPr>
-        <p:spPr/>
-        <p:txBody>
-          <a:bodyPr>
+          <p:cNvPr id="5" name="內容版面配置區 4"/>
+          <p:cNvSpPr>
+            <a:spLocks noGrp="1"/>
+          </p:cNvSpPr>
+          <p:nvPr>
+            <p:ph idx="1"/>
+          </p:nvPr>
+        </p:nvSpPr>
+        <p:spPr>
+          <a:xfrm>
+            <a:off x="0" y="2084851"/>
+            <a:ext cx="12192000" cy="2404863"/>
+          </a:xfrm>
+        </p:spPr>
+        <p:txBody>
+          <a:bodyPr anchor="ctr">
             <a:normAutofit/>
           </a:bodyPr>
           <a:lstStyle/>
           <a:p>
-            <a:r>
-              <a:rPr lang="zh-TW" altLang="en-US" sz="4800" b="1" dirty="0">
-                <a:solidFill>
-                  <a:srgbClr val="000066"/>
-                </a:solidFill>
-                <a:latin typeface="微軟正黑體" pitchFamily="34" charset="-120"/>
-                <a:ea typeface="微軟正黑體" pitchFamily="34" charset="-120"/>
-              </a:rPr>
-              <a:t>單單敬</a:t>
-            </a:r>
-            <a:r>
-              <a:rPr lang="zh-TW" altLang="en-US" sz="4800" b="1" dirty="0" smtClean="0">
-                <a:solidFill>
-                  <a:srgbClr val="000066"/>
-                </a:solidFill>
-                <a:latin typeface="微軟正黑體" pitchFamily="34" charset="-120"/>
-                <a:ea typeface="微軟正黑體" pitchFamily="34" charset="-120"/>
-              </a:rPr>
-              <a:t>拜</a:t>
-            </a:r>
-            <a:endParaRPr lang="zh-TW" altLang="en-US" sz="4800" b="1" dirty="0">
+            <a:pPr algn="ctr">
+              <a:buNone/>
+            </a:pPr>
+            <a:r>
+              <a:rPr lang="zh-TW" altLang="en-US" sz="6400" b="1" dirty="0">
+                <a:solidFill>
+                  <a:srgbClr val="000066"/>
+                </a:solidFill>
+                <a:latin typeface="微軟正黑體" pitchFamily="34" charset="-120"/>
+                <a:ea typeface="微軟正黑體" pitchFamily="34" charset="-120"/>
+              </a:rPr>
+              <a:t>獻上我的心給</a:t>
+            </a:r>
+            <a:r>
+              <a:rPr lang="zh-CN" altLang="en-US" sz="6400" b="1" dirty="0">
+                <a:solidFill>
+                  <a:srgbClr val="000066"/>
+                </a:solidFill>
+                <a:latin typeface="微軟正黑體" pitchFamily="34" charset="-120"/>
+                <a:ea typeface="微軟正黑體" pitchFamily="34" charset="-120"/>
+              </a:rPr>
+              <a:t>袮</a:t>
+            </a:r>
+            <a:endParaRPr lang="en-US" altLang="zh-TW" sz="6400" b="1" dirty="0">
               <a:solidFill>
                 <a:srgbClr val="000066"/>
               </a:solidFill>
@@ -3696,94 +4738,31 @@
               <a:ea typeface="微軟正黑體" pitchFamily="34" charset="-120"/>
             </a:endParaRPr>
           </a:p>
-        </p:txBody>
-      </p:sp>
-      <p:sp>
-        <p:nvSpPr>
-          <p:cNvPr id="5" name="內容版面配置區 4"/>
-          <p:cNvSpPr>
-            <a:spLocks noGrp="1"/>
-          </p:cNvSpPr>
-          <p:nvPr>
-            <p:ph idx="1"/>
-          </p:nvPr>
-        </p:nvSpPr>
-        <p:spPr>
-          <a:xfrm>
-            <a:off x="1524000" y="1600200"/>
-            <a:ext cx="9144000" cy="5257800"/>
-          </a:xfrm>
-        </p:spPr>
-        <p:txBody>
-          <a:bodyPr>
-            <a:normAutofit/>
-          </a:bodyPr>
-          <a:lstStyle/>
           <a:p>
             <a:pPr algn="ctr">
               <a:buNone/>
             </a:pPr>
             <a:r>
-              <a:rPr lang="zh-TW" altLang="en-US" sz="5400" b="1" dirty="0">
-                <a:solidFill>
-                  <a:srgbClr val="000066"/>
-                </a:solidFill>
-                <a:latin typeface="微軟正黑體" pitchFamily="34" charset="-120"/>
-                <a:ea typeface="微軟正黑體" pitchFamily="34" charset="-120"/>
-              </a:rPr>
-              <a:t>我敬</a:t>
-            </a:r>
-            <a:r>
-              <a:rPr lang="zh-TW" altLang="en-US" sz="5400" b="1" dirty="0" smtClean="0">
-                <a:solidFill>
-                  <a:srgbClr val="000066"/>
-                </a:solidFill>
-                <a:latin typeface="微軟正黑體" pitchFamily="34" charset="-120"/>
-                <a:ea typeface="微軟正黑體" pitchFamily="34" charset="-120"/>
-              </a:rPr>
-              <a:t>拜</a:t>
-            </a:r>
-            <a:r>
-              <a:rPr lang="zh-CN" altLang="en-US" sz="5400" b="1" dirty="0" smtClean="0">
-                <a:solidFill>
-                  <a:srgbClr val="000066"/>
-                </a:solidFill>
-                <a:latin typeface="微軟正黑體" pitchFamily="34" charset="-120"/>
-                <a:ea typeface="微軟正黑體" pitchFamily="34" charset="-120"/>
-              </a:rPr>
-              <a:t>袮  </a:t>
-            </a:r>
-            <a:r>
-              <a:rPr lang="zh-TW" altLang="en-US" sz="5400" b="1" dirty="0" smtClean="0">
-                <a:solidFill>
-                  <a:srgbClr val="000066"/>
-                </a:solidFill>
-                <a:latin typeface="微軟正黑體" pitchFamily="34" charset="-120"/>
-                <a:ea typeface="微軟正黑體" pitchFamily="34" charset="-120"/>
-              </a:rPr>
-              <a:t>用</a:t>
-            </a:r>
-            <a:r>
-              <a:rPr lang="zh-TW" altLang="en-US" sz="5400" b="1" dirty="0">
-                <a:solidFill>
-                  <a:srgbClr val="000066"/>
-                </a:solidFill>
-                <a:latin typeface="微軟正黑體" pitchFamily="34" charset="-120"/>
-                <a:ea typeface="微軟正黑體" pitchFamily="34" charset="-120"/>
-              </a:rPr>
-              <a:t>全心全意</a:t>
-            </a:r>
-            <a:r>
-              <a:rPr lang="zh-TW" altLang="en-US" sz="5400" b="1" dirty="0">
-                <a:solidFill>
-                  <a:srgbClr val="000066"/>
-                </a:solidFill>
-                <a:latin typeface="微軟正黑體" pitchFamily="34" charset="-120"/>
-                <a:ea typeface="微軟正黑體" pitchFamily="34" charset="-120"/>
-              </a:rPr>
-              <a:t>全人</a:t>
-            </a:r>
-            <a:endParaRPr lang="en-US" altLang="zh-TW" sz="5400" b="1" dirty="0">
+              <a:rPr lang="zh-TW" altLang="en-US" sz="6400" b="1" dirty="0">
+                <a:solidFill>
+                  <a:srgbClr val="000066"/>
+                </a:solidFill>
+                <a:latin typeface="微軟正黑體" pitchFamily="34" charset="-120"/>
+                <a:ea typeface="微軟正黑體" pitchFamily="34" charset="-120"/>
+              </a:rPr>
+              <a:t>獻上我所有為</a:t>
+            </a:r>
+            <a:r>
+              <a:rPr lang="zh-CN" altLang="en-US" sz="6400" b="1" dirty="0">
+                <a:solidFill>
+                  <a:srgbClr val="000066"/>
+                </a:solidFill>
+                <a:latin typeface="微軟正黑體" pitchFamily="34" charset="-120"/>
+                <a:ea typeface="微軟正黑體" pitchFamily="34" charset="-120"/>
+              </a:rPr>
+              <a:t>袮</a:t>
+            </a:r>
+            <a:endParaRPr lang="en-US" altLang="zh-TW" sz="6400" b="1" dirty="0">
               <a:solidFill>
                 <a:srgbClr val="000066"/>
               </a:solidFill>
@@ -3791,267 +4770,76 @@
               <a:ea typeface="微軟正黑體" pitchFamily="34" charset="-120"/>
             </a:endParaRPr>
           </a:p>
-          <a:p>
-            <a:pPr algn="ctr">
-              <a:buNone/>
-            </a:pPr>
-            <a:r>
-              <a:rPr lang="zh-TW" altLang="en-US" sz="5400" b="1" dirty="0">
-                <a:solidFill>
-                  <a:srgbClr val="000066"/>
-                </a:solidFill>
-                <a:latin typeface="微軟正黑體" pitchFamily="34" charset="-120"/>
-                <a:ea typeface="微軟正黑體" pitchFamily="34" charset="-120"/>
-              </a:rPr>
-              <a:t>我</a:t>
-            </a:r>
-            <a:r>
-              <a:rPr lang="zh-TW" altLang="en-US" sz="5400" b="1" dirty="0">
-                <a:solidFill>
-                  <a:srgbClr val="000066"/>
-                </a:solidFill>
-                <a:latin typeface="微軟正黑體" pitchFamily="34" charset="-120"/>
-                <a:ea typeface="微軟正黑體" pitchFamily="34" charset="-120"/>
-              </a:rPr>
-              <a:t>敬</a:t>
-            </a:r>
-            <a:r>
-              <a:rPr lang="zh-TW" altLang="en-US" sz="5400" b="1" dirty="0" smtClean="0">
-                <a:solidFill>
-                  <a:srgbClr val="000066"/>
-                </a:solidFill>
-                <a:latin typeface="微軟正黑體" pitchFamily="34" charset="-120"/>
-                <a:ea typeface="微軟正黑體" pitchFamily="34" charset="-120"/>
-              </a:rPr>
-              <a:t>拜</a:t>
-            </a:r>
-            <a:r>
-              <a:rPr lang="zh-CN" altLang="en-US" sz="5400" b="1" dirty="0" smtClean="0">
-                <a:solidFill>
-                  <a:srgbClr val="000066"/>
-                </a:solidFill>
-                <a:latin typeface="微軟正黑體" pitchFamily="34" charset="-120"/>
-                <a:ea typeface="微軟正黑體" pitchFamily="34" charset="-120"/>
-              </a:rPr>
-              <a:t>袮  </a:t>
-            </a:r>
-            <a:r>
-              <a:rPr lang="zh-TW" altLang="en-US" sz="5400" b="1" dirty="0" smtClean="0">
-                <a:solidFill>
-                  <a:srgbClr val="000066"/>
-                </a:solidFill>
-                <a:latin typeface="微軟正黑體" pitchFamily="34" charset="-120"/>
-                <a:ea typeface="微軟正黑體" pitchFamily="34" charset="-120"/>
-              </a:rPr>
-              <a:t>超</a:t>
-            </a:r>
-            <a:r>
-              <a:rPr lang="zh-TW" altLang="en-US" sz="5400" b="1" dirty="0">
-                <a:solidFill>
-                  <a:srgbClr val="000066"/>
-                </a:solidFill>
-                <a:latin typeface="微軟正黑體" pitchFamily="34" charset="-120"/>
-                <a:ea typeface="微軟正黑體" pitchFamily="34" charset="-120"/>
-              </a:rPr>
-              <a:t>越</a:t>
-            </a:r>
-            <a:r>
-              <a:rPr lang="zh-TW" altLang="en-US" sz="5400" b="1" dirty="0">
-                <a:solidFill>
-                  <a:srgbClr val="000066"/>
-                </a:solidFill>
-                <a:latin typeface="微軟正黑體" pitchFamily="34" charset="-120"/>
-                <a:ea typeface="微軟正黑體" pitchFamily="34" charset="-120"/>
-              </a:rPr>
-              <a:t>所有的</a:t>
-            </a:r>
-            <a:r>
-              <a:rPr lang="zh-TW" altLang="en-US" sz="5400" b="1" dirty="0">
-                <a:solidFill>
-                  <a:srgbClr val="000066"/>
-                </a:solidFill>
-                <a:latin typeface="微軟正黑體" pitchFamily="34" charset="-120"/>
-                <a:ea typeface="微軟正黑體" pitchFamily="34" charset="-120"/>
-              </a:rPr>
-              <a:t>一切</a:t>
-            </a:r>
-            <a:endParaRPr lang="en-US" altLang="zh-TW" sz="5400" b="1" dirty="0">
+        </p:txBody>
+      </p:sp>
+      <p:sp>
+        <p:nvSpPr>
+          <p:cNvPr id="3" name="TextBox 2"/>
+          <p:cNvSpPr txBox="1"/>
+          <p:nvPr/>
+        </p:nvSpPr>
+        <p:spPr>
+          <a:xfrm>
+            <a:off x="0" y="5157192"/>
+            <a:ext cx="12192000" cy="748988"/>
+          </a:xfrm>
+          <a:prstGeom prst="rect">
+            <a:avLst/>
+          </a:prstGeom>
+          <a:noFill/>
+        </p:spPr>
+        <p:txBody>
+          <a:bodyPr wrap="square" rtlCol="0">
+            <a:spAutoFit/>
+          </a:bodyPr>
+          <a:lstStyle/>
+          <a:p>
+            <a:pPr algn="ctr"/>
+            <a:r>
+              <a:rPr lang="en-US" sz="4267" b="1" dirty="0">
+                <a:solidFill>
+                  <a:srgbClr val="000066"/>
+                </a:solidFill>
+                <a:latin typeface="Microsoft JhengHei" panose="020B0604030504040204" pitchFamily="34" charset="-120"/>
+                <a:ea typeface="Microsoft JhengHei" panose="020B0604030504040204" pitchFamily="34" charset="-120"/>
+              </a:rPr>
+              <a:t>( </a:t>
+            </a:r>
+            <a:r>
+              <a:rPr lang="zh-CN" altLang="en-US" sz="4267" b="1" dirty="0">
+                <a:solidFill>
+                  <a:srgbClr val="000066"/>
+                </a:solidFill>
+                <a:latin typeface="Microsoft JhengHei" panose="020B0604030504040204" pitchFamily="34" charset="-120"/>
+                <a:ea typeface="Microsoft JhengHei" panose="020B0604030504040204" pitchFamily="34" charset="-120"/>
+              </a:rPr>
+              <a:t>正</a:t>
+            </a:r>
+            <a:r>
+              <a:rPr lang="en-US" sz="4267" b="1" dirty="0">
+                <a:solidFill>
+                  <a:srgbClr val="000066"/>
+                </a:solidFill>
+                <a:latin typeface="Microsoft JhengHei" panose="020B0604030504040204" pitchFamily="34" charset="-120"/>
+                <a:ea typeface="Microsoft JhengHei" panose="020B0604030504040204" pitchFamily="34" charset="-120"/>
+              </a:rPr>
+              <a:t> )</a:t>
+            </a:r>
+            <a:endParaRPr lang="vi-VN" sz="4267" b="1" dirty="0">
               <a:solidFill>
                 <a:srgbClr val="000066"/>
               </a:solidFill>
-              <a:latin typeface="微軟正黑體" pitchFamily="34" charset="-120"/>
-              <a:ea typeface="微軟正黑體" pitchFamily="34" charset="-120"/>
+              <a:ea typeface="Microsoft JhengHei" panose="020B0604030504040204" pitchFamily="34" charset="-120"/>
             </a:endParaRPr>
           </a:p>
-          <a:p>
-            <a:pPr algn="ctr">
-              <a:buNone/>
-            </a:pPr>
-            <a:r>
-              <a:rPr lang="zh-TW" altLang="en-US" sz="5400" b="1" dirty="0">
-                <a:solidFill>
-                  <a:srgbClr val="000066"/>
-                </a:solidFill>
-                <a:latin typeface="微軟正黑體" pitchFamily="34" charset="-120"/>
-                <a:ea typeface="微軟正黑體" pitchFamily="34" charset="-120"/>
-              </a:rPr>
-              <a:t>我</a:t>
-            </a:r>
-            <a:r>
-              <a:rPr lang="zh-TW" altLang="en-US" sz="5400" b="1" dirty="0">
-                <a:solidFill>
-                  <a:srgbClr val="000066"/>
-                </a:solidFill>
-                <a:latin typeface="微軟正黑體" pitchFamily="34" charset="-120"/>
-                <a:ea typeface="微軟正黑體" pitchFamily="34" charset="-120"/>
-              </a:rPr>
-              <a:t>敬</a:t>
-            </a:r>
-            <a:r>
-              <a:rPr lang="zh-TW" altLang="en-US" sz="5400" b="1" dirty="0" smtClean="0">
-                <a:solidFill>
-                  <a:srgbClr val="000066"/>
-                </a:solidFill>
-                <a:latin typeface="微軟正黑體" pitchFamily="34" charset="-120"/>
-                <a:ea typeface="微軟正黑體" pitchFamily="34" charset="-120"/>
-              </a:rPr>
-              <a:t>拜</a:t>
-            </a:r>
-            <a:r>
-              <a:rPr lang="zh-CN" altLang="en-US" sz="5400" b="1" dirty="0" smtClean="0">
-                <a:solidFill>
-                  <a:srgbClr val="000066"/>
-                </a:solidFill>
-                <a:latin typeface="微軟正黑體" pitchFamily="34" charset="-120"/>
-                <a:ea typeface="微軟正黑體" pitchFamily="34" charset="-120"/>
-              </a:rPr>
-              <a:t>袮  </a:t>
-            </a:r>
-            <a:r>
-              <a:rPr lang="zh-TW" altLang="en-US" sz="5400" b="1" dirty="0" smtClean="0">
-                <a:solidFill>
-                  <a:srgbClr val="000066"/>
-                </a:solidFill>
-                <a:latin typeface="微軟正黑體" pitchFamily="34" charset="-120"/>
-                <a:ea typeface="微軟正黑體" pitchFamily="34" charset="-120"/>
-              </a:rPr>
-              <a:t>因</a:t>
-            </a:r>
-            <a:r>
-              <a:rPr lang="zh-CN" altLang="en-US" sz="5400" b="1" dirty="0">
-                <a:solidFill>
-                  <a:srgbClr val="000066"/>
-                </a:solidFill>
-                <a:latin typeface="微軟正黑體" pitchFamily="34" charset="-120"/>
-                <a:ea typeface="微軟正黑體" pitchFamily="34" charset="-120"/>
-              </a:rPr>
-              <a:t>袮</a:t>
-            </a:r>
-            <a:r>
-              <a:rPr lang="zh-TW" altLang="en-US" sz="5400" b="1" dirty="0" smtClean="0">
-                <a:solidFill>
-                  <a:srgbClr val="000066"/>
-                </a:solidFill>
-                <a:latin typeface="微軟正黑體" pitchFamily="34" charset="-120"/>
-                <a:ea typeface="微軟正黑體" pitchFamily="34" charset="-120"/>
-              </a:rPr>
-              <a:t>是</a:t>
-            </a:r>
-            <a:r>
-              <a:rPr lang="zh-TW" altLang="en-US" sz="5400" b="1" dirty="0">
-                <a:solidFill>
-                  <a:srgbClr val="000066"/>
-                </a:solidFill>
-                <a:latin typeface="微軟正黑體" pitchFamily="34" charset="-120"/>
-                <a:ea typeface="微軟正黑體" pitchFamily="34" charset="-120"/>
-              </a:rPr>
-              <a:t>我的</a:t>
-            </a:r>
-            <a:r>
-              <a:rPr lang="zh-TW" altLang="en-US" sz="5400" b="1" dirty="0">
-                <a:solidFill>
-                  <a:srgbClr val="000066"/>
-                </a:solidFill>
-                <a:latin typeface="微軟正黑體" pitchFamily="34" charset="-120"/>
-                <a:ea typeface="微軟正黑體" pitchFamily="34" charset="-120"/>
-              </a:rPr>
-              <a:t>唯一</a:t>
-            </a:r>
-            <a:endParaRPr lang="en-US" altLang="zh-TW" sz="5400" b="1" dirty="0">
-              <a:solidFill>
-                <a:srgbClr val="000066"/>
-              </a:solidFill>
-              <a:latin typeface="微軟正黑體" pitchFamily="34" charset="-120"/>
-              <a:ea typeface="微軟正黑體" pitchFamily="34" charset="-120"/>
-            </a:endParaRPr>
-          </a:p>
-          <a:p>
-            <a:pPr algn="ctr">
-              <a:buNone/>
-            </a:pPr>
-            <a:r>
-              <a:rPr lang="zh-TW" altLang="en-US" sz="5400" b="1" dirty="0">
-                <a:solidFill>
-                  <a:srgbClr val="000066"/>
-                </a:solidFill>
-                <a:latin typeface="微軟正黑體" pitchFamily="34" charset="-120"/>
-                <a:ea typeface="微軟正黑體" pitchFamily="34" charset="-120"/>
-              </a:rPr>
-              <a:t>用全心全意  獻上我所有</a:t>
-            </a:r>
-            <a:endParaRPr lang="en-US" altLang="zh-TW" sz="5400" b="1" dirty="0">
-              <a:solidFill>
-                <a:srgbClr val="000066"/>
-              </a:solidFill>
-              <a:latin typeface="微軟正黑體" pitchFamily="34" charset="-120"/>
-              <a:ea typeface="微軟正黑體" pitchFamily="34" charset="-120"/>
-            </a:endParaRPr>
-          </a:p>
-          <a:p>
-            <a:pPr algn="ctr">
-              <a:buNone/>
-            </a:pPr>
-            <a:r>
-              <a:rPr lang="zh-TW" altLang="en-US" sz="5400" b="1" dirty="0">
-                <a:solidFill>
-                  <a:srgbClr val="000066"/>
-                </a:solidFill>
-                <a:latin typeface="微軟正黑體" pitchFamily="34" charset="-120"/>
-                <a:ea typeface="微軟正黑體" pitchFamily="34" charset="-120"/>
-              </a:rPr>
-              <a:t>單單就是來 </a:t>
-            </a:r>
-            <a:r>
-              <a:rPr lang="zh-TW" altLang="en-US" sz="5400" b="1" dirty="0" smtClean="0">
-                <a:solidFill>
-                  <a:srgbClr val="000066"/>
-                </a:solidFill>
-                <a:latin typeface="微軟正黑體" pitchFamily="34" charset="-120"/>
-                <a:ea typeface="微軟正黑體" pitchFamily="34" charset="-120"/>
-              </a:rPr>
-              <a:t> 愛</a:t>
-            </a:r>
-            <a:r>
-              <a:rPr lang="zh-CN" altLang="en-US" sz="5400" b="1" dirty="0">
-                <a:solidFill>
-                  <a:srgbClr val="000066"/>
-                </a:solidFill>
-                <a:latin typeface="微軟正黑體" pitchFamily="34" charset="-120"/>
-                <a:ea typeface="微軟正黑體" pitchFamily="34" charset="-120"/>
-              </a:rPr>
-              <a:t>袮</a:t>
-            </a:r>
-            <a:endParaRPr lang="zh-TW" altLang="en-US" sz="5400" b="1" dirty="0">
-              <a:solidFill>
-                <a:srgbClr val="000066"/>
-              </a:solidFill>
-              <a:latin typeface="微軟正黑體" pitchFamily="34" charset="-120"/>
-              <a:ea typeface="微軟正黑體" pitchFamily="34" charset="-120"/>
-            </a:endParaRPr>
-          </a:p>
         </p:txBody>
       </p:sp>
     </p:spTree>
+    <p:extLst>
+      <p:ext uri="{BB962C8B-B14F-4D97-AF65-F5344CB8AC3E}">
+        <p14:creationId xmlns:p14="http://schemas.microsoft.com/office/powerpoint/2010/main" val="956450614"/>
+      </p:ext>
+    </p:extLst>
   </p:cSld>
   <p:clrMapOvr>
     <a:masterClrMapping/>
@@ -4078,42 +4866,60 @@
       </p:grpSpPr>
       <p:sp>
         <p:nvSpPr>
-          <p:cNvPr id="4" name="標題 3"/>
-          <p:cNvSpPr>
-            <a:spLocks noGrp="1"/>
-          </p:cNvSpPr>
-          <p:nvPr>
-            <p:ph type="title"/>
-          </p:nvPr>
-        </p:nvSpPr>
-        <p:spPr/>
-        <p:txBody>
-          <a:bodyPr>
+          <p:cNvPr id="5" name="內容版面配置區 4"/>
+          <p:cNvSpPr>
+            <a:spLocks noGrp="1"/>
+          </p:cNvSpPr>
+          <p:nvPr>
+            <p:ph idx="1"/>
+          </p:nvPr>
+        </p:nvSpPr>
+        <p:spPr>
+          <a:xfrm>
+            <a:off x="0" y="2084851"/>
+            <a:ext cx="12192000" cy="2404863"/>
+          </a:xfrm>
+        </p:spPr>
+        <p:txBody>
+          <a:bodyPr anchor="ctr">
             <a:normAutofit/>
           </a:bodyPr>
           <a:lstStyle/>
           <a:p>
-            <a:r>
-              <a:rPr lang="zh-TW" altLang="en-US" sz="4800" b="1" dirty="0">
-                <a:solidFill>
-                  <a:srgbClr val="000066"/>
-                </a:solidFill>
-                <a:latin typeface="微軟正黑體" pitchFamily="34" charset="-120"/>
-                <a:ea typeface="微軟正黑體" pitchFamily="34" charset="-120"/>
-              </a:rPr>
-              <a:t>單單敬</a:t>
-            </a:r>
-            <a:r>
-              <a:rPr lang="zh-TW" altLang="en-US" sz="4800" b="1" dirty="0" smtClean="0">
-                <a:solidFill>
-                  <a:srgbClr val="000066"/>
-                </a:solidFill>
-                <a:latin typeface="微軟正黑體" pitchFamily="34" charset="-120"/>
-                <a:ea typeface="微軟正黑體" pitchFamily="34" charset="-120"/>
-              </a:rPr>
-              <a:t>拜</a:t>
-            </a:r>
-            <a:endParaRPr lang="zh-TW" altLang="en-US" sz="4800" b="1" dirty="0">
+            <a:pPr algn="ctr">
+              <a:buNone/>
+            </a:pPr>
+            <a:r>
+              <a:rPr lang="zh-TW" altLang="en-US" sz="6400" b="1" dirty="0">
+                <a:solidFill>
+                  <a:srgbClr val="000066"/>
+                </a:solidFill>
+                <a:latin typeface="微軟正黑體" pitchFamily="34" charset="-120"/>
+                <a:ea typeface="微軟正黑體" pitchFamily="34" charset="-120"/>
+              </a:rPr>
+              <a:t>只願討</a:t>
+            </a:r>
+            <a:r>
+              <a:rPr lang="zh-CN" altLang="en-US" sz="6400" b="1" dirty="0">
+                <a:solidFill>
+                  <a:srgbClr val="000066"/>
+                </a:solidFill>
+                <a:latin typeface="微軟正黑體" pitchFamily="34" charset="-120"/>
+                <a:ea typeface="微軟正黑體" pitchFamily="34" charset="-120"/>
+              </a:rPr>
+              <a:t>袮</a:t>
+            </a:r>
+            <a:r>
+              <a:rPr lang="zh-TW" altLang="en-US" sz="6400" b="1" dirty="0">
+                <a:solidFill>
+                  <a:srgbClr val="000066"/>
+                </a:solidFill>
+                <a:latin typeface="微軟正黑體" pitchFamily="34" charset="-120"/>
+                <a:ea typeface="微軟正黑體" pitchFamily="34" charset="-120"/>
+              </a:rPr>
+              <a:t>喜悅</a:t>
+            </a:r>
+            <a:endParaRPr lang="en-US" altLang="zh-TW" sz="6400" b="1" dirty="0">
               <a:solidFill>
                 <a:srgbClr val="000066"/>
               </a:solidFill>
@@ -4121,84 +4927,41 @@
               <a:ea typeface="微軟正黑體" pitchFamily="34" charset="-120"/>
             </a:endParaRPr>
           </a:p>
-        </p:txBody>
-      </p:sp>
-      <p:sp>
-        <p:nvSpPr>
-          <p:cNvPr id="5" name="內容版面配置區 4"/>
-          <p:cNvSpPr>
-            <a:spLocks noGrp="1"/>
-          </p:cNvSpPr>
-          <p:nvPr>
-            <p:ph idx="1"/>
-          </p:nvPr>
-        </p:nvSpPr>
-        <p:spPr>
-          <a:xfrm>
-            <a:off x="1524000" y="1600200"/>
-            <a:ext cx="9144000" cy="5257800"/>
-          </a:xfrm>
-        </p:spPr>
-        <p:txBody>
-          <a:bodyPr>
-            <a:normAutofit/>
-          </a:bodyPr>
-          <a:lstStyle/>
           <a:p>
             <a:pPr algn="ctr">
               <a:buNone/>
             </a:pPr>
             <a:r>
-              <a:rPr lang="zh-TW" altLang="en-US" sz="5400" b="1" dirty="0">
-                <a:solidFill>
-                  <a:srgbClr val="000066"/>
-                </a:solidFill>
-                <a:latin typeface="微軟正黑體" pitchFamily="34" charset="-120"/>
-                <a:ea typeface="微軟正黑體" pitchFamily="34" charset="-120"/>
-              </a:rPr>
-              <a:t>我渴</a:t>
-            </a:r>
-            <a:r>
-              <a:rPr lang="zh-TW" altLang="en-US" sz="5400" b="1" dirty="0" smtClean="0">
-                <a:solidFill>
-                  <a:srgbClr val="000066"/>
-                </a:solidFill>
-                <a:latin typeface="微軟正黑體" pitchFamily="34" charset="-120"/>
-                <a:ea typeface="微軟正黑體" pitchFamily="34" charset="-120"/>
-              </a:rPr>
-              <a:t>慕</a:t>
-            </a:r>
-            <a:r>
-              <a:rPr lang="zh-CN" altLang="en-US" sz="5400" b="1" dirty="0" smtClean="0">
-                <a:solidFill>
-                  <a:srgbClr val="000066"/>
-                </a:solidFill>
-                <a:latin typeface="微軟正黑體" pitchFamily="34" charset="-120"/>
-                <a:ea typeface="微軟正黑體" pitchFamily="34" charset="-120"/>
-              </a:rPr>
-              <a:t>袮  </a:t>
-            </a:r>
-            <a:r>
-              <a:rPr lang="zh-TW" altLang="en-US" sz="5400" b="1" dirty="0" smtClean="0">
-                <a:solidFill>
-                  <a:srgbClr val="000066"/>
-                </a:solidFill>
-                <a:latin typeface="微軟正黑體" pitchFamily="34" charset="-120"/>
-                <a:ea typeface="微軟正黑體" pitchFamily="34" charset="-120"/>
-              </a:rPr>
-              <a:t>用</a:t>
-            </a:r>
-            <a:r>
-              <a:rPr lang="zh-TW" altLang="en-US" sz="5400" b="1" dirty="0">
-                <a:solidFill>
-                  <a:srgbClr val="000066"/>
-                </a:solidFill>
-                <a:latin typeface="微軟正黑體" pitchFamily="34" charset="-120"/>
-                <a:ea typeface="微軟正黑體" pitchFamily="34" charset="-120"/>
-              </a:rPr>
-              <a:t>全心全意全人</a:t>
-            </a:r>
-            <a:endParaRPr lang="en-US" altLang="zh-TW" sz="5400" b="1" dirty="0">
+              <a:rPr lang="zh-TW" altLang="en-US" sz="6400" b="1" dirty="0">
+                <a:solidFill>
+                  <a:srgbClr val="000066"/>
+                </a:solidFill>
+                <a:latin typeface="微軟正黑體" pitchFamily="34" charset="-120"/>
+                <a:ea typeface="微軟正黑體" pitchFamily="34" charset="-120"/>
+              </a:rPr>
+              <a:t>明白</a:t>
+            </a:r>
+            <a:r>
+              <a:rPr lang="zh-CN" altLang="en-US" sz="6400" b="1" dirty="0">
+                <a:solidFill>
+                  <a:srgbClr val="000066"/>
+                </a:solidFill>
+                <a:latin typeface="微軟正黑體" pitchFamily="34" charset="-120"/>
+                <a:ea typeface="微軟正黑體" pitchFamily="34" charset="-120"/>
+              </a:rPr>
+              <a:t>袮</a:t>
+            </a:r>
+            <a:r>
+              <a:rPr lang="zh-TW" altLang="en-US" sz="6400" b="1" dirty="0">
+                <a:solidFill>
+                  <a:srgbClr val="000066"/>
+                </a:solidFill>
+                <a:latin typeface="微軟正黑體" pitchFamily="34" charset="-120"/>
+                <a:ea typeface="微軟正黑體" pitchFamily="34" charset="-120"/>
+              </a:rPr>
+              <a:t>旨意  哦主</a:t>
+            </a:r>
+            <a:endParaRPr lang="en-US" altLang="zh-TW" sz="6400" b="1" dirty="0">
               <a:solidFill>
                 <a:srgbClr val="000066"/>
               </a:solidFill>
@@ -4206,217 +4969,76 @@
               <a:ea typeface="微軟正黑體" pitchFamily="34" charset="-120"/>
             </a:endParaRPr>
           </a:p>
-          <a:p>
-            <a:pPr algn="ctr">
-              <a:buNone/>
-            </a:pPr>
-            <a:r>
-              <a:rPr lang="zh-TW" altLang="en-US" sz="5400" b="1" dirty="0">
-                <a:solidFill>
-                  <a:srgbClr val="000066"/>
-                </a:solidFill>
-                <a:latin typeface="微軟正黑體" pitchFamily="34" charset="-120"/>
-                <a:ea typeface="微軟正黑體" pitchFamily="34" charset="-120"/>
-              </a:rPr>
-              <a:t>我渴</a:t>
-            </a:r>
-            <a:r>
-              <a:rPr lang="zh-TW" altLang="en-US" sz="5400" b="1" dirty="0" smtClean="0">
-                <a:solidFill>
-                  <a:srgbClr val="000066"/>
-                </a:solidFill>
-                <a:latin typeface="微軟正黑體" pitchFamily="34" charset="-120"/>
-                <a:ea typeface="微軟正黑體" pitchFamily="34" charset="-120"/>
-              </a:rPr>
-              <a:t>慕</a:t>
-            </a:r>
-            <a:r>
-              <a:rPr lang="zh-CN" altLang="en-US" sz="5400" b="1" dirty="0" smtClean="0">
-                <a:solidFill>
-                  <a:srgbClr val="000066"/>
-                </a:solidFill>
-                <a:latin typeface="微軟正黑體" pitchFamily="34" charset="-120"/>
-                <a:ea typeface="微軟正黑體" pitchFamily="34" charset="-120"/>
-              </a:rPr>
-              <a:t>袮  </a:t>
-            </a:r>
-            <a:r>
-              <a:rPr lang="zh-TW" altLang="en-US" sz="5400" b="1" dirty="0" smtClean="0">
-                <a:solidFill>
-                  <a:srgbClr val="000066"/>
-                </a:solidFill>
-                <a:latin typeface="微軟正黑體" pitchFamily="34" charset="-120"/>
-                <a:ea typeface="微軟正黑體" pitchFamily="34" charset="-120"/>
-              </a:rPr>
-              <a:t>超越</a:t>
-            </a:r>
-            <a:r>
-              <a:rPr lang="zh-TW" altLang="en-US" sz="5400" b="1" dirty="0">
-                <a:solidFill>
-                  <a:srgbClr val="000066"/>
-                </a:solidFill>
-                <a:latin typeface="微軟正黑體" pitchFamily="34" charset="-120"/>
-                <a:ea typeface="微軟正黑體" pitchFamily="34" charset="-120"/>
-              </a:rPr>
-              <a:t>所有的一切</a:t>
-            </a:r>
-            <a:endParaRPr lang="en-US" altLang="zh-TW" sz="5400" b="1" dirty="0">
+        </p:txBody>
+      </p:sp>
+      <p:sp>
+        <p:nvSpPr>
+          <p:cNvPr id="3" name="TextBox 2"/>
+          <p:cNvSpPr txBox="1"/>
+          <p:nvPr/>
+        </p:nvSpPr>
+        <p:spPr>
+          <a:xfrm>
+            <a:off x="0" y="5157192"/>
+            <a:ext cx="12192000" cy="748988"/>
+          </a:xfrm>
+          <a:prstGeom prst="rect">
+            <a:avLst/>
+          </a:prstGeom>
+          <a:noFill/>
+        </p:spPr>
+        <p:txBody>
+          <a:bodyPr wrap="square" rtlCol="0">
+            <a:spAutoFit/>
+          </a:bodyPr>
+          <a:lstStyle/>
+          <a:p>
+            <a:pPr algn="ctr"/>
+            <a:r>
+              <a:rPr lang="en-US" sz="4267" b="1" dirty="0">
+                <a:solidFill>
+                  <a:srgbClr val="000066"/>
+                </a:solidFill>
+                <a:latin typeface="Microsoft JhengHei" panose="020B0604030504040204" pitchFamily="34" charset="-120"/>
+                <a:ea typeface="Microsoft JhengHei" panose="020B0604030504040204" pitchFamily="34" charset="-120"/>
+              </a:rPr>
+              <a:t>( </a:t>
+            </a:r>
+            <a:r>
+              <a:rPr lang="zh-CN" altLang="en-US" sz="4267" b="1" dirty="0">
+                <a:solidFill>
+                  <a:srgbClr val="000066"/>
+                </a:solidFill>
+                <a:latin typeface="Microsoft JhengHei" panose="020B0604030504040204" pitchFamily="34" charset="-120"/>
+                <a:ea typeface="Microsoft JhengHei" panose="020B0604030504040204" pitchFamily="34" charset="-120"/>
+              </a:rPr>
+              <a:t>正</a:t>
+            </a:r>
+            <a:r>
+              <a:rPr lang="en-US" sz="4267" b="1" dirty="0">
+                <a:solidFill>
+                  <a:srgbClr val="000066"/>
+                </a:solidFill>
+                <a:latin typeface="Microsoft JhengHei" panose="020B0604030504040204" pitchFamily="34" charset="-120"/>
+                <a:ea typeface="Microsoft JhengHei" panose="020B0604030504040204" pitchFamily="34" charset="-120"/>
+              </a:rPr>
+              <a:t> )</a:t>
+            </a:r>
+            <a:endParaRPr lang="vi-VN" sz="4267" b="1" dirty="0">
               <a:solidFill>
                 <a:srgbClr val="000066"/>
               </a:solidFill>
-              <a:latin typeface="微軟正黑體" pitchFamily="34" charset="-120"/>
-              <a:ea typeface="微軟正黑體" pitchFamily="34" charset="-120"/>
+              <a:ea typeface="Microsoft JhengHei" panose="020B0604030504040204" pitchFamily="34" charset="-120"/>
             </a:endParaRPr>
           </a:p>
-          <a:p>
-            <a:pPr algn="ctr">
-              <a:buNone/>
-            </a:pPr>
-            <a:r>
-              <a:rPr lang="zh-TW" altLang="en-US" sz="5400" b="1" dirty="0">
-                <a:solidFill>
-                  <a:srgbClr val="000066"/>
-                </a:solidFill>
-                <a:latin typeface="微軟正黑體" pitchFamily="34" charset="-120"/>
-                <a:ea typeface="微軟正黑體" pitchFamily="34" charset="-120"/>
-              </a:rPr>
-              <a:t>我渴</a:t>
-            </a:r>
-            <a:r>
-              <a:rPr lang="zh-TW" altLang="en-US" sz="5400" b="1" dirty="0" smtClean="0">
-                <a:solidFill>
-                  <a:srgbClr val="000066"/>
-                </a:solidFill>
-                <a:latin typeface="微軟正黑體" pitchFamily="34" charset="-120"/>
-                <a:ea typeface="微軟正黑體" pitchFamily="34" charset="-120"/>
-              </a:rPr>
-              <a:t>慕</a:t>
-            </a:r>
-            <a:r>
-              <a:rPr lang="zh-CN" altLang="en-US" sz="5400" b="1" dirty="0" smtClean="0">
-                <a:solidFill>
-                  <a:srgbClr val="000066"/>
-                </a:solidFill>
-                <a:latin typeface="微軟正黑體" pitchFamily="34" charset="-120"/>
-                <a:ea typeface="微軟正黑體" pitchFamily="34" charset="-120"/>
-              </a:rPr>
-              <a:t>袮  </a:t>
-            </a:r>
-            <a:r>
-              <a:rPr lang="zh-TW" altLang="en-US" sz="5400" b="1" dirty="0" smtClean="0">
-                <a:solidFill>
-                  <a:srgbClr val="000066"/>
-                </a:solidFill>
-                <a:latin typeface="微軟正黑體" pitchFamily="34" charset="-120"/>
-                <a:ea typeface="微軟正黑體" pitchFamily="34" charset="-120"/>
-              </a:rPr>
-              <a:t>因</a:t>
-            </a:r>
-            <a:r>
-              <a:rPr lang="zh-CN" altLang="en-US" sz="5400" b="1" dirty="0">
-                <a:solidFill>
-                  <a:srgbClr val="000066"/>
-                </a:solidFill>
-                <a:latin typeface="微軟正黑體" pitchFamily="34" charset="-120"/>
-                <a:ea typeface="微軟正黑體" pitchFamily="34" charset="-120"/>
-              </a:rPr>
-              <a:t>袮</a:t>
-            </a:r>
-            <a:r>
-              <a:rPr lang="zh-TW" altLang="en-US" sz="5400" b="1" dirty="0" smtClean="0">
-                <a:solidFill>
-                  <a:srgbClr val="000066"/>
-                </a:solidFill>
-                <a:latin typeface="微軟正黑體" pitchFamily="34" charset="-120"/>
-                <a:ea typeface="微軟正黑體" pitchFamily="34" charset="-120"/>
-              </a:rPr>
-              <a:t>是</a:t>
-            </a:r>
-            <a:r>
-              <a:rPr lang="zh-TW" altLang="en-US" sz="5400" b="1" dirty="0">
-                <a:solidFill>
-                  <a:srgbClr val="000066"/>
-                </a:solidFill>
-                <a:latin typeface="微軟正黑體" pitchFamily="34" charset="-120"/>
-                <a:ea typeface="微軟正黑體" pitchFamily="34" charset="-120"/>
-              </a:rPr>
-              <a:t>我的唯一</a:t>
-            </a:r>
-            <a:endParaRPr lang="en-US" altLang="zh-TW" sz="5400" b="1" dirty="0">
-              <a:solidFill>
-                <a:srgbClr val="000066"/>
-              </a:solidFill>
-              <a:latin typeface="微軟正黑體" pitchFamily="34" charset="-120"/>
-              <a:ea typeface="微軟正黑體" pitchFamily="34" charset="-120"/>
-            </a:endParaRPr>
-          </a:p>
-          <a:p>
-            <a:pPr algn="ctr">
-              <a:buNone/>
-            </a:pPr>
-            <a:r>
-              <a:rPr lang="zh-TW" altLang="en-US" sz="5400" b="1" dirty="0">
-                <a:solidFill>
-                  <a:srgbClr val="000066"/>
-                </a:solidFill>
-                <a:latin typeface="微軟正黑體" pitchFamily="34" charset="-120"/>
-                <a:ea typeface="微軟正黑體" pitchFamily="34" charset="-120"/>
-              </a:rPr>
-              <a:t>用全心全意獻上我所有</a:t>
-            </a:r>
-            <a:endParaRPr lang="en-US" altLang="zh-TW" sz="5400" b="1" dirty="0">
-              <a:solidFill>
-                <a:srgbClr val="000066"/>
-              </a:solidFill>
-              <a:latin typeface="微軟正黑體" pitchFamily="34" charset="-120"/>
-              <a:ea typeface="微軟正黑體" pitchFamily="34" charset="-120"/>
-            </a:endParaRPr>
-          </a:p>
-          <a:p>
-            <a:pPr algn="ctr">
-              <a:buNone/>
-            </a:pPr>
-            <a:r>
-              <a:rPr lang="zh-TW" altLang="en-US" sz="5400" b="1" dirty="0">
-                <a:solidFill>
-                  <a:srgbClr val="000066"/>
-                </a:solidFill>
-                <a:latin typeface="微軟正黑體" pitchFamily="34" charset="-120"/>
-                <a:ea typeface="微軟正黑體" pitchFamily="34" charset="-120"/>
-              </a:rPr>
-              <a:t>單單就是來 </a:t>
-            </a:r>
-            <a:r>
-              <a:rPr lang="zh-TW" altLang="en-US" sz="5400" b="1" dirty="0" smtClean="0">
-                <a:solidFill>
-                  <a:srgbClr val="000066"/>
-                </a:solidFill>
-                <a:latin typeface="微軟正黑體" pitchFamily="34" charset="-120"/>
-                <a:ea typeface="微軟正黑體" pitchFamily="34" charset="-120"/>
-              </a:rPr>
-              <a:t> 愛</a:t>
-            </a:r>
-            <a:r>
-              <a:rPr lang="zh-CN" altLang="en-US" sz="5400" b="1" dirty="0">
-                <a:solidFill>
-                  <a:srgbClr val="000066"/>
-                </a:solidFill>
-                <a:latin typeface="微軟正黑體" pitchFamily="34" charset="-120"/>
-                <a:ea typeface="微軟正黑體" pitchFamily="34" charset="-120"/>
-              </a:rPr>
-              <a:t>袮</a:t>
-            </a:r>
-            <a:endParaRPr lang="zh-TW" altLang="en-US" sz="5400" b="1" dirty="0">
-              <a:solidFill>
-                <a:srgbClr val="000066"/>
-              </a:solidFill>
-              <a:latin typeface="微軟正黑體" pitchFamily="34" charset="-120"/>
-              <a:ea typeface="微軟正黑體" pitchFamily="34" charset="-120"/>
-            </a:endParaRPr>
-          </a:p>
         </p:txBody>
       </p:sp>
     </p:spTree>
+    <p:extLst>
+      <p:ext uri="{BB962C8B-B14F-4D97-AF65-F5344CB8AC3E}">
+        <p14:creationId xmlns:p14="http://schemas.microsoft.com/office/powerpoint/2010/main" val="3786004144"/>
+      </p:ext>
+    </p:extLst>
   </p:cSld>
   <p:clrMapOvr>
     <a:masterClrMapping/>
@@ -4443,42 +5065,50 @@
       </p:grpSpPr>
       <p:sp>
         <p:nvSpPr>
-          <p:cNvPr id="4" name="標題 3"/>
-          <p:cNvSpPr>
-            <a:spLocks noGrp="1"/>
-          </p:cNvSpPr>
-          <p:nvPr>
-            <p:ph type="title"/>
-          </p:nvPr>
-        </p:nvSpPr>
-        <p:spPr/>
-        <p:txBody>
-          <a:bodyPr>
+          <p:cNvPr id="5" name="內容版面配置區 4"/>
+          <p:cNvSpPr>
+            <a:spLocks noGrp="1"/>
+          </p:cNvSpPr>
+          <p:nvPr>
+            <p:ph idx="1"/>
+          </p:nvPr>
+        </p:nvSpPr>
+        <p:spPr>
+          <a:xfrm>
+            <a:off x="0" y="2084851"/>
+            <a:ext cx="12192000" cy="2404863"/>
+          </a:xfrm>
+        </p:spPr>
+        <p:txBody>
+          <a:bodyPr anchor="ctr">
             <a:normAutofit/>
           </a:bodyPr>
           <a:lstStyle/>
           <a:p>
-            <a:r>
-              <a:rPr lang="zh-TW" altLang="en-US" sz="4800" b="1" dirty="0">
-                <a:solidFill>
-                  <a:srgbClr val="000066"/>
-                </a:solidFill>
-                <a:latin typeface="微軟正黑體" pitchFamily="34" charset="-120"/>
-                <a:ea typeface="微軟正黑體" pitchFamily="34" charset="-120"/>
-              </a:rPr>
-              <a:t>單單敬</a:t>
-            </a:r>
-            <a:r>
-              <a:rPr lang="zh-TW" altLang="en-US" sz="4800" b="1" dirty="0" smtClean="0">
-                <a:solidFill>
-                  <a:srgbClr val="000066"/>
-                </a:solidFill>
-                <a:latin typeface="微軟正黑體" pitchFamily="34" charset="-120"/>
-                <a:ea typeface="微軟正黑體" pitchFamily="34" charset="-120"/>
-              </a:rPr>
-              <a:t>拜</a:t>
-            </a:r>
-            <a:endParaRPr lang="zh-TW" altLang="en-US" sz="4800" b="1" dirty="0">
+            <a:pPr algn="ctr">
+              <a:buNone/>
+            </a:pPr>
+            <a:r>
+              <a:rPr lang="zh-TW" altLang="en-US" sz="6400" b="1" dirty="0">
+                <a:solidFill>
+                  <a:srgbClr val="000066"/>
+                </a:solidFill>
+                <a:latin typeface="微軟正黑體" pitchFamily="34" charset="-120"/>
+                <a:ea typeface="微軟正黑體" pitchFamily="34" charset="-120"/>
+              </a:rPr>
+              <a:t>獻上我的心給</a:t>
+            </a:r>
+            <a:r>
+              <a:rPr lang="zh-CN" altLang="en-US" sz="6400" b="1" dirty="0">
+                <a:solidFill>
+                  <a:srgbClr val="000066"/>
+                </a:solidFill>
+                <a:latin typeface="微軟正黑體" pitchFamily="34" charset="-120"/>
+                <a:ea typeface="微軟正黑體" pitchFamily="34" charset="-120"/>
+              </a:rPr>
+              <a:t>袮</a:t>
+            </a:r>
+            <a:endParaRPr lang="en-US" altLang="zh-TW" sz="6400" b="1" dirty="0">
               <a:solidFill>
                 <a:srgbClr val="000066"/>
               </a:solidFill>
@@ -4486,64 +5116,31 @@
               <a:ea typeface="微軟正黑體" pitchFamily="34" charset="-120"/>
             </a:endParaRPr>
           </a:p>
-        </p:txBody>
-      </p:sp>
-      <p:sp>
-        <p:nvSpPr>
-          <p:cNvPr id="5" name="內容版面配置區 4"/>
-          <p:cNvSpPr>
-            <a:spLocks noGrp="1"/>
-          </p:cNvSpPr>
-          <p:nvPr>
-            <p:ph idx="1"/>
-          </p:nvPr>
-        </p:nvSpPr>
-        <p:spPr>
-          <a:xfrm>
-            <a:off x="1524000" y="1600200"/>
-            <a:ext cx="9144000" cy="5257800"/>
-          </a:xfrm>
-        </p:spPr>
-        <p:txBody>
-          <a:bodyPr>
-            <a:normAutofit/>
-          </a:bodyPr>
-          <a:lstStyle/>
           <a:p>
             <a:pPr algn="ctr">
               <a:buNone/>
             </a:pPr>
             <a:r>
-              <a:rPr lang="zh-TW" altLang="en-US" sz="5400" b="1" dirty="0">
-                <a:solidFill>
-                  <a:srgbClr val="000066"/>
-                </a:solidFill>
-                <a:latin typeface="微軟正黑體" pitchFamily="34" charset="-120"/>
-                <a:ea typeface="微軟正黑體" pitchFamily="34" charset="-120"/>
-              </a:rPr>
-              <a:t>哈利路亞  哈</a:t>
-            </a:r>
-            <a:r>
-              <a:rPr lang="zh-TW" altLang="en-US" sz="5400" b="1" dirty="0" smtClean="0">
-                <a:solidFill>
-                  <a:srgbClr val="000066"/>
-                </a:solidFill>
-                <a:latin typeface="微軟正黑體" pitchFamily="34" charset="-120"/>
-                <a:ea typeface="微軟正黑體" pitchFamily="34" charset="-120"/>
-              </a:rPr>
-              <a:t>利  哈</a:t>
-            </a:r>
-            <a:r>
-              <a:rPr lang="zh-TW" altLang="en-US" sz="5400" b="1" dirty="0">
-                <a:solidFill>
-                  <a:srgbClr val="000066"/>
-                </a:solidFill>
-                <a:latin typeface="微軟正黑體" pitchFamily="34" charset="-120"/>
-                <a:ea typeface="微軟正黑體" pitchFamily="34" charset="-120"/>
-              </a:rPr>
-              <a:t>利路亞</a:t>
-            </a:r>
-            <a:endParaRPr lang="en-US" altLang="zh-TW" sz="5400" b="1" dirty="0">
+              <a:rPr lang="zh-TW" altLang="en-US" sz="6400" b="1" dirty="0">
+                <a:solidFill>
+                  <a:srgbClr val="000066"/>
+                </a:solidFill>
+                <a:latin typeface="微軟正黑體" pitchFamily="34" charset="-120"/>
+                <a:ea typeface="微軟正黑體" pitchFamily="34" charset="-120"/>
+              </a:rPr>
+              <a:t>獻上我所有為</a:t>
+            </a:r>
+            <a:r>
+              <a:rPr lang="zh-CN" altLang="en-US" sz="6400" b="1" dirty="0">
+                <a:solidFill>
+                  <a:srgbClr val="000066"/>
+                </a:solidFill>
+                <a:latin typeface="微軟正黑體" pitchFamily="34" charset="-120"/>
+                <a:ea typeface="微軟正黑體" pitchFamily="34" charset="-120"/>
+              </a:rPr>
+              <a:t>袮</a:t>
+            </a:r>
+            <a:endParaRPr lang="en-US" altLang="zh-TW" sz="6400" b="1" dirty="0">
               <a:solidFill>
                 <a:srgbClr val="000066"/>
               </a:solidFill>
@@ -4551,157 +5148,76 @@
               <a:ea typeface="微軟正黑體" pitchFamily="34" charset="-120"/>
             </a:endParaRPr>
           </a:p>
-          <a:p>
-            <a:pPr algn="ctr">
-              <a:buNone/>
-            </a:pPr>
-            <a:r>
-              <a:rPr lang="zh-TW" altLang="en-US" sz="5400" b="1" dirty="0">
-                <a:solidFill>
-                  <a:srgbClr val="000066"/>
-                </a:solidFill>
-                <a:latin typeface="微軟正黑體" pitchFamily="34" charset="-120"/>
-                <a:ea typeface="微軟正黑體" pitchFamily="34" charset="-120"/>
-              </a:rPr>
-              <a:t>哈利路亞  哈</a:t>
-            </a:r>
-            <a:r>
-              <a:rPr lang="zh-TW" altLang="en-US" sz="5400" b="1" dirty="0" smtClean="0">
-                <a:solidFill>
-                  <a:srgbClr val="000066"/>
-                </a:solidFill>
-                <a:latin typeface="微軟正黑體" pitchFamily="34" charset="-120"/>
-                <a:ea typeface="微軟正黑體" pitchFamily="34" charset="-120"/>
-              </a:rPr>
-              <a:t>利  哈</a:t>
-            </a:r>
-            <a:r>
-              <a:rPr lang="zh-TW" altLang="en-US" sz="5400" b="1" dirty="0">
-                <a:solidFill>
-                  <a:srgbClr val="000066"/>
-                </a:solidFill>
-                <a:latin typeface="微軟正黑體" pitchFamily="34" charset="-120"/>
-                <a:ea typeface="微軟正黑體" pitchFamily="34" charset="-120"/>
-              </a:rPr>
-              <a:t>利路亞</a:t>
-            </a:r>
-            <a:endParaRPr lang="en-US" altLang="zh-TW" sz="5400" b="1" dirty="0">
+        </p:txBody>
+      </p:sp>
+      <p:sp>
+        <p:nvSpPr>
+          <p:cNvPr id="3" name="TextBox 2"/>
+          <p:cNvSpPr txBox="1"/>
+          <p:nvPr/>
+        </p:nvSpPr>
+        <p:spPr>
+          <a:xfrm>
+            <a:off x="0" y="5157192"/>
+            <a:ext cx="12192000" cy="748988"/>
+          </a:xfrm>
+          <a:prstGeom prst="rect">
+            <a:avLst/>
+          </a:prstGeom>
+          <a:noFill/>
+        </p:spPr>
+        <p:txBody>
+          <a:bodyPr wrap="square" rtlCol="0">
+            <a:spAutoFit/>
+          </a:bodyPr>
+          <a:lstStyle/>
+          <a:p>
+            <a:pPr algn="ctr"/>
+            <a:r>
+              <a:rPr lang="en-US" sz="4267" b="1" dirty="0">
+                <a:solidFill>
+                  <a:srgbClr val="000066"/>
+                </a:solidFill>
+                <a:latin typeface="Microsoft JhengHei" panose="020B0604030504040204" pitchFamily="34" charset="-120"/>
+                <a:ea typeface="Microsoft JhengHei" panose="020B0604030504040204" pitchFamily="34" charset="-120"/>
+              </a:rPr>
+              <a:t>( </a:t>
+            </a:r>
+            <a:r>
+              <a:rPr lang="zh-CN" altLang="en-US" sz="4267" b="1" dirty="0">
+                <a:solidFill>
+                  <a:srgbClr val="000066"/>
+                </a:solidFill>
+                <a:latin typeface="Microsoft JhengHei" panose="020B0604030504040204" pitchFamily="34" charset="-120"/>
+                <a:ea typeface="Microsoft JhengHei" panose="020B0604030504040204" pitchFamily="34" charset="-120"/>
+              </a:rPr>
+              <a:t>正</a:t>
+            </a:r>
+            <a:r>
+              <a:rPr lang="en-US" sz="4267" b="1" dirty="0">
+                <a:solidFill>
+                  <a:srgbClr val="000066"/>
+                </a:solidFill>
+                <a:latin typeface="Microsoft JhengHei" panose="020B0604030504040204" pitchFamily="34" charset="-120"/>
+                <a:ea typeface="Microsoft JhengHei" panose="020B0604030504040204" pitchFamily="34" charset="-120"/>
+              </a:rPr>
+              <a:t> )</a:t>
+            </a:r>
+            <a:endParaRPr lang="vi-VN" sz="4267" b="1" dirty="0">
               <a:solidFill>
                 <a:srgbClr val="000066"/>
               </a:solidFill>
-              <a:latin typeface="微軟正黑體" pitchFamily="34" charset="-120"/>
-              <a:ea typeface="微軟正黑體" pitchFamily="34" charset="-120"/>
+              <a:ea typeface="Microsoft JhengHei" panose="020B0604030504040204" pitchFamily="34" charset="-120"/>
             </a:endParaRPr>
           </a:p>
-          <a:p>
-            <a:pPr algn="ctr">
-              <a:buNone/>
-            </a:pPr>
-            <a:r>
-              <a:rPr lang="zh-TW" altLang="en-US" sz="5400" b="1" dirty="0">
-                <a:solidFill>
-                  <a:srgbClr val="000066"/>
-                </a:solidFill>
-                <a:latin typeface="微軟正黑體" pitchFamily="34" charset="-120"/>
-                <a:ea typeface="微軟正黑體" pitchFamily="34" charset="-120"/>
-              </a:rPr>
-              <a:t>哈利路亞  哈</a:t>
-            </a:r>
-            <a:r>
-              <a:rPr lang="zh-TW" altLang="en-US" sz="5400" b="1" dirty="0" smtClean="0">
-                <a:solidFill>
-                  <a:srgbClr val="000066"/>
-                </a:solidFill>
-                <a:latin typeface="微軟正黑體" pitchFamily="34" charset="-120"/>
-                <a:ea typeface="微軟正黑體" pitchFamily="34" charset="-120"/>
-              </a:rPr>
-              <a:t>利  哈</a:t>
-            </a:r>
-            <a:r>
-              <a:rPr lang="zh-TW" altLang="en-US" sz="5400" b="1" dirty="0">
-                <a:solidFill>
-                  <a:srgbClr val="000066"/>
-                </a:solidFill>
-                <a:latin typeface="微軟正黑體" pitchFamily="34" charset="-120"/>
-                <a:ea typeface="微軟正黑體" pitchFamily="34" charset="-120"/>
-              </a:rPr>
-              <a:t>利路亞</a:t>
-            </a:r>
-            <a:endParaRPr lang="en-US" altLang="zh-TW" sz="5400" b="1" dirty="0">
-              <a:solidFill>
-                <a:srgbClr val="000066"/>
-              </a:solidFill>
-              <a:latin typeface="微軟正黑體" pitchFamily="34" charset="-120"/>
-              <a:ea typeface="微軟正黑體" pitchFamily="34" charset="-120"/>
-            </a:endParaRPr>
-          </a:p>
-          <a:p>
-            <a:pPr algn="ctr">
-              <a:buNone/>
-            </a:pPr>
-            <a:r>
-              <a:rPr lang="zh-TW" altLang="en-US" sz="5400" b="1" dirty="0">
-                <a:solidFill>
-                  <a:srgbClr val="000066"/>
-                </a:solidFill>
-                <a:latin typeface="微軟正黑體" pitchFamily="34" charset="-120"/>
-                <a:ea typeface="微軟正黑體" pitchFamily="34" charset="-120"/>
-              </a:rPr>
-              <a:t>用全心全意  獻上我所有</a:t>
-            </a:r>
-            <a:endParaRPr lang="en-US" altLang="zh-TW" sz="5400" b="1" dirty="0">
-              <a:solidFill>
-                <a:srgbClr val="000066"/>
-              </a:solidFill>
-              <a:latin typeface="微軟正黑體" pitchFamily="34" charset="-120"/>
-              <a:ea typeface="微軟正黑體" pitchFamily="34" charset="-120"/>
-            </a:endParaRPr>
-          </a:p>
-          <a:p>
-            <a:pPr algn="ctr">
-              <a:buNone/>
-            </a:pPr>
-            <a:r>
-              <a:rPr lang="zh-TW" altLang="en-US" sz="5400" b="1" dirty="0">
-                <a:solidFill>
-                  <a:srgbClr val="000066"/>
-                </a:solidFill>
-                <a:latin typeface="微軟正黑體" pitchFamily="34" charset="-120"/>
-                <a:ea typeface="微軟正黑體" pitchFamily="34" charset="-120"/>
-              </a:rPr>
-              <a:t>單單就是</a:t>
-            </a:r>
-            <a:r>
-              <a:rPr lang="zh-TW" altLang="en-US" sz="5400" b="1" dirty="0" smtClean="0">
-                <a:solidFill>
-                  <a:srgbClr val="000066"/>
-                </a:solidFill>
-                <a:latin typeface="微軟正黑體" pitchFamily="34" charset="-120"/>
-                <a:ea typeface="微軟正黑體" pitchFamily="34" charset="-120"/>
-              </a:rPr>
-              <a:t>來  愛</a:t>
-            </a:r>
-            <a:r>
-              <a:rPr lang="zh-CN" altLang="en-US" sz="5400" b="1" dirty="0">
-                <a:solidFill>
-                  <a:srgbClr val="000066"/>
-                </a:solidFill>
-                <a:latin typeface="微軟正黑體" pitchFamily="34" charset="-120"/>
-                <a:ea typeface="微軟正黑體" pitchFamily="34" charset="-120"/>
-              </a:rPr>
-              <a:t>袮</a:t>
-            </a:r>
-            <a:endParaRPr lang="zh-TW" altLang="en-US" sz="5400" b="1" dirty="0">
-              <a:solidFill>
-                <a:srgbClr val="000066"/>
-              </a:solidFill>
-              <a:latin typeface="微軟正黑體" pitchFamily="34" charset="-120"/>
-              <a:ea typeface="微軟正黑體" pitchFamily="34" charset="-120"/>
-            </a:endParaRPr>
-          </a:p>
         </p:txBody>
       </p:sp>
     </p:spTree>
+    <p:extLst>
+      <p:ext uri="{BB962C8B-B14F-4D97-AF65-F5344CB8AC3E}">
+        <p14:creationId xmlns:p14="http://schemas.microsoft.com/office/powerpoint/2010/main" val="526463522"/>
+      </p:ext>
+    </p:extLst>
   </p:cSld>
   <p:clrMapOvr>
     <a:masterClrMapping/>
@@ -4728,42 +5244,100 @@
       </p:grpSpPr>
       <p:sp>
         <p:nvSpPr>
-          <p:cNvPr id="4" name="標題 3"/>
-          <p:cNvSpPr>
-            <a:spLocks noGrp="1"/>
-          </p:cNvSpPr>
-          <p:nvPr>
-            <p:ph type="title"/>
-          </p:nvPr>
-        </p:nvSpPr>
-        <p:spPr/>
-        <p:txBody>
-          <a:bodyPr>
+          <p:cNvPr id="5" name="內容版面配置區 4"/>
+          <p:cNvSpPr>
+            <a:spLocks noGrp="1"/>
+          </p:cNvSpPr>
+          <p:nvPr>
+            <p:ph idx="1"/>
+          </p:nvPr>
+        </p:nvSpPr>
+        <p:spPr>
+          <a:xfrm>
+            <a:off x="0" y="2084851"/>
+            <a:ext cx="12192000" cy="2404863"/>
+          </a:xfrm>
+        </p:spPr>
+        <p:txBody>
+          <a:bodyPr anchor="ctr">
             <a:normAutofit/>
           </a:bodyPr>
           <a:lstStyle/>
           <a:p>
-            <a:r>
-              <a:rPr lang="zh-TW" altLang="en-US" sz="4800" b="1" dirty="0">
-                <a:solidFill>
-                  <a:srgbClr val="000066"/>
-                </a:solidFill>
-                <a:latin typeface="微軟正黑體" pitchFamily="34" charset="-120"/>
-                <a:ea typeface="微軟正黑體" pitchFamily="34" charset="-120"/>
-              </a:rPr>
-              <a:t>單單敬</a:t>
-            </a:r>
-            <a:r>
-              <a:rPr lang="zh-TW" altLang="en-US" sz="4800" b="1" dirty="0" smtClean="0">
-                <a:solidFill>
-                  <a:srgbClr val="000066"/>
-                </a:solidFill>
-                <a:latin typeface="微軟正黑體" pitchFamily="34" charset="-120"/>
-                <a:ea typeface="微軟正黑體" pitchFamily="34" charset="-120"/>
-              </a:rPr>
-              <a:t>拜</a:t>
-            </a:r>
-            <a:endParaRPr lang="zh-TW" altLang="en-US" sz="4800" b="1" dirty="0">
+            <a:pPr algn="ctr">
+              <a:buNone/>
+            </a:pPr>
+            <a:r>
+              <a:rPr lang="zh-TW" altLang="en-US" sz="6400" b="1" dirty="0">
+                <a:solidFill>
+                  <a:srgbClr val="000066"/>
+                </a:solidFill>
+                <a:latin typeface="微軟正黑體" pitchFamily="34" charset="-120"/>
+                <a:ea typeface="微軟正黑體" pitchFamily="34" charset="-120"/>
+              </a:rPr>
+              <a:t>只願討</a:t>
+            </a:r>
+            <a:r>
+              <a:rPr lang="zh-CN" altLang="en-US" sz="6400" b="1" dirty="0">
+                <a:solidFill>
+                  <a:srgbClr val="000066"/>
+                </a:solidFill>
+                <a:latin typeface="微軟正黑體" pitchFamily="34" charset="-120"/>
+                <a:ea typeface="微軟正黑體" pitchFamily="34" charset="-120"/>
+              </a:rPr>
+              <a:t>袮</a:t>
+            </a:r>
+            <a:r>
+              <a:rPr lang="zh-TW" altLang="en-US" sz="6400" b="1" dirty="0">
+                <a:solidFill>
+                  <a:srgbClr val="000066"/>
+                </a:solidFill>
+                <a:latin typeface="微軟正黑體" pitchFamily="34" charset="-120"/>
+                <a:ea typeface="微軟正黑體" pitchFamily="34" charset="-120"/>
+              </a:rPr>
+              <a:t>喜悅</a:t>
+            </a:r>
+            <a:r>
+              <a:rPr lang="en-US" altLang="zh-TW" sz="6400" b="1" dirty="0">
+                <a:solidFill>
+                  <a:srgbClr val="000066"/>
+                </a:solidFill>
+                <a:latin typeface="微軟正黑體" pitchFamily="34" charset="-120"/>
+                <a:ea typeface="微軟正黑體" pitchFamily="34" charset="-120"/>
+              </a:rPr>
+              <a:t>  </a:t>
+            </a:r>
+            <a:r>
+              <a:rPr lang="zh-TW" altLang="en-US" sz="6400" b="1" dirty="0">
+                <a:solidFill>
+                  <a:srgbClr val="000066"/>
+                </a:solidFill>
+                <a:latin typeface="微軟正黑體" pitchFamily="34" charset="-120"/>
+                <a:ea typeface="微軟正黑體" pitchFamily="34" charset="-120"/>
+              </a:rPr>
+              <a:t>明白</a:t>
+            </a:r>
+            <a:r>
+              <a:rPr lang="zh-CN" altLang="en-US" sz="6400" b="1" dirty="0">
+                <a:solidFill>
+                  <a:srgbClr val="000066"/>
+                </a:solidFill>
+                <a:latin typeface="微軟正黑體" pitchFamily="34" charset="-120"/>
+                <a:ea typeface="微軟正黑體" pitchFamily="34" charset="-120"/>
+              </a:rPr>
+              <a:t>袮</a:t>
+            </a:r>
+            <a:r>
+              <a:rPr lang="zh-TW" altLang="en-US" sz="6400" b="1" dirty="0">
+                <a:solidFill>
+                  <a:srgbClr val="000066"/>
+                </a:solidFill>
+                <a:latin typeface="微軟正黑體" pitchFamily="34" charset="-120"/>
+                <a:ea typeface="微軟正黑體" pitchFamily="34" charset="-120"/>
+              </a:rPr>
+              <a:t>旨意</a:t>
+            </a:r>
+            <a:endParaRPr lang="zh-TW" altLang="en-US" sz="6400" b="1" dirty="0">
               <a:solidFill>
                 <a:srgbClr val="000066"/>
               </a:solidFill>
@@ -4775,22 +5349,114 @@
       </p:sp>
       <p:sp>
         <p:nvSpPr>
-          <p:cNvPr id="5" name="內容版面配置區 4"/>
-          <p:cNvSpPr>
-            <a:spLocks noGrp="1"/>
-          </p:cNvSpPr>
-          <p:nvPr>
-            <p:ph idx="1"/>
-          </p:nvPr>
+          <p:cNvPr id="3" name="TextBox 2"/>
+          <p:cNvSpPr txBox="1"/>
+          <p:nvPr/>
         </p:nvSpPr>
         <p:spPr>
           <a:xfrm>
-            <a:off x="1524000" y="1600200"/>
-            <a:ext cx="9144000" cy="5257800"/>
+            <a:off x="0" y="5157192"/>
+            <a:ext cx="12192000" cy="748988"/>
+          </a:xfrm>
+          <a:prstGeom prst="rect">
+            <a:avLst/>
+          </a:prstGeom>
+          <a:noFill/>
+        </p:spPr>
+        <p:txBody>
+          <a:bodyPr wrap="square" rtlCol="0">
+            <a:spAutoFit/>
+          </a:bodyPr>
+          <a:lstStyle/>
+          <a:p>
+            <a:pPr algn="ctr"/>
+            <a:r>
+              <a:rPr lang="en-US" sz="4267" b="1" dirty="0">
+                <a:solidFill>
+                  <a:srgbClr val="000066"/>
+                </a:solidFill>
+                <a:latin typeface="Microsoft JhengHei" panose="020B0604030504040204" pitchFamily="34" charset="-120"/>
+                <a:ea typeface="Microsoft JhengHei" panose="020B0604030504040204" pitchFamily="34" charset="-120"/>
+              </a:rPr>
+              <a:t>( </a:t>
+            </a:r>
+            <a:r>
+              <a:rPr lang="zh-CN" altLang="en-US" sz="4267" b="1" dirty="0">
+                <a:solidFill>
+                  <a:srgbClr val="000066"/>
+                </a:solidFill>
+                <a:latin typeface="Microsoft JhengHei" panose="020B0604030504040204" pitchFamily="34" charset="-120"/>
+                <a:ea typeface="Microsoft JhengHei" panose="020B0604030504040204" pitchFamily="34" charset="-120"/>
+              </a:rPr>
+              <a:t>正</a:t>
+            </a:r>
+            <a:r>
+              <a:rPr lang="en-US" sz="4267" b="1" dirty="0">
+                <a:solidFill>
+                  <a:srgbClr val="000066"/>
+                </a:solidFill>
+                <a:latin typeface="Microsoft JhengHei" panose="020B0604030504040204" pitchFamily="34" charset="-120"/>
+                <a:ea typeface="Microsoft JhengHei" panose="020B0604030504040204" pitchFamily="34" charset="-120"/>
+              </a:rPr>
+              <a:t> )</a:t>
+            </a:r>
+            <a:endParaRPr lang="vi-VN" sz="4267" b="1" dirty="0">
+              <a:solidFill>
+                <a:srgbClr val="000066"/>
+              </a:solidFill>
+              <a:ea typeface="Microsoft JhengHei" panose="020B0604030504040204" pitchFamily="34" charset="-120"/>
+            </a:endParaRPr>
+          </a:p>
+        </p:txBody>
+      </p:sp>
+    </p:spTree>
+    <p:extLst>
+      <p:ext uri="{BB962C8B-B14F-4D97-AF65-F5344CB8AC3E}">
+        <p14:creationId xmlns:p14="http://schemas.microsoft.com/office/powerpoint/2010/main" val="653396359"/>
+      </p:ext>
+    </p:extLst>
+  </p:cSld>
+  <p:clrMapOvr>
+    <a:masterClrMapping/>
+  </p:clrMapOvr>
+</p:sld>
+</file>
+
+<file path=ppt/slides/slide6.xml><?xml version="1.0" encoding="utf-8"?>
+<p:sld xmlns:a="http://schemas.openxmlformats.org/drawingml/2006/main" xmlns:r="http://schemas.openxmlformats.org/officeDocument/2006/relationships" xmlns:p="http://schemas.openxmlformats.org/presentationml/2006/main">
+  <p:cSld>
+    <p:spTree>
+      <p:nvGrpSpPr>
+        <p:cNvPr id="1" name=""/>
+        <p:cNvGrpSpPr/>
+        <p:nvPr/>
+      </p:nvGrpSpPr>
+      <p:grpSpPr>
+        <a:xfrm>
+          <a:off x="0" y="0"/>
+          <a:ext cx="0" cy="0"/>
+          <a:chOff x="0" y="0"/>
+          <a:chExt cx="0" cy="0"/>
+        </a:xfrm>
+      </p:grpSpPr>
+      <p:sp>
+        <p:nvSpPr>
+          <p:cNvPr id="5" name="內容版面配置區 4"/>
+          <p:cNvSpPr>
+            <a:spLocks noGrp="1"/>
+          </p:cNvSpPr>
+          <p:nvPr>
+            <p:ph idx="1"/>
+          </p:nvPr>
+        </p:nvSpPr>
+        <p:spPr>
+          <a:xfrm>
+            <a:off x="0" y="2084851"/>
+            <a:ext cx="12192000" cy="2404863"/>
           </a:xfrm>
         </p:spPr>
         <p:txBody>
-          <a:bodyPr>
+          <a:bodyPr anchor="ctr">
             <a:normAutofit/>
           </a:bodyPr>
           <a:lstStyle/>
@@ -4799,27 +5465,17 @@
               <a:buNone/>
             </a:pPr>
             <a:r>
-              <a:rPr lang="zh-TW" altLang="en-US" sz="5400" b="1" dirty="0">
-                <a:solidFill>
-                  <a:srgbClr val="000066"/>
-                </a:solidFill>
-                <a:latin typeface="微軟正黑體" pitchFamily="34" charset="-120"/>
-                <a:ea typeface="微軟正黑體" pitchFamily="34" charset="-120"/>
-              </a:rPr>
-              <a:t>主我</a:t>
-            </a:r>
-            <a:r>
-              <a:rPr lang="zh-TW" altLang="en-US" sz="5400" b="1" dirty="0" smtClean="0">
-                <a:solidFill>
-                  <a:srgbClr val="000066"/>
-                </a:solidFill>
-                <a:latin typeface="微軟正黑體" pitchFamily="34" charset="-120"/>
-                <a:ea typeface="微軟正黑體" pitchFamily="34" charset="-120"/>
-              </a:rPr>
-              <a:t>愛</a:t>
-            </a:r>
-            <a:r>
-              <a:rPr lang="zh-CN" altLang="en-US" sz="5400" b="1" dirty="0" smtClean="0">
+              <a:rPr lang="zh-TW" altLang="en-US" sz="6400" b="1" dirty="0">
+                <a:solidFill>
+                  <a:srgbClr val="000066"/>
+                </a:solidFill>
+                <a:latin typeface="微軟正黑體" pitchFamily="34" charset="-120"/>
+                <a:ea typeface="微軟正黑體" pitchFamily="34" charset="-120"/>
+              </a:rPr>
+              <a:t>我敬拜</a:t>
+            </a:r>
+            <a:r>
+              <a:rPr lang="zh-CN" altLang="en-US" sz="6400" b="1" dirty="0">
                 <a:solidFill>
                   <a:srgbClr val="000066"/>
                 </a:solidFill>
@@ -4829,26 +5485,16 @@
               <a:t>袮  </a:t>
             </a:r>
             <a:r>
-              <a:rPr lang="zh-TW" altLang="en-US" sz="5400" b="1" dirty="0" smtClean="0">
-                <a:solidFill>
-                  <a:srgbClr val="000066"/>
-                </a:solidFill>
-                <a:latin typeface="微軟正黑體" pitchFamily="34" charset="-120"/>
-                <a:ea typeface="微軟正黑體" pitchFamily="34" charset="-120"/>
-              </a:rPr>
-              <a:t>用</a:t>
-            </a:r>
-            <a:r>
-              <a:rPr lang="zh-TW" altLang="en-US" sz="5400" b="1" dirty="0">
-                <a:solidFill>
-                  <a:srgbClr val="000066"/>
-                </a:solidFill>
-                <a:latin typeface="微軟正黑體" pitchFamily="34" charset="-120"/>
-                <a:ea typeface="微軟正黑體" pitchFamily="34" charset="-120"/>
-              </a:rPr>
-              <a:t>全心全意全人</a:t>
-            </a:r>
-            <a:endParaRPr lang="en-US" altLang="zh-TW" sz="5400" b="1" dirty="0">
+              <a:rPr lang="zh-TW" altLang="en-US" sz="6400" b="1" dirty="0">
+                <a:solidFill>
+                  <a:srgbClr val="000066"/>
+                </a:solidFill>
+                <a:latin typeface="微軟正黑體" pitchFamily="34" charset="-120"/>
+                <a:ea typeface="微軟正黑體" pitchFamily="34" charset="-120"/>
+              </a:rPr>
+              <a:t>用全心全意全人</a:t>
+            </a:r>
+            <a:endParaRPr lang="en-US" altLang="zh-TW" sz="6400" b="1" dirty="0">
               <a:solidFill>
                 <a:srgbClr val="000066"/>
               </a:solidFill>
@@ -4861,27 +5507,17 @@
               <a:buNone/>
             </a:pPr>
             <a:r>
-              <a:rPr lang="zh-TW" altLang="en-US" sz="5400" b="1" dirty="0">
-                <a:solidFill>
-                  <a:srgbClr val="000066"/>
-                </a:solidFill>
-                <a:latin typeface="微軟正黑體" pitchFamily="34" charset="-120"/>
-                <a:ea typeface="微軟正黑體" pitchFamily="34" charset="-120"/>
-              </a:rPr>
-              <a:t>主我</a:t>
-            </a:r>
-            <a:r>
-              <a:rPr lang="zh-TW" altLang="en-US" sz="5400" b="1" dirty="0" smtClean="0">
-                <a:solidFill>
-                  <a:srgbClr val="000066"/>
-                </a:solidFill>
-                <a:latin typeface="微軟正黑體" pitchFamily="34" charset="-120"/>
-                <a:ea typeface="微軟正黑體" pitchFamily="34" charset="-120"/>
-              </a:rPr>
-              <a:t>愛</a:t>
-            </a:r>
-            <a:r>
-              <a:rPr lang="zh-CN" altLang="en-US" sz="5400" b="1" dirty="0" smtClean="0">
+              <a:rPr lang="zh-TW" altLang="en-US" sz="6400" b="1" dirty="0">
+                <a:solidFill>
+                  <a:srgbClr val="000066"/>
+                </a:solidFill>
+                <a:latin typeface="微軟正黑體" pitchFamily="34" charset="-120"/>
+                <a:ea typeface="微軟正黑體" pitchFamily="34" charset="-120"/>
+              </a:rPr>
+              <a:t>我敬拜</a:t>
+            </a:r>
+            <a:r>
+              <a:rPr lang="zh-CN" altLang="en-US" sz="6400" b="1" dirty="0">
                 <a:solidFill>
                   <a:srgbClr val="000066"/>
                 </a:solidFill>
@@ -4891,26 +5527,16 @@
               <a:t>袮  </a:t>
             </a:r>
             <a:r>
-              <a:rPr lang="zh-TW" altLang="en-US" sz="5400" b="1" dirty="0" smtClean="0">
-                <a:solidFill>
-                  <a:srgbClr val="000066"/>
-                </a:solidFill>
-                <a:latin typeface="微軟正黑體" pitchFamily="34" charset="-120"/>
-                <a:ea typeface="微軟正黑體" pitchFamily="34" charset="-120"/>
-              </a:rPr>
-              <a:t>超</a:t>
-            </a:r>
-            <a:r>
-              <a:rPr lang="zh-TW" altLang="en-US" sz="5400" b="1" dirty="0">
-                <a:solidFill>
-                  <a:srgbClr val="000066"/>
-                </a:solidFill>
-                <a:latin typeface="微軟正黑體" pitchFamily="34" charset="-120"/>
-                <a:ea typeface="微軟正黑體" pitchFamily="34" charset="-120"/>
-              </a:rPr>
-              <a:t>越所有的一切</a:t>
-            </a:r>
-            <a:endParaRPr lang="en-US" altLang="zh-TW" sz="5400" b="1" dirty="0">
+              <a:rPr lang="zh-TW" altLang="en-US" sz="6400" b="1" dirty="0">
+                <a:solidFill>
+                  <a:srgbClr val="000066"/>
+                </a:solidFill>
+                <a:latin typeface="微軟正黑體" pitchFamily="34" charset="-120"/>
+                <a:ea typeface="微軟正黑體" pitchFamily="34" charset="-120"/>
+              </a:rPr>
+              <a:t>超越所有的一切</a:t>
+            </a:r>
+            <a:endParaRPr lang="en-US" altLang="zh-TW" sz="6400" b="1" dirty="0">
               <a:solidFill>
                 <a:srgbClr val="000066"/>
               </a:solidFill>
@@ -4918,32 +5544,147 @@
               <a:ea typeface="微軟正黑體" pitchFamily="34" charset="-120"/>
             </a:endParaRPr>
           </a:p>
+        </p:txBody>
+      </p:sp>
+      <p:sp>
+        <p:nvSpPr>
+          <p:cNvPr id="3" name="TextBox 2"/>
+          <p:cNvSpPr txBox="1"/>
+          <p:nvPr/>
+        </p:nvSpPr>
+        <p:spPr>
+          <a:xfrm>
+            <a:off x="0" y="5157192"/>
+            <a:ext cx="12192000" cy="748988"/>
+          </a:xfrm>
+          <a:prstGeom prst="rect">
+            <a:avLst/>
+          </a:prstGeom>
+          <a:noFill/>
+        </p:spPr>
+        <p:txBody>
+          <a:bodyPr wrap="square" rtlCol="0">
+            <a:spAutoFit/>
+          </a:bodyPr>
+          <a:lstStyle/>
+          <a:p>
+            <a:pPr algn="ctr"/>
+            <a:r>
+              <a:rPr lang="en-US" sz="4267" b="1" dirty="0">
+                <a:solidFill>
+                  <a:srgbClr val="000066"/>
+                </a:solidFill>
+                <a:latin typeface="Microsoft JhengHei" panose="020B0604030504040204" pitchFamily="34" charset="-120"/>
+                <a:ea typeface="Microsoft JhengHei" panose="020B0604030504040204" pitchFamily="34" charset="-120"/>
+              </a:rPr>
+              <a:t>( </a:t>
+            </a:r>
+            <a:r>
+              <a:rPr lang="zh-CN" altLang="en-US" sz="4267" b="1" dirty="0">
+                <a:solidFill>
+                  <a:srgbClr val="000066"/>
+                </a:solidFill>
+                <a:latin typeface="Microsoft JhengHei" panose="020B0604030504040204" pitchFamily="34" charset="-120"/>
+                <a:ea typeface="Microsoft JhengHei" panose="020B0604030504040204" pitchFamily="34" charset="-120"/>
+              </a:rPr>
+              <a:t>副</a:t>
+            </a:r>
+            <a:r>
+              <a:rPr lang="en-US" altLang="zh-CN" sz="4267" b="1" dirty="0">
+                <a:solidFill>
+                  <a:srgbClr val="000066"/>
+                </a:solidFill>
+                <a:latin typeface="Microsoft JhengHei" panose="020B0604030504040204" pitchFamily="34" charset="-120"/>
+                <a:ea typeface="Microsoft JhengHei" panose="020B0604030504040204" pitchFamily="34" charset="-120"/>
+              </a:rPr>
+              <a:t> 1</a:t>
+            </a:r>
+            <a:r>
+              <a:rPr lang="en-US" sz="4267" b="1" dirty="0">
+                <a:solidFill>
+                  <a:srgbClr val="000066"/>
+                </a:solidFill>
+                <a:latin typeface="Microsoft JhengHei" panose="020B0604030504040204" pitchFamily="34" charset="-120"/>
+                <a:ea typeface="Microsoft JhengHei" panose="020B0604030504040204" pitchFamily="34" charset="-120"/>
+              </a:rPr>
+              <a:t> )</a:t>
+            </a:r>
+            <a:endParaRPr lang="vi-VN" sz="4267" b="1" dirty="0">
+              <a:solidFill>
+                <a:srgbClr val="000066"/>
+              </a:solidFill>
+              <a:ea typeface="Microsoft JhengHei" panose="020B0604030504040204" pitchFamily="34" charset="-120"/>
+            </a:endParaRPr>
+          </a:p>
+        </p:txBody>
+      </p:sp>
+    </p:spTree>
+    <p:extLst>
+      <p:ext uri="{BB962C8B-B14F-4D97-AF65-F5344CB8AC3E}">
+        <p14:creationId xmlns:p14="http://schemas.microsoft.com/office/powerpoint/2010/main" val="1418770393"/>
+      </p:ext>
+    </p:extLst>
+  </p:cSld>
+  <p:clrMapOvr>
+    <a:masterClrMapping/>
+  </p:clrMapOvr>
+</p:sld>
+</file>
+
+<file path=ppt/slides/slide7.xml><?xml version="1.0" encoding="utf-8"?>
+<p:sld xmlns:a="http://schemas.openxmlformats.org/drawingml/2006/main" xmlns:r="http://schemas.openxmlformats.org/officeDocument/2006/relationships" xmlns:p="http://schemas.openxmlformats.org/presentationml/2006/main">
+  <p:cSld>
+    <p:spTree>
+      <p:nvGrpSpPr>
+        <p:cNvPr id="1" name=""/>
+        <p:cNvGrpSpPr/>
+        <p:nvPr/>
+      </p:nvGrpSpPr>
+      <p:grpSpPr>
+        <a:xfrm>
+          <a:off x="0" y="0"/>
+          <a:ext cx="0" cy="0"/>
+          <a:chOff x="0" y="0"/>
+          <a:chExt cx="0" cy="0"/>
+        </a:xfrm>
+      </p:grpSpPr>
+      <p:sp>
+        <p:nvSpPr>
+          <p:cNvPr id="5" name="內容版面配置區 4"/>
+          <p:cNvSpPr>
+            <a:spLocks noGrp="1"/>
+          </p:cNvSpPr>
+          <p:nvPr>
+            <p:ph idx="1"/>
+          </p:nvPr>
+        </p:nvSpPr>
+        <p:spPr>
+          <a:xfrm>
+            <a:off x="0" y="2084851"/>
+            <a:ext cx="12192000" cy="2404863"/>
+          </a:xfrm>
+        </p:spPr>
+        <p:txBody>
+          <a:bodyPr anchor="ctr">
+            <a:normAutofit/>
+          </a:bodyPr>
+          <a:lstStyle/>
           <a:p>
             <a:pPr algn="ctr">
               <a:buNone/>
             </a:pPr>
             <a:r>
-              <a:rPr lang="zh-TW" altLang="en-US" sz="5400" b="1" dirty="0">
-                <a:solidFill>
-                  <a:srgbClr val="000066"/>
-                </a:solidFill>
-                <a:latin typeface="微軟正黑體" pitchFamily="34" charset="-120"/>
-                <a:ea typeface="微軟正黑體" pitchFamily="34" charset="-120"/>
-              </a:rPr>
-              <a:t>主我</a:t>
-            </a:r>
-            <a:r>
-              <a:rPr lang="zh-TW" altLang="en-US" sz="5400" b="1" dirty="0" smtClean="0">
-                <a:solidFill>
-                  <a:srgbClr val="000066"/>
-                </a:solidFill>
-                <a:latin typeface="微軟正黑體" pitchFamily="34" charset="-120"/>
-                <a:ea typeface="微軟正黑體" pitchFamily="34" charset="-120"/>
-              </a:rPr>
-              <a:t>愛</a:t>
-            </a:r>
-            <a:r>
-              <a:rPr lang="zh-CN" altLang="en-US" sz="5400" b="1" dirty="0" smtClean="0">
+              <a:rPr lang="zh-TW" altLang="en-US" sz="6400" b="1" dirty="0">
+                <a:solidFill>
+                  <a:srgbClr val="000066"/>
+                </a:solidFill>
+                <a:latin typeface="微軟正黑體" pitchFamily="34" charset="-120"/>
+                <a:ea typeface="微軟正黑體" pitchFamily="34" charset="-120"/>
+              </a:rPr>
+              <a:t>我敬拜</a:t>
+            </a:r>
+            <a:r>
+              <a:rPr lang="zh-CN" altLang="en-US" sz="6400" b="1" dirty="0">
                 <a:solidFill>
                   <a:srgbClr val="000066"/>
                 </a:solidFill>
@@ -4953,7 +5694,7 @@
               <a:t>袮  </a:t>
             </a:r>
             <a:r>
-              <a:rPr lang="zh-TW" altLang="en-US" sz="5400" b="1" dirty="0" smtClean="0">
+              <a:rPr lang="zh-TW" altLang="en-US" sz="6400" b="1" dirty="0">
                 <a:solidFill>
                   <a:srgbClr val="000066"/>
                 </a:solidFill>
@@ -4963,7 +5704,7 @@
               <a:t>因</a:t>
             </a:r>
             <a:r>
-              <a:rPr lang="zh-CN" altLang="en-US" sz="5400" b="1" dirty="0">
+              <a:rPr lang="zh-CN" altLang="en-US" sz="6400" b="1" dirty="0">
                 <a:solidFill>
                   <a:srgbClr val="000066"/>
                 </a:solidFill>
@@ -4973,26 +5714,16 @@
               <a:t>袮</a:t>
             </a:r>
             <a:r>
-              <a:rPr lang="zh-TW" altLang="en-US" sz="5400" b="1" dirty="0" smtClean="0">
-                <a:solidFill>
-                  <a:srgbClr val="000066"/>
-                </a:solidFill>
-                <a:latin typeface="微軟正黑體" pitchFamily="34" charset="-120"/>
-                <a:ea typeface="微軟正黑體" pitchFamily="34" charset="-120"/>
-              </a:rPr>
-              <a:t>是</a:t>
-            </a:r>
-            <a:r>
-              <a:rPr lang="zh-TW" altLang="en-US" sz="5400" b="1" dirty="0">
-                <a:solidFill>
-                  <a:srgbClr val="000066"/>
-                </a:solidFill>
-                <a:latin typeface="微軟正黑體" pitchFamily="34" charset="-120"/>
-                <a:ea typeface="微軟正黑體" pitchFamily="34" charset="-120"/>
-              </a:rPr>
-              <a:t>我的唯一</a:t>
-            </a:r>
-            <a:endParaRPr lang="en-US" altLang="zh-TW" sz="5400" b="1" dirty="0">
+              <a:rPr lang="zh-TW" altLang="en-US" sz="6400" b="1" dirty="0">
+                <a:solidFill>
+                  <a:srgbClr val="000066"/>
+                </a:solidFill>
+                <a:latin typeface="微軟正黑體" pitchFamily="34" charset="-120"/>
+                <a:ea typeface="微軟正黑體" pitchFamily="34" charset="-120"/>
+              </a:rPr>
+              <a:t>是我的唯一</a:t>
+            </a:r>
+            <a:endParaRPr lang="en-US" altLang="zh-TW" sz="6400" b="1" dirty="0">
               <a:solidFill>
                 <a:srgbClr val="000066"/>
               </a:solidFill>
@@ -5005,7 +5736,7 @@
               <a:buNone/>
             </a:pPr>
             <a:r>
-              <a:rPr lang="zh-TW" altLang="en-US" sz="5400" b="1" dirty="0">
+              <a:rPr lang="zh-TW" altLang="en-US" sz="6400" b="1" dirty="0">
                 <a:solidFill>
                   <a:srgbClr val="000066"/>
                 </a:solidFill>
@@ -5014,7 +5745,7 @@
               </a:rPr>
               <a:t>用全心全意  獻上我所有</a:t>
             </a:r>
-            <a:endParaRPr lang="en-US" altLang="zh-TW" sz="5400" b="1" dirty="0">
+            <a:endParaRPr lang="en-US" altLang="zh-TW" sz="6400" b="1" dirty="0">
               <a:solidFill>
                 <a:srgbClr val="000066"/>
               </a:solidFill>
@@ -5022,32 +5753,147 @@
               <a:ea typeface="微軟正黑體" pitchFamily="34" charset="-120"/>
             </a:endParaRPr>
           </a:p>
+        </p:txBody>
+      </p:sp>
+      <p:sp>
+        <p:nvSpPr>
+          <p:cNvPr id="3" name="TextBox 2"/>
+          <p:cNvSpPr txBox="1"/>
+          <p:nvPr/>
+        </p:nvSpPr>
+        <p:spPr>
+          <a:xfrm>
+            <a:off x="0" y="5157192"/>
+            <a:ext cx="12192000" cy="748988"/>
+          </a:xfrm>
+          <a:prstGeom prst="rect">
+            <a:avLst/>
+          </a:prstGeom>
+          <a:noFill/>
+        </p:spPr>
+        <p:txBody>
+          <a:bodyPr wrap="square" rtlCol="0">
+            <a:spAutoFit/>
+          </a:bodyPr>
+          <a:lstStyle/>
+          <a:p>
+            <a:pPr algn="ctr"/>
+            <a:r>
+              <a:rPr lang="en-US" sz="4267" b="1" dirty="0">
+                <a:solidFill>
+                  <a:srgbClr val="000066"/>
+                </a:solidFill>
+                <a:latin typeface="Microsoft JhengHei" panose="020B0604030504040204" pitchFamily="34" charset="-120"/>
+                <a:ea typeface="Microsoft JhengHei" panose="020B0604030504040204" pitchFamily="34" charset="-120"/>
+              </a:rPr>
+              <a:t>( </a:t>
+            </a:r>
+            <a:r>
+              <a:rPr lang="zh-CN" altLang="en-US" sz="4267" b="1" dirty="0">
+                <a:solidFill>
+                  <a:srgbClr val="000066"/>
+                </a:solidFill>
+                <a:latin typeface="Microsoft JhengHei" panose="020B0604030504040204" pitchFamily="34" charset="-120"/>
+                <a:ea typeface="Microsoft JhengHei" panose="020B0604030504040204" pitchFamily="34" charset="-120"/>
+              </a:rPr>
+              <a:t>副</a:t>
+            </a:r>
+            <a:r>
+              <a:rPr lang="en-US" altLang="zh-CN" sz="4267" b="1" dirty="0">
+                <a:solidFill>
+                  <a:srgbClr val="000066"/>
+                </a:solidFill>
+                <a:latin typeface="Microsoft JhengHei" panose="020B0604030504040204" pitchFamily="34" charset="-120"/>
+                <a:ea typeface="Microsoft JhengHei" panose="020B0604030504040204" pitchFamily="34" charset="-120"/>
+              </a:rPr>
+              <a:t> 1</a:t>
+            </a:r>
+            <a:r>
+              <a:rPr lang="en-US" sz="4267" b="1" dirty="0">
+                <a:solidFill>
+                  <a:srgbClr val="000066"/>
+                </a:solidFill>
+                <a:latin typeface="Microsoft JhengHei" panose="020B0604030504040204" pitchFamily="34" charset="-120"/>
+                <a:ea typeface="Microsoft JhengHei" panose="020B0604030504040204" pitchFamily="34" charset="-120"/>
+              </a:rPr>
+              <a:t> )</a:t>
+            </a:r>
+            <a:endParaRPr lang="vi-VN" sz="4267" b="1" dirty="0">
+              <a:solidFill>
+                <a:srgbClr val="000066"/>
+              </a:solidFill>
+              <a:ea typeface="Microsoft JhengHei" panose="020B0604030504040204" pitchFamily="34" charset="-120"/>
+            </a:endParaRPr>
+          </a:p>
+        </p:txBody>
+      </p:sp>
+    </p:spTree>
+    <p:extLst>
+      <p:ext uri="{BB962C8B-B14F-4D97-AF65-F5344CB8AC3E}">
+        <p14:creationId xmlns:p14="http://schemas.microsoft.com/office/powerpoint/2010/main" val="3188458028"/>
+      </p:ext>
+    </p:extLst>
+  </p:cSld>
+  <p:clrMapOvr>
+    <a:masterClrMapping/>
+  </p:clrMapOvr>
+</p:sld>
+</file>
+
+<file path=ppt/slides/slide8.xml><?xml version="1.0" encoding="utf-8"?>
+<p:sld xmlns:a="http://schemas.openxmlformats.org/drawingml/2006/main" xmlns:r="http://schemas.openxmlformats.org/officeDocument/2006/relationships" xmlns:p="http://schemas.openxmlformats.org/presentationml/2006/main">
+  <p:cSld>
+    <p:spTree>
+      <p:nvGrpSpPr>
+        <p:cNvPr id="1" name=""/>
+        <p:cNvGrpSpPr/>
+        <p:nvPr/>
+      </p:nvGrpSpPr>
+      <p:grpSpPr>
+        <a:xfrm>
+          <a:off x="0" y="0"/>
+          <a:ext cx="0" cy="0"/>
+          <a:chOff x="0" y="0"/>
+          <a:chExt cx="0" cy="0"/>
+        </a:xfrm>
+      </p:grpSpPr>
+      <p:sp>
+        <p:nvSpPr>
+          <p:cNvPr id="5" name="內容版面配置區 4"/>
+          <p:cNvSpPr>
+            <a:spLocks noGrp="1"/>
+          </p:cNvSpPr>
+          <p:nvPr>
+            <p:ph idx="1"/>
+          </p:nvPr>
+        </p:nvSpPr>
+        <p:spPr>
+          <a:xfrm>
+            <a:off x="0" y="2084851"/>
+            <a:ext cx="12192000" cy="2404863"/>
+          </a:xfrm>
+        </p:spPr>
+        <p:txBody>
+          <a:bodyPr anchor="ctr">
+            <a:normAutofit/>
+          </a:bodyPr>
+          <a:lstStyle/>
           <a:p>
             <a:pPr algn="ctr">
               <a:buNone/>
             </a:pPr>
             <a:r>
-              <a:rPr lang="zh-TW" altLang="en-US" sz="5400" b="1" dirty="0">
-                <a:solidFill>
-                  <a:srgbClr val="000066"/>
-                </a:solidFill>
-                <a:latin typeface="微軟正黑體" pitchFamily="34" charset="-120"/>
-                <a:ea typeface="微軟正黑體" pitchFamily="34" charset="-120"/>
-              </a:rPr>
-              <a:t>單單就是來 </a:t>
-            </a:r>
-            <a:r>
-              <a:rPr lang="zh-TW" altLang="en-US" sz="5400" b="1" dirty="0" smtClean="0">
-                <a:solidFill>
-                  <a:srgbClr val="000066"/>
-                </a:solidFill>
-                <a:latin typeface="微軟正黑體" pitchFamily="34" charset="-120"/>
-                <a:ea typeface="微軟正黑體" pitchFamily="34" charset="-120"/>
-              </a:rPr>
-              <a:t> 愛</a:t>
-            </a:r>
-            <a:r>
-              <a:rPr lang="zh-CN" altLang="en-US" sz="5400" b="1" dirty="0">
+              <a:rPr lang="zh-TW" altLang="en-US" sz="6400" b="1" dirty="0">
+                <a:solidFill>
+                  <a:srgbClr val="000066"/>
+                </a:solidFill>
+                <a:latin typeface="微軟正黑體" pitchFamily="34" charset="-120"/>
+                <a:ea typeface="微軟正黑體" pitchFamily="34" charset="-120"/>
+              </a:rPr>
+              <a:t>單單就是來  愛</a:t>
+            </a:r>
+            <a:r>
+              <a:rPr lang="zh-CN" altLang="en-US" sz="6400" b="1" dirty="0">
                 <a:solidFill>
                   <a:srgbClr val="000066"/>
                 </a:solidFill>
@@ -5056,7 +5902,7 @@
               </a:rPr>
               <a:t>袮</a:t>
             </a:r>
-            <a:endParaRPr lang="zh-TW" altLang="en-US" sz="5400" b="1" dirty="0">
+            <a:endParaRPr lang="zh-TW" altLang="en-US" sz="6400" b="1" dirty="0">
               <a:solidFill>
                 <a:srgbClr val="000066"/>
               </a:solidFill>
@@ -5066,7 +5912,293 @@
           </a:p>
         </p:txBody>
       </p:sp>
+      <p:sp>
+        <p:nvSpPr>
+          <p:cNvPr id="3" name="TextBox 2"/>
+          <p:cNvSpPr txBox="1"/>
+          <p:nvPr/>
+        </p:nvSpPr>
+        <p:spPr>
+          <a:xfrm>
+            <a:off x="0" y="5157192"/>
+            <a:ext cx="12192000" cy="748988"/>
+          </a:xfrm>
+          <a:prstGeom prst="rect">
+            <a:avLst/>
+          </a:prstGeom>
+          <a:noFill/>
+        </p:spPr>
+        <p:txBody>
+          <a:bodyPr wrap="square" rtlCol="0">
+            <a:spAutoFit/>
+          </a:bodyPr>
+          <a:lstStyle/>
+          <a:p>
+            <a:pPr algn="ctr"/>
+            <a:r>
+              <a:rPr lang="en-US" sz="4267" b="1" dirty="0">
+                <a:solidFill>
+                  <a:srgbClr val="000066"/>
+                </a:solidFill>
+                <a:latin typeface="Microsoft JhengHei" panose="020B0604030504040204" pitchFamily="34" charset="-120"/>
+                <a:ea typeface="Microsoft JhengHei" panose="020B0604030504040204" pitchFamily="34" charset="-120"/>
+              </a:rPr>
+              <a:t>( </a:t>
+            </a:r>
+            <a:r>
+              <a:rPr lang="zh-CN" altLang="en-US" sz="4267" b="1" dirty="0">
+                <a:solidFill>
+                  <a:srgbClr val="000066"/>
+                </a:solidFill>
+                <a:latin typeface="Microsoft JhengHei" panose="020B0604030504040204" pitchFamily="34" charset="-120"/>
+                <a:ea typeface="Microsoft JhengHei" panose="020B0604030504040204" pitchFamily="34" charset="-120"/>
+              </a:rPr>
+              <a:t>副</a:t>
+            </a:r>
+            <a:r>
+              <a:rPr lang="en-US" altLang="zh-CN" sz="4267" b="1" dirty="0">
+                <a:solidFill>
+                  <a:srgbClr val="000066"/>
+                </a:solidFill>
+                <a:latin typeface="Microsoft JhengHei" panose="020B0604030504040204" pitchFamily="34" charset="-120"/>
+                <a:ea typeface="Microsoft JhengHei" panose="020B0604030504040204" pitchFamily="34" charset="-120"/>
+              </a:rPr>
+              <a:t> 1</a:t>
+            </a:r>
+            <a:r>
+              <a:rPr lang="en-US" sz="4267" b="1" dirty="0">
+                <a:solidFill>
+                  <a:srgbClr val="000066"/>
+                </a:solidFill>
+                <a:latin typeface="Microsoft JhengHei" panose="020B0604030504040204" pitchFamily="34" charset="-120"/>
+                <a:ea typeface="Microsoft JhengHei" panose="020B0604030504040204" pitchFamily="34" charset="-120"/>
+              </a:rPr>
+              <a:t> )</a:t>
+            </a:r>
+            <a:endParaRPr lang="vi-VN" sz="4267" b="1" dirty="0">
+              <a:solidFill>
+                <a:srgbClr val="000066"/>
+              </a:solidFill>
+              <a:ea typeface="Microsoft JhengHei" panose="020B0604030504040204" pitchFamily="34" charset="-120"/>
+            </a:endParaRPr>
+          </a:p>
+        </p:txBody>
+      </p:sp>
     </p:spTree>
+    <p:extLst>
+      <p:ext uri="{BB962C8B-B14F-4D97-AF65-F5344CB8AC3E}">
+        <p14:creationId xmlns:p14="http://schemas.microsoft.com/office/powerpoint/2010/main" val="3657304531"/>
+      </p:ext>
+    </p:extLst>
+  </p:cSld>
+  <p:clrMapOvr>
+    <a:masterClrMapping/>
+  </p:clrMapOvr>
+</p:sld>
+</file>
+
+<file path=ppt/slides/slide9.xml><?xml version="1.0" encoding="utf-8"?>
+<p:sld xmlns:a="http://schemas.openxmlformats.org/drawingml/2006/main" xmlns:r="http://schemas.openxmlformats.org/officeDocument/2006/relationships" xmlns:p="http://schemas.openxmlformats.org/presentationml/2006/main">
+  <p:cSld>
+    <p:spTree>
+      <p:nvGrpSpPr>
+        <p:cNvPr id="1" name=""/>
+        <p:cNvGrpSpPr/>
+        <p:nvPr/>
+      </p:nvGrpSpPr>
+      <p:grpSpPr>
+        <a:xfrm>
+          <a:off x="0" y="0"/>
+          <a:ext cx="0" cy="0"/>
+          <a:chOff x="0" y="0"/>
+          <a:chExt cx="0" cy="0"/>
+        </a:xfrm>
+      </p:grpSpPr>
+      <p:sp>
+        <p:nvSpPr>
+          <p:cNvPr id="5" name="內容版面配置區 4"/>
+          <p:cNvSpPr>
+            <a:spLocks noGrp="1"/>
+          </p:cNvSpPr>
+          <p:nvPr>
+            <p:ph idx="1"/>
+          </p:nvPr>
+        </p:nvSpPr>
+        <p:spPr>
+          <a:xfrm>
+            <a:off x="0" y="2084851"/>
+            <a:ext cx="12192000" cy="2404863"/>
+          </a:xfrm>
+        </p:spPr>
+        <p:txBody>
+          <a:bodyPr anchor="ctr">
+            <a:normAutofit/>
+          </a:bodyPr>
+          <a:lstStyle/>
+          <a:p>
+            <a:pPr algn="ctr">
+              <a:buNone/>
+            </a:pPr>
+            <a:r>
+              <a:rPr lang="zh-TW" altLang="en-US" sz="6400" b="1" dirty="0">
+                <a:solidFill>
+                  <a:srgbClr val="000066"/>
+                </a:solidFill>
+                <a:latin typeface="微軟正黑體" pitchFamily="34" charset="-120"/>
+                <a:ea typeface="微軟正黑體" pitchFamily="34" charset="-120"/>
+              </a:rPr>
+              <a:t>我渴慕</a:t>
+            </a:r>
+            <a:r>
+              <a:rPr lang="zh-CN" altLang="en-US" sz="6400" b="1" dirty="0">
+                <a:solidFill>
+                  <a:srgbClr val="000066"/>
+                </a:solidFill>
+                <a:latin typeface="微軟正黑體" pitchFamily="34" charset="-120"/>
+                <a:ea typeface="微軟正黑體" pitchFamily="34" charset="-120"/>
+              </a:rPr>
+              <a:t>袮  </a:t>
+            </a:r>
+            <a:r>
+              <a:rPr lang="zh-TW" altLang="en-US" sz="6400" b="1" dirty="0">
+                <a:solidFill>
+                  <a:srgbClr val="000066"/>
+                </a:solidFill>
+                <a:latin typeface="微軟正黑體" pitchFamily="34" charset="-120"/>
+                <a:ea typeface="微軟正黑體" pitchFamily="34" charset="-120"/>
+              </a:rPr>
+              <a:t>用全心全意全人</a:t>
+            </a:r>
+            <a:endParaRPr lang="en-US" altLang="zh-TW" sz="6400" b="1" dirty="0">
+              <a:solidFill>
+                <a:srgbClr val="000066"/>
+              </a:solidFill>
+              <a:latin typeface="微軟正黑體" pitchFamily="34" charset="-120"/>
+              <a:ea typeface="微軟正黑體" pitchFamily="34" charset="-120"/>
+            </a:endParaRPr>
+          </a:p>
+          <a:p>
+            <a:pPr algn="ctr">
+              <a:buNone/>
+            </a:pPr>
+            <a:r>
+              <a:rPr lang="zh-TW" altLang="en-US" sz="6400" b="1" dirty="0">
+                <a:solidFill>
+                  <a:srgbClr val="000066"/>
+                </a:solidFill>
+                <a:latin typeface="微軟正黑體" pitchFamily="34" charset="-120"/>
+                <a:ea typeface="微軟正黑體" pitchFamily="34" charset="-120"/>
+              </a:rPr>
+              <a:t>我渴慕</a:t>
+            </a:r>
+            <a:r>
+              <a:rPr lang="zh-CN" altLang="en-US" sz="6400" b="1" dirty="0">
+                <a:solidFill>
+                  <a:srgbClr val="000066"/>
+                </a:solidFill>
+                <a:latin typeface="微軟正黑體" pitchFamily="34" charset="-120"/>
+                <a:ea typeface="微軟正黑體" pitchFamily="34" charset="-120"/>
+              </a:rPr>
+              <a:t>袮  </a:t>
+            </a:r>
+            <a:r>
+              <a:rPr lang="zh-TW" altLang="en-US" sz="6400" b="1" dirty="0">
+                <a:solidFill>
+                  <a:srgbClr val="000066"/>
+                </a:solidFill>
+                <a:latin typeface="微軟正黑體" pitchFamily="34" charset="-120"/>
+                <a:ea typeface="微軟正黑體" pitchFamily="34" charset="-120"/>
+              </a:rPr>
+              <a:t>超越所有的一切</a:t>
+            </a:r>
+            <a:endParaRPr lang="en-US" altLang="zh-TW" sz="6400" b="1" dirty="0">
+              <a:solidFill>
+                <a:srgbClr val="000066"/>
+              </a:solidFill>
+              <a:latin typeface="微軟正黑體" pitchFamily="34" charset="-120"/>
+              <a:ea typeface="微軟正黑體" pitchFamily="34" charset="-120"/>
+            </a:endParaRPr>
+          </a:p>
+        </p:txBody>
+      </p:sp>
+      <p:sp>
+        <p:nvSpPr>
+          <p:cNvPr id="3" name="TextBox 2"/>
+          <p:cNvSpPr txBox="1"/>
+          <p:nvPr/>
+        </p:nvSpPr>
+        <p:spPr>
+          <a:xfrm>
+            <a:off x="0" y="5157192"/>
+            <a:ext cx="12192000" cy="748988"/>
+          </a:xfrm>
+          <a:prstGeom prst="rect">
+            <a:avLst/>
+          </a:prstGeom>
+          <a:noFill/>
+        </p:spPr>
+        <p:txBody>
+          <a:bodyPr wrap="square" rtlCol="0">
+            <a:spAutoFit/>
+          </a:bodyPr>
+          <a:lstStyle/>
+          <a:p>
+            <a:pPr algn="ctr"/>
+            <a:r>
+              <a:rPr lang="en-US" sz="4267" b="1" dirty="0">
+                <a:solidFill>
+                  <a:srgbClr val="000066"/>
+                </a:solidFill>
+                <a:latin typeface="Microsoft JhengHei" panose="020B0604030504040204" pitchFamily="34" charset="-120"/>
+                <a:ea typeface="Microsoft JhengHei" panose="020B0604030504040204" pitchFamily="34" charset="-120"/>
+              </a:rPr>
+              <a:t>( </a:t>
+            </a:r>
+            <a:r>
+              <a:rPr lang="zh-CN" altLang="en-US" sz="4267" b="1" dirty="0">
+                <a:solidFill>
+                  <a:srgbClr val="000066"/>
+                </a:solidFill>
+                <a:latin typeface="Microsoft JhengHei" panose="020B0604030504040204" pitchFamily="34" charset="-120"/>
+                <a:ea typeface="Microsoft JhengHei" panose="020B0604030504040204" pitchFamily="34" charset="-120"/>
+              </a:rPr>
+              <a:t>副</a:t>
+            </a:r>
+            <a:r>
+              <a:rPr lang="en-US" altLang="zh-CN" sz="4267" b="1" dirty="0">
+                <a:solidFill>
+                  <a:srgbClr val="000066"/>
+                </a:solidFill>
+                <a:latin typeface="Microsoft JhengHei" panose="020B0604030504040204" pitchFamily="34" charset="-120"/>
+                <a:ea typeface="Microsoft JhengHei" panose="020B0604030504040204" pitchFamily="34" charset="-120"/>
+              </a:rPr>
+              <a:t> 2</a:t>
+            </a:r>
+            <a:r>
+              <a:rPr lang="en-US" sz="4267" b="1" dirty="0">
+                <a:solidFill>
+                  <a:srgbClr val="000066"/>
+                </a:solidFill>
+                <a:latin typeface="Microsoft JhengHei" panose="020B0604030504040204" pitchFamily="34" charset="-120"/>
+                <a:ea typeface="Microsoft JhengHei" panose="020B0604030504040204" pitchFamily="34" charset="-120"/>
+              </a:rPr>
+              <a:t> )</a:t>
+            </a:r>
+            <a:endParaRPr lang="vi-VN" sz="4267" b="1" dirty="0">
+              <a:solidFill>
+                <a:srgbClr val="000066"/>
+              </a:solidFill>
+              <a:ea typeface="Microsoft JhengHei" panose="020B0604030504040204" pitchFamily="34" charset="-120"/>
+            </a:endParaRPr>
+          </a:p>
+        </p:txBody>
+      </p:sp>
+    </p:spTree>
+    <p:extLst>
+      <p:ext uri="{BB962C8B-B14F-4D97-AF65-F5344CB8AC3E}">
+        <p14:creationId xmlns:p14="http://schemas.microsoft.com/office/powerpoint/2010/main" val="2653053736"/>
+      </p:ext>
+    </p:extLst>
   </p:cSld>
   <p:clrMapOvr>
     <a:masterClrMapping/>

--- a/單單敬拜.pptx
+++ b/單單敬拜.pptx
@@ -321,7 +321,7 @@
             <a:fld id="{4772B292-83C2-4519-9E69-18A9E0B9BA4A}" type="datetimeFigureOut">
               <a:rPr lang="zh-TW" altLang="en-US" smtClean="0"/>
               <a:pPr/>
-              <a:t>2022/5/21</a:t>
+              <a:t>2023/6/24</a:t>
             </a:fld>
             <a:endParaRPr lang="zh-TW" altLang="en-US"/>
           </a:p>
@@ -493,7 +493,7 @@
             <a:fld id="{4772B292-83C2-4519-9E69-18A9E0B9BA4A}" type="datetimeFigureOut">
               <a:rPr lang="zh-TW" altLang="en-US" smtClean="0"/>
               <a:pPr/>
-              <a:t>2022/5/21</a:t>
+              <a:t>2023/6/24</a:t>
             </a:fld>
             <a:endParaRPr lang="zh-TW" altLang="en-US"/>
           </a:p>
@@ -675,7 +675,7 @@
             <a:fld id="{4772B292-83C2-4519-9E69-18A9E0B9BA4A}" type="datetimeFigureOut">
               <a:rPr lang="zh-TW" altLang="en-US" smtClean="0"/>
               <a:pPr/>
-              <a:t>2022/5/21</a:t>
+              <a:t>2023/6/24</a:t>
             </a:fld>
             <a:endParaRPr lang="zh-TW" altLang="en-US"/>
           </a:p>
@@ -847,7 +847,7 @@
             <a:fld id="{4772B292-83C2-4519-9E69-18A9E0B9BA4A}" type="datetimeFigureOut">
               <a:rPr lang="zh-TW" altLang="en-US" smtClean="0"/>
               <a:pPr/>
-              <a:t>2022/5/21</a:t>
+              <a:t>2023/6/24</a:t>
             </a:fld>
             <a:endParaRPr lang="zh-TW" altLang="en-US"/>
           </a:p>
@@ -1095,7 +1095,7 @@
             <a:fld id="{4772B292-83C2-4519-9E69-18A9E0B9BA4A}" type="datetimeFigureOut">
               <a:rPr lang="zh-TW" altLang="en-US" smtClean="0"/>
               <a:pPr/>
-              <a:t>2022/5/21</a:t>
+              <a:t>2023/6/24</a:t>
             </a:fld>
             <a:endParaRPr lang="zh-TW" altLang="en-US"/>
           </a:p>
@@ -1385,7 +1385,7 @@
             <a:fld id="{4772B292-83C2-4519-9E69-18A9E0B9BA4A}" type="datetimeFigureOut">
               <a:rPr lang="zh-TW" altLang="en-US" smtClean="0"/>
               <a:pPr/>
-              <a:t>2022/5/21</a:t>
+              <a:t>2023/6/24</a:t>
             </a:fld>
             <a:endParaRPr lang="zh-TW" altLang="en-US"/>
           </a:p>
@@ -1809,7 +1809,7 @@
             <a:fld id="{4772B292-83C2-4519-9E69-18A9E0B9BA4A}" type="datetimeFigureOut">
               <a:rPr lang="zh-TW" altLang="en-US" smtClean="0"/>
               <a:pPr/>
-              <a:t>2022/5/21</a:t>
+              <a:t>2023/6/24</a:t>
             </a:fld>
             <a:endParaRPr lang="zh-TW" altLang="en-US"/>
           </a:p>
@@ -1929,7 +1929,7 @@
             <a:fld id="{4772B292-83C2-4519-9E69-18A9E0B9BA4A}" type="datetimeFigureOut">
               <a:rPr lang="zh-TW" altLang="en-US" smtClean="0"/>
               <a:pPr/>
-              <a:t>2022/5/21</a:t>
+              <a:t>2023/6/24</a:t>
             </a:fld>
             <a:endParaRPr lang="zh-TW" altLang="en-US"/>
           </a:p>
@@ -2026,7 +2026,7 @@
             <a:fld id="{4772B292-83C2-4519-9E69-18A9E0B9BA4A}" type="datetimeFigureOut">
               <a:rPr lang="zh-TW" altLang="en-US" smtClean="0"/>
               <a:pPr/>
-              <a:t>2022/5/21</a:t>
+              <a:t>2023/6/24</a:t>
             </a:fld>
             <a:endParaRPr lang="zh-TW" altLang="en-US"/>
           </a:p>
@@ -2305,7 +2305,7 @@
             <a:fld id="{4772B292-83C2-4519-9E69-18A9E0B9BA4A}" type="datetimeFigureOut">
               <a:rPr lang="zh-TW" altLang="en-US" smtClean="0"/>
               <a:pPr/>
-              <a:t>2022/5/21</a:t>
+              <a:t>2023/6/24</a:t>
             </a:fld>
             <a:endParaRPr lang="zh-TW" altLang="en-US"/>
           </a:p>
@@ -2564,7 +2564,7 @@
             <a:fld id="{4772B292-83C2-4519-9E69-18A9E0B9BA4A}" type="datetimeFigureOut">
               <a:rPr lang="zh-TW" altLang="en-US" smtClean="0"/>
               <a:pPr/>
-              <a:t>2022/5/21</a:t>
+              <a:t>2023/6/24</a:t>
             </a:fld>
             <a:endParaRPr lang="zh-TW" altLang="en-US"/>
           </a:p>
@@ -2784,7 +2784,7 @@
             <a:fld id="{4772B292-83C2-4519-9E69-18A9E0B9BA4A}" type="datetimeFigureOut">
               <a:rPr lang="zh-TW" altLang="en-US" smtClean="0"/>
               <a:pPr/>
-              <a:t>2022/5/21</a:t>
+              <a:t>2023/6/24</a:t>
             </a:fld>
             <a:endParaRPr lang="zh-TW" altLang="en-US"/>
           </a:p>
@@ -3197,24 +3197,7 @@
                 <a:latin typeface="微軟正黑體" pitchFamily="34" charset="-120"/>
                 <a:ea typeface="微軟正黑體" pitchFamily="34" charset="-120"/>
               </a:rPr>
-              <a:t>單</a:t>
-            </a:r>
-            <a:r>
-              <a:rPr lang="zh-TW" altLang="en-US" sz="7200" b="1" i="1" dirty="0">
-                <a:solidFill>
-                  <a:srgbClr val="000066"/>
-                </a:solidFill>
-                <a:effectLst>
-                  <a:outerShdw blurRad="38100" dist="38100" dir="2700000" algn="tl">
-                    <a:srgbClr val="000000">
-                      <a:alpha val="43137"/>
-                    </a:srgbClr>
-                  </a:outerShdw>
-                </a:effectLst>
-                <a:latin typeface="微軟正黑體" pitchFamily="34" charset="-120"/>
-                <a:ea typeface="微軟正黑體" pitchFamily="34" charset="-120"/>
-              </a:rPr>
-              <a:t>單敬拜</a:t>
+              <a:t>單單敬拜</a:t>
             </a:r>
           </a:p>
         </p:txBody>
@@ -3282,47 +3265,47 @@
                 <a:latin typeface="微軟正黑體" pitchFamily="34" charset="-120"/>
                 <a:ea typeface="微軟正黑體" pitchFamily="34" charset="-120"/>
               </a:rPr>
-              <a:t>我渴慕</a:t>
-            </a:r>
-            <a:r>
-              <a:rPr lang="zh-CN" altLang="en-US" sz="6400" b="1" dirty="0">
-                <a:solidFill>
-                  <a:srgbClr val="000066"/>
-                </a:solidFill>
-                <a:latin typeface="微軟正黑體" pitchFamily="34" charset="-120"/>
-                <a:ea typeface="微軟正黑體" pitchFamily="34" charset="-120"/>
-              </a:rPr>
-              <a:t>袮  </a:t>
-            </a:r>
-            <a:r>
-              <a:rPr lang="zh-TW" altLang="en-US" sz="6400" b="1" dirty="0">
-                <a:solidFill>
-                  <a:srgbClr val="000066"/>
-                </a:solidFill>
-                <a:latin typeface="微軟正黑體" pitchFamily="34" charset="-120"/>
-                <a:ea typeface="微軟正黑體" pitchFamily="34" charset="-120"/>
-              </a:rPr>
-              <a:t>因</a:t>
-            </a:r>
-            <a:r>
-              <a:rPr lang="zh-CN" altLang="en-US" sz="6400" b="1" dirty="0">
-                <a:solidFill>
-                  <a:srgbClr val="000066"/>
-                </a:solidFill>
-                <a:latin typeface="微軟正黑體" pitchFamily="34" charset="-120"/>
-                <a:ea typeface="微軟正黑體" pitchFamily="34" charset="-120"/>
-              </a:rPr>
-              <a:t>袮</a:t>
-            </a:r>
-            <a:r>
-              <a:rPr lang="zh-TW" altLang="en-US" sz="6400" b="1" dirty="0">
-                <a:solidFill>
-                  <a:srgbClr val="000066"/>
-                </a:solidFill>
-                <a:latin typeface="微軟正黑體" pitchFamily="34" charset="-120"/>
-                <a:ea typeface="微軟正黑體" pitchFamily="34" charset="-120"/>
-              </a:rPr>
-              <a:t>是我的唯一</a:t>
+              <a:t>我渴</a:t>
+            </a:r>
+            <a:r>
+              <a:rPr lang="zh-TW" altLang="en-US" sz="6400" b="1" dirty="0">
+                <a:solidFill>
+                  <a:srgbClr val="000066"/>
+                </a:solidFill>
+                <a:latin typeface="微軟正黑體" pitchFamily="34" charset="-120"/>
+                <a:ea typeface="微軟正黑體" pitchFamily="34" charset="-120"/>
+              </a:rPr>
+              <a:t>慕</a:t>
+            </a:r>
+            <a:r>
+              <a:rPr lang="zh-TW" altLang="en-US" sz="6400" b="1" dirty="0" smtClean="0">
+                <a:solidFill>
+                  <a:srgbClr val="000066"/>
+                </a:solidFill>
+                <a:latin typeface="微軟正黑體" pitchFamily="34" charset="-120"/>
+                <a:ea typeface="微軟正黑體" pitchFamily="34" charset="-120"/>
+              </a:rPr>
+              <a:t>祢  因</a:t>
+            </a:r>
+            <a:r>
+              <a:rPr lang="zh-TW" altLang="en-US" sz="6400" b="1" dirty="0">
+                <a:solidFill>
+                  <a:srgbClr val="000066"/>
+                </a:solidFill>
+                <a:latin typeface="微軟正黑體" pitchFamily="34" charset="-120"/>
+                <a:ea typeface="微軟正黑體" pitchFamily="34" charset="-120"/>
+              </a:rPr>
+              <a:t>祢是</a:t>
+            </a:r>
+            <a:r>
+              <a:rPr lang="zh-TW" altLang="en-US" sz="6400" b="1" dirty="0">
+                <a:solidFill>
+                  <a:srgbClr val="000066"/>
+                </a:solidFill>
+                <a:latin typeface="微軟正黑體" pitchFamily="34" charset="-120"/>
+                <a:ea typeface="微軟正黑體" pitchFamily="34" charset="-120"/>
+              </a:rPr>
+              <a:t>我的唯一</a:t>
             </a:r>
             <a:endParaRPr lang="en-US" altLang="zh-TW" sz="6400" b="1" dirty="0">
               <a:solidFill>
@@ -3365,7 +3348,7 @@
         <p:spPr>
           <a:xfrm>
             <a:off x="0" y="5157192"/>
-            <a:ext cx="12192000" cy="748988"/>
+            <a:ext cx="12192000" cy="584775"/>
           </a:xfrm>
           <a:prstGeom prst="rect">
             <a:avLst/>
@@ -3380,7 +3363,7 @@
           <a:p>
             <a:pPr algn="ctr"/>
             <a:r>
-              <a:rPr lang="en-US" sz="4267" b="1" dirty="0">
+              <a:rPr lang="en-US" sz="3200" b="1" dirty="0">
                 <a:solidFill>
                   <a:srgbClr val="000066"/>
                 </a:solidFill>
@@ -3390,7 +3373,7 @@
               <a:t>( </a:t>
             </a:r>
             <a:r>
-              <a:rPr lang="zh-CN" altLang="en-US" sz="4267" b="1" dirty="0">
+              <a:rPr lang="zh-CN" altLang="en-US" sz="3200" b="1" dirty="0">
                 <a:solidFill>
                   <a:srgbClr val="000066"/>
                 </a:solidFill>
@@ -3400,7 +3383,7 @@
               <a:t>副</a:t>
             </a:r>
             <a:r>
-              <a:rPr lang="en-US" altLang="zh-CN" sz="4267" b="1" dirty="0">
+              <a:rPr lang="en-US" altLang="zh-CN" sz="3200" b="1" dirty="0">
                 <a:solidFill>
                   <a:srgbClr val="000066"/>
                 </a:solidFill>
@@ -3410,7 +3393,7 @@
               <a:t> 2</a:t>
             </a:r>
             <a:r>
-              <a:rPr lang="en-US" sz="4267" b="1" dirty="0">
+              <a:rPr lang="en-US" sz="3200" b="1" dirty="0">
                 <a:solidFill>
                   <a:srgbClr val="000066"/>
                 </a:solidFill>
@@ -3419,10 +3402,11 @@
               </a:rPr>
               <a:t> )</a:t>
             </a:r>
-            <a:endParaRPr lang="vi-VN" sz="4267" b="1" dirty="0">
+            <a:endParaRPr lang="vi-VN" sz="3200" b="1" dirty="0">
               <a:solidFill>
                 <a:srgbClr val="000066"/>
               </a:solidFill>
+              <a:latin typeface="Microsoft JhengHei" panose="020B0604030504040204" pitchFamily="34" charset="-120"/>
               <a:ea typeface="Microsoft JhengHei" panose="020B0604030504040204" pitchFamily="34" charset="-120"/>
             </a:endParaRPr>
           </a:p>
@@ -3491,17 +3475,17 @@
                 <a:latin typeface="微軟正黑體" pitchFamily="34" charset="-120"/>
                 <a:ea typeface="微軟正黑體" pitchFamily="34" charset="-120"/>
               </a:rPr>
-              <a:t>單單就是來  愛</a:t>
-            </a:r>
-            <a:r>
-              <a:rPr lang="zh-CN" altLang="en-US" sz="6400" b="1" dirty="0">
-                <a:solidFill>
-                  <a:srgbClr val="000066"/>
-                </a:solidFill>
-                <a:latin typeface="微軟正黑體" pitchFamily="34" charset="-120"/>
-                <a:ea typeface="微軟正黑體" pitchFamily="34" charset="-120"/>
-              </a:rPr>
-              <a:t>袮</a:t>
+              <a:t>單單就是來  </a:t>
+            </a:r>
+            <a:r>
+              <a:rPr lang="zh-TW" altLang="en-US" sz="6400" b="1" dirty="0">
+                <a:solidFill>
+                  <a:srgbClr val="000066"/>
+                </a:solidFill>
+                <a:latin typeface="微軟正黑體" pitchFamily="34" charset="-120"/>
+                <a:ea typeface="微軟正黑體" pitchFamily="34" charset="-120"/>
+              </a:rPr>
+              <a:t>愛祢</a:t>
             </a:r>
             <a:endParaRPr lang="zh-TW" altLang="en-US" sz="6400" b="1" dirty="0">
               <a:solidFill>
@@ -3522,7 +3506,7 @@
         <p:spPr>
           <a:xfrm>
             <a:off x="0" y="5157192"/>
-            <a:ext cx="12192000" cy="748988"/>
+            <a:ext cx="12192000" cy="584775"/>
           </a:xfrm>
           <a:prstGeom prst="rect">
             <a:avLst/>
@@ -3537,7 +3521,7 @@
           <a:p>
             <a:pPr algn="ctr"/>
             <a:r>
-              <a:rPr lang="en-US" sz="4267" b="1" dirty="0">
+              <a:rPr lang="en-US" sz="3200" b="1" dirty="0">
                 <a:solidFill>
                   <a:srgbClr val="000066"/>
                 </a:solidFill>
@@ -3547,7 +3531,7 @@
               <a:t>( </a:t>
             </a:r>
             <a:r>
-              <a:rPr lang="zh-CN" altLang="en-US" sz="4267" b="1" dirty="0">
+              <a:rPr lang="zh-CN" altLang="en-US" sz="3200" b="1" dirty="0">
                 <a:solidFill>
                   <a:srgbClr val="000066"/>
                 </a:solidFill>
@@ -3557,7 +3541,7 @@
               <a:t>副</a:t>
             </a:r>
             <a:r>
-              <a:rPr lang="en-US" altLang="zh-CN" sz="4267" b="1" dirty="0">
+              <a:rPr lang="en-US" altLang="zh-CN" sz="3200" b="1" dirty="0">
                 <a:solidFill>
                   <a:srgbClr val="000066"/>
                 </a:solidFill>
@@ -3567,7 +3551,7 @@
               <a:t> 2</a:t>
             </a:r>
             <a:r>
-              <a:rPr lang="en-US" sz="4267" b="1" dirty="0">
+              <a:rPr lang="en-US" sz="3200" b="1" dirty="0">
                 <a:solidFill>
                   <a:srgbClr val="000066"/>
                 </a:solidFill>
@@ -3576,10 +3560,11 @@
               </a:rPr>
               <a:t> )</a:t>
             </a:r>
-            <a:endParaRPr lang="vi-VN" sz="4267" b="1" dirty="0">
+            <a:endParaRPr lang="vi-VN" sz="3200" b="1" dirty="0">
               <a:solidFill>
                 <a:srgbClr val="000066"/>
               </a:solidFill>
+              <a:latin typeface="Microsoft JhengHei" panose="020B0604030504040204" pitchFamily="34" charset="-120"/>
               <a:ea typeface="Microsoft JhengHei" panose="020B0604030504040204" pitchFamily="34" charset="-120"/>
             </a:endParaRPr>
           </a:p>
@@ -3691,7 +3676,7 @@
         <p:spPr>
           <a:xfrm>
             <a:off x="0" y="5157192"/>
-            <a:ext cx="12192000" cy="748988"/>
+            <a:ext cx="12192000" cy="584775"/>
           </a:xfrm>
           <a:prstGeom prst="rect">
             <a:avLst/>
@@ -3706,7 +3691,7 @@
           <a:p>
             <a:pPr algn="ctr"/>
             <a:r>
-              <a:rPr lang="en-US" sz="4267" b="1" dirty="0">
+              <a:rPr lang="en-US" sz="3200" b="1" dirty="0">
                 <a:solidFill>
                   <a:srgbClr val="000066"/>
                 </a:solidFill>
@@ -3716,7 +3701,7 @@
               <a:t>( </a:t>
             </a:r>
             <a:r>
-              <a:rPr lang="zh-CN" altLang="en-US" sz="4267" b="1" dirty="0">
+              <a:rPr lang="zh-CN" altLang="en-US" sz="3200" b="1" dirty="0">
                 <a:solidFill>
                   <a:srgbClr val="000066"/>
                 </a:solidFill>
@@ -3726,7 +3711,7 @@
               <a:t>副</a:t>
             </a:r>
             <a:r>
-              <a:rPr lang="en-US" altLang="zh-CN" sz="4267" b="1" dirty="0">
+              <a:rPr lang="en-US" altLang="zh-CN" sz="3200" b="1" dirty="0">
                 <a:solidFill>
                   <a:srgbClr val="000066"/>
                 </a:solidFill>
@@ -3736,7 +3721,7 @@
               <a:t> 3</a:t>
             </a:r>
             <a:r>
-              <a:rPr lang="en-US" sz="4267" b="1" dirty="0">
+              <a:rPr lang="en-US" sz="3200" b="1" dirty="0">
                 <a:solidFill>
                   <a:srgbClr val="000066"/>
                 </a:solidFill>
@@ -3745,10 +3730,11 @@
               </a:rPr>
               <a:t> )</a:t>
             </a:r>
-            <a:endParaRPr lang="vi-VN" sz="4267" b="1" dirty="0">
+            <a:endParaRPr lang="vi-VN" sz="3200" b="1" dirty="0">
               <a:solidFill>
                 <a:srgbClr val="000066"/>
               </a:solidFill>
+              <a:latin typeface="Microsoft JhengHei" panose="020B0604030504040204" pitchFamily="34" charset="-120"/>
               <a:ea typeface="Microsoft JhengHei" panose="020B0604030504040204" pitchFamily="34" charset="-120"/>
             </a:endParaRPr>
           </a:p>
@@ -3860,7 +3846,7 @@
         <p:spPr>
           <a:xfrm>
             <a:off x="0" y="5157192"/>
-            <a:ext cx="12192000" cy="748988"/>
+            <a:ext cx="12192000" cy="584775"/>
           </a:xfrm>
           <a:prstGeom prst="rect">
             <a:avLst/>
@@ -3875,7 +3861,7 @@
           <a:p>
             <a:pPr algn="ctr"/>
             <a:r>
-              <a:rPr lang="en-US" sz="4267" b="1" dirty="0">
+              <a:rPr lang="en-US" sz="3200" b="1" dirty="0">
                 <a:solidFill>
                   <a:srgbClr val="000066"/>
                 </a:solidFill>
@@ -3885,7 +3871,7 @@
               <a:t>( </a:t>
             </a:r>
             <a:r>
-              <a:rPr lang="zh-CN" altLang="en-US" sz="4267" b="1" dirty="0">
+              <a:rPr lang="zh-CN" altLang="en-US" sz="3200" b="1" dirty="0">
                 <a:solidFill>
                   <a:srgbClr val="000066"/>
                 </a:solidFill>
@@ -3895,7 +3881,7 @@
               <a:t>副</a:t>
             </a:r>
             <a:r>
-              <a:rPr lang="en-US" altLang="zh-CN" sz="4267" b="1" dirty="0">
+              <a:rPr lang="en-US" altLang="zh-CN" sz="3200" b="1" dirty="0">
                 <a:solidFill>
                   <a:srgbClr val="000066"/>
                 </a:solidFill>
@@ -3905,7 +3891,7 @@
               <a:t> 3</a:t>
             </a:r>
             <a:r>
-              <a:rPr lang="en-US" sz="4267" b="1" dirty="0">
+              <a:rPr lang="en-US" sz="3200" b="1" dirty="0">
                 <a:solidFill>
                   <a:srgbClr val="000066"/>
                 </a:solidFill>
@@ -3914,10 +3900,11 @@
               </a:rPr>
               <a:t> )</a:t>
             </a:r>
-            <a:endParaRPr lang="vi-VN" sz="4267" b="1" dirty="0">
+            <a:endParaRPr lang="vi-VN" sz="3200" b="1" dirty="0">
               <a:solidFill>
                 <a:srgbClr val="000066"/>
               </a:solidFill>
+              <a:latin typeface="Microsoft JhengHei" panose="020B0604030504040204" pitchFamily="34" charset="-120"/>
               <a:ea typeface="Microsoft JhengHei" panose="020B0604030504040204" pitchFamily="34" charset="-120"/>
             </a:endParaRPr>
           </a:p>
@@ -3986,17 +3973,17 @@
                 <a:latin typeface="微軟正黑體" pitchFamily="34" charset="-120"/>
                 <a:ea typeface="微軟正黑體" pitchFamily="34" charset="-120"/>
               </a:rPr>
-              <a:t>單單就是來  愛</a:t>
-            </a:r>
-            <a:r>
-              <a:rPr lang="zh-CN" altLang="en-US" sz="6400" b="1" dirty="0">
-                <a:solidFill>
-                  <a:srgbClr val="000066"/>
-                </a:solidFill>
-                <a:latin typeface="微軟正黑體" pitchFamily="34" charset="-120"/>
-                <a:ea typeface="微軟正黑體" pitchFamily="34" charset="-120"/>
-              </a:rPr>
-              <a:t>袮</a:t>
+              <a:t>單單就是來  </a:t>
+            </a:r>
+            <a:r>
+              <a:rPr lang="zh-TW" altLang="en-US" sz="6400" b="1" dirty="0">
+                <a:solidFill>
+                  <a:srgbClr val="000066"/>
+                </a:solidFill>
+                <a:latin typeface="微軟正黑體" pitchFamily="34" charset="-120"/>
+                <a:ea typeface="微軟正黑體" pitchFamily="34" charset="-120"/>
+              </a:rPr>
+              <a:t>愛祢</a:t>
             </a:r>
             <a:endParaRPr lang="zh-TW" altLang="en-US" sz="6400" b="1" dirty="0">
               <a:solidFill>
@@ -4017,7 +4004,7 @@
         <p:spPr>
           <a:xfrm>
             <a:off x="0" y="5157192"/>
-            <a:ext cx="12192000" cy="748988"/>
+            <a:ext cx="12192000" cy="584775"/>
           </a:xfrm>
           <a:prstGeom prst="rect">
             <a:avLst/>
@@ -4032,7 +4019,7 @@
           <a:p>
             <a:pPr algn="ctr"/>
             <a:r>
-              <a:rPr lang="en-US" sz="4267" b="1" dirty="0">
+              <a:rPr lang="en-US" sz="3200" b="1" dirty="0">
                 <a:solidFill>
                   <a:srgbClr val="000066"/>
                 </a:solidFill>
@@ -4042,7 +4029,7 @@
               <a:t>( </a:t>
             </a:r>
             <a:r>
-              <a:rPr lang="zh-CN" altLang="en-US" sz="4267" b="1" dirty="0">
+              <a:rPr lang="zh-CN" altLang="en-US" sz="3200" b="1" dirty="0">
                 <a:solidFill>
                   <a:srgbClr val="000066"/>
                 </a:solidFill>
@@ -4052,7 +4039,7 @@
               <a:t>副</a:t>
             </a:r>
             <a:r>
-              <a:rPr lang="en-US" altLang="zh-CN" sz="4267" b="1" dirty="0">
+              <a:rPr lang="en-US" altLang="zh-CN" sz="3200" b="1" dirty="0">
                 <a:solidFill>
                   <a:srgbClr val="000066"/>
                 </a:solidFill>
@@ -4062,7 +4049,7 @@
               <a:t> 3</a:t>
             </a:r>
             <a:r>
-              <a:rPr lang="en-US" sz="4267" b="1" dirty="0">
+              <a:rPr lang="en-US" sz="3200" b="1" dirty="0">
                 <a:solidFill>
                   <a:srgbClr val="000066"/>
                 </a:solidFill>
@@ -4071,10 +4058,11 @@
               </a:rPr>
               <a:t> )</a:t>
             </a:r>
-            <a:endParaRPr lang="vi-VN" sz="4267" b="1" dirty="0">
+            <a:endParaRPr lang="vi-VN" sz="3200" b="1" dirty="0">
               <a:solidFill>
                 <a:srgbClr val="000066"/>
               </a:solidFill>
+              <a:latin typeface="Microsoft JhengHei" panose="020B0604030504040204" pitchFamily="34" charset="-120"/>
               <a:ea typeface="Microsoft JhengHei" panose="020B0604030504040204" pitchFamily="34" charset="-120"/>
             </a:endParaRPr>
           </a:p>
@@ -4143,27 +4131,37 @@
                 <a:latin typeface="微軟正黑體" pitchFamily="34" charset="-120"/>
                 <a:ea typeface="微軟正黑體" pitchFamily="34" charset="-120"/>
               </a:rPr>
-              <a:t>主我愛</a:t>
-            </a:r>
-            <a:r>
-              <a:rPr lang="zh-CN" altLang="en-US" sz="6400" b="1" dirty="0">
-                <a:solidFill>
-                  <a:srgbClr val="000066"/>
-                </a:solidFill>
-                <a:latin typeface="微軟正黑體" pitchFamily="34" charset="-120"/>
-                <a:ea typeface="微軟正黑體" pitchFamily="34" charset="-120"/>
-              </a:rPr>
-              <a:t>袮  </a:t>
-            </a:r>
-            <a:r>
-              <a:rPr lang="zh-TW" altLang="en-US" sz="6400" b="1" dirty="0">
-                <a:solidFill>
-                  <a:srgbClr val="000066"/>
-                </a:solidFill>
-                <a:latin typeface="微軟正黑體" pitchFamily="34" charset="-120"/>
-                <a:ea typeface="微軟正黑體" pitchFamily="34" charset="-120"/>
-              </a:rPr>
-              <a:t>用全心全意全人</a:t>
+              <a:t>主我</a:t>
+            </a:r>
+            <a:r>
+              <a:rPr lang="zh-TW" altLang="en-US" sz="6400" b="1" dirty="0">
+                <a:solidFill>
+                  <a:srgbClr val="000066"/>
+                </a:solidFill>
+                <a:latin typeface="微軟正黑體" pitchFamily="34" charset="-120"/>
+                <a:ea typeface="微軟正黑體" pitchFamily="34" charset="-120"/>
+              </a:rPr>
+              <a:t>愛</a:t>
+            </a:r>
+            <a:r>
+              <a:rPr lang="zh-TW" altLang="en-US" sz="6400" b="1" dirty="0" smtClean="0">
+                <a:solidFill>
+                  <a:srgbClr val="000066"/>
+                </a:solidFill>
+                <a:latin typeface="微軟正黑體" pitchFamily="34" charset="-120"/>
+                <a:ea typeface="微軟正黑體" pitchFamily="34" charset="-120"/>
+              </a:rPr>
+              <a:t>祢  用</a:t>
+            </a:r>
+            <a:r>
+              <a:rPr lang="zh-TW" altLang="en-US" sz="6400" b="1" dirty="0">
+                <a:solidFill>
+                  <a:srgbClr val="000066"/>
+                </a:solidFill>
+                <a:latin typeface="微軟正黑體" pitchFamily="34" charset="-120"/>
+                <a:ea typeface="微軟正黑體" pitchFamily="34" charset="-120"/>
+              </a:rPr>
+              <a:t>全心全意全人</a:t>
             </a:r>
             <a:endParaRPr lang="en-US" altLang="zh-TW" sz="6400" b="1" dirty="0">
               <a:solidFill>
@@ -4185,27 +4183,37 @@
                 <a:latin typeface="微軟正黑體" pitchFamily="34" charset="-120"/>
                 <a:ea typeface="微軟正黑體" pitchFamily="34" charset="-120"/>
               </a:rPr>
-              <a:t>主我愛</a:t>
-            </a:r>
-            <a:r>
-              <a:rPr lang="zh-CN" altLang="en-US" sz="6400" b="1" dirty="0">
-                <a:solidFill>
-                  <a:srgbClr val="000066"/>
-                </a:solidFill>
-                <a:latin typeface="微軟正黑體" pitchFamily="34" charset="-120"/>
-                <a:ea typeface="微軟正黑體" pitchFamily="34" charset="-120"/>
-              </a:rPr>
-              <a:t>袮  </a:t>
-            </a:r>
-            <a:r>
-              <a:rPr lang="zh-TW" altLang="en-US" sz="6400" b="1" dirty="0">
-                <a:solidFill>
-                  <a:srgbClr val="000066"/>
-                </a:solidFill>
-                <a:latin typeface="微軟正黑體" pitchFamily="34" charset="-120"/>
-                <a:ea typeface="微軟正黑體" pitchFamily="34" charset="-120"/>
-              </a:rPr>
-              <a:t>超越所有的一切</a:t>
+              <a:t>主我</a:t>
+            </a:r>
+            <a:r>
+              <a:rPr lang="zh-TW" altLang="en-US" sz="6400" b="1" dirty="0">
+                <a:solidFill>
+                  <a:srgbClr val="000066"/>
+                </a:solidFill>
+                <a:latin typeface="微軟正黑體" pitchFamily="34" charset="-120"/>
+                <a:ea typeface="微軟正黑體" pitchFamily="34" charset="-120"/>
+              </a:rPr>
+              <a:t>愛</a:t>
+            </a:r>
+            <a:r>
+              <a:rPr lang="zh-TW" altLang="en-US" sz="6400" b="1" dirty="0" smtClean="0">
+                <a:solidFill>
+                  <a:srgbClr val="000066"/>
+                </a:solidFill>
+                <a:latin typeface="微軟正黑體" pitchFamily="34" charset="-120"/>
+                <a:ea typeface="微軟正黑體" pitchFamily="34" charset="-120"/>
+              </a:rPr>
+              <a:t>祢  超</a:t>
+            </a:r>
+            <a:r>
+              <a:rPr lang="zh-TW" altLang="en-US" sz="6400" b="1" dirty="0">
+                <a:solidFill>
+                  <a:srgbClr val="000066"/>
+                </a:solidFill>
+                <a:latin typeface="微軟正黑體" pitchFamily="34" charset="-120"/>
+                <a:ea typeface="微軟正黑體" pitchFamily="34" charset="-120"/>
+              </a:rPr>
+              <a:t>越所有的一切</a:t>
             </a:r>
             <a:endParaRPr lang="en-US" altLang="zh-TW" sz="6400" b="1" dirty="0">
               <a:solidFill>
@@ -4226,7 +4234,7 @@
         <p:spPr>
           <a:xfrm>
             <a:off x="0" y="5157192"/>
-            <a:ext cx="12192000" cy="748988"/>
+            <a:ext cx="12192000" cy="584775"/>
           </a:xfrm>
           <a:prstGeom prst="rect">
             <a:avLst/>
@@ -4241,7 +4249,7 @@
           <a:p>
             <a:pPr algn="ctr"/>
             <a:r>
-              <a:rPr lang="en-US" sz="4267" b="1" dirty="0">
+              <a:rPr lang="en-US" sz="3200" b="1" dirty="0">
                 <a:solidFill>
                   <a:srgbClr val="000066"/>
                 </a:solidFill>
@@ -4251,7 +4259,7 @@
               <a:t>( </a:t>
             </a:r>
             <a:r>
-              <a:rPr lang="zh-CN" altLang="en-US" sz="4267" b="1" dirty="0">
+              <a:rPr lang="zh-CN" altLang="en-US" sz="3200" b="1" dirty="0">
                 <a:solidFill>
                   <a:srgbClr val="000066"/>
                 </a:solidFill>
@@ -4261,7 +4269,7 @@
               <a:t>副</a:t>
             </a:r>
             <a:r>
-              <a:rPr lang="en-US" altLang="zh-CN" sz="4267" b="1" dirty="0">
+              <a:rPr lang="en-US" altLang="zh-CN" sz="3200" b="1" dirty="0">
                 <a:solidFill>
                   <a:srgbClr val="000066"/>
                 </a:solidFill>
@@ -4271,7 +4279,7 @@
               <a:t> 4</a:t>
             </a:r>
             <a:r>
-              <a:rPr lang="en-US" sz="4267" b="1" dirty="0">
+              <a:rPr lang="en-US" sz="3200" b="1" dirty="0">
                 <a:solidFill>
                   <a:srgbClr val="000066"/>
                 </a:solidFill>
@@ -4280,10 +4288,11 @@
               </a:rPr>
               <a:t> )</a:t>
             </a:r>
-            <a:endParaRPr lang="vi-VN" sz="4267" b="1" dirty="0">
+            <a:endParaRPr lang="vi-VN" sz="3200" b="1" dirty="0">
               <a:solidFill>
                 <a:srgbClr val="000066"/>
               </a:solidFill>
+              <a:latin typeface="Microsoft JhengHei" panose="020B0604030504040204" pitchFamily="34" charset="-120"/>
               <a:ea typeface="Microsoft JhengHei" panose="020B0604030504040204" pitchFamily="34" charset="-120"/>
             </a:endParaRPr>
           </a:p>
@@ -4352,47 +4361,47 @@
                 <a:latin typeface="微軟正黑體" pitchFamily="34" charset="-120"/>
                 <a:ea typeface="微軟正黑體" pitchFamily="34" charset="-120"/>
               </a:rPr>
-              <a:t>主我愛</a:t>
-            </a:r>
-            <a:r>
-              <a:rPr lang="zh-CN" altLang="en-US" sz="6400" b="1" dirty="0">
-                <a:solidFill>
-                  <a:srgbClr val="000066"/>
-                </a:solidFill>
-                <a:latin typeface="微軟正黑體" pitchFamily="34" charset="-120"/>
-                <a:ea typeface="微軟正黑體" pitchFamily="34" charset="-120"/>
-              </a:rPr>
-              <a:t>袮  </a:t>
-            </a:r>
-            <a:r>
-              <a:rPr lang="zh-TW" altLang="en-US" sz="6400" b="1" dirty="0">
-                <a:solidFill>
-                  <a:srgbClr val="000066"/>
-                </a:solidFill>
-                <a:latin typeface="微軟正黑體" pitchFamily="34" charset="-120"/>
-                <a:ea typeface="微軟正黑體" pitchFamily="34" charset="-120"/>
-              </a:rPr>
-              <a:t>因</a:t>
-            </a:r>
-            <a:r>
-              <a:rPr lang="zh-CN" altLang="en-US" sz="6400" b="1" dirty="0">
-                <a:solidFill>
-                  <a:srgbClr val="000066"/>
-                </a:solidFill>
-                <a:latin typeface="微軟正黑體" pitchFamily="34" charset="-120"/>
-                <a:ea typeface="微軟正黑體" pitchFamily="34" charset="-120"/>
-              </a:rPr>
-              <a:t>袮</a:t>
-            </a:r>
-            <a:r>
-              <a:rPr lang="zh-TW" altLang="en-US" sz="6400" b="1" dirty="0">
-                <a:solidFill>
-                  <a:srgbClr val="000066"/>
-                </a:solidFill>
-                <a:latin typeface="微軟正黑體" pitchFamily="34" charset="-120"/>
-                <a:ea typeface="微軟正黑體" pitchFamily="34" charset="-120"/>
-              </a:rPr>
-              <a:t>是我的唯一</a:t>
+              <a:t>主我</a:t>
+            </a:r>
+            <a:r>
+              <a:rPr lang="zh-TW" altLang="en-US" sz="6400" b="1" dirty="0">
+                <a:solidFill>
+                  <a:srgbClr val="000066"/>
+                </a:solidFill>
+                <a:latin typeface="微軟正黑體" pitchFamily="34" charset="-120"/>
+                <a:ea typeface="微軟正黑體" pitchFamily="34" charset="-120"/>
+              </a:rPr>
+              <a:t>愛</a:t>
+            </a:r>
+            <a:r>
+              <a:rPr lang="zh-TW" altLang="en-US" sz="6400" b="1" dirty="0" smtClean="0">
+                <a:solidFill>
+                  <a:srgbClr val="000066"/>
+                </a:solidFill>
+                <a:latin typeface="微軟正黑體" pitchFamily="34" charset="-120"/>
+                <a:ea typeface="微軟正黑體" pitchFamily="34" charset="-120"/>
+              </a:rPr>
+              <a:t>祢  因</a:t>
+            </a:r>
+            <a:r>
+              <a:rPr lang="zh-TW" altLang="en-US" sz="6400" b="1" dirty="0">
+                <a:solidFill>
+                  <a:srgbClr val="000066"/>
+                </a:solidFill>
+                <a:latin typeface="微軟正黑體" pitchFamily="34" charset="-120"/>
+                <a:ea typeface="微軟正黑體" pitchFamily="34" charset="-120"/>
+              </a:rPr>
+              <a:t>祢是</a:t>
+            </a:r>
+            <a:r>
+              <a:rPr lang="zh-TW" altLang="en-US" sz="6400" b="1" dirty="0">
+                <a:solidFill>
+                  <a:srgbClr val="000066"/>
+                </a:solidFill>
+                <a:latin typeface="微軟正黑體" pitchFamily="34" charset="-120"/>
+                <a:ea typeface="微軟正黑體" pitchFamily="34" charset="-120"/>
+              </a:rPr>
+              <a:t>我的唯一</a:t>
             </a:r>
             <a:endParaRPr lang="en-US" altLang="zh-TW" sz="6400" b="1" dirty="0">
               <a:solidFill>
@@ -4435,7 +4444,7 @@
         <p:spPr>
           <a:xfrm>
             <a:off x="0" y="5157192"/>
-            <a:ext cx="12192000" cy="748988"/>
+            <a:ext cx="12192000" cy="584775"/>
           </a:xfrm>
           <a:prstGeom prst="rect">
             <a:avLst/>
@@ -4450,7 +4459,7 @@
           <a:p>
             <a:pPr algn="ctr"/>
             <a:r>
-              <a:rPr lang="en-US" sz="4267" b="1" dirty="0">
+              <a:rPr lang="en-US" sz="3200" b="1" dirty="0">
                 <a:solidFill>
                   <a:srgbClr val="000066"/>
                 </a:solidFill>
@@ -4460,7 +4469,7 @@
               <a:t>( </a:t>
             </a:r>
             <a:r>
-              <a:rPr lang="zh-CN" altLang="en-US" sz="4267" b="1" dirty="0">
+              <a:rPr lang="zh-CN" altLang="en-US" sz="3200" b="1" dirty="0">
                 <a:solidFill>
                   <a:srgbClr val="000066"/>
                 </a:solidFill>
@@ -4470,7 +4479,7 @@
               <a:t>副</a:t>
             </a:r>
             <a:r>
-              <a:rPr lang="en-US" altLang="zh-CN" sz="4267" b="1" dirty="0">
+              <a:rPr lang="en-US" altLang="zh-CN" sz="3200" b="1" dirty="0">
                 <a:solidFill>
                   <a:srgbClr val="000066"/>
                 </a:solidFill>
@@ -4480,7 +4489,7 @@
               <a:t> 4</a:t>
             </a:r>
             <a:r>
-              <a:rPr lang="en-US" sz="4267" b="1" dirty="0">
+              <a:rPr lang="en-US" sz="3200" b="1" dirty="0">
                 <a:solidFill>
                   <a:srgbClr val="000066"/>
                 </a:solidFill>
@@ -4489,10 +4498,11 @@
               </a:rPr>
               <a:t> )</a:t>
             </a:r>
-            <a:endParaRPr lang="vi-VN" sz="4267" b="1" dirty="0">
+            <a:endParaRPr lang="vi-VN" sz="3200" b="1" dirty="0">
               <a:solidFill>
                 <a:srgbClr val="000066"/>
               </a:solidFill>
+              <a:latin typeface="Microsoft JhengHei" panose="020B0604030504040204" pitchFamily="34" charset="-120"/>
               <a:ea typeface="Microsoft JhengHei" panose="020B0604030504040204" pitchFamily="34" charset="-120"/>
             </a:endParaRPr>
           </a:p>
@@ -4561,17 +4571,17 @@
                 <a:latin typeface="微軟正黑體" pitchFamily="34" charset="-120"/>
                 <a:ea typeface="微軟正黑體" pitchFamily="34" charset="-120"/>
               </a:rPr>
-              <a:t>單單就是來  愛</a:t>
-            </a:r>
-            <a:r>
-              <a:rPr lang="zh-CN" altLang="en-US" sz="6400" b="1" dirty="0">
-                <a:solidFill>
-                  <a:srgbClr val="000066"/>
-                </a:solidFill>
-                <a:latin typeface="微軟正黑體" pitchFamily="34" charset="-120"/>
-                <a:ea typeface="微軟正黑體" pitchFamily="34" charset="-120"/>
-              </a:rPr>
-              <a:t>袮</a:t>
+              <a:t>單單就是來  </a:t>
+            </a:r>
+            <a:r>
+              <a:rPr lang="zh-TW" altLang="en-US" sz="6400" b="1" dirty="0">
+                <a:solidFill>
+                  <a:srgbClr val="000066"/>
+                </a:solidFill>
+                <a:latin typeface="微軟正黑體" pitchFamily="34" charset="-120"/>
+                <a:ea typeface="微軟正黑體" pitchFamily="34" charset="-120"/>
+              </a:rPr>
+              <a:t>愛祢</a:t>
             </a:r>
             <a:endParaRPr lang="zh-TW" altLang="en-US" sz="6400" b="1" dirty="0">
               <a:solidFill>
@@ -4592,7 +4602,7 @@
         <p:spPr>
           <a:xfrm>
             <a:off x="0" y="5157192"/>
-            <a:ext cx="12192000" cy="748988"/>
+            <a:ext cx="12192000" cy="584775"/>
           </a:xfrm>
           <a:prstGeom prst="rect">
             <a:avLst/>
@@ -4607,7 +4617,7 @@
           <a:p>
             <a:pPr algn="ctr"/>
             <a:r>
-              <a:rPr lang="en-US" sz="4267" b="1" dirty="0">
+              <a:rPr lang="en-US" sz="3200" b="1" dirty="0">
                 <a:solidFill>
                   <a:srgbClr val="000066"/>
                 </a:solidFill>
@@ -4617,7 +4627,7 @@
               <a:t>( </a:t>
             </a:r>
             <a:r>
-              <a:rPr lang="zh-CN" altLang="en-US" sz="4267" b="1" dirty="0">
+              <a:rPr lang="zh-CN" altLang="en-US" sz="3200" b="1" dirty="0">
                 <a:solidFill>
                   <a:srgbClr val="000066"/>
                 </a:solidFill>
@@ -4627,7 +4637,7 @@
               <a:t>副</a:t>
             </a:r>
             <a:r>
-              <a:rPr lang="en-US" altLang="zh-CN" sz="4267" b="1" dirty="0">
+              <a:rPr lang="en-US" altLang="zh-CN" sz="3200" b="1" dirty="0">
                 <a:solidFill>
                   <a:srgbClr val="000066"/>
                 </a:solidFill>
@@ -4637,7 +4647,7 @@
               <a:t> 4</a:t>
             </a:r>
             <a:r>
-              <a:rPr lang="en-US" sz="4267" b="1" dirty="0">
+              <a:rPr lang="en-US" sz="3200" b="1" dirty="0">
                 <a:solidFill>
                   <a:srgbClr val="000066"/>
                 </a:solidFill>
@@ -4646,10 +4656,11 @@
               </a:rPr>
               <a:t> )</a:t>
             </a:r>
-            <a:endParaRPr lang="vi-VN" sz="4267" b="1" dirty="0">
+            <a:endParaRPr lang="vi-VN" sz="3200" b="1" dirty="0">
               <a:solidFill>
                 <a:srgbClr val="000066"/>
               </a:solidFill>
+              <a:latin typeface="Microsoft JhengHei" panose="020B0604030504040204" pitchFamily="34" charset="-120"/>
               <a:ea typeface="Microsoft JhengHei" panose="020B0604030504040204" pitchFamily="34" charset="-120"/>
             </a:endParaRPr>
           </a:p>
@@ -4718,17 +4729,37 @@
                 <a:latin typeface="微軟正黑體" pitchFamily="34" charset="-120"/>
                 <a:ea typeface="微軟正黑體" pitchFamily="34" charset="-120"/>
               </a:rPr>
-              <a:t>獻上我的心給</a:t>
-            </a:r>
-            <a:r>
-              <a:rPr lang="zh-CN" altLang="en-US" sz="6400" b="1" dirty="0">
-                <a:solidFill>
-                  <a:srgbClr val="000066"/>
-                </a:solidFill>
-                <a:latin typeface="微軟正黑體" pitchFamily="34" charset="-120"/>
-                <a:ea typeface="微軟正黑體" pitchFamily="34" charset="-120"/>
-              </a:rPr>
-              <a:t>袮</a:t>
+              <a:t>獻上我的</a:t>
+            </a:r>
+            <a:r>
+              <a:rPr lang="zh-TW" altLang="en-US" sz="6400" b="1" dirty="0">
+                <a:solidFill>
+                  <a:srgbClr val="000066"/>
+                </a:solidFill>
+                <a:latin typeface="微軟正黑體" pitchFamily="34" charset="-120"/>
+                <a:ea typeface="微軟正黑體" pitchFamily="34" charset="-120"/>
+              </a:rPr>
+              <a:t>心</a:t>
+            </a:r>
+            <a:r>
+              <a:rPr lang="zh-TW" altLang="en-US" sz="6400" b="1" dirty="0">
+                <a:solidFill>
+                  <a:srgbClr val="000066"/>
+                </a:solidFill>
+                <a:latin typeface="微軟正黑體" pitchFamily="34" charset="-120"/>
+                <a:ea typeface="微軟正黑體" pitchFamily="34" charset="-120"/>
+              </a:rPr>
+              <a:t>給</a:t>
+            </a:r>
+            <a:r>
+              <a:rPr lang="zh-TW" altLang="en-US" sz="6400" b="1" dirty="0">
+                <a:solidFill>
+                  <a:srgbClr val="000066"/>
+                </a:solidFill>
+                <a:latin typeface="微軟正黑體" pitchFamily="34" charset="-120"/>
+                <a:ea typeface="微軟正黑體" pitchFamily="34" charset="-120"/>
+              </a:rPr>
+              <a:t>祢</a:t>
             </a:r>
             <a:endParaRPr lang="en-US" altLang="zh-TW" sz="6400" b="1" dirty="0">
               <a:solidFill>
@@ -4750,17 +4781,27 @@
                 <a:latin typeface="微軟正黑體" pitchFamily="34" charset="-120"/>
                 <a:ea typeface="微軟正黑體" pitchFamily="34" charset="-120"/>
               </a:rPr>
-              <a:t>獻上我所有為</a:t>
-            </a:r>
-            <a:r>
-              <a:rPr lang="zh-CN" altLang="en-US" sz="6400" b="1" dirty="0">
-                <a:solidFill>
-                  <a:srgbClr val="000066"/>
-                </a:solidFill>
-                <a:latin typeface="微軟正黑體" pitchFamily="34" charset="-120"/>
-                <a:ea typeface="微軟正黑體" pitchFamily="34" charset="-120"/>
-              </a:rPr>
-              <a:t>袮</a:t>
+              <a:t>獻上我所有</a:t>
+            </a:r>
+            <a:r>
+              <a:rPr lang="zh-TW" altLang="en-US" sz="6400" b="1" dirty="0" smtClean="0">
+                <a:solidFill>
+                  <a:srgbClr val="000066"/>
+                </a:solidFill>
+                <a:latin typeface="微軟正黑體" pitchFamily="34" charset="-120"/>
+                <a:ea typeface="微軟正黑體" pitchFamily="34" charset="-120"/>
+              </a:rPr>
+              <a:t>為</a:t>
+            </a:r>
+            <a:r>
+              <a:rPr lang="zh-TW" altLang="en-US" sz="6400" b="1" dirty="0">
+                <a:solidFill>
+                  <a:srgbClr val="000066"/>
+                </a:solidFill>
+                <a:latin typeface="微軟正黑體" pitchFamily="34" charset="-120"/>
+                <a:ea typeface="微軟正黑體" pitchFamily="34" charset="-120"/>
+              </a:rPr>
+              <a:t>祢</a:t>
             </a:r>
             <a:endParaRPr lang="en-US" altLang="zh-TW" sz="6400" b="1" dirty="0">
               <a:solidFill>
@@ -4781,7 +4822,7 @@
         <p:spPr>
           <a:xfrm>
             <a:off x="0" y="5157192"/>
-            <a:ext cx="12192000" cy="748988"/>
+            <a:ext cx="12192000" cy="584775"/>
           </a:xfrm>
           <a:prstGeom prst="rect">
             <a:avLst/>
@@ -4796,7 +4837,7 @@
           <a:p>
             <a:pPr algn="ctr"/>
             <a:r>
-              <a:rPr lang="en-US" sz="4267" b="1" dirty="0">
+              <a:rPr lang="en-US" sz="3200" b="1" dirty="0">
                 <a:solidFill>
                   <a:srgbClr val="000066"/>
                 </a:solidFill>
@@ -4806,7 +4847,7 @@
               <a:t>( </a:t>
             </a:r>
             <a:r>
-              <a:rPr lang="zh-CN" altLang="en-US" sz="4267" b="1" dirty="0">
+              <a:rPr lang="zh-CN" altLang="en-US" sz="3200" b="1" dirty="0">
                 <a:solidFill>
                   <a:srgbClr val="000066"/>
                 </a:solidFill>
@@ -4816,7 +4857,7 @@
               <a:t>正</a:t>
             </a:r>
             <a:r>
-              <a:rPr lang="en-US" sz="4267" b="1" dirty="0">
+              <a:rPr lang="en-US" sz="3200" b="1" dirty="0">
                 <a:solidFill>
                   <a:srgbClr val="000066"/>
                 </a:solidFill>
@@ -4825,7 +4866,7 @@
               </a:rPr>
               <a:t> )</a:t>
             </a:r>
-            <a:endParaRPr lang="vi-VN" sz="4267" b="1" dirty="0">
+            <a:endParaRPr lang="vi-VN" sz="3200" b="1" dirty="0">
               <a:solidFill>
                 <a:srgbClr val="000066"/>
               </a:solidFill>
@@ -4897,27 +4938,27 @@
                 <a:latin typeface="微軟正黑體" pitchFamily="34" charset="-120"/>
                 <a:ea typeface="微軟正黑體" pitchFamily="34" charset="-120"/>
               </a:rPr>
-              <a:t>只願討</a:t>
-            </a:r>
-            <a:r>
-              <a:rPr lang="zh-CN" altLang="en-US" sz="6400" b="1" dirty="0">
-                <a:solidFill>
-                  <a:srgbClr val="000066"/>
-                </a:solidFill>
-                <a:latin typeface="微軟正黑體" pitchFamily="34" charset="-120"/>
-                <a:ea typeface="微軟正黑體" pitchFamily="34" charset="-120"/>
-              </a:rPr>
-              <a:t>袮</a:t>
-            </a:r>
-            <a:r>
-              <a:rPr lang="zh-TW" altLang="en-US" sz="6400" b="1" dirty="0">
-                <a:solidFill>
-                  <a:srgbClr val="000066"/>
-                </a:solidFill>
-                <a:latin typeface="微軟正黑體" pitchFamily="34" charset="-120"/>
-                <a:ea typeface="微軟正黑體" pitchFamily="34" charset="-120"/>
-              </a:rPr>
-              <a:t>喜悅</a:t>
+              <a:t>只願</a:t>
+            </a:r>
+            <a:r>
+              <a:rPr lang="zh-TW" altLang="en-US" sz="6400" b="1" dirty="0">
+                <a:solidFill>
+                  <a:srgbClr val="000066"/>
+                </a:solidFill>
+                <a:latin typeface="微軟正黑體" pitchFamily="34" charset="-120"/>
+                <a:ea typeface="微軟正黑體" pitchFamily="34" charset="-120"/>
+              </a:rPr>
+              <a:t>討祢喜</a:t>
+            </a:r>
+            <a:r>
+              <a:rPr lang="zh-TW" altLang="en-US" sz="6400" b="1" dirty="0">
+                <a:solidFill>
+                  <a:srgbClr val="000066"/>
+                </a:solidFill>
+                <a:latin typeface="微軟正黑體" pitchFamily="34" charset="-120"/>
+                <a:ea typeface="微軟正黑體" pitchFamily="34" charset="-120"/>
+              </a:rPr>
+              <a:t>悅</a:t>
             </a:r>
             <a:endParaRPr lang="en-US" altLang="zh-TW" sz="6400" b="1" dirty="0">
               <a:solidFill>
@@ -4939,27 +4980,27 @@
                 <a:latin typeface="微軟正黑體" pitchFamily="34" charset="-120"/>
                 <a:ea typeface="微軟正黑體" pitchFamily="34" charset="-120"/>
               </a:rPr>
-              <a:t>明白</a:t>
-            </a:r>
-            <a:r>
-              <a:rPr lang="zh-CN" altLang="en-US" sz="6400" b="1" dirty="0">
-                <a:solidFill>
-                  <a:srgbClr val="000066"/>
-                </a:solidFill>
-                <a:latin typeface="微軟正黑體" pitchFamily="34" charset="-120"/>
-                <a:ea typeface="微軟正黑體" pitchFamily="34" charset="-120"/>
-              </a:rPr>
-              <a:t>袮</a:t>
-            </a:r>
-            <a:r>
-              <a:rPr lang="zh-TW" altLang="en-US" sz="6400" b="1" dirty="0">
-                <a:solidFill>
-                  <a:srgbClr val="000066"/>
-                </a:solidFill>
-                <a:latin typeface="微軟正黑體" pitchFamily="34" charset="-120"/>
-                <a:ea typeface="微軟正黑體" pitchFamily="34" charset="-120"/>
-              </a:rPr>
-              <a:t>旨意  哦主</a:t>
+              <a:t>明</a:t>
+            </a:r>
+            <a:r>
+              <a:rPr lang="zh-TW" altLang="en-US" sz="6400" b="1" dirty="0">
+                <a:solidFill>
+                  <a:srgbClr val="000066"/>
+                </a:solidFill>
+                <a:latin typeface="微軟正黑體" pitchFamily="34" charset="-120"/>
+                <a:ea typeface="微軟正黑體" pitchFamily="34" charset="-120"/>
+              </a:rPr>
+              <a:t>白祢旨</a:t>
+            </a:r>
+            <a:r>
+              <a:rPr lang="zh-TW" altLang="en-US" sz="6400" b="1" dirty="0">
+                <a:solidFill>
+                  <a:srgbClr val="000066"/>
+                </a:solidFill>
+                <a:latin typeface="微軟正黑體" pitchFamily="34" charset="-120"/>
+                <a:ea typeface="微軟正黑體" pitchFamily="34" charset="-120"/>
+              </a:rPr>
+              <a:t>意  哦主</a:t>
             </a:r>
             <a:endParaRPr lang="en-US" altLang="zh-TW" sz="6400" b="1" dirty="0">
               <a:solidFill>
@@ -4980,7 +5021,7 @@
         <p:spPr>
           <a:xfrm>
             <a:off x="0" y="5157192"/>
-            <a:ext cx="12192000" cy="748988"/>
+            <a:ext cx="12192000" cy="584775"/>
           </a:xfrm>
           <a:prstGeom prst="rect">
             <a:avLst/>
@@ -4995,7 +5036,7 @@
           <a:p>
             <a:pPr algn="ctr"/>
             <a:r>
-              <a:rPr lang="en-US" sz="4267" b="1" dirty="0">
+              <a:rPr lang="en-US" sz="3200" b="1" dirty="0">
                 <a:solidFill>
                   <a:srgbClr val="000066"/>
                 </a:solidFill>
@@ -5005,7 +5046,7 @@
               <a:t>( </a:t>
             </a:r>
             <a:r>
-              <a:rPr lang="zh-CN" altLang="en-US" sz="4267" b="1" dirty="0">
+              <a:rPr lang="zh-CN" altLang="en-US" sz="3200" b="1" dirty="0">
                 <a:solidFill>
                   <a:srgbClr val="000066"/>
                 </a:solidFill>
@@ -5015,7 +5056,7 @@
               <a:t>正</a:t>
             </a:r>
             <a:r>
-              <a:rPr lang="en-US" sz="4267" b="1" dirty="0">
+              <a:rPr lang="en-US" sz="3200" b="1" dirty="0">
                 <a:solidFill>
                   <a:srgbClr val="000066"/>
                 </a:solidFill>
@@ -5024,10 +5065,11 @@
               </a:rPr>
               <a:t> )</a:t>
             </a:r>
-            <a:endParaRPr lang="vi-VN" sz="4267" b="1" dirty="0">
+            <a:endParaRPr lang="vi-VN" sz="3200" b="1" dirty="0">
               <a:solidFill>
                 <a:srgbClr val="000066"/>
               </a:solidFill>
+              <a:latin typeface="Microsoft JhengHei" panose="020B0604030504040204" pitchFamily="34" charset="-120"/>
               <a:ea typeface="Microsoft JhengHei" panose="020B0604030504040204" pitchFamily="34" charset="-120"/>
             </a:endParaRPr>
           </a:p>
@@ -5096,17 +5138,17 @@
                 <a:latin typeface="微軟正黑體" pitchFamily="34" charset="-120"/>
                 <a:ea typeface="微軟正黑體" pitchFamily="34" charset="-120"/>
               </a:rPr>
-              <a:t>獻上我的心給</a:t>
-            </a:r>
-            <a:r>
-              <a:rPr lang="zh-CN" altLang="en-US" sz="6400" b="1" dirty="0">
-                <a:solidFill>
-                  <a:srgbClr val="000066"/>
-                </a:solidFill>
-                <a:latin typeface="微軟正黑體" pitchFamily="34" charset="-120"/>
-                <a:ea typeface="微軟正黑體" pitchFamily="34" charset="-120"/>
-              </a:rPr>
-              <a:t>袮</a:t>
+              <a:t>獻上我的心</a:t>
+            </a:r>
+            <a:r>
+              <a:rPr lang="zh-TW" altLang="en-US" sz="6400" b="1" dirty="0">
+                <a:solidFill>
+                  <a:srgbClr val="000066"/>
+                </a:solidFill>
+                <a:latin typeface="微軟正黑體" pitchFamily="34" charset="-120"/>
+                <a:ea typeface="微軟正黑體" pitchFamily="34" charset="-120"/>
+              </a:rPr>
+              <a:t>給祢</a:t>
             </a:r>
             <a:endParaRPr lang="en-US" altLang="zh-TW" sz="6400" b="1" dirty="0">
               <a:solidFill>
@@ -5128,17 +5170,17 @@
                 <a:latin typeface="微軟正黑體" pitchFamily="34" charset="-120"/>
                 <a:ea typeface="微軟正黑體" pitchFamily="34" charset="-120"/>
               </a:rPr>
-              <a:t>獻上我所有為</a:t>
-            </a:r>
-            <a:r>
-              <a:rPr lang="zh-CN" altLang="en-US" sz="6400" b="1" dirty="0">
-                <a:solidFill>
-                  <a:srgbClr val="000066"/>
-                </a:solidFill>
-                <a:latin typeface="微軟正黑體" pitchFamily="34" charset="-120"/>
-                <a:ea typeface="微軟正黑體" pitchFamily="34" charset="-120"/>
-              </a:rPr>
-              <a:t>袮</a:t>
+              <a:t>獻上我所有</a:t>
+            </a:r>
+            <a:r>
+              <a:rPr lang="zh-TW" altLang="en-US" sz="6400" b="1" dirty="0">
+                <a:solidFill>
+                  <a:srgbClr val="000066"/>
+                </a:solidFill>
+                <a:latin typeface="微軟正黑體" pitchFamily="34" charset="-120"/>
+                <a:ea typeface="微軟正黑體" pitchFamily="34" charset="-120"/>
+              </a:rPr>
+              <a:t>為祢</a:t>
             </a:r>
             <a:endParaRPr lang="en-US" altLang="zh-TW" sz="6400" b="1" dirty="0">
               <a:solidFill>
@@ -5159,7 +5201,7 @@
         <p:spPr>
           <a:xfrm>
             <a:off x="0" y="5157192"/>
-            <a:ext cx="12192000" cy="748988"/>
+            <a:ext cx="12192000" cy="584775"/>
           </a:xfrm>
           <a:prstGeom prst="rect">
             <a:avLst/>
@@ -5174,7 +5216,7 @@
           <a:p>
             <a:pPr algn="ctr"/>
             <a:r>
-              <a:rPr lang="en-US" sz="4267" b="1" dirty="0">
+              <a:rPr lang="en-US" sz="3200" b="1" dirty="0">
                 <a:solidFill>
                   <a:srgbClr val="000066"/>
                 </a:solidFill>
@@ -5184,7 +5226,7 @@
               <a:t>( </a:t>
             </a:r>
             <a:r>
-              <a:rPr lang="zh-CN" altLang="en-US" sz="4267" b="1" dirty="0">
+              <a:rPr lang="zh-CN" altLang="en-US" sz="3200" b="1" dirty="0">
                 <a:solidFill>
                   <a:srgbClr val="000066"/>
                 </a:solidFill>
@@ -5194,7 +5236,7 @@
               <a:t>正</a:t>
             </a:r>
             <a:r>
-              <a:rPr lang="en-US" sz="4267" b="1" dirty="0">
+              <a:rPr lang="en-US" sz="3200" b="1" dirty="0">
                 <a:solidFill>
                   <a:srgbClr val="000066"/>
                 </a:solidFill>
@@ -5203,10 +5245,11 @@
               </a:rPr>
               <a:t> )</a:t>
             </a:r>
-            <a:endParaRPr lang="vi-VN" sz="4267" b="1" dirty="0">
+            <a:endParaRPr lang="vi-VN" sz="3200" b="1" dirty="0">
               <a:solidFill>
                 <a:srgbClr val="000066"/>
               </a:solidFill>
+              <a:latin typeface="Microsoft JhengHei" panose="020B0604030504040204" pitchFamily="34" charset="-120"/>
               <a:ea typeface="Microsoft JhengHei" panose="020B0604030504040204" pitchFamily="34" charset="-120"/>
             </a:endParaRPr>
           </a:p>
@@ -5275,27 +5318,27 @@
                 <a:latin typeface="微軟正黑體" pitchFamily="34" charset="-120"/>
                 <a:ea typeface="微軟正黑體" pitchFamily="34" charset="-120"/>
               </a:rPr>
-              <a:t>只願討</a:t>
-            </a:r>
-            <a:r>
-              <a:rPr lang="zh-CN" altLang="en-US" sz="6400" b="1" dirty="0">
-                <a:solidFill>
-                  <a:srgbClr val="000066"/>
-                </a:solidFill>
-                <a:latin typeface="微軟正黑體" pitchFamily="34" charset="-120"/>
-                <a:ea typeface="微軟正黑體" pitchFamily="34" charset="-120"/>
-              </a:rPr>
-              <a:t>袮</a:t>
-            </a:r>
-            <a:r>
-              <a:rPr lang="zh-TW" altLang="en-US" sz="6400" b="1" dirty="0">
-                <a:solidFill>
-                  <a:srgbClr val="000066"/>
-                </a:solidFill>
-                <a:latin typeface="微軟正黑體" pitchFamily="34" charset="-120"/>
-                <a:ea typeface="微軟正黑體" pitchFamily="34" charset="-120"/>
-              </a:rPr>
-              <a:t>喜悅</a:t>
+              <a:t>只願</a:t>
+            </a:r>
+            <a:r>
+              <a:rPr lang="zh-TW" altLang="en-US" sz="6400" b="1" dirty="0">
+                <a:solidFill>
+                  <a:srgbClr val="000066"/>
+                </a:solidFill>
+                <a:latin typeface="微軟正黑體" pitchFamily="34" charset="-120"/>
+                <a:ea typeface="微軟正黑體" pitchFamily="34" charset="-120"/>
+              </a:rPr>
+              <a:t>討祢喜</a:t>
+            </a:r>
+            <a:r>
+              <a:rPr lang="zh-TW" altLang="en-US" sz="6400" b="1" dirty="0">
+                <a:solidFill>
+                  <a:srgbClr val="000066"/>
+                </a:solidFill>
+                <a:latin typeface="微軟正黑體" pitchFamily="34" charset="-120"/>
+                <a:ea typeface="微軟正黑體" pitchFamily="34" charset="-120"/>
+              </a:rPr>
+              <a:t>悅</a:t>
             </a:r>
             <a:r>
               <a:rPr lang="en-US" altLang="zh-TW" sz="6400" b="1" dirty="0">
@@ -5315,35 +5358,28 @@
                 <a:latin typeface="微軟正黑體" pitchFamily="34" charset="-120"/>
                 <a:ea typeface="微軟正黑體" pitchFamily="34" charset="-120"/>
               </a:rPr>
-              <a:t>明白</a:t>
-            </a:r>
-            <a:r>
-              <a:rPr lang="zh-CN" altLang="en-US" sz="6400" b="1" dirty="0">
-                <a:solidFill>
-                  <a:srgbClr val="000066"/>
-                </a:solidFill>
-                <a:latin typeface="微軟正黑體" pitchFamily="34" charset="-120"/>
-                <a:ea typeface="微軟正黑體" pitchFamily="34" charset="-120"/>
-              </a:rPr>
-              <a:t>袮</a:t>
-            </a:r>
-            <a:r>
-              <a:rPr lang="zh-TW" altLang="en-US" sz="6400" b="1" dirty="0">
-                <a:solidFill>
-                  <a:srgbClr val="000066"/>
-                </a:solidFill>
-                <a:latin typeface="微軟正黑體" pitchFamily="34" charset="-120"/>
-                <a:ea typeface="微軟正黑體" pitchFamily="34" charset="-120"/>
-              </a:rPr>
-              <a:t>旨意</a:t>
-            </a:r>
-            <a:endParaRPr lang="zh-TW" altLang="en-US" sz="6400" b="1" dirty="0">
-              <a:solidFill>
-                <a:srgbClr val="000066"/>
-              </a:solidFill>
-              <a:latin typeface="微軟正黑體" pitchFamily="34" charset="-120"/>
-              <a:ea typeface="微軟正黑體" pitchFamily="34" charset="-120"/>
-            </a:endParaRPr>
+              <a:t>明</a:t>
+            </a:r>
+            <a:r>
+              <a:rPr lang="zh-TW" altLang="en-US" sz="6400" b="1" dirty="0">
+                <a:solidFill>
+                  <a:srgbClr val="000066"/>
+                </a:solidFill>
+                <a:latin typeface="微軟正黑體" pitchFamily="34" charset="-120"/>
+                <a:ea typeface="微軟正黑體" pitchFamily="34" charset="-120"/>
+              </a:rPr>
+              <a:t>白祢旨</a:t>
+            </a:r>
+            <a:r>
+              <a:rPr lang="zh-TW" altLang="en-US" sz="6400" b="1" dirty="0">
+                <a:solidFill>
+                  <a:srgbClr val="000066"/>
+                </a:solidFill>
+                <a:latin typeface="微軟正黑體" pitchFamily="34" charset="-120"/>
+                <a:ea typeface="微軟正黑體" pitchFamily="34" charset="-120"/>
+              </a:rPr>
+              <a:t>意</a:t>
+            </a:r>
           </a:p>
         </p:txBody>
       </p:sp>
@@ -5356,7 +5392,7 @@
         <p:spPr>
           <a:xfrm>
             <a:off x="0" y="5157192"/>
-            <a:ext cx="12192000" cy="748988"/>
+            <a:ext cx="12192000" cy="584775"/>
           </a:xfrm>
           <a:prstGeom prst="rect">
             <a:avLst/>
@@ -5371,7 +5407,7 @@
           <a:p>
             <a:pPr algn="ctr"/>
             <a:r>
-              <a:rPr lang="en-US" sz="4267" b="1" dirty="0">
+              <a:rPr lang="en-US" sz="3200" b="1" dirty="0">
                 <a:solidFill>
                   <a:srgbClr val="000066"/>
                 </a:solidFill>
@@ -5381,7 +5417,7 @@
               <a:t>( </a:t>
             </a:r>
             <a:r>
-              <a:rPr lang="zh-CN" altLang="en-US" sz="4267" b="1" dirty="0">
+              <a:rPr lang="zh-CN" altLang="en-US" sz="3200" b="1" dirty="0">
                 <a:solidFill>
                   <a:srgbClr val="000066"/>
                 </a:solidFill>
@@ -5391,7 +5427,7 @@
               <a:t>正</a:t>
             </a:r>
             <a:r>
-              <a:rPr lang="en-US" sz="4267" b="1" dirty="0">
+              <a:rPr lang="en-US" sz="3200" b="1" dirty="0">
                 <a:solidFill>
                   <a:srgbClr val="000066"/>
                 </a:solidFill>
@@ -5400,10 +5436,11 @@
               </a:rPr>
               <a:t> )</a:t>
             </a:r>
-            <a:endParaRPr lang="vi-VN" sz="4267" b="1" dirty="0">
+            <a:endParaRPr lang="vi-VN" sz="3200" b="1" dirty="0">
               <a:solidFill>
                 <a:srgbClr val="000066"/>
               </a:solidFill>
+              <a:latin typeface="Microsoft JhengHei" panose="020B0604030504040204" pitchFamily="34" charset="-120"/>
               <a:ea typeface="Microsoft JhengHei" panose="020B0604030504040204" pitchFamily="34" charset="-120"/>
             </a:endParaRPr>
           </a:p>
@@ -5472,27 +5509,37 @@
                 <a:latin typeface="微軟正黑體" pitchFamily="34" charset="-120"/>
                 <a:ea typeface="微軟正黑體" pitchFamily="34" charset="-120"/>
               </a:rPr>
-              <a:t>我敬拜</a:t>
-            </a:r>
-            <a:r>
-              <a:rPr lang="zh-CN" altLang="en-US" sz="6400" b="1" dirty="0">
-                <a:solidFill>
-                  <a:srgbClr val="000066"/>
-                </a:solidFill>
-                <a:latin typeface="微軟正黑體" pitchFamily="34" charset="-120"/>
-                <a:ea typeface="微軟正黑體" pitchFamily="34" charset="-120"/>
-              </a:rPr>
-              <a:t>袮  </a:t>
-            </a:r>
-            <a:r>
-              <a:rPr lang="zh-TW" altLang="en-US" sz="6400" b="1" dirty="0">
-                <a:solidFill>
-                  <a:srgbClr val="000066"/>
-                </a:solidFill>
-                <a:latin typeface="微軟正黑體" pitchFamily="34" charset="-120"/>
-                <a:ea typeface="微軟正黑體" pitchFamily="34" charset="-120"/>
-              </a:rPr>
-              <a:t>用全心全意全人</a:t>
+              <a:t>我敬</a:t>
+            </a:r>
+            <a:r>
+              <a:rPr lang="zh-TW" altLang="en-US" sz="6400" b="1" dirty="0">
+                <a:solidFill>
+                  <a:srgbClr val="000066"/>
+                </a:solidFill>
+                <a:latin typeface="微軟正黑體" pitchFamily="34" charset="-120"/>
+                <a:ea typeface="微軟正黑體" pitchFamily="34" charset="-120"/>
+              </a:rPr>
+              <a:t>拜</a:t>
+            </a:r>
+            <a:r>
+              <a:rPr lang="zh-TW" altLang="en-US" sz="6400" b="1" dirty="0" smtClean="0">
+                <a:solidFill>
+                  <a:srgbClr val="000066"/>
+                </a:solidFill>
+                <a:latin typeface="微軟正黑體" pitchFamily="34" charset="-120"/>
+                <a:ea typeface="微軟正黑體" pitchFamily="34" charset="-120"/>
+              </a:rPr>
+              <a:t>祢  用</a:t>
+            </a:r>
+            <a:r>
+              <a:rPr lang="zh-TW" altLang="en-US" sz="6400" b="1" dirty="0">
+                <a:solidFill>
+                  <a:srgbClr val="000066"/>
+                </a:solidFill>
+                <a:latin typeface="微軟正黑體" pitchFamily="34" charset="-120"/>
+                <a:ea typeface="微軟正黑體" pitchFamily="34" charset="-120"/>
+              </a:rPr>
+              <a:t>全心全意全人</a:t>
             </a:r>
             <a:endParaRPr lang="en-US" altLang="zh-TW" sz="6400" b="1" dirty="0">
               <a:solidFill>
@@ -5514,27 +5561,37 @@
                 <a:latin typeface="微軟正黑體" pitchFamily="34" charset="-120"/>
                 <a:ea typeface="微軟正黑體" pitchFamily="34" charset="-120"/>
               </a:rPr>
-              <a:t>我敬拜</a:t>
-            </a:r>
-            <a:r>
-              <a:rPr lang="zh-CN" altLang="en-US" sz="6400" b="1" dirty="0">
-                <a:solidFill>
-                  <a:srgbClr val="000066"/>
-                </a:solidFill>
-                <a:latin typeface="微軟正黑體" pitchFamily="34" charset="-120"/>
-                <a:ea typeface="微軟正黑體" pitchFamily="34" charset="-120"/>
-              </a:rPr>
-              <a:t>袮  </a:t>
-            </a:r>
-            <a:r>
-              <a:rPr lang="zh-TW" altLang="en-US" sz="6400" b="1" dirty="0">
-                <a:solidFill>
-                  <a:srgbClr val="000066"/>
-                </a:solidFill>
-                <a:latin typeface="微軟正黑體" pitchFamily="34" charset="-120"/>
-                <a:ea typeface="微軟正黑體" pitchFamily="34" charset="-120"/>
-              </a:rPr>
-              <a:t>超越所有的一切</a:t>
+              <a:t>我敬</a:t>
+            </a:r>
+            <a:r>
+              <a:rPr lang="zh-TW" altLang="en-US" sz="6400" b="1" dirty="0">
+                <a:solidFill>
+                  <a:srgbClr val="000066"/>
+                </a:solidFill>
+                <a:latin typeface="微軟正黑體" pitchFamily="34" charset="-120"/>
+                <a:ea typeface="微軟正黑體" pitchFamily="34" charset="-120"/>
+              </a:rPr>
+              <a:t>拜</a:t>
+            </a:r>
+            <a:r>
+              <a:rPr lang="zh-TW" altLang="en-US" sz="6400" b="1" dirty="0" smtClean="0">
+                <a:solidFill>
+                  <a:srgbClr val="000066"/>
+                </a:solidFill>
+                <a:latin typeface="微軟正黑體" pitchFamily="34" charset="-120"/>
+                <a:ea typeface="微軟正黑體" pitchFamily="34" charset="-120"/>
+              </a:rPr>
+              <a:t>祢  超</a:t>
+            </a:r>
+            <a:r>
+              <a:rPr lang="zh-TW" altLang="en-US" sz="6400" b="1" dirty="0">
+                <a:solidFill>
+                  <a:srgbClr val="000066"/>
+                </a:solidFill>
+                <a:latin typeface="微軟正黑體" pitchFamily="34" charset="-120"/>
+                <a:ea typeface="微軟正黑體" pitchFamily="34" charset="-120"/>
+              </a:rPr>
+              <a:t>越所有的一切</a:t>
             </a:r>
             <a:endParaRPr lang="en-US" altLang="zh-TW" sz="6400" b="1" dirty="0">
               <a:solidFill>
@@ -5555,7 +5612,7 @@
         <p:spPr>
           <a:xfrm>
             <a:off x="0" y="5157192"/>
-            <a:ext cx="12192000" cy="748988"/>
+            <a:ext cx="12192000" cy="584775"/>
           </a:xfrm>
           <a:prstGeom prst="rect">
             <a:avLst/>
@@ -5570,7 +5627,7 @@
           <a:p>
             <a:pPr algn="ctr"/>
             <a:r>
-              <a:rPr lang="en-US" sz="4267" b="1" dirty="0">
+              <a:rPr lang="en-US" sz="3200" b="1" dirty="0">
                 <a:solidFill>
                   <a:srgbClr val="000066"/>
                 </a:solidFill>
@@ -5580,7 +5637,7 @@
               <a:t>( </a:t>
             </a:r>
             <a:r>
-              <a:rPr lang="zh-CN" altLang="en-US" sz="4267" b="1" dirty="0">
+              <a:rPr lang="zh-CN" altLang="en-US" sz="3200" b="1" dirty="0">
                 <a:solidFill>
                   <a:srgbClr val="000066"/>
                 </a:solidFill>
@@ -5590,7 +5647,7 @@
               <a:t>副</a:t>
             </a:r>
             <a:r>
-              <a:rPr lang="en-US" altLang="zh-CN" sz="4267" b="1" dirty="0">
+              <a:rPr lang="en-US" altLang="zh-CN" sz="3200" b="1" dirty="0">
                 <a:solidFill>
                   <a:srgbClr val="000066"/>
                 </a:solidFill>
@@ -5600,7 +5657,7 @@
               <a:t> 1</a:t>
             </a:r>
             <a:r>
-              <a:rPr lang="en-US" sz="4267" b="1" dirty="0">
+              <a:rPr lang="en-US" sz="3200" b="1" dirty="0">
                 <a:solidFill>
                   <a:srgbClr val="000066"/>
                 </a:solidFill>
@@ -5609,10 +5666,11 @@
               </a:rPr>
               <a:t> )</a:t>
             </a:r>
-            <a:endParaRPr lang="vi-VN" sz="4267" b="1" dirty="0">
+            <a:endParaRPr lang="vi-VN" sz="3200" b="1" dirty="0">
               <a:solidFill>
                 <a:srgbClr val="000066"/>
               </a:solidFill>
+              <a:latin typeface="Microsoft JhengHei" panose="020B0604030504040204" pitchFamily="34" charset="-120"/>
               <a:ea typeface="Microsoft JhengHei" panose="020B0604030504040204" pitchFamily="34" charset="-120"/>
             </a:endParaRPr>
           </a:p>
@@ -5681,47 +5739,47 @@
                 <a:latin typeface="微軟正黑體" pitchFamily="34" charset="-120"/>
                 <a:ea typeface="微軟正黑體" pitchFamily="34" charset="-120"/>
               </a:rPr>
-              <a:t>我敬拜</a:t>
-            </a:r>
-            <a:r>
-              <a:rPr lang="zh-CN" altLang="en-US" sz="6400" b="1" dirty="0">
-                <a:solidFill>
-                  <a:srgbClr val="000066"/>
-                </a:solidFill>
-                <a:latin typeface="微軟正黑體" pitchFamily="34" charset="-120"/>
-                <a:ea typeface="微軟正黑體" pitchFamily="34" charset="-120"/>
-              </a:rPr>
-              <a:t>袮  </a:t>
-            </a:r>
-            <a:r>
-              <a:rPr lang="zh-TW" altLang="en-US" sz="6400" b="1" dirty="0">
-                <a:solidFill>
-                  <a:srgbClr val="000066"/>
-                </a:solidFill>
-                <a:latin typeface="微軟正黑體" pitchFamily="34" charset="-120"/>
-                <a:ea typeface="微軟正黑體" pitchFamily="34" charset="-120"/>
-              </a:rPr>
-              <a:t>因</a:t>
-            </a:r>
-            <a:r>
-              <a:rPr lang="zh-CN" altLang="en-US" sz="6400" b="1" dirty="0">
-                <a:solidFill>
-                  <a:srgbClr val="000066"/>
-                </a:solidFill>
-                <a:latin typeface="微軟正黑體" pitchFamily="34" charset="-120"/>
-                <a:ea typeface="微軟正黑體" pitchFamily="34" charset="-120"/>
-              </a:rPr>
-              <a:t>袮</a:t>
-            </a:r>
-            <a:r>
-              <a:rPr lang="zh-TW" altLang="en-US" sz="6400" b="1" dirty="0">
-                <a:solidFill>
-                  <a:srgbClr val="000066"/>
-                </a:solidFill>
-                <a:latin typeface="微軟正黑體" pitchFamily="34" charset="-120"/>
-                <a:ea typeface="微軟正黑體" pitchFamily="34" charset="-120"/>
-              </a:rPr>
-              <a:t>是我的唯一</a:t>
+              <a:t>我敬</a:t>
+            </a:r>
+            <a:r>
+              <a:rPr lang="zh-TW" altLang="en-US" sz="6400" b="1" dirty="0">
+                <a:solidFill>
+                  <a:srgbClr val="000066"/>
+                </a:solidFill>
+                <a:latin typeface="微軟正黑體" pitchFamily="34" charset="-120"/>
+                <a:ea typeface="微軟正黑體" pitchFamily="34" charset="-120"/>
+              </a:rPr>
+              <a:t>拜</a:t>
+            </a:r>
+            <a:r>
+              <a:rPr lang="zh-TW" altLang="en-US" sz="6400" b="1" dirty="0" smtClean="0">
+                <a:solidFill>
+                  <a:srgbClr val="000066"/>
+                </a:solidFill>
+                <a:latin typeface="微軟正黑體" pitchFamily="34" charset="-120"/>
+                <a:ea typeface="微軟正黑體" pitchFamily="34" charset="-120"/>
+              </a:rPr>
+              <a:t>祢  因</a:t>
+            </a:r>
+            <a:r>
+              <a:rPr lang="zh-TW" altLang="en-US" sz="6400" b="1" dirty="0">
+                <a:solidFill>
+                  <a:srgbClr val="000066"/>
+                </a:solidFill>
+                <a:latin typeface="微軟正黑體" pitchFamily="34" charset="-120"/>
+                <a:ea typeface="微軟正黑體" pitchFamily="34" charset="-120"/>
+              </a:rPr>
+              <a:t>祢是</a:t>
+            </a:r>
+            <a:r>
+              <a:rPr lang="zh-TW" altLang="en-US" sz="6400" b="1" dirty="0">
+                <a:solidFill>
+                  <a:srgbClr val="000066"/>
+                </a:solidFill>
+                <a:latin typeface="微軟正黑體" pitchFamily="34" charset="-120"/>
+                <a:ea typeface="微軟正黑體" pitchFamily="34" charset="-120"/>
+              </a:rPr>
+              <a:t>我的唯一</a:t>
             </a:r>
             <a:endParaRPr lang="en-US" altLang="zh-TW" sz="6400" b="1" dirty="0">
               <a:solidFill>
@@ -5764,7 +5822,7 @@
         <p:spPr>
           <a:xfrm>
             <a:off x="0" y="5157192"/>
-            <a:ext cx="12192000" cy="748988"/>
+            <a:ext cx="12192000" cy="584775"/>
           </a:xfrm>
           <a:prstGeom prst="rect">
             <a:avLst/>
@@ -5779,7 +5837,7 @@
           <a:p>
             <a:pPr algn="ctr"/>
             <a:r>
-              <a:rPr lang="en-US" sz="4267" b="1" dirty="0">
+              <a:rPr lang="en-US" sz="3200" b="1" dirty="0">
                 <a:solidFill>
                   <a:srgbClr val="000066"/>
                 </a:solidFill>
@@ -5789,7 +5847,7 @@
               <a:t>( </a:t>
             </a:r>
             <a:r>
-              <a:rPr lang="zh-CN" altLang="en-US" sz="4267" b="1" dirty="0">
+              <a:rPr lang="zh-CN" altLang="en-US" sz="3200" b="1" dirty="0">
                 <a:solidFill>
                   <a:srgbClr val="000066"/>
                 </a:solidFill>
@@ -5799,7 +5857,7 @@
               <a:t>副</a:t>
             </a:r>
             <a:r>
-              <a:rPr lang="en-US" altLang="zh-CN" sz="4267" b="1" dirty="0">
+              <a:rPr lang="en-US" altLang="zh-CN" sz="3200" b="1" dirty="0">
                 <a:solidFill>
                   <a:srgbClr val="000066"/>
                 </a:solidFill>
@@ -5809,7 +5867,7 @@
               <a:t> 1</a:t>
             </a:r>
             <a:r>
-              <a:rPr lang="en-US" sz="4267" b="1" dirty="0">
+              <a:rPr lang="en-US" sz="3200" b="1" dirty="0">
                 <a:solidFill>
                   <a:srgbClr val="000066"/>
                 </a:solidFill>
@@ -5818,10 +5876,11 @@
               </a:rPr>
               <a:t> )</a:t>
             </a:r>
-            <a:endParaRPr lang="vi-VN" sz="4267" b="1" dirty="0">
+            <a:endParaRPr lang="vi-VN" sz="3200" b="1" dirty="0">
               <a:solidFill>
                 <a:srgbClr val="000066"/>
               </a:solidFill>
+              <a:latin typeface="Microsoft JhengHei" panose="020B0604030504040204" pitchFamily="34" charset="-120"/>
               <a:ea typeface="Microsoft JhengHei" panose="020B0604030504040204" pitchFamily="34" charset="-120"/>
             </a:endParaRPr>
           </a:p>
@@ -5890,17 +5949,17 @@
                 <a:latin typeface="微軟正黑體" pitchFamily="34" charset="-120"/>
                 <a:ea typeface="微軟正黑體" pitchFamily="34" charset="-120"/>
               </a:rPr>
-              <a:t>單單就是來  愛</a:t>
-            </a:r>
-            <a:r>
-              <a:rPr lang="zh-CN" altLang="en-US" sz="6400" b="1" dirty="0">
-                <a:solidFill>
-                  <a:srgbClr val="000066"/>
-                </a:solidFill>
-                <a:latin typeface="微軟正黑體" pitchFamily="34" charset="-120"/>
-                <a:ea typeface="微軟正黑體" pitchFamily="34" charset="-120"/>
-              </a:rPr>
-              <a:t>袮</a:t>
+              <a:t>單單就是來  </a:t>
+            </a:r>
+            <a:r>
+              <a:rPr lang="zh-TW" altLang="en-US" sz="6400" b="1" dirty="0">
+                <a:solidFill>
+                  <a:srgbClr val="000066"/>
+                </a:solidFill>
+                <a:latin typeface="微軟正黑體" pitchFamily="34" charset="-120"/>
+                <a:ea typeface="微軟正黑體" pitchFamily="34" charset="-120"/>
+              </a:rPr>
+              <a:t>愛祢</a:t>
             </a:r>
             <a:endParaRPr lang="zh-TW" altLang="en-US" sz="6400" b="1" dirty="0">
               <a:solidFill>
@@ -5921,7 +5980,7 @@
         <p:spPr>
           <a:xfrm>
             <a:off x="0" y="5157192"/>
-            <a:ext cx="12192000" cy="748988"/>
+            <a:ext cx="12192000" cy="584775"/>
           </a:xfrm>
           <a:prstGeom prst="rect">
             <a:avLst/>
@@ -5936,7 +5995,7 @@
           <a:p>
             <a:pPr algn="ctr"/>
             <a:r>
-              <a:rPr lang="en-US" sz="4267" b="1" dirty="0">
+              <a:rPr lang="en-US" sz="3200" b="1" dirty="0">
                 <a:solidFill>
                   <a:srgbClr val="000066"/>
                 </a:solidFill>
@@ -5946,7 +6005,7 @@
               <a:t>( </a:t>
             </a:r>
             <a:r>
-              <a:rPr lang="zh-CN" altLang="en-US" sz="4267" b="1" dirty="0">
+              <a:rPr lang="zh-CN" altLang="en-US" sz="3200" b="1" dirty="0">
                 <a:solidFill>
                   <a:srgbClr val="000066"/>
                 </a:solidFill>
@@ -5956,7 +6015,7 @@
               <a:t>副</a:t>
             </a:r>
             <a:r>
-              <a:rPr lang="en-US" altLang="zh-CN" sz="4267" b="1" dirty="0">
+              <a:rPr lang="en-US" altLang="zh-CN" sz="3200" b="1" dirty="0">
                 <a:solidFill>
                   <a:srgbClr val="000066"/>
                 </a:solidFill>
@@ -5966,7 +6025,7 @@
               <a:t> 1</a:t>
             </a:r>
             <a:r>
-              <a:rPr lang="en-US" sz="4267" b="1" dirty="0">
+              <a:rPr lang="en-US" sz="3200" b="1" dirty="0">
                 <a:solidFill>
                   <a:srgbClr val="000066"/>
                 </a:solidFill>
@@ -5975,10 +6034,11 @@
               </a:rPr>
               <a:t> )</a:t>
             </a:r>
-            <a:endParaRPr lang="vi-VN" sz="4267" b="1" dirty="0">
+            <a:endParaRPr lang="vi-VN" sz="3200" b="1" dirty="0">
               <a:solidFill>
                 <a:srgbClr val="000066"/>
               </a:solidFill>
+              <a:latin typeface="Microsoft JhengHei" panose="020B0604030504040204" pitchFamily="34" charset="-120"/>
               <a:ea typeface="Microsoft JhengHei" panose="020B0604030504040204" pitchFamily="34" charset="-120"/>
             </a:endParaRPr>
           </a:p>
@@ -6047,27 +6107,37 @@
                 <a:latin typeface="微軟正黑體" pitchFamily="34" charset="-120"/>
                 <a:ea typeface="微軟正黑體" pitchFamily="34" charset="-120"/>
               </a:rPr>
-              <a:t>我渴慕</a:t>
-            </a:r>
-            <a:r>
-              <a:rPr lang="zh-CN" altLang="en-US" sz="6400" b="1" dirty="0">
-                <a:solidFill>
-                  <a:srgbClr val="000066"/>
-                </a:solidFill>
-                <a:latin typeface="微軟正黑體" pitchFamily="34" charset="-120"/>
-                <a:ea typeface="微軟正黑體" pitchFamily="34" charset="-120"/>
-              </a:rPr>
-              <a:t>袮  </a:t>
-            </a:r>
-            <a:r>
-              <a:rPr lang="zh-TW" altLang="en-US" sz="6400" b="1" dirty="0">
-                <a:solidFill>
-                  <a:srgbClr val="000066"/>
-                </a:solidFill>
-                <a:latin typeface="微軟正黑體" pitchFamily="34" charset="-120"/>
-                <a:ea typeface="微軟正黑體" pitchFamily="34" charset="-120"/>
-              </a:rPr>
-              <a:t>用全心全意全人</a:t>
+              <a:t>我渴</a:t>
+            </a:r>
+            <a:r>
+              <a:rPr lang="zh-TW" altLang="en-US" sz="6400" b="1" dirty="0">
+                <a:solidFill>
+                  <a:srgbClr val="000066"/>
+                </a:solidFill>
+                <a:latin typeface="微軟正黑體" pitchFamily="34" charset="-120"/>
+                <a:ea typeface="微軟正黑體" pitchFamily="34" charset="-120"/>
+              </a:rPr>
+              <a:t>慕</a:t>
+            </a:r>
+            <a:r>
+              <a:rPr lang="zh-TW" altLang="en-US" sz="6400" b="1" dirty="0" smtClean="0">
+                <a:solidFill>
+                  <a:srgbClr val="000066"/>
+                </a:solidFill>
+                <a:latin typeface="微軟正黑體" pitchFamily="34" charset="-120"/>
+                <a:ea typeface="微軟正黑體" pitchFamily="34" charset="-120"/>
+              </a:rPr>
+              <a:t>祢  用</a:t>
+            </a:r>
+            <a:r>
+              <a:rPr lang="zh-TW" altLang="en-US" sz="6400" b="1" dirty="0">
+                <a:solidFill>
+                  <a:srgbClr val="000066"/>
+                </a:solidFill>
+                <a:latin typeface="微軟正黑體" pitchFamily="34" charset="-120"/>
+                <a:ea typeface="微軟正黑體" pitchFamily="34" charset="-120"/>
+              </a:rPr>
+              <a:t>全心全意全人</a:t>
             </a:r>
             <a:endParaRPr lang="en-US" altLang="zh-TW" sz="6400" b="1" dirty="0">
               <a:solidFill>
@@ -6089,27 +6159,37 @@
                 <a:latin typeface="微軟正黑體" pitchFamily="34" charset="-120"/>
                 <a:ea typeface="微軟正黑體" pitchFamily="34" charset="-120"/>
               </a:rPr>
-              <a:t>我渴慕</a:t>
-            </a:r>
-            <a:r>
-              <a:rPr lang="zh-CN" altLang="en-US" sz="6400" b="1" dirty="0">
-                <a:solidFill>
-                  <a:srgbClr val="000066"/>
-                </a:solidFill>
-                <a:latin typeface="微軟正黑體" pitchFamily="34" charset="-120"/>
-                <a:ea typeface="微軟正黑體" pitchFamily="34" charset="-120"/>
-              </a:rPr>
-              <a:t>袮  </a:t>
-            </a:r>
-            <a:r>
-              <a:rPr lang="zh-TW" altLang="en-US" sz="6400" b="1" dirty="0">
-                <a:solidFill>
-                  <a:srgbClr val="000066"/>
-                </a:solidFill>
-                <a:latin typeface="微軟正黑體" pitchFamily="34" charset="-120"/>
-                <a:ea typeface="微軟正黑體" pitchFamily="34" charset="-120"/>
-              </a:rPr>
-              <a:t>超越所有的一切</a:t>
+              <a:t>我渴</a:t>
+            </a:r>
+            <a:r>
+              <a:rPr lang="zh-TW" altLang="en-US" sz="6400" b="1" dirty="0">
+                <a:solidFill>
+                  <a:srgbClr val="000066"/>
+                </a:solidFill>
+                <a:latin typeface="微軟正黑體" pitchFamily="34" charset="-120"/>
+                <a:ea typeface="微軟正黑體" pitchFamily="34" charset="-120"/>
+              </a:rPr>
+              <a:t>慕</a:t>
+            </a:r>
+            <a:r>
+              <a:rPr lang="zh-TW" altLang="en-US" sz="6400" b="1" dirty="0" smtClean="0">
+                <a:solidFill>
+                  <a:srgbClr val="000066"/>
+                </a:solidFill>
+                <a:latin typeface="微軟正黑體" pitchFamily="34" charset="-120"/>
+                <a:ea typeface="微軟正黑體" pitchFamily="34" charset="-120"/>
+              </a:rPr>
+              <a:t>祢  超</a:t>
+            </a:r>
+            <a:r>
+              <a:rPr lang="zh-TW" altLang="en-US" sz="6400" b="1" dirty="0">
+                <a:solidFill>
+                  <a:srgbClr val="000066"/>
+                </a:solidFill>
+                <a:latin typeface="微軟正黑體" pitchFamily="34" charset="-120"/>
+                <a:ea typeface="微軟正黑體" pitchFamily="34" charset="-120"/>
+              </a:rPr>
+              <a:t>越所有的一切</a:t>
             </a:r>
             <a:endParaRPr lang="en-US" altLang="zh-TW" sz="6400" b="1" dirty="0">
               <a:solidFill>
@@ -6130,7 +6210,7 @@
         <p:spPr>
           <a:xfrm>
             <a:off x="0" y="5157192"/>
-            <a:ext cx="12192000" cy="748988"/>
+            <a:ext cx="12192000" cy="584775"/>
           </a:xfrm>
           <a:prstGeom prst="rect">
             <a:avLst/>
@@ -6145,7 +6225,7 @@
           <a:p>
             <a:pPr algn="ctr"/>
             <a:r>
-              <a:rPr lang="en-US" sz="4267" b="1" dirty="0">
+              <a:rPr lang="en-US" sz="3200" b="1" dirty="0">
                 <a:solidFill>
                   <a:srgbClr val="000066"/>
                 </a:solidFill>
@@ -6155,7 +6235,7 @@
               <a:t>( </a:t>
             </a:r>
             <a:r>
-              <a:rPr lang="zh-CN" altLang="en-US" sz="4267" b="1" dirty="0">
+              <a:rPr lang="zh-CN" altLang="en-US" sz="3200" b="1" dirty="0">
                 <a:solidFill>
                   <a:srgbClr val="000066"/>
                 </a:solidFill>
@@ -6165,7 +6245,7 @@
               <a:t>副</a:t>
             </a:r>
             <a:r>
-              <a:rPr lang="en-US" altLang="zh-CN" sz="4267" b="1" dirty="0">
+              <a:rPr lang="en-US" altLang="zh-CN" sz="3200" b="1" dirty="0">
                 <a:solidFill>
                   <a:srgbClr val="000066"/>
                 </a:solidFill>
@@ -6175,7 +6255,7 @@
               <a:t> 2</a:t>
             </a:r>
             <a:r>
-              <a:rPr lang="en-US" sz="4267" b="1" dirty="0">
+              <a:rPr lang="en-US" sz="3200" b="1" dirty="0">
                 <a:solidFill>
                   <a:srgbClr val="000066"/>
                 </a:solidFill>
@@ -6184,10 +6264,11 @@
               </a:rPr>
               <a:t> )</a:t>
             </a:r>
-            <a:endParaRPr lang="vi-VN" sz="4267" b="1" dirty="0">
+            <a:endParaRPr lang="vi-VN" sz="3200" b="1" dirty="0">
               <a:solidFill>
                 <a:srgbClr val="000066"/>
               </a:solidFill>
+              <a:latin typeface="Microsoft JhengHei" panose="020B0604030504040204" pitchFamily="34" charset="-120"/>
               <a:ea typeface="Microsoft JhengHei" panose="020B0604030504040204" pitchFamily="34" charset="-120"/>
             </a:endParaRPr>
           </a:p>
